--- a/Präsentationen/Abschlusspräsentation/Chessmaster_Abschluss.pptx
+++ b/Präsentationen/Abschlusspräsentation/Chessmaster_Abschluss.pptx
@@ -15,20 +15,19 @@
     <p:sldId id="261" r:id="rId12"/>
     <p:sldId id="262" r:id="rId13"/>
     <p:sldId id="274" r:id="rId14"/>
-    <p:sldId id="275" r:id="rId15"/>
-    <p:sldId id="264" r:id="rId16"/>
-    <p:sldId id="276" r:id="rId17"/>
-    <p:sldId id="265" r:id="rId18"/>
-    <p:sldId id="266" r:id="rId19"/>
-    <p:sldId id="277" r:id="rId20"/>
-    <p:sldId id="278" r:id="rId21"/>
-    <p:sldId id="267" r:id="rId22"/>
-    <p:sldId id="268" r:id="rId23"/>
-    <p:sldId id="279" r:id="rId24"/>
-    <p:sldId id="280" r:id="rId25"/>
-    <p:sldId id="269" r:id="rId26"/>
-    <p:sldId id="270" r:id="rId27"/>
-    <p:sldId id="271" r:id="rId28"/>
+    <p:sldId id="281" r:id="rId15"/>
+    <p:sldId id="275" r:id="rId16"/>
+    <p:sldId id="264" r:id="rId17"/>
+    <p:sldId id="276" r:id="rId18"/>
+    <p:sldId id="265" r:id="rId19"/>
+    <p:sldId id="266" r:id="rId20"/>
+    <p:sldId id="277" r:id="rId21"/>
+    <p:sldId id="278" r:id="rId22"/>
+    <p:sldId id="280" r:id="rId23"/>
+    <p:sldId id="268" r:id="rId24"/>
+    <p:sldId id="279" r:id="rId25"/>
+    <p:sldId id="270" r:id="rId26"/>
+    <p:sldId id="271" r:id="rId27"/>
   </p:sldIdLst>
   <p:sldSz cx="12192000" cy="6858000"/>
   <p:notesSz cx="6858000" cy="9144000"/>
@@ -138,7 +137,7 @@
 <file path=ppt/revisionInfo.xml><?xml version="1.0" encoding="utf-8"?>
 <p1510:revInfo xmlns:a="http://schemas.openxmlformats.org/drawingml/2006/main" xmlns:r="http://schemas.openxmlformats.org/officeDocument/2006/relationships" xmlns:p1510="http://schemas.microsoft.com/office/powerpoint/2015/10/main">
   <p1510:revLst>
-    <p1510:client id="{538E10A6-D5DA-4406-AE79-473C20C6EDAA}" v="102" dt="2020-07-16T19:40:00.148"/>
+    <p1510:client id="{538E10A6-D5DA-4406-AE79-473C20C6EDAA}" v="198" dt="2020-07-17T18:38:18.362"/>
   </p1510:revLst>
 </p1510:revInfo>
 </file>
@@ -147,13 +146,13 @@
 <pc:chgInfo xmlns:a="http://schemas.openxmlformats.org/drawingml/2006/main" xmlns:r="http://schemas.openxmlformats.org/officeDocument/2006/relationships" xmlns:ac="http://schemas.microsoft.com/office/drawing/2013/main/command" xmlns:pc="http://schemas.microsoft.com/office/powerpoint/2013/main/command">
   <pc:docChgLst>
     <pc:chgData name="Thorsten Hilbradt" userId="b76ca37a-0758-4f71-aeb6-b277b8bbbfdd" providerId="ADAL" clId="{538E10A6-D5DA-4406-AE79-473C20C6EDAA}"/>
-    <pc:docChg chg="undo custSel mod addSld delSld modSld">
-      <pc:chgData name="Thorsten Hilbradt" userId="b76ca37a-0758-4f71-aeb6-b277b8bbbfdd" providerId="ADAL" clId="{538E10A6-D5DA-4406-AE79-473C20C6EDAA}" dt="2020-07-16T19:40:00.148" v="428" actId="20577"/>
+    <pc:docChg chg="undo custSel mod addSld delSld modSld sldOrd">
+      <pc:chgData name="Thorsten Hilbradt" userId="b76ca37a-0758-4f71-aeb6-b277b8bbbfdd" providerId="ADAL" clId="{538E10A6-D5DA-4406-AE79-473C20C6EDAA}" dt="2020-07-17T18:41:07.061" v="859" actId="14100"/>
       <pc:docMkLst>
         <pc:docMk/>
       </pc:docMkLst>
       <pc:sldChg chg="addSp delSp modSp">
-        <pc:chgData name="Thorsten Hilbradt" userId="b76ca37a-0758-4f71-aeb6-b277b8bbbfdd" providerId="ADAL" clId="{538E10A6-D5DA-4406-AE79-473C20C6EDAA}" dt="2020-07-16T17:29:16.405" v="2" actId="26606"/>
+        <pc:chgData name="Thorsten Hilbradt" userId="b76ca37a-0758-4f71-aeb6-b277b8bbbfdd" providerId="ADAL" clId="{538E10A6-D5DA-4406-AE79-473C20C6EDAA}" dt="2020-07-17T18:39:11.657" v="858" actId="20577"/>
         <pc:sldMkLst>
           <pc:docMk/>
           <pc:sldMk cId="1313352953" sldId="256"/>
@@ -167,7 +166,7 @@
           </ac:spMkLst>
         </pc:spChg>
         <pc:spChg chg="mod">
-          <ac:chgData name="Thorsten Hilbradt" userId="b76ca37a-0758-4f71-aeb6-b277b8bbbfdd" providerId="ADAL" clId="{538E10A6-D5DA-4406-AE79-473C20C6EDAA}" dt="2020-07-16T17:29:16.405" v="2" actId="26606"/>
+          <ac:chgData name="Thorsten Hilbradt" userId="b76ca37a-0758-4f71-aeb6-b277b8bbbfdd" providerId="ADAL" clId="{538E10A6-D5DA-4406-AE79-473C20C6EDAA}" dt="2020-07-17T18:39:11.657" v="858" actId="20577"/>
           <ac:spMkLst>
             <pc:docMk/>
             <pc:sldMk cId="1313352953" sldId="256"/>
@@ -366,7 +365,7 @@
         </pc:grpChg>
       </pc:sldChg>
       <pc:sldChg chg="addSp delSp modSp mod setBg">
-        <pc:chgData name="Thorsten Hilbradt" userId="b76ca37a-0758-4f71-aeb6-b277b8bbbfdd" providerId="ADAL" clId="{538E10A6-D5DA-4406-AE79-473C20C6EDAA}" dt="2020-07-16T17:31:29.869" v="30" actId="26606"/>
+        <pc:chgData name="Thorsten Hilbradt" userId="b76ca37a-0758-4f71-aeb6-b277b8bbbfdd" providerId="ADAL" clId="{538E10A6-D5DA-4406-AE79-473C20C6EDAA}" dt="2020-07-17T12:43:55.582" v="586" actId="1076"/>
         <pc:sldMkLst>
           <pc:docMk/>
           <pc:sldMk cId="636086942" sldId="259"/>
@@ -380,7 +379,7 @@
           </ac:spMkLst>
         </pc:spChg>
         <pc:spChg chg="mod">
-          <ac:chgData name="Thorsten Hilbradt" userId="b76ca37a-0758-4f71-aeb6-b277b8bbbfdd" providerId="ADAL" clId="{538E10A6-D5DA-4406-AE79-473C20C6EDAA}" dt="2020-07-16T17:31:29.861" v="29" actId="26606"/>
+          <ac:chgData name="Thorsten Hilbradt" userId="b76ca37a-0758-4f71-aeb6-b277b8bbbfdd" providerId="ADAL" clId="{538E10A6-D5DA-4406-AE79-473C20C6EDAA}" dt="2020-07-17T12:43:39.947" v="581" actId="14100"/>
           <ac:spMkLst>
             <pc:docMk/>
             <pc:sldMk cId="636086942" sldId="259"/>
@@ -515,6 +514,14 @@
             <ac:spMk id="35" creationId="{074B4F7D-14B2-478B-8BF5-01E4E0C5D263}"/>
           </ac:spMkLst>
         </pc:spChg>
+        <pc:picChg chg="add mod">
+          <ac:chgData name="Thorsten Hilbradt" userId="b76ca37a-0758-4f71-aeb6-b277b8bbbfdd" providerId="ADAL" clId="{538E10A6-D5DA-4406-AE79-473C20C6EDAA}" dt="2020-07-17T12:43:55.582" v="586" actId="1076"/>
+          <ac:picMkLst>
+            <pc:docMk/>
+            <pc:sldMk cId="636086942" sldId="259"/>
+            <ac:picMk id="3074" creationId="{ECF9D15A-0E30-4921-991F-55E610F88B89}"/>
+          </ac:picMkLst>
+        </pc:picChg>
       </pc:sldChg>
       <pc:sldChg chg="addSp delSp modSp mod setBg">
         <pc:chgData name="Thorsten Hilbradt" userId="b76ca37a-0758-4f71-aeb6-b277b8bbbfdd" providerId="ADAL" clId="{538E10A6-D5DA-4406-AE79-473C20C6EDAA}" dt="2020-07-16T17:31:53.320" v="40" actId="26606"/>
@@ -691,7 +698,7 @@
         </pc:picChg>
       </pc:sldChg>
       <pc:sldChg chg="addSp delSp modSp mod setBg">
-        <pc:chgData name="Thorsten Hilbradt" userId="b76ca37a-0758-4f71-aeb6-b277b8bbbfdd" providerId="ADAL" clId="{538E10A6-D5DA-4406-AE79-473C20C6EDAA}" dt="2020-07-16T17:39:32.527" v="90" actId="1076"/>
+        <pc:chgData name="Thorsten Hilbradt" userId="b76ca37a-0758-4f71-aeb6-b277b8bbbfdd" providerId="ADAL" clId="{538E10A6-D5DA-4406-AE79-473C20C6EDAA}" dt="2020-07-17T12:30:19.634" v="441" actId="1076"/>
         <pc:sldMkLst>
           <pc:docMk/>
           <pc:sldMk cId="1781195887" sldId="262"/>
@@ -777,7 +784,15 @@
           </ac:graphicFrameMkLst>
         </pc:graphicFrameChg>
         <pc:picChg chg="add mod">
-          <ac:chgData name="Thorsten Hilbradt" userId="b76ca37a-0758-4f71-aeb6-b277b8bbbfdd" providerId="ADAL" clId="{538E10A6-D5DA-4406-AE79-473C20C6EDAA}" dt="2020-07-16T17:39:32.527" v="90" actId="1076"/>
+          <ac:chgData name="Thorsten Hilbradt" userId="b76ca37a-0758-4f71-aeb6-b277b8bbbfdd" providerId="ADAL" clId="{538E10A6-D5DA-4406-AE79-473C20C6EDAA}" dt="2020-07-17T12:30:19.634" v="441" actId="1076"/>
+          <ac:picMkLst>
+            <pc:docMk/>
+            <pc:sldMk cId="1781195887" sldId="262"/>
+            <ac:picMk id="1026" creationId="{1B4106C7-F707-460D-ACD4-320615348EB6}"/>
+          </ac:picMkLst>
+        </pc:picChg>
+        <pc:picChg chg="add mod">
+          <ac:chgData name="Thorsten Hilbradt" userId="b76ca37a-0758-4f71-aeb6-b277b8bbbfdd" providerId="ADAL" clId="{538E10A6-D5DA-4406-AE79-473C20C6EDAA}" dt="2020-07-17T12:30:08.236" v="435" actId="1076"/>
           <ac:picMkLst>
             <pc:docMk/>
             <pc:sldMk cId="1781195887" sldId="262"/>
@@ -944,13 +959,13 @@
         </pc:grpChg>
       </pc:sldChg>
       <pc:sldChg chg="addSp modSp mod setBg">
-        <pc:chgData name="Thorsten Hilbradt" userId="b76ca37a-0758-4f71-aeb6-b277b8bbbfdd" providerId="ADAL" clId="{538E10A6-D5DA-4406-AE79-473C20C6EDAA}" dt="2020-07-16T19:40:00.148" v="428" actId="20577"/>
+        <pc:chgData name="Thorsten Hilbradt" userId="b76ca37a-0758-4f71-aeb6-b277b8bbbfdd" providerId="ADAL" clId="{538E10A6-D5DA-4406-AE79-473C20C6EDAA}" dt="2020-07-17T13:19:48.061" v="711" actId="20577"/>
         <pc:sldMkLst>
           <pc:docMk/>
           <pc:sldMk cId="3367519848" sldId="265"/>
         </pc:sldMkLst>
         <pc:spChg chg="mod">
-          <ac:chgData name="Thorsten Hilbradt" userId="b76ca37a-0758-4f71-aeb6-b277b8bbbfdd" providerId="ADAL" clId="{538E10A6-D5DA-4406-AE79-473C20C6EDAA}" dt="2020-07-16T17:49:03.178" v="201" actId="26606"/>
+          <ac:chgData name="Thorsten Hilbradt" userId="b76ca37a-0758-4f71-aeb6-b277b8bbbfdd" providerId="ADAL" clId="{538E10A6-D5DA-4406-AE79-473C20C6EDAA}" dt="2020-07-17T13:19:48.061" v="711" actId="20577"/>
           <ac:spMkLst>
             <pc:docMk/>
             <pc:sldMk cId="3367519848" sldId="265"/>
@@ -958,7 +973,7 @@
           </ac:spMkLst>
         </pc:spChg>
         <pc:spChg chg="mod">
-          <ac:chgData name="Thorsten Hilbradt" userId="b76ca37a-0758-4f71-aeb6-b277b8bbbfdd" providerId="ADAL" clId="{538E10A6-D5DA-4406-AE79-473C20C6EDAA}" dt="2020-07-16T17:49:03.178" v="201" actId="26606"/>
+          <ac:chgData name="Thorsten Hilbradt" userId="b76ca37a-0758-4f71-aeb6-b277b8bbbfdd" providerId="ADAL" clId="{538E10A6-D5DA-4406-AE79-473C20C6EDAA}" dt="2020-07-17T13:19:32.327" v="709" actId="20577"/>
           <ac:spMkLst>
             <pc:docMk/>
             <pc:sldMk cId="3367519848" sldId="265"/>
@@ -1077,6 +1092,13 @@
           </ac:grpSpMkLst>
         </pc:grpChg>
       </pc:sldChg>
+      <pc:sldChg chg="del">
+        <pc:chgData name="Thorsten Hilbradt" userId="b76ca37a-0758-4f71-aeb6-b277b8bbbfdd" providerId="ADAL" clId="{538E10A6-D5DA-4406-AE79-473C20C6EDAA}" dt="2020-07-17T12:27:52.564" v="429" actId="2696"/>
+        <pc:sldMkLst>
+          <pc:docMk/>
+          <pc:sldMk cId="679330469" sldId="267"/>
+        </pc:sldMkLst>
+      </pc:sldChg>
       <pc:sldChg chg="addSp delSp modSp mod setBg">
         <pc:chgData name="Thorsten Hilbradt" userId="b76ca37a-0758-4f71-aeb6-b277b8bbbfdd" providerId="ADAL" clId="{538E10A6-D5DA-4406-AE79-473C20C6EDAA}" dt="2020-07-16T19:10:14.538" v="279" actId="26606"/>
         <pc:sldMkLst>
@@ -1156,8 +1178,8 @@
           </ac:spMkLst>
         </pc:spChg>
       </pc:sldChg>
-      <pc:sldChg chg="addSp delSp modSp mod setBg">
-        <pc:chgData name="Thorsten Hilbradt" userId="b76ca37a-0758-4f71-aeb6-b277b8bbbfdd" providerId="ADAL" clId="{538E10A6-D5DA-4406-AE79-473C20C6EDAA}" dt="2020-07-16T19:13:50.350" v="413" actId="26606"/>
+      <pc:sldChg chg="addSp delSp modSp del mod setBg">
+        <pc:chgData name="Thorsten Hilbradt" userId="b76ca37a-0758-4f71-aeb6-b277b8bbbfdd" providerId="ADAL" clId="{538E10A6-D5DA-4406-AE79-473C20C6EDAA}" dt="2020-07-17T12:40:10.268" v="538" actId="2696"/>
         <pc:sldMkLst>
           <pc:docMk/>
           <pc:sldMk cId="1176754451" sldId="269"/>
@@ -1236,7 +1258,7 @@
         </pc:spChg>
       </pc:sldChg>
       <pc:sldChg chg="addSp modSp mod setBg">
-        <pc:chgData name="Thorsten Hilbradt" userId="b76ca37a-0758-4f71-aeb6-b277b8bbbfdd" providerId="ADAL" clId="{538E10A6-D5DA-4406-AE79-473C20C6EDAA}" dt="2020-07-16T19:13:33.117" v="411" actId="26606"/>
+        <pc:chgData name="Thorsten Hilbradt" userId="b76ca37a-0758-4f71-aeb6-b277b8bbbfdd" providerId="ADAL" clId="{538E10A6-D5DA-4406-AE79-473C20C6EDAA}" dt="2020-07-17T18:38:10.172" v="779"/>
         <pc:sldMkLst>
           <pc:docMk/>
           <pc:sldMk cId="2295727926" sldId="270"/>
@@ -1250,7 +1272,7 @@
           </ac:spMkLst>
         </pc:spChg>
         <pc:spChg chg="mod">
-          <ac:chgData name="Thorsten Hilbradt" userId="b76ca37a-0758-4f71-aeb6-b277b8bbbfdd" providerId="ADAL" clId="{538E10A6-D5DA-4406-AE79-473C20C6EDAA}" dt="2020-07-16T19:13:33.117" v="411" actId="26606"/>
+          <ac:chgData name="Thorsten Hilbradt" userId="b76ca37a-0758-4f71-aeb6-b277b8bbbfdd" providerId="ADAL" clId="{538E10A6-D5DA-4406-AE79-473C20C6EDAA}" dt="2020-07-17T18:38:10.172" v="779"/>
           <ac:spMkLst>
             <pc:docMk/>
             <pc:sldMk cId="2295727926" sldId="270"/>
@@ -1338,7 +1360,7 @@
         </pc:spChg>
       </pc:sldChg>
       <pc:sldChg chg="addSp modSp mod setBg">
-        <pc:chgData name="Thorsten Hilbradt" userId="b76ca37a-0758-4f71-aeb6-b277b8bbbfdd" providerId="ADAL" clId="{538E10A6-D5DA-4406-AE79-473C20C6EDAA}" dt="2020-07-16T17:30:37.810" v="10" actId="26606"/>
+        <pc:chgData name="Thorsten Hilbradt" userId="b76ca37a-0758-4f71-aeb6-b277b8bbbfdd" providerId="ADAL" clId="{538E10A6-D5DA-4406-AE79-473C20C6EDAA}" dt="2020-07-17T18:41:07.061" v="859" actId="14100"/>
         <pc:sldMkLst>
           <pc:docMk/>
           <pc:sldMk cId="4194783955" sldId="272"/>
@@ -1352,7 +1374,7 @@
           </ac:spMkLst>
         </pc:spChg>
         <pc:spChg chg="mod">
-          <ac:chgData name="Thorsten Hilbradt" userId="b76ca37a-0758-4f71-aeb6-b277b8bbbfdd" providerId="ADAL" clId="{538E10A6-D5DA-4406-AE79-473C20C6EDAA}" dt="2020-07-16T17:30:37.810" v="10" actId="26606"/>
+          <ac:chgData name="Thorsten Hilbradt" userId="b76ca37a-0758-4f71-aeb6-b277b8bbbfdd" providerId="ADAL" clId="{538E10A6-D5DA-4406-AE79-473C20C6EDAA}" dt="2020-07-17T18:41:07.061" v="859" actId="14100"/>
           <ac:spMkLst>
             <pc:docMk/>
             <pc:sldMk cId="4194783955" sldId="272"/>
@@ -1572,8 +1594,8 @@
           </ac:spMkLst>
         </pc:spChg>
       </pc:sldChg>
-      <pc:sldChg chg="addSp modSp add mod setBg">
-        <pc:chgData name="Thorsten Hilbradt" userId="b76ca37a-0758-4f71-aeb6-b277b8bbbfdd" providerId="ADAL" clId="{538E10A6-D5DA-4406-AE79-473C20C6EDAA}" dt="2020-07-16T17:47:21.780" v="178" actId="1076"/>
+      <pc:sldChg chg="addSp delSp modSp add mod setBg">
+        <pc:chgData name="Thorsten Hilbradt" userId="b76ca37a-0758-4f71-aeb6-b277b8bbbfdd" providerId="ADAL" clId="{538E10A6-D5DA-4406-AE79-473C20C6EDAA}" dt="2020-07-17T12:33:17.420" v="473"/>
         <pc:sldMkLst>
           <pc:docMk/>
           <pc:sldMk cId="3192965094" sldId="274"/>
@@ -1595,7 +1617,7 @@
           </ac:spMkLst>
         </pc:spChg>
         <pc:spChg chg="add mod">
-          <ac:chgData name="Thorsten Hilbradt" userId="b76ca37a-0758-4f71-aeb6-b277b8bbbfdd" providerId="ADAL" clId="{538E10A6-D5DA-4406-AE79-473C20C6EDAA}" dt="2020-07-16T17:47:21.780" v="178" actId="1076"/>
+          <ac:chgData name="Thorsten Hilbradt" userId="b76ca37a-0758-4f71-aeb6-b277b8bbbfdd" providerId="ADAL" clId="{538E10A6-D5DA-4406-AE79-473C20C6EDAA}" dt="2020-07-17T12:30:48.115" v="450" actId="20577"/>
           <ac:spMkLst>
             <pc:docMk/>
             <pc:sldMk cId="3192965094" sldId="274"/>
@@ -1634,6 +1656,14 @@
             <ac:spMk id="14" creationId="{074B4F7D-14B2-478B-8BF5-01E4E0C5D263}"/>
           </ac:spMkLst>
         </pc:spChg>
+        <pc:picChg chg="add del">
+          <ac:chgData name="Thorsten Hilbradt" userId="b76ca37a-0758-4f71-aeb6-b277b8bbbfdd" providerId="ADAL" clId="{538E10A6-D5DA-4406-AE79-473C20C6EDAA}" dt="2020-07-17T12:33:17.420" v="473"/>
+          <ac:picMkLst>
+            <pc:docMk/>
+            <pc:sldMk cId="3192965094" sldId="274"/>
+            <ac:picMk id="2050" creationId="{8143380F-EA23-49E0-B1DE-4066E2DF63AE}"/>
+          </ac:picMkLst>
+        </pc:picChg>
         <pc:picChg chg="add mod">
           <ac:chgData name="Thorsten Hilbradt" userId="b76ca37a-0758-4f71-aeb6-b277b8bbbfdd" providerId="ADAL" clId="{538E10A6-D5DA-4406-AE79-473C20C6EDAA}" dt="2020-07-16T17:47:12.253" v="164" actId="14100"/>
           <ac:picMkLst>
@@ -1747,7 +1777,7 @@
         </pc:picChg>
       </pc:sldChg>
       <pc:sldChg chg="addSp modSp add mod setBg">
-        <pc:chgData name="Thorsten Hilbradt" userId="b76ca37a-0758-4f71-aeb6-b277b8bbbfdd" providerId="ADAL" clId="{538E10A6-D5DA-4406-AE79-473C20C6EDAA}" dt="2020-07-16T17:48:56.123" v="200" actId="26606"/>
+        <pc:chgData name="Thorsten Hilbradt" userId="b76ca37a-0758-4f71-aeb6-b277b8bbbfdd" providerId="ADAL" clId="{538E10A6-D5DA-4406-AE79-473C20C6EDAA}" dt="2020-07-17T18:36:21.551" v="776" actId="20577"/>
         <pc:sldMkLst>
           <pc:docMk/>
           <pc:sldMk cId="1123854356" sldId="276"/>
@@ -1761,7 +1791,7 @@
           </ac:spMkLst>
         </pc:spChg>
         <pc:spChg chg="mod">
-          <ac:chgData name="Thorsten Hilbradt" userId="b76ca37a-0758-4f71-aeb6-b277b8bbbfdd" providerId="ADAL" clId="{538E10A6-D5DA-4406-AE79-473C20C6EDAA}" dt="2020-07-16T17:48:56.123" v="200" actId="26606"/>
+          <ac:chgData name="Thorsten Hilbradt" userId="b76ca37a-0758-4f71-aeb6-b277b8bbbfdd" providerId="ADAL" clId="{538E10A6-D5DA-4406-AE79-473C20C6EDAA}" dt="2020-07-17T18:36:21.551" v="776" actId="20577"/>
           <ac:spMkLst>
             <pc:docMk/>
             <pc:sldMk cId="1123854356" sldId="276"/>
@@ -1976,7 +2006,7 @@
         </pc:picChg>
       </pc:sldChg>
       <pc:sldChg chg="addSp modSp add mod setBg">
-        <pc:chgData name="Thorsten Hilbradt" userId="b76ca37a-0758-4f71-aeb6-b277b8bbbfdd" providerId="ADAL" clId="{538E10A6-D5DA-4406-AE79-473C20C6EDAA}" dt="2020-07-16T19:10:28.295" v="291" actId="20577"/>
+        <pc:chgData name="Thorsten Hilbradt" userId="b76ca37a-0758-4f71-aeb6-b277b8bbbfdd" providerId="ADAL" clId="{538E10A6-D5DA-4406-AE79-473C20C6EDAA}" dt="2020-07-17T12:57:54.070" v="608" actId="1076"/>
         <pc:sldMkLst>
           <pc:docMk/>
           <pc:sldMk cId="2063855677" sldId="279"/>
@@ -1990,7 +2020,7 @@
           </ac:spMkLst>
         </pc:spChg>
         <pc:spChg chg="mod">
-          <ac:chgData name="Thorsten Hilbradt" userId="b76ca37a-0758-4f71-aeb6-b277b8bbbfdd" providerId="ADAL" clId="{538E10A6-D5DA-4406-AE79-473C20C6EDAA}" dt="2020-07-16T19:10:24.466" v="281" actId="26606"/>
+          <ac:chgData name="Thorsten Hilbradt" userId="b76ca37a-0758-4f71-aeb6-b277b8bbbfdd" providerId="ADAL" clId="{538E10A6-D5DA-4406-AE79-473C20C6EDAA}" dt="2020-07-17T12:55:41.455" v="590" actId="14100"/>
           <ac:spMkLst>
             <pc:docMk/>
             <pc:sldMk cId="2063855677" sldId="279"/>
@@ -2029,9 +2059,33 @@
             <ac:spMk id="14" creationId="{074B4F7D-14B2-478B-8BF5-01E4E0C5D263}"/>
           </ac:spMkLst>
         </pc:spChg>
+        <pc:picChg chg="add mod">
+          <ac:chgData name="Thorsten Hilbradt" userId="b76ca37a-0758-4f71-aeb6-b277b8bbbfdd" providerId="ADAL" clId="{538E10A6-D5DA-4406-AE79-473C20C6EDAA}" dt="2020-07-17T12:57:52.626" v="607" actId="1076"/>
+          <ac:picMkLst>
+            <pc:docMk/>
+            <pc:sldMk cId="2063855677" sldId="279"/>
+            <ac:picMk id="4" creationId="{DBE111FC-47E3-45B9-A1F3-61891BA73A24}"/>
+          </ac:picMkLst>
+        </pc:picChg>
+        <pc:picChg chg="add mod">
+          <ac:chgData name="Thorsten Hilbradt" userId="b76ca37a-0758-4f71-aeb6-b277b8bbbfdd" providerId="ADAL" clId="{538E10A6-D5DA-4406-AE79-473C20C6EDAA}" dt="2020-07-17T12:57:48.151" v="605" actId="1076"/>
+          <ac:picMkLst>
+            <pc:docMk/>
+            <pc:sldMk cId="2063855677" sldId="279"/>
+            <ac:picMk id="5" creationId="{72B22D41-B91D-4B2E-BA80-9966924999BC}"/>
+          </ac:picMkLst>
+        </pc:picChg>
+        <pc:picChg chg="add mod">
+          <ac:chgData name="Thorsten Hilbradt" userId="b76ca37a-0758-4f71-aeb6-b277b8bbbfdd" providerId="ADAL" clId="{538E10A6-D5DA-4406-AE79-473C20C6EDAA}" dt="2020-07-17T12:57:54.070" v="608" actId="1076"/>
+          <ac:picMkLst>
+            <pc:docMk/>
+            <pc:sldMk cId="2063855677" sldId="279"/>
+            <ac:picMk id="6" creationId="{E7AF409C-8C9F-481B-8C11-CB0FCA19A6C9}"/>
+          </ac:picMkLst>
+        </pc:picChg>
       </pc:sldChg>
-      <pc:sldChg chg="addSp delSp modSp add mod setBg">
-        <pc:chgData name="Thorsten Hilbradt" userId="b76ca37a-0758-4f71-aeb6-b277b8bbbfdd" providerId="ADAL" clId="{538E10A6-D5DA-4406-AE79-473C20C6EDAA}" dt="2020-07-16T19:12:30.307" v="358" actId="313"/>
+      <pc:sldChg chg="addSp delSp modSp add mod ord setBg">
+        <pc:chgData name="Thorsten Hilbradt" userId="b76ca37a-0758-4f71-aeb6-b277b8bbbfdd" providerId="ADAL" clId="{538E10A6-D5DA-4406-AE79-473C20C6EDAA}" dt="2020-07-17T12:40:32.602" v="539"/>
         <pc:sldMkLst>
           <pc:docMk/>
           <pc:sldMk cId="1650077746" sldId="280"/>
@@ -2146,6 +2200,260 @@
             <ac:spMk id="2" creationId="{D4D80979-3F58-40DE-98D9-541100911224}"/>
           </ac:spMkLst>
         </pc:spChg>
+      </pc:sldChg>
+      <pc:sldChg chg="addSp delSp modSp add mod setBg delDesignElem">
+        <pc:chgData name="Thorsten Hilbradt" userId="b76ca37a-0758-4f71-aeb6-b277b8bbbfdd" providerId="ADAL" clId="{538E10A6-D5DA-4406-AE79-473C20C6EDAA}" dt="2020-07-17T12:36:08.105" v="523"/>
+        <pc:sldMkLst>
+          <pc:docMk/>
+          <pc:sldMk cId="274450496" sldId="281"/>
+        </pc:sldMkLst>
+        <pc:spChg chg="del mod ord">
+          <ac:chgData name="Thorsten Hilbradt" userId="b76ca37a-0758-4f71-aeb6-b277b8bbbfdd" providerId="ADAL" clId="{538E10A6-D5DA-4406-AE79-473C20C6EDAA}" dt="2020-07-17T12:33:31.304" v="478" actId="478"/>
+          <ac:spMkLst>
+            <pc:docMk/>
+            <pc:sldMk cId="274450496" sldId="281"/>
+            <ac:spMk id="3" creationId="{CE8F372C-4D49-4ABD-9F19-1C9CA89A4B64}"/>
+          </ac:spMkLst>
+        </pc:spChg>
+        <pc:spChg chg="del mod">
+          <ac:chgData name="Thorsten Hilbradt" userId="b76ca37a-0758-4f71-aeb6-b277b8bbbfdd" providerId="ADAL" clId="{538E10A6-D5DA-4406-AE79-473C20C6EDAA}" dt="2020-07-17T12:33:37.002" v="480" actId="478"/>
+          <ac:spMkLst>
+            <pc:docMk/>
+            <pc:sldMk cId="274450496" sldId="281"/>
+            <ac:spMk id="4" creationId="{B229791E-31AF-48A9-A74C-35C20F0014DF}"/>
+          </ac:spMkLst>
+        </pc:spChg>
+        <pc:spChg chg="add del mod">
+          <ac:chgData name="Thorsten Hilbradt" userId="b76ca37a-0758-4f71-aeb6-b277b8bbbfdd" providerId="ADAL" clId="{538E10A6-D5DA-4406-AE79-473C20C6EDAA}" dt="2020-07-17T12:33:36.010" v="479" actId="478"/>
+          <ac:spMkLst>
+            <pc:docMk/>
+            <pc:sldMk cId="274450496" sldId="281"/>
+            <ac:spMk id="6" creationId="{9FD851CB-8773-44E8-92A7-359BB8D638F1}"/>
+          </ac:spMkLst>
+        </pc:spChg>
+        <pc:spChg chg="del">
+          <ac:chgData name="Thorsten Hilbradt" userId="b76ca37a-0758-4f71-aeb6-b277b8bbbfdd" providerId="ADAL" clId="{538E10A6-D5DA-4406-AE79-473C20C6EDAA}" dt="2020-07-17T12:33:20.947" v="475"/>
+          <ac:spMkLst>
+            <pc:docMk/>
+            <pc:sldMk cId="274450496" sldId="281"/>
+            <ac:spMk id="8" creationId="{DAF1966E-FD40-4A4A-B61B-C4DF7FA05F06}"/>
+          </ac:spMkLst>
+        </pc:spChg>
+        <pc:spChg chg="del">
+          <ac:chgData name="Thorsten Hilbradt" userId="b76ca37a-0758-4f71-aeb6-b277b8bbbfdd" providerId="ADAL" clId="{538E10A6-D5DA-4406-AE79-473C20C6EDAA}" dt="2020-07-17T12:33:20.947" v="475"/>
+          <ac:spMkLst>
+            <pc:docMk/>
+            <pc:sldMk cId="274450496" sldId="281"/>
+            <ac:spMk id="10" creationId="{047BFA19-D45E-416B-A404-7AF2F3F27017}"/>
+          </ac:spMkLst>
+        </pc:spChg>
+        <pc:spChg chg="del">
+          <ac:chgData name="Thorsten Hilbradt" userId="b76ca37a-0758-4f71-aeb6-b277b8bbbfdd" providerId="ADAL" clId="{538E10A6-D5DA-4406-AE79-473C20C6EDAA}" dt="2020-07-17T12:33:20.947" v="475"/>
+          <ac:spMkLst>
+            <pc:docMk/>
+            <pc:sldMk cId="274450496" sldId="281"/>
+            <ac:spMk id="12" creationId="{8E0105E7-23DB-4CF2-8258-FF47C7620F6E}"/>
+          </ac:spMkLst>
+        </pc:spChg>
+        <pc:spChg chg="del">
+          <ac:chgData name="Thorsten Hilbradt" userId="b76ca37a-0758-4f71-aeb6-b277b8bbbfdd" providerId="ADAL" clId="{538E10A6-D5DA-4406-AE79-473C20C6EDAA}" dt="2020-07-17T12:33:20.947" v="475"/>
+          <ac:spMkLst>
+            <pc:docMk/>
+            <pc:sldMk cId="274450496" sldId="281"/>
+            <ac:spMk id="14" creationId="{074B4F7D-14B2-478B-8BF5-01E4E0C5D263}"/>
+          </ac:spMkLst>
+        </pc:spChg>
+        <pc:spChg chg="add mod">
+          <ac:chgData name="Thorsten Hilbradt" userId="b76ca37a-0758-4f71-aeb6-b277b8bbbfdd" providerId="ADAL" clId="{538E10A6-D5DA-4406-AE79-473C20C6EDAA}" dt="2020-07-17T12:35:12.800" v="494" actId="1076"/>
+          <ac:spMkLst>
+            <pc:docMk/>
+            <pc:sldMk cId="274450496" sldId="281"/>
+            <ac:spMk id="16" creationId="{C12AD756-3028-43EB-99EC-9D1C48C92BC8}"/>
+          </ac:spMkLst>
+        </pc:spChg>
+        <pc:spChg chg="add del mod">
+          <ac:chgData name="Thorsten Hilbradt" userId="b76ca37a-0758-4f71-aeb6-b277b8bbbfdd" providerId="ADAL" clId="{538E10A6-D5DA-4406-AE79-473C20C6EDAA}" dt="2020-07-17T12:36:08.105" v="523"/>
+          <ac:spMkLst>
+            <pc:docMk/>
+            <pc:sldMk cId="274450496" sldId="281"/>
+            <ac:spMk id="17" creationId="{D927D280-B44E-42B8-9364-1346D312CCCD}"/>
+          </ac:spMkLst>
+        </pc:spChg>
+        <pc:spChg chg="add mod">
+          <ac:chgData name="Thorsten Hilbradt" userId="b76ca37a-0758-4f71-aeb6-b277b8bbbfdd" providerId="ADAL" clId="{538E10A6-D5DA-4406-AE79-473C20C6EDAA}" dt="2020-07-17T12:35:20.431" v="496" actId="1076"/>
+          <ac:spMkLst>
+            <pc:docMk/>
+            <pc:sldMk cId="274450496" sldId="281"/>
+            <ac:spMk id="22" creationId="{8612668C-934B-4D86-B618-8178A291FDA9}"/>
+          </ac:spMkLst>
+        </pc:spChg>
+        <pc:spChg chg="add">
+          <ac:chgData name="Thorsten Hilbradt" userId="b76ca37a-0758-4f71-aeb6-b277b8bbbfdd" providerId="ADAL" clId="{538E10A6-D5DA-4406-AE79-473C20C6EDAA}" dt="2020-07-17T12:33:27.566" v="476" actId="26606"/>
+          <ac:spMkLst>
+            <pc:docMk/>
+            <pc:sldMk cId="274450496" sldId="281"/>
+            <ac:spMk id="71" creationId="{84ECDE7A-6944-466D-8FFE-149A29BA6BAE}"/>
+          </ac:spMkLst>
+        </pc:spChg>
+        <pc:spChg chg="add">
+          <ac:chgData name="Thorsten Hilbradt" userId="b76ca37a-0758-4f71-aeb6-b277b8bbbfdd" providerId="ADAL" clId="{538E10A6-D5DA-4406-AE79-473C20C6EDAA}" dt="2020-07-17T12:33:27.566" v="476" actId="26606"/>
+          <ac:spMkLst>
+            <pc:docMk/>
+            <pc:sldMk cId="274450496" sldId="281"/>
+            <ac:spMk id="73" creationId="{B3420082-9415-44EC-802E-C77D71D59C57}"/>
+          </ac:spMkLst>
+        </pc:spChg>
+        <pc:spChg chg="add">
+          <ac:chgData name="Thorsten Hilbradt" userId="b76ca37a-0758-4f71-aeb6-b277b8bbbfdd" providerId="ADAL" clId="{538E10A6-D5DA-4406-AE79-473C20C6EDAA}" dt="2020-07-17T12:33:27.566" v="476" actId="26606"/>
+          <ac:spMkLst>
+            <pc:docMk/>
+            <pc:sldMk cId="274450496" sldId="281"/>
+            <ac:spMk id="75" creationId="{55A52C45-1FCB-4636-A80F-2849B8226C01}"/>
+          </ac:spMkLst>
+        </pc:spChg>
+        <pc:spChg chg="add">
+          <ac:chgData name="Thorsten Hilbradt" userId="b76ca37a-0758-4f71-aeb6-b277b8bbbfdd" providerId="ADAL" clId="{538E10A6-D5DA-4406-AE79-473C20C6EDAA}" dt="2020-07-17T12:33:27.566" v="476" actId="26606"/>
+          <ac:spMkLst>
+            <pc:docMk/>
+            <pc:sldMk cId="274450496" sldId="281"/>
+            <ac:spMk id="77" creationId="{768EB4DD-3704-43AD-92B3-C4E0C6EA92CB}"/>
+          </ac:spMkLst>
+        </pc:spChg>
+        <pc:picChg chg="add mod">
+          <ac:chgData name="Thorsten Hilbradt" userId="b76ca37a-0758-4f71-aeb6-b277b8bbbfdd" providerId="ADAL" clId="{538E10A6-D5DA-4406-AE79-473C20C6EDAA}" dt="2020-07-17T12:34:22.786" v="487" actId="1076"/>
+          <ac:picMkLst>
+            <pc:docMk/>
+            <pc:sldMk cId="274450496" sldId="281"/>
+            <ac:picMk id="7" creationId="{CDBC459B-282A-4DA6-A08B-CAEAFBC7955B}"/>
+          </ac:picMkLst>
+        </pc:picChg>
+        <pc:picChg chg="add mod">
+          <ac:chgData name="Thorsten Hilbradt" userId="b76ca37a-0758-4f71-aeb6-b277b8bbbfdd" providerId="ADAL" clId="{538E10A6-D5DA-4406-AE79-473C20C6EDAA}" dt="2020-07-17T12:34:39.801" v="491" actId="1076"/>
+          <ac:picMkLst>
+            <pc:docMk/>
+            <pc:sldMk cId="274450496" sldId="281"/>
+            <ac:picMk id="9" creationId="{D2CDBF6F-5827-4574-9CDB-7DF872FEE6C4}"/>
+          </ac:picMkLst>
+        </pc:picChg>
+        <pc:picChg chg="add mod">
+          <ac:chgData name="Thorsten Hilbradt" userId="b76ca37a-0758-4f71-aeb6-b277b8bbbfdd" providerId="ADAL" clId="{538E10A6-D5DA-4406-AE79-473C20C6EDAA}" dt="2020-07-17T12:34:33.242" v="490" actId="1076"/>
+          <ac:picMkLst>
+            <pc:docMk/>
+            <pc:sldMk cId="274450496" sldId="281"/>
+            <ac:picMk id="11" creationId="{FF8257FC-F37F-49A2-A233-C964083DC095}"/>
+          </ac:picMkLst>
+        </pc:picChg>
+        <pc:picChg chg="del mod">
+          <ac:chgData name="Thorsten Hilbradt" userId="b76ca37a-0758-4f71-aeb6-b277b8bbbfdd" providerId="ADAL" clId="{538E10A6-D5DA-4406-AE79-473C20C6EDAA}" dt="2020-07-17T12:33:29.424" v="477" actId="478"/>
+          <ac:picMkLst>
+            <pc:docMk/>
+            <pc:sldMk cId="274450496" sldId="281"/>
+            <ac:picMk id="3074" creationId="{EDDF7680-8355-4529-9F86-C8165CA3AC7B}"/>
+          </ac:picMkLst>
+        </pc:picChg>
+        <pc:cxnChg chg="add mod">
+          <ac:chgData name="Thorsten Hilbradt" userId="b76ca37a-0758-4f71-aeb6-b277b8bbbfdd" providerId="ADAL" clId="{538E10A6-D5DA-4406-AE79-473C20C6EDAA}" dt="2020-07-17T12:35:01.142" v="492" actId="11529"/>
+          <ac:cxnSpMkLst>
+            <pc:docMk/>
+            <pc:sldMk cId="274450496" sldId="281"/>
+            <ac:cxnSpMk id="15" creationId="{EC155312-BBCE-4EAB-BD80-93776F0BDB34}"/>
+          </ac:cxnSpMkLst>
+        </pc:cxnChg>
+      </pc:sldChg>
+      <pc:sldChg chg="addSp delSp modSp add del setBg delDesignElem">
+        <pc:chgData name="Thorsten Hilbradt" userId="b76ca37a-0758-4f71-aeb6-b277b8bbbfdd" providerId="ADAL" clId="{538E10A6-D5DA-4406-AE79-473C20C6EDAA}" dt="2020-07-17T12:33:09.647" v="471" actId="2696"/>
+        <pc:sldMkLst>
+          <pc:docMk/>
+          <pc:sldMk cId="3426032767" sldId="281"/>
+        </pc:sldMkLst>
+        <pc:spChg chg="del">
+          <ac:chgData name="Thorsten Hilbradt" userId="b76ca37a-0758-4f71-aeb6-b277b8bbbfdd" providerId="ADAL" clId="{538E10A6-D5DA-4406-AE79-473C20C6EDAA}" dt="2020-07-17T12:31:40.381" v="457" actId="478"/>
+          <ac:spMkLst>
+            <pc:docMk/>
+            <pc:sldMk cId="3426032767" sldId="281"/>
+            <ac:spMk id="3" creationId="{CE8F372C-4D49-4ABD-9F19-1C9CA89A4B64}"/>
+          </ac:spMkLst>
+        </pc:spChg>
+        <pc:spChg chg="del mod">
+          <ac:chgData name="Thorsten Hilbradt" userId="b76ca37a-0758-4f71-aeb6-b277b8bbbfdd" providerId="ADAL" clId="{538E10A6-D5DA-4406-AE79-473C20C6EDAA}" dt="2020-07-17T12:31:37.858" v="456" actId="478"/>
+          <ac:spMkLst>
+            <pc:docMk/>
+            <pc:sldMk cId="3426032767" sldId="281"/>
+            <ac:spMk id="4" creationId="{B229791E-31AF-48A9-A74C-35C20F0014DF}"/>
+          </ac:spMkLst>
+        </pc:spChg>
+        <pc:spChg chg="add del mod">
+          <ac:chgData name="Thorsten Hilbradt" userId="b76ca37a-0758-4f71-aeb6-b277b8bbbfdd" providerId="ADAL" clId="{538E10A6-D5DA-4406-AE79-473C20C6EDAA}" dt="2020-07-17T12:31:41.690" v="458" actId="478"/>
+          <ac:spMkLst>
+            <pc:docMk/>
+            <pc:sldMk cId="3426032767" sldId="281"/>
+            <ac:spMk id="6" creationId="{C566C882-006D-4028-A17E-890F9882190E}"/>
+          </ac:spMkLst>
+        </pc:spChg>
+        <pc:spChg chg="del">
+          <ac:chgData name="Thorsten Hilbradt" userId="b76ca37a-0758-4f71-aeb6-b277b8bbbfdd" providerId="ADAL" clId="{538E10A6-D5DA-4406-AE79-473C20C6EDAA}" dt="2020-07-17T12:31:24.751" v="452"/>
+          <ac:spMkLst>
+            <pc:docMk/>
+            <pc:sldMk cId="3426032767" sldId="281"/>
+            <ac:spMk id="8" creationId="{DAF1966E-FD40-4A4A-B61B-C4DF7FA05F06}"/>
+          </ac:spMkLst>
+        </pc:spChg>
+        <pc:spChg chg="del">
+          <ac:chgData name="Thorsten Hilbradt" userId="b76ca37a-0758-4f71-aeb6-b277b8bbbfdd" providerId="ADAL" clId="{538E10A6-D5DA-4406-AE79-473C20C6EDAA}" dt="2020-07-17T12:31:24.751" v="452"/>
+          <ac:spMkLst>
+            <pc:docMk/>
+            <pc:sldMk cId="3426032767" sldId="281"/>
+            <ac:spMk id="10" creationId="{047BFA19-D45E-416B-A404-7AF2F3F27017}"/>
+          </ac:spMkLst>
+        </pc:spChg>
+        <pc:spChg chg="del">
+          <ac:chgData name="Thorsten Hilbradt" userId="b76ca37a-0758-4f71-aeb6-b277b8bbbfdd" providerId="ADAL" clId="{538E10A6-D5DA-4406-AE79-473C20C6EDAA}" dt="2020-07-17T12:31:24.751" v="452"/>
+          <ac:spMkLst>
+            <pc:docMk/>
+            <pc:sldMk cId="3426032767" sldId="281"/>
+            <ac:spMk id="12" creationId="{8E0105E7-23DB-4CF2-8258-FF47C7620F6E}"/>
+          </ac:spMkLst>
+        </pc:spChg>
+        <pc:spChg chg="del">
+          <ac:chgData name="Thorsten Hilbradt" userId="b76ca37a-0758-4f71-aeb6-b277b8bbbfdd" providerId="ADAL" clId="{538E10A6-D5DA-4406-AE79-473C20C6EDAA}" dt="2020-07-17T12:31:24.751" v="452"/>
+          <ac:spMkLst>
+            <pc:docMk/>
+            <pc:sldMk cId="3426032767" sldId="281"/>
+            <ac:spMk id="14" creationId="{074B4F7D-14B2-478B-8BF5-01E4E0C5D263}"/>
+          </ac:spMkLst>
+        </pc:spChg>
+        <pc:picChg chg="add del mod">
+          <ac:chgData name="Thorsten Hilbradt" userId="b76ca37a-0758-4f71-aeb6-b277b8bbbfdd" providerId="ADAL" clId="{538E10A6-D5DA-4406-AE79-473C20C6EDAA}" dt="2020-07-17T12:32:58.538" v="468" actId="478"/>
+          <ac:picMkLst>
+            <pc:docMk/>
+            <pc:sldMk cId="3426032767" sldId="281"/>
+            <ac:picMk id="7" creationId="{2157E283-B729-4B88-B745-9F386F03EEBE}"/>
+          </ac:picMkLst>
+        </pc:picChg>
+        <pc:picChg chg="add del mod">
+          <ac:chgData name="Thorsten Hilbradt" userId="b76ca37a-0758-4f71-aeb6-b277b8bbbfdd" providerId="ADAL" clId="{538E10A6-D5DA-4406-AE79-473C20C6EDAA}" dt="2020-07-17T12:33:00.148" v="469" actId="478"/>
+          <ac:picMkLst>
+            <pc:docMk/>
+            <pc:sldMk cId="3426032767" sldId="281"/>
+            <ac:picMk id="9" creationId="{6CFBD45B-2792-46F3-8225-D887A482AA8B}"/>
+          </ac:picMkLst>
+        </pc:picChg>
+        <pc:picChg chg="add del mod">
+          <ac:chgData name="Thorsten Hilbradt" userId="b76ca37a-0758-4f71-aeb6-b277b8bbbfdd" providerId="ADAL" clId="{538E10A6-D5DA-4406-AE79-473C20C6EDAA}" dt="2020-07-17T12:33:00.652" v="470" actId="478"/>
+          <ac:picMkLst>
+            <pc:docMk/>
+            <pc:sldMk cId="3426032767" sldId="281"/>
+            <ac:picMk id="11" creationId="{A241B5D8-DD03-442E-B988-1991D53F2FD2}"/>
+          </ac:picMkLst>
+        </pc:picChg>
+        <pc:picChg chg="del">
+          <ac:chgData name="Thorsten Hilbradt" userId="b76ca37a-0758-4f71-aeb6-b277b8bbbfdd" providerId="ADAL" clId="{538E10A6-D5DA-4406-AE79-473C20C6EDAA}" dt="2020-07-17T12:31:32.865" v="453" actId="478"/>
+          <ac:picMkLst>
+            <pc:docMk/>
+            <pc:sldMk cId="3426032767" sldId="281"/>
+            <ac:picMk id="3074" creationId="{EDDF7680-8355-4529-9F86-C8165CA3AC7B}"/>
+          </ac:picMkLst>
+        </pc:picChg>
       </pc:sldChg>
     </pc:docChg>
   </pc:docChgLst>
@@ -5570,7 +5878,7 @@
           <a:p>
             <a:fld id="{5769E01E-DC72-4D6C-91B9-3199DD89BCD0}" type="datetimeFigureOut">
               <a:rPr lang="de-DE" smtClean="0"/>
-              <a:t>16.07.2020</a:t>
+              <a:t>17.07.2020</a:t>
             </a:fld>
             <a:endParaRPr lang="de-DE"/>
           </a:p>
@@ -5768,7 +6076,7 @@
           <a:p>
             <a:fld id="{5769E01E-DC72-4D6C-91B9-3199DD89BCD0}" type="datetimeFigureOut">
               <a:rPr lang="de-DE" smtClean="0"/>
-              <a:t>16.07.2020</a:t>
+              <a:t>17.07.2020</a:t>
             </a:fld>
             <a:endParaRPr lang="de-DE"/>
           </a:p>
@@ -5976,7 +6284,7 @@
           <a:p>
             <a:fld id="{5769E01E-DC72-4D6C-91B9-3199DD89BCD0}" type="datetimeFigureOut">
               <a:rPr lang="de-DE" smtClean="0"/>
-              <a:t>16.07.2020</a:t>
+              <a:t>17.07.2020</a:t>
             </a:fld>
             <a:endParaRPr lang="de-DE"/>
           </a:p>
@@ -6174,7 +6482,7 @@
           <a:p>
             <a:fld id="{5769E01E-DC72-4D6C-91B9-3199DD89BCD0}" type="datetimeFigureOut">
               <a:rPr lang="de-DE" smtClean="0"/>
-              <a:t>16.07.2020</a:t>
+              <a:t>17.07.2020</a:t>
             </a:fld>
             <a:endParaRPr lang="de-DE"/>
           </a:p>
@@ -6449,7 +6757,7 @@
           <a:p>
             <a:fld id="{5769E01E-DC72-4D6C-91B9-3199DD89BCD0}" type="datetimeFigureOut">
               <a:rPr lang="de-DE" smtClean="0"/>
-              <a:t>16.07.2020</a:t>
+              <a:t>17.07.2020</a:t>
             </a:fld>
             <a:endParaRPr lang="de-DE"/>
           </a:p>
@@ -6714,7 +7022,7 @@
           <a:p>
             <a:fld id="{5769E01E-DC72-4D6C-91B9-3199DD89BCD0}" type="datetimeFigureOut">
               <a:rPr lang="de-DE" smtClean="0"/>
-              <a:t>16.07.2020</a:t>
+              <a:t>17.07.2020</a:t>
             </a:fld>
             <a:endParaRPr lang="de-DE"/>
           </a:p>
@@ -7126,7 +7434,7 @@
           <a:p>
             <a:fld id="{5769E01E-DC72-4D6C-91B9-3199DD89BCD0}" type="datetimeFigureOut">
               <a:rPr lang="de-DE" smtClean="0"/>
-              <a:t>16.07.2020</a:t>
+              <a:t>17.07.2020</a:t>
             </a:fld>
             <a:endParaRPr lang="de-DE"/>
           </a:p>
@@ -7267,7 +7575,7 @@
           <a:p>
             <a:fld id="{5769E01E-DC72-4D6C-91B9-3199DD89BCD0}" type="datetimeFigureOut">
               <a:rPr lang="de-DE" smtClean="0"/>
-              <a:t>16.07.2020</a:t>
+              <a:t>17.07.2020</a:t>
             </a:fld>
             <a:endParaRPr lang="de-DE"/>
           </a:p>
@@ -7380,7 +7688,7 @@
           <a:p>
             <a:fld id="{5769E01E-DC72-4D6C-91B9-3199DD89BCD0}" type="datetimeFigureOut">
               <a:rPr lang="de-DE" smtClean="0"/>
-              <a:t>16.07.2020</a:t>
+              <a:t>17.07.2020</a:t>
             </a:fld>
             <a:endParaRPr lang="de-DE"/>
           </a:p>
@@ -7691,7 +7999,7 @@
           <a:p>
             <a:fld id="{5769E01E-DC72-4D6C-91B9-3199DD89BCD0}" type="datetimeFigureOut">
               <a:rPr lang="de-DE" smtClean="0"/>
-              <a:t>16.07.2020</a:t>
+              <a:t>17.07.2020</a:t>
             </a:fld>
             <a:endParaRPr lang="de-DE"/>
           </a:p>
@@ -7979,7 +8287,7 @@
           <a:p>
             <a:fld id="{5769E01E-DC72-4D6C-91B9-3199DD89BCD0}" type="datetimeFigureOut">
               <a:rPr lang="de-DE" smtClean="0"/>
-              <a:t>16.07.2020</a:t>
+              <a:t>17.07.2020</a:t>
             </a:fld>
             <a:endParaRPr lang="de-DE"/>
           </a:p>
@@ -8220,7 +8528,7 @@
           <a:p>
             <a:fld id="{5769E01E-DC72-4D6C-91B9-3199DD89BCD0}" type="datetimeFigureOut">
               <a:rPr lang="de-DE" smtClean="0"/>
-              <a:t>16.07.2020</a:t>
+              <a:t>17.07.2020</a:t>
             </a:fld>
             <a:endParaRPr lang="de-DE"/>
           </a:p>
@@ -8907,15 +9215,34 @@
         </p:spPr>
         <p:txBody>
           <a:bodyPr anchor="ctr">
-            <a:normAutofit/>
+            <a:normAutofit fontScale="92500"/>
           </a:bodyPr>
           <a:lstStyle/>
           <a:p>
-            <a:endParaRPr lang="de-DE" sz="2800" dirty="0">
-              <a:solidFill>
-                <a:srgbClr val="FFFFFF"/>
-              </a:solidFill>
-            </a:endParaRPr>
+            <a:r>
+              <a:rPr lang="de-DE" sz="2800" dirty="0">
+                <a:solidFill>
+                  <a:srgbClr val="FFFFFF"/>
+                </a:solidFill>
+              </a:rPr>
+              <a:t>By A. Bernrieder, N. Wichter, J. </a:t>
+            </a:r>
+            <a:r>
+              <a:rPr lang="de-DE" sz="2800" dirty="0" err="1">
+                <a:solidFill>
+                  <a:srgbClr val="FFFFFF"/>
+                </a:solidFill>
+              </a:rPr>
+              <a:t>Brebeck</a:t>
+            </a:r>
+            <a:r>
+              <a:rPr lang="de-DE" sz="2800" dirty="0">
+                <a:solidFill>
+                  <a:srgbClr val="FFFFFF"/>
+                </a:solidFill>
+              </a:rPr>
+              <a:t>, T. Hilbradt</a:t>
+            </a:r>
           </a:p>
         </p:txBody>
       </p:sp>
@@ -9439,7 +9766,7 @@
           <a:p>
             <a:r>
               <a:rPr lang="de-DE" sz="1000" dirty="0"/>
-              <a:t>https://miro.medium.com/max/875/1*uAeANQIOQPqWZnnuH-VEyw.jpeg</a:t>
+              <a:t>´Quelle: https://miro.medium.com/max/875/1*uAeANQIOQPqWZnnuH-VEyw.jpeg</a:t>
             </a:r>
           </a:p>
         </p:txBody>
@@ -9858,6 +10185,644 @@
           </a:p>
         </p:txBody>
       </p:sp>
+      <p:pic>
+        <p:nvPicPr>
+          <p:cNvPr id="7" name="Grafik 6">
+            <a:extLst>
+              <a:ext uri="{FF2B5EF4-FFF2-40B4-BE49-F238E27FC236}">
+                <a16:creationId xmlns:a16="http://schemas.microsoft.com/office/drawing/2014/main" id="{CDBC459B-282A-4DA6-A08B-CAEAFBC7955B}"/>
+              </a:ext>
+            </a:extLst>
+          </p:cNvPr>
+          <p:cNvPicPr>
+            <a:picLocks noChangeAspect="1"/>
+          </p:cNvPicPr>
+          <p:nvPr/>
+        </p:nvPicPr>
+        <p:blipFill>
+          <a:blip r:embed="rId2"/>
+          <a:stretch>
+            <a:fillRect/>
+          </a:stretch>
+        </p:blipFill>
+        <p:spPr>
+          <a:xfrm>
+            <a:off x="860562" y="2560320"/>
+            <a:ext cx="2857500" cy="2857500"/>
+          </a:xfrm>
+          <a:prstGeom prst="rect">
+            <a:avLst/>
+          </a:prstGeom>
+        </p:spPr>
+      </p:pic>
+      <p:pic>
+        <p:nvPicPr>
+          <p:cNvPr id="9" name="Grafik 8">
+            <a:extLst>
+              <a:ext uri="{FF2B5EF4-FFF2-40B4-BE49-F238E27FC236}">
+                <a16:creationId xmlns:a16="http://schemas.microsoft.com/office/drawing/2014/main" id="{D2CDBF6F-5827-4574-9CDB-7DF872FEE6C4}"/>
+              </a:ext>
+            </a:extLst>
+          </p:cNvPr>
+          <p:cNvPicPr>
+            <a:picLocks noChangeAspect="1"/>
+          </p:cNvPicPr>
+          <p:nvPr/>
+        </p:nvPicPr>
+        <p:blipFill>
+          <a:blip r:embed="rId3"/>
+          <a:stretch>
+            <a:fillRect/>
+          </a:stretch>
+        </p:blipFill>
+        <p:spPr>
+          <a:xfrm>
+            <a:off x="5619751" y="3656043"/>
+            <a:ext cx="952500" cy="952500"/>
+          </a:xfrm>
+          <a:prstGeom prst="rect">
+            <a:avLst/>
+          </a:prstGeom>
+        </p:spPr>
+      </p:pic>
+      <p:pic>
+        <p:nvPicPr>
+          <p:cNvPr id="11" name="Grafik 10">
+            <a:extLst>
+              <a:ext uri="{FF2B5EF4-FFF2-40B4-BE49-F238E27FC236}">
+                <a16:creationId xmlns:a16="http://schemas.microsoft.com/office/drawing/2014/main" id="{FF8257FC-F37F-49A2-A233-C964083DC095}"/>
+              </a:ext>
+            </a:extLst>
+          </p:cNvPr>
+          <p:cNvPicPr>
+            <a:picLocks noChangeAspect="1"/>
+          </p:cNvPicPr>
+          <p:nvPr/>
+        </p:nvPicPr>
+        <p:blipFill>
+          <a:blip r:embed="rId4"/>
+          <a:stretch>
+            <a:fillRect/>
+          </a:stretch>
+        </p:blipFill>
+        <p:spPr>
+          <a:xfrm>
+            <a:off x="8473940" y="2560320"/>
+            <a:ext cx="2857500" cy="2857500"/>
+          </a:xfrm>
+          <a:prstGeom prst="rect">
+            <a:avLst/>
+          </a:prstGeom>
+        </p:spPr>
+      </p:pic>
+      <p:cxnSp>
+        <p:nvCxnSpPr>
+          <p:cNvPr id="15" name="Gerade Verbindung mit Pfeil 14">
+            <a:extLst>
+              <a:ext uri="{FF2B5EF4-FFF2-40B4-BE49-F238E27FC236}">
+                <a16:creationId xmlns:a16="http://schemas.microsoft.com/office/drawing/2014/main" id="{EC155312-BBCE-4EAB-BD80-93776F0BDB34}"/>
+              </a:ext>
+            </a:extLst>
+          </p:cNvPr>
+          <p:cNvCxnSpPr>
+            <a:stCxn id="7" idx="3"/>
+            <a:endCxn id="7" idx="3"/>
+          </p:cNvCxnSpPr>
+          <p:nvPr/>
+        </p:nvCxnSpPr>
+        <p:spPr>
+          <a:xfrm>
+            <a:off x="3718062" y="3989070"/>
+            <a:ext cx="0" cy="0"/>
+          </a:xfrm>
+          <a:prstGeom prst="straightConnector1">
+            <a:avLst/>
+          </a:prstGeom>
+          <a:ln>
+            <a:tailEnd type="triangle"/>
+          </a:ln>
+        </p:spPr>
+        <p:style>
+          <a:lnRef idx="1">
+            <a:schemeClr val="accent1"/>
+          </a:lnRef>
+          <a:fillRef idx="0">
+            <a:schemeClr val="accent1"/>
+          </a:fillRef>
+          <a:effectRef idx="0">
+            <a:schemeClr val="accent1"/>
+          </a:effectRef>
+          <a:fontRef idx="minor">
+            <a:schemeClr val="tx1"/>
+          </a:fontRef>
+        </p:style>
+      </p:cxnSp>
+      <p:sp>
+        <p:nvSpPr>
+          <p:cNvPr id="16" name="Pfeil: nach rechts 15">
+            <a:extLst>
+              <a:ext uri="{FF2B5EF4-FFF2-40B4-BE49-F238E27FC236}">
+                <a16:creationId xmlns:a16="http://schemas.microsoft.com/office/drawing/2014/main" id="{C12AD756-3028-43EB-99EC-9D1C48C92BC8}"/>
+              </a:ext>
+            </a:extLst>
+          </p:cNvPr>
+          <p:cNvSpPr/>
+          <p:nvPr/>
+        </p:nvSpPr>
+        <p:spPr>
+          <a:xfrm>
+            <a:off x="4206380" y="3989070"/>
+            <a:ext cx="827315" cy="361330"/>
+          </a:xfrm>
+          <a:prstGeom prst="rightArrow">
+            <a:avLst/>
+          </a:prstGeom>
+        </p:spPr>
+        <p:style>
+          <a:lnRef idx="2">
+            <a:schemeClr val="accent1">
+              <a:shade val="50000"/>
+            </a:schemeClr>
+          </a:lnRef>
+          <a:fillRef idx="1">
+            <a:schemeClr val="accent1"/>
+          </a:fillRef>
+          <a:effectRef idx="0">
+            <a:schemeClr val="accent1"/>
+          </a:effectRef>
+          <a:fontRef idx="minor">
+            <a:schemeClr val="lt1"/>
+          </a:fontRef>
+        </p:style>
+        <p:txBody>
+          <a:bodyPr rtlCol="0" anchor="ctr"/>
+          <a:lstStyle/>
+          <a:p>
+            <a:pPr algn="ctr"/>
+            <a:endParaRPr lang="de-DE"/>
+          </a:p>
+        </p:txBody>
+      </p:sp>
+      <p:sp>
+        <p:nvSpPr>
+          <p:cNvPr id="22" name="Pfeil: nach rechts 21">
+            <a:extLst>
+              <a:ext uri="{FF2B5EF4-FFF2-40B4-BE49-F238E27FC236}">
+                <a16:creationId xmlns:a16="http://schemas.microsoft.com/office/drawing/2014/main" id="{8612668C-934B-4D86-B618-8178A291FDA9}"/>
+              </a:ext>
+            </a:extLst>
+          </p:cNvPr>
+          <p:cNvSpPr/>
+          <p:nvPr/>
+        </p:nvSpPr>
+        <p:spPr>
+          <a:xfrm>
+            <a:off x="7052972" y="3989070"/>
+            <a:ext cx="827315" cy="361330"/>
+          </a:xfrm>
+          <a:prstGeom prst="rightArrow">
+            <a:avLst/>
+          </a:prstGeom>
+        </p:spPr>
+        <p:style>
+          <a:lnRef idx="2">
+            <a:schemeClr val="accent1">
+              <a:shade val="50000"/>
+            </a:schemeClr>
+          </a:lnRef>
+          <a:fillRef idx="1">
+            <a:schemeClr val="accent1"/>
+          </a:fillRef>
+          <a:effectRef idx="0">
+            <a:schemeClr val="accent1"/>
+          </a:effectRef>
+          <a:fontRef idx="minor">
+            <a:schemeClr val="lt1"/>
+          </a:fontRef>
+        </p:style>
+        <p:txBody>
+          <a:bodyPr rtlCol="0" anchor="ctr"/>
+          <a:lstStyle/>
+          <a:p>
+            <a:pPr algn="ctr"/>
+            <a:endParaRPr lang="de-DE"/>
+          </a:p>
+        </p:txBody>
+      </p:sp>
+    </p:spTree>
+    <p:extLst>
+      <p:ext uri="{BB962C8B-B14F-4D97-AF65-F5344CB8AC3E}">
+        <p14:creationId xmlns:p14="http://schemas.microsoft.com/office/powerpoint/2010/main" val="274450496"/>
+      </p:ext>
+    </p:extLst>
+  </p:cSld>
+  <p:clrMapOvr>
+    <a:masterClrMapping/>
+  </p:clrMapOvr>
+</p:sld>
+</file>
+
+<file path=ppt/slides/slide12.xml><?xml version="1.0" encoding="utf-8"?>
+<p:sld xmlns:a="http://schemas.openxmlformats.org/drawingml/2006/main" xmlns:r="http://schemas.openxmlformats.org/officeDocument/2006/relationships" xmlns:p="http://schemas.openxmlformats.org/presentationml/2006/main">
+  <p:cSld>
+    <p:bg>
+      <p:bgPr>
+        <a:solidFill>
+          <a:schemeClr val="bg1"/>
+        </a:solidFill>
+        <a:effectLst/>
+      </p:bgPr>
+    </p:bg>
+    <p:spTree>
+      <p:nvGrpSpPr>
+        <p:cNvPr id="1" name=""/>
+        <p:cNvGrpSpPr/>
+        <p:nvPr/>
+      </p:nvGrpSpPr>
+      <p:grpSpPr>
+        <a:xfrm>
+          <a:off x="0" y="0"/>
+          <a:ext cx="0" cy="0"/>
+          <a:chOff x="0" y="0"/>
+          <a:chExt cx="0" cy="0"/>
+        </a:xfrm>
+      </p:grpSpPr>
+      <p:sp useBgFill="1">
+        <p:nvSpPr>
+          <p:cNvPr id="71" name="Rectangle 70">
+            <a:extLst>
+              <a:ext uri="{FF2B5EF4-FFF2-40B4-BE49-F238E27FC236}">
+                <a16:creationId xmlns:a16="http://schemas.microsoft.com/office/drawing/2014/main" id="{84ECDE7A-6944-466D-8FFE-149A29BA6BAE}"/>
+              </a:ext>
+              <a:ext uri="{C183D7F6-B498-43B3-948B-1728B52AA6E4}">
+                <adec:decorative xmlns:adec="http://schemas.microsoft.com/office/drawing/2017/decorative" val="1"/>
+              </a:ext>
+            </a:extLst>
+          </p:cNvPr>
+          <p:cNvSpPr>
+            <a:spLocks noGrp="1" noRot="1" noChangeAspect="1" noMove="1" noResize="1" noEditPoints="1" noAdjustHandles="1" noChangeArrowheads="1" noChangeShapeType="1" noTextEdit="1"/>
+          </p:cNvSpPr>
+          <p:nvPr>
+            <p:extLst>
+              <p:ext uri="{386F3935-93C4-4BCD-93E2-E3B085C9AB24}">
+                <p16:designElem xmlns:p16="http://schemas.microsoft.com/office/powerpoint/2015/main" val="1"/>
+              </p:ext>
+            </p:extLst>
+          </p:nvPr>
+        </p:nvSpPr>
+        <p:spPr>
+          <a:xfrm>
+            <a:off x="0" y="0"/>
+            <a:ext cx="12192000" cy="6858000"/>
+          </a:xfrm>
+          <a:prstGeom prst="rect">
+            <a:avLst/>
+          </a:prstGeom>
+          <a:ln>
+            <a:noFill/>
+          </a:ln>
+        </p:spPr>
+        <p:style>
+          <a:lnRef idx="2">
+            <a:schemeClr val="accent1">
+              <a:shade val="50000"/>
+            </a:schemeClr>
+          </a:lnRef>
+          <a:fillRef idx="1">
+            <a:schemeClr val="accent1"/>
+          </a:fillRef>
+          <a:effectRef idx="0">
+            <a:schemeClr val="accent1"/>
+          </a:effectRef>
+          <a:fontRef idx="minor">
+            <a:schemeClr val="lt1"/>
+          </a:fontRef>
+        </p:style>
+        <p:txBody>
+          <a:bodyPr rtlCol="0" anchor="ctr"/>
+          <a:lstStyle/>
+          <a:p>
+            <a:pPr algn="ctr"/>
+            <a:endParaRPr lang="en-US"/>
+          </a:p>
+        </p:txBody>
+      </p:sp>
+      <p:sp useBgFill="1">
+        <p:nvSpPr>
+          <p:cNvPr id="73" name="Rectangle 72">
+            <a:extLst>
+              <a:ext uri="{FF2B5EF4-FFF2-40B4-BE49-F238E27FC236}">
+                <a16:creationId xmlns:a16="http://schemas.microsoft.com/office/drawing/2014/main" id="{B3420082-9415-44EC-802E-C77D71D59C57}"/>
+              </a:ext>
+              <a:ext uri="{C183D7F6-B498-43B3-948B-1728B52AA6E4}">
+                <adec:decorative xmlns:adec="http://schemas.microsoft.com/office/drawing/2017/decorative" val="1"/>
+              </a:ext>
+            </a:extLst>
+          </p:cNvPr>
+          <p:cNvSpPr>
+            <a:spLocks noGrp="1" noRot="1" noChangeAspect="1" noMove="1" noResize="1" noEditPoints="1" noAdjustHandles="1" noChangeArrowheads="1" noChangeShapeType="1" noTextEdit="1"/>
+          </p:cNvSpPr>
+          <p:nvPr>
+            <p:extLst>
+              <p:ext uri="{386F3935-93C4-4BCD-93E2-E3B085C9AB24}">
+                <p16:designElem xmlns:p16="http://schemas.microsoft.com/office/powerpoint/2015/main" val="1"/>
+              </p:ext>
+            </p:extLst>
+          </p:nvPr>
+        </p:nvSpPr>
+        <p:spPr>
+          <a:xfrm>
+            <a:off x="558209" y="0"/>
+            <a:ext cx="11167447" cy="2018806"/>
+          </a:xfrm>
+          <a:prstGeom prst="rect">
+            <a:avLst/>
+          </a:prstGeom>
+          <a:ln w="12700">
+            <a:solidFill>
+              <a:srgbClr val="E1E1E1"/>
+            </a:solidFill>
+          </a:ln>
+          <a:effectLst>
+            <a:outerShdw blurRad="50800" dist="38100" dir="2700000" algn="tl" rotWithShape="0">
+              <a:schemeClr val="bg1">
+                <a:lumMod val="85000"/>
+                <a:alpha val="50000"/>
+              </a:schemeClr>
+            </a:outerShdw>
+          </a:effectLst>
+        </p:spPr>
+        <p:style>
+          <a:lnRef idx="2">
+            <a:schemeClr val="accent1">
+              <a:shade val="50000"/>
+            </a:schemeClr>
+          </a:lnRef>
+          <a:fillRef idx="1">
+            <a:schemeClr val="accent1"/>
+          </a:fillRef>
+          <a:effectRef idx="0">
+            <a:schemeClr val="accent1"/>
+          </a:effectRef>
+          <a:fontRef idx="minor">
+            <a:schemeClr val="lt1"/>
+          </a:fontRef>
+        </p:style>
+        <p:txBody>
+          <a:bodyPr rtlCol="0" anchor="ctr"/>
+          <a:lstStyle/>
+          <a:p>
+            <a:pPr marL="0" marR="0" lvl="0" indent="0" algn="ctr" defTabSz="914400" rtl="0" eaLnBrk="1" fontAlgn="auto" latinLnBrk="0" hangingPunct="1">
+              <a:lnSpc>
+                <a:spcPct val="100000"/>
+              </a:lnSpc>
+              <a:spcBef>
+                <a:spcPts val="0"/>
+              </a:spcBef>
+              <a:spcAft>
+                <a:spcPts val="0"/>
+              </a:spcAft>
+              <a:buClrTx/>
+              <a:buSzTx/>
+              <a:buFontTx/>
+              <a:buNone/>
+              <a:tabLst/>
+              <a:defRPr/>
+            </a:pPr>
+            <a:endParaRPr kumimoji="0" lang="en-US" sz="1800" b="0" i="0" u="none" strike="noStrike" kern="1200" cap="none" spc="0" normalizeH="0" baseline="0" noProof="0">
+              <a:ln>
+                <a:noFill/>
+              </a:ln>
+              <a:solidFill>
+                <a:prstClr val="white"/>
+              </a:solidFill>
+              <a:effectLst/>
+              <a:uLnTx/>
+              <a:uFillTx/>
+              <a:latin typeface="Calibri" panose="020F0502020204030204"/>
+              <a:ea typeface="+mn-ea"/>
+              <a:cs typeface="+mn-cs"/>
+            </a:endParaRPr>
+          </a:p>
+        </p:txBody>
+      </p:sp>
+      <p:sp useBgFill="1">
+        <p:nvSpPr>
+          <p:cNvPr id="75" name="Rectangle 74">
+            <a:extLst>
+              <a:ext uri="{FF2B5EF4-FFF2-40B4-BE49-F238E27FC236}">
+                <a16:creationId xmlns:a16="http://schemas.microsoft.com/office/drawing/2014/main" id="{55A52C45-1FCB-4636-A80F-2849B8226C01}"/>
+              </a:ext>
+              <a:ext uri="{C183D7F6-B498-43B3-948B-1728B52AA6E4}">
+                <adec:decorative xmlns:adec="http://schemas.microsoft.com/office/drawing/2017/decorative" val="1"/>
+              </a:ext>
+            </a:extLst>
+          </p:cNvPr>
+          <p:cNvSpPr>
+            <a:spLocks noGrp="1" noRot="1" noChangeAspect="1" noMove="1" noResize="1" noEditPoints="1" noAdjustHandles="1" noChangeArrowheads="1" noChangeShapeType="1" noTextEdit="1"/>
+          </p:cNvSpPr>
+          <p:nvPr>
+            <p:extLst>
+              <p:ext uri="{386F3935-93C4-4BCD-93E2-E3B085C9AB24}">
+                <p16:designElem xmlns:p16="http://schemas.microsoft.com/office/powerpoint/2015/main" val="1"/>
+              </p:ext>
+            </p:extLst>
+          </p:nvPr>
+        </p:nvSpPr>
+        <p:spPr>
+          <a:xfrm>
+            <a:off x="566928" y="0"/>
+            <a:ext cx="11155680" cy="2011680"/>
+          </a:xfrm>
+          <a:prstGeom prst="rect">
+            <a:avLst/>
+          </a:prstGeom>
+          <a:ln w="12700">
+            <a:noFill/>
+          </a:ln>
+          <a:effectLst/>
+        </p:spPr>
+        <p:style>
+          <a:lnRef idx="2">
+            <a:schemeClr val="accent1">
+              <a:shade val="50000"/>
+            </a:schemeClr>
+          </a:lnRef>
+          <a:fillRef idx="1">
+            <a:schemeClr val="accent1"/>
+          </a:fillRef>
+          <a:effectRef idx="0">
+            <a:schemeClr val="accent1"/>
+          </a:effectRef>
+          <a:fontRef idx="minor">
+            <a:schemeClr val="lt1"/>
+          </a:fontRef>
+        </p:style>
+        <p:txBody>
+          <a:bodyPr rtlCol="0" anchor="ctr"/>
+          <a:lstStyle/>
+          <a:p>
+            <a:pPr marL="0" marR="0" lvl="0" indent="0" algn="ctr" defTabSz="914400" rtl="0" eaLnBrk="1" fontAlgn="auto" latinLnBrk="0" hangingPunct="1">
+              <a:lnSpc>
+                <a:spcPct val="100000"/>
+              </a:lnSpc>
+              <a:spcBef>
+                <a:spcPts val="0"/>
+              </a:spcBef>
+              <a:spcAft>
+                <a:spcPts val="0"/>
+              </a:spcAft>
+              <a:buClrTx/>
+              <a:buSzTx/>
+              <a:buFontTx/>
+              <a:buNone/>
+              <a:tabLst/>
+              <a:defRPr/>
+            </a:pPr>
+            <a:endParaRPr kumimoji="0" lang="en-US" sz="1800" b="0" i="0" u="none" strike="noStrike" kern="1200" cap="none" spc="0" normalizeH="0" baseline="0" noProof="0">
+              <a:ln>
+                <a:noFill/>
+              </a:ln>
+              <a:solidFill>
+                <a:prstClr val="white"/>
+              </a:solidFill>
+              <a:effectLst/>
+              <a:uLnTx/>
+              <a:uFillTx/>
+              <a:latin typeface="Calibri" panose="020F0502020204030204"/>
+              <a:ea typeface="+mn-ea"/>
+              <a:cs typeface="+mn-cs"/>
+            </a:endParaRPr>
+          </a:p>
+        </p:txBody>
+      </p:sp>
+      <p:sp>
+        <p:nvSpPr>
+          <p:cNvPr id="2" name="Titel 1">
+            <a:extLst>
+              <a:ext uri="{FF2B5EF4-FFF2-40B4-BE49-F238E27FC236}">
+                <a16:creationId xmlns:a16="http://schemas.microsoft.com/office/drawing/2014/main" id="{B2D1E211-70CD-4C1F-B492-C68A89FB90C9}"/>
+              </a:ext>
+            </a:extLst>
+          </p:cNvPr>
+          <p:cNvSpPr>
+            <a:spLocks noGrp="1"/>
+          </p:cNvSpPr>
+          <p:nvPr>
+            <p:ph type="title"/>
+          </p:nvPr>
+        </p:nvSpPr>
+        <p:spPr>
+          <a:xfrm>
+            <a:off x="1115568" y="548640"/>
+            <a:ext cx="10168128" cy="1179576"/>
+          </a:xfrm>
+        </p:spPr>
+        <p:txBody>
+          <a:bodyPr>
+            <a:normAutofit/>
+          </a:bodyPr>
+          <a:lstStyle/>
+          <a:p>
+            <a:r>
+              <a:rPr lang="de-DE" sz="4000"/>
+              <a:t>Convolutional Neural Network</a:t>
+            </a:r>
+          </a:p>
+        </p:txBody>
+      </p:sp>
+      <p:sp>
+        <p:nvSpPr>
+          <p:cNvPr id="77" name="Rectangle 76">
+            <a:extLst>
+              <a:ext uri="{FF2B5EF4-FFF2-40B4-BE49-F238E27FC236}">
+                <a16:creationId xmlns:a16="http://schemas.microsoft.com/office/drawing/2014/main" id="{768EB4DD-3704-43AD-92B3-C4E0C6EA92CB}"/>
+              </a:ext>
+              <a:ext uri="{C183D7F6-B498-43B3-948B-1728B52AA6E4}">
+                <adec:decorative xmlns:adec="http://schemas.microsoft.com/office/drawing/2017/decorative" val="1"/>
+              </a:ext>
+            </a:extLst>
+          </p:cNvPr>
+          <p:cNvSpPr>
+            <a:spLocks noGrp="1" noRot="1" noChangeAspect="1" noMove="1" noResize="1" noEditPoints="1" noAdjustHandles="1" noChangeArrowheads="1" noChangeShapeType="1" noTextEdit="1"/>
+          </p:cNvSpPr>
+          <p:nvPr>
+            <p:extLst>
+              <p:ext uri="{386F3935-93C4-4BCD-93E2-E3B085C9AB24}">
+                <p16:designElem xmlns:p16="http://schemas.microsoft.com/office/powerpoint/2015/main" val="1"/>
+              </p:ext>
+            </p:extLst>
+          </p:nvPr>
+        </p:nvSpPr>
+        <p:spPr>
+          <a:xfrm>
+            <a:off x="498834" y="770799"/>
+            <a:ext cx="128016" cy="704088"/>
+          </a:xfrm>
+          <a:prstGeom prst="rect">
+            <a:avLst/>
+          </a:prstGeom>
+          <a:solidFill>
+            <a:schemeClr val="accent2"/>
+          </a:solidFill>
+          <a:ln>
+            <a:noFill/>
+          </a:ln>
+        </p:spPr>
+        <p:style>
+          <a:lnRef idx="2">
+            <a:schemeClr val="accent1">
+              <a:shade val="50000"/>
+            </a:schemeClr>
+          </a:lnRef>
+          <a:fillRef idx="1">
+            <a:schemeClr val="accent1"/>
+          </a:fillRef>
+          <a:effectRef idx="0">
+            <a:schemeClr val="accent1"/>
+          </a:effectRef>
+          <a:fontRef idx="minor">
+            <a:schemeClr val="lt1"/>
+          </a:fontRef>
+        </p:style>
+        <p:txBody>
+          <a:bodyPr rtlCol="0" anchor="ctr"/>
+          <a:lstStyle/>
+          <a:p>
+            <a:pPr marL="0" marR="0" lvl="0" indent="0" algn="ctr" defTabSz="914400" rtl="0" eaLnBrk="1" fontAlgn="auto" latinLnBrk="0" hangingPunct="1">
+              <a:lnSpc>
+                <a:spcPct val="100000"/>
+              </a:lnSpc>
+              <a:spcBef>
+                <a:spcPts val="0"/>
+              </a:spcBef>
+              <a:spcAft>
+                <a:spcPts val="0"/>
+              </a:spcAft>
+              <a:buClrTx/>
+              <a:buSzTx/>
+              <a:buFontTx/>
+              <a:buNone/>
+              <a:tabLst/>
+              <a:defRPr/>
+            </a:pPr>
+            <a:endParaRPr kumimoji="0" lang="en-US" sz="1800" b="0" i="0" u="none" strike="noStrike" kern="1200" cap="none" spc="0" normalizeH="0" baseline="0" noProof="0">
+              <a:ln>
+                <a:noFill/>
+              </a:ln>
+              <a:solidFill>
+                <a:prstClr val="white"/>
+              </a:solidFill>
+              <a:effectLst/>
+              <a:uLnTx/>
+              <a:uFillTx/>
+              <a:latin typeface="Calibri" panose="020F0502020204030204"/>
+              <a:ea typeface="+mn-ea"/>
+              <a:cs typeface="+mn-cs"/>
+            </a:endParaRPr>
+          </a:p>
+        </p:txBody>
+      </p:sp>
       <p:sp>
         <p:nvSpPr>
           <p:cNvPr id="3" name="Inhaltsplatzhalter 2">
@@ -10060,7 +11025,7 @@
 </p:sld>
 </file>
 
-<file path=ppt/slides/slide12.xml><?xml version="1.0" encoding="utf-8"?>
+<file path=ppt/slides/slide13.xml><?xml version="1.0" encoding="utf-8"?>
 <p:sld xmlns:a="http://schemas.openxmlformats.org/drawingml/2006/main" xmlns:r="http://schemas.openxmlformats.org/officeDocument/2006/relationships" xmlns:p="http://schemas.openxmlformats.org/presentationml/2006/main">
   <p:cSld>
     <p:bg>
@@ -10361,7 +11326,7 @@
 </p:sld>
 </file>
 
-<file path=ppt/slides/slide13.xml><?xml version="1.0" encoding="utf-8"?>
+<file path=ppt/slides/slide14.xml><?xml version="1.0" encoding="utf-8"?>
 <p:sld xmlns:a="http://schemas.openxmlformats.org/drawingml/2006/main" xmlns:r="http://schemas.openxmlformats.org/officeDocument/2006/relationships" xmlns:p="http://schemas.openxmlformats.org/presentationml/2006/main">
   <p:cSld>
     <p:bg>
@@ -10766,6 +11731,30 @@
           </a:bodyPr>
           <a:lstStyle/>
           <a:p>
+            <a:r>
+              <a:rPr lang="de-DE" dirty="0"/>
+              <a:t>Trainingsprogramm für Schachspieler</a:t>
+            </a:r>
+          </a:p>
+          <a:p>
+            <a:r>
+              <a:rPr lang="de-DE" dirty="0"/>
+              <a:t>Evaluierungstool für </a:t>
+            </a:r>
+            <a:r>
+              <a:rPr lang="de-DE" dirty="0" err="1"/>
+              <a:t>AI‘s</a:t>
+            </a:r>
+            <a:endParaRPr lang="de-DE" dirty="0"/>
+          </a:p>
+          <a:p>
+            <a:r>
+              <a:rPr lang="de-DE" dirty="0"/>
+              <a:t>Grundlage für andere AIs</a:t>
+            </a:r>
+            <a:br>
+              <a:rPr lang="de-DE" sz="2400" dirty="0"/>
+            </a:br>
             <a:endParaRPr lang="de-DE" sz="2200" dirty="0"/>
           </a:p>
         </p:txBody>
@@ -10783,7 +11772,7 @@
 </p:sld>
 </file>
 
-<file path=ppt/slides/slide14.xml><?xml version="1.0" encoding="utf-8"?>
+<file path=ppt/slides/slide15.xml><?xml version="1.0" encoding="utf-8"?>
 <p:sld xmlns:a="http://schemas.openxmlformats.org/drawingml/2006/main" xmlns:r="http://schemas.openxmlformats.org/officeDocument/2006/relationships" xmlns:p="http://schemas.openxmlformats.org/presentationml/2006/main">
   <p:cSld>
     <p:bg>
@@ -11086,8 +12075,8 @@
           <a:lstStyle/>
           <a:p>
             <a:r>
-              <a:rPr lang="de-DE" sz="4000"/>
-              <a:t>Elo Zahl</a:t>
+              <a:rPr lang="de-DE" sz="4000" dirty="0"/>
+              <a:t>Elo-Zahl</a:t>
             </a:r>
           </a:p>
         </p:txBody>
@@ -11160,38 +12149,348 @@
           </a:p>
         </p:txBody>
       </p:sp>
-      <p:sp>
-        <p:nvSpPr>
-          <p:cNvPr id="3" name="Inhaltsplatzhalter 2">
-            <a:extLst>
-              <a:ext uri="{FF2B5EF4-FFF2-40B4-BE49-F238E27FC236}">
-                <a16:creationId xmlns:a16="http://schemas.microsoft.com/office/drawing/2014/main" id="{3EBF5470-4A87-477F-94AF-D28C198190DB}"/>
-              </a:ext>
-            </a:extLst>
-          </p:cNvPr>
-          <p:cNvSpPr>
-            <a:spLocks noGrp="1"/>
-          </p:cNvSpPr>
-          <p:nvPr>
-            <p:ph idx="1"/>
-          </p:nvPr>
-        </p:nvSpPr>
-        <p:spPr>
-          <a:xfrm>
-            <a:off x="1115568" y="2481943"/>
-            <a:ext cx="10168128" cy="3695020"/>
-          </a:xfrm>
-        </p:spPr>
-        <p:txBody>
-          <a:bodyPr>
-            <a:normAutofit/>
-          </a:bodyPr>
-          <a:lstStyle/>
-          <a:p>
-            <a:endParaRPr lang="de-DE" sz="2200" dirty="0"/>
-          </a:p>
-        </p:txBody>
-      </p:sp>
+      <mc:AlternateContent xmlns:mc="http://schemas.openxmlformats.org/markup-compatibility/2006">
+        <mc:Choice xmlns:a14="http://schemas.microsoft.com/office/drawing/2010/main" Requires="a14">
+          <p:sp>
+            <p:nvSpPr>
+              <p:cNvPr id="3" name="Inhaltsplatzhalter 2">
+                <a:extLst>
+                  <a:ext uri="{FF2B5EF4-FFF2-40B4-BE49-F238E27FC236}">
+                    <a16:creationId xmlns:a16="http://schemas.microsoft.com/office/drawing/2014/main" id="{3EBF5470-4A87-477F-94AF-D28C198190DB}"/>
+                  </a:ext>
+                </a:extLst>
+              </p:cNvPr>
+              <p:cNvSpPr>
+                <a:spLocks noGrp="1"/>
+              </p:cNvSpPr>
+              <p:nvPr>
+                <p:ph idx="1"/>
+              </p:nvPr>
+            </p:nvSpPr>
+            <p:spPr>
+              <a:xfrm>
+                <a:off x="1115568" y="2481943"/>
+                <a:ext cx="10607040" cy="3695020"/>
+              </a:xfrm>
+            </p:spPr>
+            <p:txBody>
+              <a:bodyPr>
+                <a:normAutofit/>
+              </a:bodyPr>
+              <a:lstStyle/>
+              <a:p>
+                <a:r>
+                  <a:rPr lang="de-DE" sz="2200" dirty="0"/>
+                  <a:t>Maß für die Stärke eines Schachspielers</a:t>
+                </a:r>
+              </a:p>
+              <a:p>
+                <a:pPr marL="0" indent="0">
+                  <a:buNone/>
+                </a:pPr>
+                <a:endParaRPr lang="de-DE" sz="2200" dirty="0"/>
+              </a:p>
+              <a:p>
+                <a:r>
+                  <a:rPr lang="de-DE" sz="2200" dirty="0"/>
+                  <a:t>Erwartungswert</a:t>
+                </a:r>
+                <a:endParaRPr lang="de-DE" sz="2000" dirty="0"/>
+              </a:p>
+              <a:p>
+                <a:pPr lvl="1"/>
+                <a14:m>
+                  <m:oMath xmlns:m="http://schemas.openxmlformats.org/officeDocument/2006/math">
+                    <m:sSub>
+                      <m:sSubPr>
+                        <m:ctrlPr>
+                          <a:rPr lang="de-DE" i="1"/>
+                        </m:ctrlPr>
+                      </m:sSubPr>
+                      <m:e>
+                        <m:r>
+                          <a:rPr lang="de-DE" i="1"/>
+                          <m:t>𝐸</m:t>
+                        </m:r>
+                      </m:e>
+                      <m:sub>
+                        <m:r>
+                          <a:rPr lang="de-DE" i="1"/>
+                          <m:t>𝐴</m:t>
+                        </m:r>
+                      </m:sub>
+                    </m:sSub>
+                    <m:r>
+                      <a:rPr lang="de-DE" i="1"/>
+                      <m:t>= </m:t>
+                    </m:r>
+                    <m:f>
+                      <m:fPr>
+                        <m:ctrlPr>
+                          <a:rPr lang="de-DE" i="1"/>
+                        </m:ctrlPr>
+                      </m:fPr>
+                      <m:num>
+                        <m:r>
+                          <a:rPr lang="de-DE" i="1"/>
+                          <m:t>1</m:t>
+                        </m:r>
+                      </m:num>
+                      <m:den>
+                        <m:r>
+                          <a:rPr lang="de-DE" i="1"/>
+                          <m:t>1+</m:t>
+                        </m:r>
+                        <m:sSup>
+                          <m:sSupPr>
+                            <m:ctrlPr>
+                              <a:rPr lang="de-DE" i="1"/>
+                            </m:ctrlPr>
+                          </m:sSupPr>
+                          <m:e>
+                            <m:r>
+                              <a:rPr lang="de-DE" i="1"/>
+                              <m:t>𝑘</m:t>
+                            </m:r>
+                          </m:e>
+                          <m:sup>
+                            <m:r>
+                              <a:rPr lang="de-DE" i="1"/>
+                              <m:t>(</m:t>
+                            </m:r>
+                            <m:sSub>
+                              <m:sSubPr>
+                                <m:ctrlPr>
+                                  <a:rPr lang="de-DE" i="1"/>
+                                </m:ctrlPr>
+                              </m:sSubPr>
+                              <m:e>
+                                <m:r>
+                                  <a:rPr lang="de-DE" i="1"/>
+                                  <m:t>𝑅</m:t>
+                                </m:r>
+                              </m:e>
+                              <m:sub>
+                                <m:r>
+                                  <a:rPr lang="de-DE" i="1"/>
+                                  <m:t>𝐴</m:t>
+                                </m:r>
+                              </m:sub>
+                            </m:sSub>
+                            <m:r>
+                              <a:rPr lang="de-DE" i="1"/>
+                              <m:t>−</m:t>
+                            </m:r>
+                            <m:sSub>
+                              <m:sSubPr>
+                                <m:ctrlPr>
+                                  <a:rPr lang="de-DE" i="1"/>
+                                </m:ctrlPr>
+                              </m:sSubPr>
+                              <m:e>
+                                <m:r>
+                                  <a:rPr lang="de-DE" i="1"/>
+                                  <m:t>𝑅</m:t>
+                                </m:r>
+                              </m:e>
+                              <m:sub>
+                                <m:r>
+                                  <a:rPr lang="de-DE" i="1"/>
+                                  <m:t>𝐵</m:t>
+                                </m:r>
+                              </m:sub>
+                            </m:sSub>
+                            <m:r>
+                              <a:rPr lang="de-DE" i="1"/>
+                              <m:t>)</m:t>
+                            </m:r>
+                          </m:sup>
+                        </m:sSup>
+                      </m:den>
+                    </m:f>
+                  </m:oMath>
+                </a14:m>
+                <a:endParaRPr lang="de-DE" sz="1600" dirty="0"/>
+              </a:p>
+              <a:p>
+                <a:r>
+                  <a:rPr lang="de-DE" sz="2200" dirty="0"/>
+                  <a:t>Anpassung der Elo-Zahl</a:t>
+                </a:r>
+              </a:p>
+              <a:p>
+                <a:pPr lvl="1"/>
+                <a14:m>
+                  <m:oMath xmlns:m="http://schemas.openxmlformats.org/officeDocument/2006/math">
+                    <m:sSub>
+                      <m:sSubPr>
+                        <m:ctrlPr>
+                          <a:rPr lang="de-DE" sz="2000" i="1"/>
+                        </m:ctrlPr>
+                      </m:sSubPr>
+                      <m:e>
+                        <m:sSup>
+                          <m:sSupPr>
+                            <m:ctrlPr>
+                              <a:rPr lang="de-DE" sz="2000" i="1"/>
+                            </m:ctrlPr>
+                          </m:sSupPr>
+                          <m:e>
+                            <m:r>
+                              <a:rPr lang="de-DE" sz="2000" i="1"/>
+                              <m:t>𝑅</m:t>
+                            </m:r>
+                          </m:e>
+                          <m:sup>
+                            <m:r>
+                              <a:rPr lang="de-DE" sz="2000" i="1"/>
+                              <m:t>′</m:t>
+                            </m:r>
+                          </m:sup>
+                        </m:sSup>
+                      </m:e>
+                      <m:sub>
+                        <m:r>
+                          <a:rPr lang="de-DE" sz="2000" i="1"/>
+                          <m:t>𝐴</m:t>
+                        </m:r>
+                      </m:sub>
+                    </m:sSub>
+                    <m:r>
+                      <a:rPr lang="de-DE" sz="2000" i="1"/>
+                      <m:t>= </m:t>
+                    </m:r>
+                    <m:sSub>
+                      <m:sSubPr>
+                        <m:ctrlPr>
+                          <a:rPr lang="de-DE" sz="2000" i="1"/>
+                        </m:ctrlPr>
+                      </m:sSubPr>
+                      <m:e>
+                        <m:r>
+                          <a:rPr lang="de-DE" sz="2000" i="1"/>
+                          <m:t>𝑅</m:t>
+                        </m:r>
+                      </m:e>
+                      <m:sub>
+                        <m:r>
+                          <a:rPr lang="de-DE" sz="2000" i="1"/>
+                          <m:t>𝐴</m:t>
+                        </m:r>
+                      </m:sub>
+                    </m:sSub>
+                    <m:r>
+                      <a:rPr lang="de-DE" sz="2000" i="1"/>
+                      <m:t>+</m:t>
+                    </m:r>
+                    <m:r>
+                      <a:rPr lang="de-DE" sz="2000" i="1"/>
+                      <m:t>𝑘</m:t>
+                    </m:r>
+                    <m:r>
+                      <a:rPr lang="de-DE" sz="2000" i="1"/>
+                      <m:t>∗(</m:t>
+                    </m:r>
+                    <m:sSub>
+                      <m:sSubPr>
+                        <m:ctrlPr>
+                          <a:rPr lang="de-DE" sz="2000" i="1"/>
+                        </m:ctrlPr>
+                      </m:sSubPr>
+                      <m:e>
+                        <m:r>
+                          <a:rPr lang="de-DE" sz="2000" i="1"/>
+                          <m:t>𝑆</m:t>
+                        </m:r>
+                      </m:e>
+                      <m:sub>
+                        <m:r>
+                          <a:rPr lang="de-DE" sz="2000" i="1"/>
+                          <m:t>𝐴</m:t>
+                        </m:r>
+                      </m:sub>
+                    </m:sSub>
+                    <m:r>
+                      <a:rPr lang="de-DE" sz="2000" i="1"/>
+                      <m:t>−</m:t>
+                    </m:r>
+                    <m:sSub>
+                      <m:sSubPr>
+                        <m:ctrlPr>
+                          <a:rPr lang="de-DE" sz="2000" i="1"/>
+                        </m:ctrlPr>
+                      </m:sSubPr>
+                      <m:e>
+                        <m:r>
+                          <a:rPr lang="de-DE" sz="2000" i="1"/>
+                          <m:t>𝐸</m:t>
+                        </m:r>
+                      </m:e>
+                      <m:sub>
+                        <m:r>
+                          <a:rPr lang="de-DE" sz="2000" i="1"/>
+                          <m:t>𝐴</m:t>
+                        </m:r>
+                      </m:sub>
+                    </m:sSub>
+                    <m:r>
+                      <a:rPr lang="de-DE" sz="2000" i="1"/>
+                      <m:t>) </m:t>
+                    </m:r>
+                  </m:oMath>
+                </a14:m>
+                <a:endParaRPr lang="de-DE" sz="2000" dirty="0"/>
+              </a:p>
+              <a:p>
+                <a:endParaRPr lang="de-DE" sz="2200" dirty="0"/>
+              </a:p>
+            </p:txBody>
+          </p:sp>
+        </mc:Choice>
+        <mc:Fallback>
+          <p:sp>
+            <p:nvSpPr>
+              <p:cNvPr id="3" name="Inhaltsplatzhalter 2">
+                <a:extLst>
+                  <a:ext uri="{FF2B5EF4-FFF2-40B4-BE49-F238E27FC236}">
+                    <a16:creationId xmlns:a16="http://schemas.microsoft.com/office/drawing/2014/main" id="{3EBF5470-4A87-477F-94AF-D28C198190DB}"/>
+                  </a:ext>
+                </a:extLst>
+              </p:cNvPr>
+              <p:cNvSpPr>
+                <a:spLocks noGrp="1" noRot="1" noChangeAspect="1" noMove="1" noResize="1" noEditPoints="1" noAdjustHandles="1" noChangeArrowheads="1" noChangeShapeType="1" noTextEdit="1"/>
+              </p:cNvSpPr>
+              <p:nvPr>
+                <p:ph idx="1"/>
+              </p:nvPr>
+            </p:nvSpPr>
+            <p:spPr>
+              <a:xfrm>
+                <a:off x="1115568" y="2481943"/>
+                <a:ext cx="10607040" cy="3695020"/>
+              </a:xfrm>
+              <a:blipFill>
+                <a:blip r:embed="rId2"/>
+                <a:stretch>
+                  <a:fillRect l="-632" t="-2145"/>
+                </a:stretch>
+              </a:blipFill>
+            </p:spPr>
+            <p:txBody>
+              <a:bodyPr/>
+              <a:lstStyle/>
+              <a:p>
+                <a:r>
+                  <a:rPr lang="de-DE">
+                    <a:noFill/>
+                  </a:rPr>
+                  <a:t> </a:t>
+                </a:r>
+              </a:p>
+            </p:txBody>
+          </p:sp>
+        </mc:Fallback>
+      </mc:AlternateContent>
       <p:sp>
         <p:nvSpPr>
           <p:cNvPr id="4" name="Textfeld 3">
@@ -11237,7 +12536,7 @@
 </p:sld>
 </file>
 
-<file path=ppt/slides/slide15.xml><?xml version="1.0" encoding="utf-8"?>
+<file path=ppt/slides/slide16.xml><?xml version="1.0" encoding="utf-8"?>
 <p:sld xmlns:a="http://schemas.openxmlformats.org/drawingml/2006/main" xmlns:r="http://schemas.openxmlformats.org/officeDocument/2006/relationships" xmlns:p="http://schemas.openxmlformats.org/presentationml/2006/main">
   <p:cSld>
     <p:bg>
@@ -11546,7 +12845,7 @@
 </p:sld>
 </file>
 
-<file path=ppt/slides/slide16.xml><?xml version="1.0" encoding="utf-8"?>
+<file path=ppt/slides/slide17.xml><?xml version="1.0" encoding="utf-8"?>
 <p:sld xmlns:a="http://schemas.openxmlformats.org/drawingml/2006/main" xmlns:r="http://schemas.openxmlformats.org/officeDocument/2006/relationships" xmlns:p="http://schemas.openxmlformats.org/presentationml/2006/main">
   <p:cSld>
     <p:bg>
@@ -12055,7 +13354,7 @@
 </p:sld>
 </file>
 
-<file path=ppt/slides/slide17.xml><?xml version="1.0" encoding="utf-8"?>
+<file path=ppt/slides/slide18.xml><?xml version="1.0" encoding="utf-8"?>
 <p:sld xmlns:a="http://schemas.openxmlformats.org/drawingml/2006/main" xmlns:r="http://schemas.openxmlformats.org/officeDocument/2006/relationships" xmlns:p="http://schemas.openxmlformats.org/presentationml/2006/main">
   <p:cSld>
     <p:bg>
@@ -12564,89 +13863,6 @@
 </p:sld>
 </file>
 
-<file path=ppt/slides/slide18.xml><?xml version="1.0" encoding="utf-8"?>
-<p:sld xmlns:a="http://schemas.openxmlformats.org/drawingml/2006/main" xmlns:r="http://schemas.openxmlformats.org/officeDocument/2006/relationships" xmlns:p="http://schemas.openxmlformats.org/presentationml/2006/main">
-  <p:cSld>
-    <p:spTree>
-      <p:nvGrpSpPr>
-        <p:cNvPr id="1" name=""/>
-        <p:cNvGrpSpPr/>
-        <p:nvPr/>
-      </p:nvGrpSpPr>
-      <p:grpSpPr>
-        <a:xfrm>
-          <a:off x="0" y="0"/>
-          <a:ext cx="0" cy="0"/>
-          <a:chOff x="0" y="0"/>
-          <a:chExt cx="0" cy="0"/>
-        </a:xfrm>
-      </p:grpSpPr>
-      <p:sp>
-        <p:nvSpPr>
-          <p:cNvPr id="2" name="Titel 1">
-            <a:extLst>
-              <a:ext uri="{FF2B5EF4-FFF2-40B4-BE49-F238E27FC236}">
-                <a16:creationId xmlns:a16="http://schemas.microsoft.com/office/drawing/2014/main" id="{98098808-0BAB-4C3B-BAB8-C7F6EB86575E}"/>
-              </a:ext>
-            </a:extLst>
-          </p:cNvPr>
-          <p:cNvSpPr>
-            <a:spLocks noGrp="1"/>
-          </p:cNvSpPr>
-          <p:nvPr>
-            <p:ph type="title"/>
-          </p:nvPr>
-        </p:nvSpPr>
-        <p:spPr/>
-        <p:txBody>
-          <a:bodyPr/>
-          <a:lstStyle/>
-          <a:p>
-            <a:r>
-              <a:rPr lang="de-DE" dirty="0"/>
-              <a:t>Auswertung ELO</a:t>
-            </a:r>
-          </a:p>
-        </p:txBody>
-      </p:sp>
-      <p:sp>
-        <p:nvSpPr>
-          <p:cNvPr id="3" name="Inhaltsplatzhalter 2">
-            <a:extLst>
-              <a:ext uri="{FF2B5EF4-FFF2-40B4-BE49-F238E27FC236}">
-                <a16:creationId xmlns:a16="http://schemas.microsoft.com/office/drawing/2014/main" id="{10E00B31-FDE0-445E-A58A-93DC40129C0F}"/>
-              </a:ext>
-            </a:extLst>
-          </p:cNvPr>
-          <p:cNvSpPr>
-            <a:spLocks noGrp="1"/>
-          </p:cNvSpPr>
-          <p:nvPr>
-            <p:ph idx="1"/>
-          </p:nvPr>
-        </p:nvSpPr>
-        <p:spPr/>
-        <p:txBody>
-          <a:bodyPr/>
-          <a:lstStyle/>
-          <a:p>
-            <a:endParaRPr lang="de-DE"/>
-          </a:p>
-        </p:txBody>
-      </p:sp>
-    </p:spTree>
-    <p:extLst>
-      <p:ext uri="{BB962C8B-B14F-4D97-AF65-F5344CB8AC3E}">
-        <p14:creationId xmlns:p14="http://schemas.microsoft.com/office/powerpoint/2010/main" val="679330469"/>
-      </p:ext>
-    </p:extLst>
-  </p:cSld>
-  <p:clrMapOvr>
-    <a:masterClrMapping/>
-  </p:clrMapOvr>
-</p:sld>
-</file>
-
 <file path=ppt/slides/slide19.xml><?xml version="1.0" encoding="utf-8"?>
 <p:sld xmlns:a="http://schemas.openxmlformats.org/drawingml/2006/main" xmlns:r="http://schemas.openxmlformats.org/officeDocument/2006/relationships" xmlns:p="http://schemas.openxmlformats.org/presentationml/2006/main">
   <p:cSld>
@@ -12674,7 +13890,7 @@
       </p:grpSpPr>
       <p:sp useBgFill="1">
         <p:nvSpPr>
-          <p:cNvPr id="19" name="Rectangle 18">
+          <p:cNvPr id="26" name="Rectangle 25">
             <a:extLst>
               <a:ext uri="{FF2B5EF4-FFF2-40B4-BE49-F238E27FC236}">
                 <a16:creationId xmlns:a16="http://schemas.microsoft.com/office/drawing/2014/main" id="{BAD76F3E-3A97-486B-B402-44400A8B9173}"/>
@@ -12737,7 +13953,7 @@
           <p:cNvPr id="2" name="Titel 1">
             <a:extLst>
               <a:ext uri="{FF2B5EF4-FFF2-40B4-BE49-F238E27FC236}">
-                <a16:creationId xmlns:a16="http://schemas.microsoft.com/office/drawing/2014/main" id="{32DDCDCC-A673-424B-9E11-B29241A9F51C}"/>
+                <a16:creationId xmlns:a16="http://schemas.microsoft.com/office/drawing/2014/main" id="{42021A78-ED11-45DA-B71C-1B509CA8AC5D}"/>
               </a:ext>
             </a:extLst>
           </p:cNvPr>
@@ -12761,7 +13977,7 @@
           <a:lstStyle/>
           <a:p>
             <a:r>
-              <a:rPr lang="en-US" sz="8000" kern="1200" dirty="0" err="1">
+              <a:rPr lang="en-US" sz="8000" kern="1200" dirty="0">
                 <a:solidFill>
                   <a:schemeClr val="tx1"/>
                 </a:solidFill>
@@ -12769,22 +13985,14 @@
                 <a:ea typeface="+mj-ea"/>
                 <a:cs typeface="+mj-cs"/>
               </a:rPr>
-              <a:t>Ausblick</a:t>
+              <a:t>Demonstration </a:t>
             </a:r>
-            <a:endParaRPr lang="en-US" sz="8000" kern="1200" dirty="0">
-              <a:solidFill>
-                <a:schemeClr val="tx1"/>
-              </a:solidFill>
-              <a:latin typeface="+mj-lt"/>
-              <a:ea typeface="+mj-ea"/>
-              <a:cs typeface="+mj-cs"/>
-            </a:endParaRPr>
           </a:p>
         </p:txBody>
       </p:sp>
       <p:sp>
         <p:nvSpPr>
-          <p:cNvPr id="21" name="Rectangle 20">
+          <p:cNvPr id="28" name="Rectangle 27">
             <a:extLst>
               <a:ext uri="{FF2B5EF4-FFF2-40B4-BE49-F238E27FC236}">
                 <a16:creationId xmlns:a16="http://schemas.microsoft.com/office/drawing/2014/main" id="{391F6B52-91F4-4AEB-B6DB-29FEBCF28C8B}"/>
@@ -12853,7 +14061,7 @@
       </p:sp>
       <p:sp>
         <p:nvSpPr>
-          <p:cNvPr id="23" name="Rectangle 22">
+          <p:cNvPr id="30" name="Rectangle 29">
             <a:extLst>
               <a:ext uri="{FF2B5EF4-FFF2-40B4-BE49-F238E27FC236}">
                 <a16:creationId xmlns:a16="http://schemas.microsoft.com/office/drawing/2014/main" id="{2CD6F061-7C53-44F4-9794-953DB70A451B}"/>
@@ -12946,7 +14154,7 @@
     </p:spTree>
     <p:extLst>
       <p:ext uri="{BB962C8B-B14F-4D97-AF65-F5344CB8AC3E}">
-        <p14:creationId xmlns:p14="http://schemas.microsoft.com/office/powerpoint/2010/main" val="2297710178"/>
+        <p14:creationId xmlns:p14="http://schemas.microsoft.com/office/powerpoint/2010/main" val="1650077746"/>
       </p:ext>
     </p:extLst>
   </p:cSld>
@@ -13147,6 +14355,315 @@
       </p:grpSpPr>
       <p:sp useBgFill="1">
         <p:nvSpPr>
+          <p:cNvPr id="19" name="Rectangle 18">
+            <a:extLst>
+              <a:ext uri="{FF2B5EF4-FFF2-40B4-BE49-F238E27FC236}">
+                <a16:creationId xmlns:a16="http://schemas.microsoft.com/office/drawing/2014/main" id="{BAD76F3E-3A97-486B-B402-44400A8B9173}"/>
+              </a:ext>
+              <a:ext uri="{C183D7F6-B498-43B3-948B-1728B52AA6E4}">
+                <adec:decorative xmlns:adec="http://schemas.microsoft.com/office/drawing/2017/decorative" val="1"/>
+              </a:ext>
+            </a:extLst>
+          </p:cNvPr>
+          <p:cNvSpPr>
+            <a:spLocks noGrp="1" noRot="1" noChangeAspect="1" noMove="1" noResize="1" noEditPoints="1" noAdjustHandles="1" noChangeArrowheads="1" noChangeShapeType="1" noTextEdit="1"/>
+          </p:cNvSpPr>
+          <p:nvPr>
+            <p:extLst>
+              <p:ext uri="{386F3935-93C4-4BCD-93E2-E3B085C9AB24}">
+                <p16:designElem xmlns:p16="http://schemas.microsoft.com/office/powerpoint/2015/main" val="1"/>
+              </p:ext>
+            </p:extLst>
+          </p:nvPr>
+        </p:nvSpPr>
+        <p:spPr>
+          <a:xfrm>
+            <a:off x="0" y="0"/>
+            <a:ext cx="12192000" cy="6858000"/>
+          </a:xfrm>
+          <a:prstGeom prst="rect">
+            <a:avLst/>
+          </a:prstGeom>
+          <a:ln>
+            <a:noFill/>
+          </a:ln>
+        </p:spPr>
+        <p:style>
+          <a:lnRef idx="2">
+            <a:schemeClr val="accent1">
+              <a:shade val="50000"/>
+            </a:schemeClr>
+          </a:lnRef>
+          <a:fillRef idx="1">
+            <a:schemeClr val="accent1"/>
+          </a:fillRef>
+          <a:effectRef idx="0">
+            <a:schemeClr val="accent1"/>
+          </a:effectRef>
+          <a:fontRef idx="minor">
+            <a:schemeClr val="lt1"/>
+          </a:fontRef>
+        </p:style>
+        <p:txBody>
+          <a:bodyPr rtlCol="0" anchor="ctr"/>
+          <a:lstStyle/>
+          <a:p>
+            <a:pPr algn="ctr"/>
+            <a:endParaRPr lang="en-US"/>
+          </a:p>
+        </p:txBody>
+      </p:sp>
+      <p:sp>
+        <p:nvSpPr>
+          <p:cNvPr id="2" name="Titel 1">
+            <a:extLst>
+              <a:ext uri="{FF2B5EF4-FFF2-40B4-BE49-F238E27FC236}">
+                <a16:creationId xmlns:a16="http://schemas.microsoft.com/office/drawing/2014/main" id="{32DDCDCC-A673-424B-9E11-B29241A9F51C}"/>
+              </a:ext>
+            </a:extLst>
+          </p:cNvPr>
+          <p:cNvSpPr>
+            <a:spLocks noGrp="1"/>
+          </p:cNvSpPr>
+          <p:nvPr>
+            <p:ph type="title"/>
+          </p:nvPr>
+        </p:nvSpPr>
+        <p:spPr>
+          <a:xfrm>
+            <a:off x="838199" y="1093788"/>
+            <a:ext cx="10506455" cy="2967208"/>
+          </a:xfrm>
+        </p:spPr>
+        <p:txBody>
+          <a:bodyPr vert="horz" lIns="91440" tIns="45720" rIns="91440" bIns="45720" rtlCol="0" anchor="b">
+            <a:normAutofit/>
+          </a:bodyPr>
+          <a:lstStyle/>
+          <a:p>
+            <a:r>
+              <a:rPr lang="en-US" sz="8000" kern="1200" dirty="0" err="1">
+                <a:solidFill>
+                  <a:schemeClr val="tx1"/>
+                </a:solidFill>
+                <a:latin typeface="+mj-lt"/>
+                <a:ea typeface="+mj-ea"/>
+                <a:cs typeface="+mj-cs"/>
+              </a:rPr>
+              <a:t>Ausblick</a:t>
+            </a:r>
+            <a:endParaRPr lang="en-US" sz="8000" kern="1200" dirty="0">
+              <a:solidFill>
+                <a:schemeClr val="tx1"/>
+              </a:solidFill>
+              <a:latin typeface="+mj-lt"/>
+              <a:ea typeface="+mj-ea"/>
+              <a:cs typeface="+mj-cs"/>
+            </a:endParaRPr>
+          </a:p>
+        </p:txBody>
+      </p:sp>
+      <p:sp>
+        <p:nvSpPr>
+          <p:cNvPr id="21" name="Rectangle 20">
+            <a:extLst>
+              <a:ext uri="{FF2B5EF4-FFF2-40B4-BE49-F238E27FC236}">
+                <a16:creationId xmlns:a16="http://schemas.microsoft.com/office/drawing/2014/main" id="{391F6B52-91F4-4AEB-B6DB-29FEBCF28C8B}"/>
+              </a:ext>
+              <a:ext uri="{C183D7F6-B498-43B3-948B-1728B52AA6E4}">
+                <adec:decorative xmlns:adec="http://schemas.microsoft.com/office/drawing/2017/decorative" val="1"/>
+              </a:ext>
+            </a:extLst>
+          </p:cNvPr>
+          <p:cNvSpPr>
+            <a:spLocks noGrp="1" noRot="1" noChangeAspect="1" noMove="1" noResize="1" noEditPoints="1" noAdjustHandles="1" noChangeArrowheads="1" noChangeShapeType="1" noTextEdit="1"/>
+          </p:cNvSpPr>
+          <p:nvPr>
+            <p:extLst>
+              <p:ext uri="{386F3935-93C4-4BCD-93E2-E3B085C9AB24}">
+                <p16:designElem xmlns:p16="http://schemas.microsoft.com/office/powerpoint/2015/main" val="1"/>
+              </p:ext>
+            </p:extLst>
+          </p:nvPr>
+        </p:nvSpPr>
+        <p:spPr>
+          <a:xfrm>
+            <a:off x="841248" y="4331166"/>
+            <a:ext cx="10506456" cy="18288"/>
+          </a:xfrm>
+          <a:prstGeom prst="rect">
+            <a:avLst/>
+          </a:prstGeom>
+          <a:solidFill>
+            <a:srgbClr val="D5D5D5"/>
+          </a:solidFill>
+          <a:ln w="3175">
+            <a:noFill/>
+          </a:ln>
+          <a:effectLst/>
+        </p:spPr>
+        <p:style>
+          <a:lnRef idx="2">
+            <a:schemeClr val="accent1">
+              <a:shade val="50000"/>
+            </a:schemeClr>
+          </a:lnRef>
+          <a:fillRef idx="1">
+            <a:schemeClr val="accent1"/>
+          </a:fillRef>
+          <a:effectRef idx="0">
+            <a:schemeClr val="accent1"/>
+          </a:effectRef>
+          <a:fontRef idx="minor">
+            <a:schemeClr val="lt1"/>
+          </a:fontRef>
+        </p:style>
+        <p:txBody>
+          <a:bodyPr rtlCol="0" anchor="ctr"/>
+          <a:lstStyle/>
+          <a:p>
+            <a:pPr algn="ctr"/>
+            <a:endParaRPr lang="en-US">
+              <a:solidFill>
+                <a:prstClr val="white"/>
+              </a:solidFill>
+              <a:latin typeface="Calibri" panose="020F0502020204030204"/>
+            </a:endParaRPr>
+          </a:p>
+        </p:txBody>
+      </p:sp>
+      <p:sp>
+        <p:nvSpPr>
+          <p:cNvPr id="23" name="Rectangle 22">
+            <a:extLst>
+              <a:ext uri="{FF2B5EF4-FFF2-40B4-BE49-F238E27FC236}">
+                <a16:creationId xmlns:a16="http://schemas.microsoft.com/office/drawing/2014/main" id="{2CD6F061-7C53-44F4-9794-953DB70A451B}"/>
+              </a:ext>
+              <a:ext uri="{C183D7F6-B498-43B3-948B-1728B52AA6E4}">
+                <adec:decorative xmlns:adec="http://schemas.microsoft.com/office/drawing/2017/decorative" val="1"/>
+              </a:ext>
+            </a:extLst>
+          </p:cNvPr>
+          <p:cNvSpPr>
+            <a:spLocks noGrp="1" noRot="1" noChangeAspect="1" noMove="1" noResize="1" noEditPoints="1" noAdjustHandles="1" noChangeArrowheads="1" noChangeShapeType="1" noTextEdit="1"/>
+          </p:cNvSpPr>
+          <p:nvPr>
+            <p:extLst>
+              <p:ext uri="{386F3935-93C4-4BCD-93E2-E3B085C9AB24}">
+                <p16:designElem xmlns:p16="http://schemas.microsoft.com/office/powerpoint/2015/main" val="1"/>
+              </p:ext>
+            </p:extLst>
+          </p:nvPr>
+        </p:nvSpPr>
+        <p:spPr>
+          <a:xfrm rot="5400000">
+            <a:off x="9346882" y="2348839"/>
+            <a:ext cx="54864" cy="3946779"/>
+          </a:xfrm>
+          <a:prstGeom prst="rect">
+            <a:avLst/>
+          </a:prstGeom>
+          <a:solidFill>
+            <a:schemeClr val="accent2"/>
+          </a:solidFill>
+          <a:ln>
+            <a:noFill/>
+          </a:ln>
+        </p:spPr>
+        <p:style>
+          <a:lnRef idx="2">
+            <a:schemeClr val="accent1">
+              <a:shade val="50000"/>
+            </a:schemeClr>
+          </a:lnRef>
+          <a:fillRef idx="1">
+            <a:schemeClr val="accent1"/>
+          </a:fillRef>
+          <a:effectRef idx="0">
+            <a:schemeClr val="accent1"/>
+          </a:effectRef>
+          <a:fontRef idx="minor">
+            <a:schemeClr val="lt1"/>
+          </a:fontRef>
+        </p:style>
+        <p:txBody>
+          <a:bodyPr rtlCol="0" anchor="ctr"/>
+          <a:lstStyle/>
+          <a:p>
+            <a:pPr marL="0" marR="0" lvl="0" indent="0" algn="ctr" defTabSz="914400" rtl="0" eaLnBrk="1" fontAlgn="auto" latinLnBrk="0" hangingPunct="1">
+              <a:lnSpc>
+                <a:spcPct val="100000"/>
+              </a:lnSpc>
+              <a:spcBef>
+                <a:spcPts val="0"/>
+              </a:spcBef>
+              <a:spcAft>
+                <a:spcPts val="0"/>
+              </a:spcAft>
+              <a:buClrTx/>
+              <a:buSzTx/>
+              <a:buFontTx/>
+              <a:buNone/>
+              <a:tabLst/>
+              <a:defRPr/>
+            </a:pPr>
+            <a:endParaRPr kumimoji="0" lang="en-US" sz="1800" b="0" i="0" u="none" strike="noStrike" kern="1200" cap="none" spc="0" normalizeH="0" baseline="0" noProof="0">
+              <a:ln>
+                <a:noFill/>
+              </a:ln>
+              <a:solidFill>
+                <a:prstClr val="white"/>
+              </a:solidFill>
+              <a:effectLst/>
+              <a:uLnTx/>
+              <a:uFillTx/>
+              <a:latin typeface="Calibri" panose="020F0502020204030204"/>
+              <a:ea typeface="+mn-ea"/>
+              <a:cs typeface="+mn-cs"/>
+            </a:endParaRPr>
+          </a:p>
+        </p:txBody>
+      </p:sp>
+    </p:spTree>
+    <p:extLst>
+      <p:ext uri="{BB962C8B-B14F-4D97-AF65-F5344CB8AC3E}">
+        <p14:creationId xmlns:p14="http://schemas.microsoft.com/office/powerpoint/2010/main" val="2297710178"/>
+      </p:ext>
+    </p:extLst>
+  </p:cSld>
+  <p:clrMapOvr>
+    <a:masterClrMapping/>
+  </p:clrMapOvr>
+</p:sld>
+</file>
+
+<file path=ppt/slides/slide21.xml><?xml version="1.0" encoding="utf-8"?>
+<p:sld xmlns:a="http://schemas.openxmlformats.org/drawingml/2006/main" xmlns:r="http://schemas.openxmlformats.org/officeDocument/2006/relationships" xmlns:p="http://schemas.openxmlformats.org/presentationml/2006/main">
+  <p:cSld>
+    <p:bg>
+      <p:bgPr>
+        <a:solidFill>
+          <a:schemeClr val="bg1"/>
+        </a:solidFill>
+        <a:effectLst/>
+      </p:bgPr>
+    </p:bg>
+    <p:spTree>
+      <p:nvGrpSpPr>
+        <p:cNvPr id="1" name=""/>
+        <p:cNvGrpSpPr/>
+        <p:nvPr/>
+      </p:nvGrpSpPr>
+      <p:grpSpPr>
+        <a:xfrm>
+          <a:off x="0" y="0"/>
+          <a:ext cx="0" cy="0"/>
+          <a:chOff x="0" y="0"/>
+          <a:chExt cx="0" cy="0"/>
+        </a:xfrm>
+      </p:grpSpPr>
+      <p:sp useBgFill="1">
+        <p:nvSpPr>
           <p:cNvPr id="8" name="Rectangle 7">
             <a:extLst>
               <a:ext uri="{FF2B5EF4-FFF2-40B4-BE49-F238E27FC236}">
@@ -13516,7 +15033,7 @@
         <p:spPr>
           <a:xfrm>
             <a:off x="1115568" y="2481943"/>
-            <a:ext cx="10168128" cy="3695020"/>
+            <a:ext cx="4980432" cy="3695020"/>
           </a:xfrm>
         </p:spPr>
         <p:txBody>
@@ -13525,315 +15042,140 @@
           </a:bodyPr>
           <a:lstStyle/>
           <a:p>
-            <a:endParaRPr lang="de-DE" sz="2200" dirty="0"/>
+            <a:pPr fontAlgn="base"/>
+            <a:r>
+              <a:rPr lang="de-DE" dirty="0"/>
+              <a:t>Erheblich höhere Trainingszeit verbessert Modell</a:t>
+            </a:r>
+          </a:p>
+          <a:p>
+            <a:pPr lvl="1" fontAlgn="base"/>
+            <a:r>
+              <a:rPr lang="de-DE" dirty="0"/>
+              <a:t>ca. 800.000 Iterationen bei Mu Zero  </a:t>
+            </a:r>
+          </a:p>
+          <a:p>
+            <a:pPr fontAlgn="base"/>
+            <a:r>
+              <a:rPr lang="de-DE" dirty="0"/>
+              <a:t>Anpassung an ähnliche Spiele</a:t>
+            </a:r>
+          </a:p>
+          <a:p>
+            <a:pPr lvl="1" fontAlgn="base"/>
+            <a:r>
+              <a:rPr lang="de-DE" dirty="0" err="1"/>
+              <a:t>Shogi</a:t>
+            </a:r>
+            <a:r>
+              <a:rPr lang="de-DE" dirty="0"/>
+              <a:t>, Go, etc.</a:t>
+            </a:r>
+          </a:p>
+          <a:p>
+            <a:pPr fontAlgn="base"/>
+            <a:r>
+              <a:rPr lang="de-DE" dirty="0"/>
+              <a:t>Verwendung in E-Sport</a:t>
+            </a:r>
           </a:p>
         </p:txBody>
       </p:sp>
+      <p:pic>
+        <p:nvPicPr>
+          <p:cNvPr id="4" name="Grafik 3">
+            <a:extLst>
+              <a:ext uri="{FF2B5EF4-FFF2-40B4-BE49-F238E27FC236}">
+                <a16:creationId xmlns:a16="http://schemas.microsoft.com/office/drawing/2014/main" id="{DBE111FC-47E3-45B9-A1F3-61891BA73A24}"/>
+              </a:ext>
+            </a:extLst>
+          </p:cNvPr>
+          <p:cNvPicPr>
+            <a:picLocks noChangeAspect="1"/>
+          </p:cNvPicPr>
+          <p:nvPr/>
+        </p:nvPicPr>
+        <p:blipFill>
+          <a:blip r:embed="rId2"/>
+          <a:stretch>
+            <a:fillRect/>
+          </a:stretch>
+        </p:blipFill>
+        <p:spPr>
+          <a:xfrm>
+            <a:off x="8146285" y="2341948"/>
+            <a:ext cx="2532714" cy="1266357"/>
+          </a:xfrm>
+          <a:prstGeom prst="rect">
+            <a:avLst/>
+          </a:prstGeom>
+        </p:spPr>
+      </p:pic>
+      <p:pic>
+        <p:nvPicPr>
+          <p:cNvPr id="5" name="Grafik 4">
+            <a:extLst>
+              <a:ext uri="{FF2B5EF4-FFF2-40B4-BE49-F238E27FC236}">
+                <a16:creationId xmlns:a16="http://schemas.microsoft.com/office/drawing/2014/main" id="{72B22D41-B91D-4B2E-BA80-9966924999BC}"/>
+              </a:ext>
+            </a:extLst>
+          </p:cNvPr>
+          <p:cNvPicPr>
+            <a:picLocks noChangeAspect="1"/>
+          </p:cNvPicPr>
+          <p:nvPr/>
+        </p:nvPicPr>
+        <p:blipFill>
+          <a:blip r:embed="rId3"/>
+          <a:stretch>
+            <a:fillRect/>
+          </a:stretch>
+        </p:blipFill>
+        <p:spPr>
+          <a:xfrm>
+            <a:off x="6987209" y="3931447"/>
+            <a:ext cx="1975348" cy="1975348"/>
+          </a:xfrm>
+          <a:prstGeom prst="rect">
+            <a:avLst/>
+          </a:prstGeom>
+        </p:spPr>
+      </p:pic>
+      <p:pic>
+        <p:nvPicPr>
+          <p:cNvPr id="6" name="Grafik 5">
+            <a:extLst>
+              <a:ext uri="{FF2B5EF4-FFF2-40B4-BE49-F238E27FC236}">
+                <a16:creationId xmlns:a16="http://schemas.microsoft.com/office/drawing/2014/main" id="{E7AF409C-8C9F-481B-8C11-CB0FCA19A6C9}"/>
+              </a:ext>
+            </a:extLst>
+          </p:cNvPr>
+          <p:cNvPicPr>
+            <a:picLocks noChangeAspect="1"/>
+          </p:cNvPicPr>
+          <p:nvPr/>
+        </p:nvPicPr>
+        <p:blipFill>
+          <a:blip r:embed="rId4"/>
+          <a:stretch>
+            <a:fillRect/>
+          </a:stretch>
+        </p:blipFill>
+        <p:spPr>
+          <a:xfrm>
+            <a:off x="9262828" y="4047583"/>
+            <a:ext cx="2628900" cy="1743075"/>
+          </a:xfrm>
+          <a:prstGeom prst="rect">
+            <a:avLst/>
+          </a:prstGeom>
+        </p:spPr>
+      </p:pic>
     </p:spTree>
     <p:extLst>
       <p:ext uri="{BB962C8B-B14F-4D97-AF65-F5344CB8AC3E}">
         <p14:creationId xmlns:p14="http://schemas.microsoft.com/office/powerpoint/2010/main" val="2063855677"/>
-      </p:ext>
-    </p:extLst>
-  </p:cSld>
-  <p:clrMapOvr>
-    <a:masterClrMapping/>
-  </p:clrMapOvr>
-</p:sld>
-</file>
-
-<file path=ppt/slides/slide21.xml><?xml version="1.0" encoding="utf-8"?>
-<p:sld xmlns:a="http://schemas.openxmlformats.org/drawingml/2006/main" xmlns:r="http://schemas.openxmlformats.org/officeDocument/2006/relationships" xmlns:p="http://schemas.openxmlformats.org/presentationml/2006/main">
-  <p:cSld>
-    <p:bg>
-      <p:bgPr>
-        <a:solidFill>
-          <a:schemeClr val="bg1"/>
-        </a:solidFill>
-        <a:effectLst/>
-      </p:bgPr>
-    </p:bg>
-    <p:spTree>
-      <p:nvGrpSpPr>
-        <p:cNvPr id="1" name=""/>
-        <p:cNvGrpSpPr/>
-        <p:nvPr/>
-      </p:nvGrpSpPr>
-      <p:grpSpPr>
-        <a:xfrm>
-          <a:off x="0" y="0"/>
-          <a:ext cx="0" cy="0"/>
-          <a:chOff x="0" y="0"/>
-          <a:chExt cx="0" cy="0"/>
-        </a:xfrm>
-      </p:grpSpPr>
-      <p:sp useBgFill="1">
-        <p:nvSpPr>
-          <p:cNvPr id="26" name="Rectangle 25">
-            <a:extLst>
-              <a:ext uri="{FF2B5EF4-FFF2-40B4-BE49-F238E27FC236}">
-                <a16:creationId xmlns:a16="http://schemas.microsoft.com/office/drawing/2014/main" id="{BAD76F3E-3A97-486B-B402-44400A8B9173}"/>
-              </a:ext>
-              <a:ext uri="{C183D7F6-B498-43B3-948B-1728B52AA6E4}">
-                <adec:decorative xmlns:adec="http://schemas.microsoft.com/office/drawing/2017/decorative" val="1"/>
-              </a:ext>
-            </a:extLst>
-          </p:cNvPr>
-          <p:cNvSpPr>
-            <a:spLocks noGrp="1" noRot="1" noChangeAspect="1" noMove="1" noResize="1" noEditPoints="1" noAdjustHandles="1" noChangeArrowheads="1" noChangeShapeType="1" noTextEdit="1"/>
-          </p:cNvSpPr>
-          <p:nvPr>
-            <p:extLst>
-              <p:ext uri="{386F3935-93C4-4BCD-93E2-E3B085C9AB24}">
-                <p16:designElem xmlns:p16="http://schemas.microsoft.com/office/powerpoint/2015/main" val="1"/>
-              </p:ext>
-            </p:extLst>
-          </p:nvPr>
-        </p:nvSpPr>
-        <p:spPr>
-          <a:xfrm>
-            <a:off x="0" y="0"/>
-            <a:ext cx="12192000" cy="6858000"/>
-          </a:xfrm>
-          <a:prstGeom prst="rect">
-            <a:avLst/>
-          </a:prstGeom>
-          <a:ln>
-            <a:noFill/>
-          </a:ln>
-        </p:spPr>
-        <p:style>
-          <a:lnRef idx="2">
-            <a:schemeClr val="accent1">
-              <a:shade val="50000"/>
-            </a:schemeClr>
-          </a:lnRef>
-          <a:fillRef idx="1">
-            <a:schemeClr val="accent1"/>
-          </a:fillRef>
-          <a:effectRef idx="0">
-            <a:schemeClr val="accent1"/>
-          </a:effectRef>
-          <a:fontRef idx="minor">
-            <a:schemeClr val="lt1"/>
-          </a:fontRef>
-        </p:style>
-        <p:txBody>
-          <a:bodyPr rtlCol="0" anchor="ctr"/>
-          <a:lstStyle/>
-          <a:p>
-            <a:pPr algn="ctr"/>
-            <a:endParaRPr lang="en-US"/>
-          </a:p>
-        </p:txBody>
-      </p:sp>
-      <p:sp>
-        <p:nvSpPr>
-          <p:cNvPr id="2" name="Titel 1">
-            <a:extLst>
-              <a:ext uri="{FF2B5EF4-FFF2-40B4-BE49-F238E27FC236}">
-                <a16:creationId xmlns:a16="http://schemas.microsoft.com/office/drawing/2014/main" id="{42021A78-ED11-45DA-B71C-1B509CA8AC5D}"/>
-              </a:ext>
-            </a:extLst>
-          </p:cNvPr>
-          <p:cNvSpPr>
-            <a:spLocks noGrp="1"/>
-          </p:cNvSpPr>
-          <p:nvPr>
-            <p:ph type="title"/>
-          </p:nvPr>
-        </p:nvSpPr>
-        <p:spPr>
-          <a:xfrm>
-            <a:off x="838199" y="1093788"/>
-            <a:ext cx="10506455" cy="2967208"/>
-          </a:xfrm>
-        </p:spPr>
-        <p:txBody>
-          <a:bodyPr vert="horz" lIns="91440" tIns="45720" rIns="91440" bIns="45720" rtlCol="0" anchor="b">
-            <a:normAutofit/>
-          </a:bodyPr>
-          <a:lstStyle/>
-          <a:p>
-            <a:r>
-              <a:rPr lang="en-US" sz="8000" kern="1200" dirty="0">
-                <a:solidFill>
-                  <a:schemeClr val="tx1"/>
-                </a:solidFill>
-                <a:latin typeface="+mj-lt"/>
-                <a:ea typeface="+mj-ea"/>
-                <a:cs typeface="+mj-cs"/>
-              </a:rPr>
-              <a:t>Demonstration </a:t>
-            </a:r>
-          </a:p>
-        </p:txBody>
-      </p:sp>
-      <p:sp>
-        <p:nvSpPr>
-          <p:cNvPr id="28" name="Rectangle 27">
-            <a:extLst>
-              <a:ext uri="{FF2B5EF4-FFF2-40B4-BE49-F238E27FC236}">
-                <a16:creationId xmlns:a16="http://schemas.microsoft.com/office/drawing/2014/main" id="{391F6B52-91F4-4AEB-B6DB-29FEBCF28C8B}"/>
-              </a:ext>
-              <a:ext uri="{C183D7F6-B498-43B3-948B-1728B52AA6E4}">
-                <adec:decorative xmlns:adec="http://schemas.microsoft.com/office/drawing/2017/decorative" val="1"/>
-              </a:ext>
-            </a:extLst>
-          </p:cNvPr>
-          <p:cNvSpPr>
-            <a:spLocks noGrp="1" noRot="1" noChangeAspect="1" noMove="1" noResize="1" noEditPoints="1" noAdjustHandles="1" noChangeArrowheads="1" noChangeShapeType="1" noTextEdit="1"/>
-          </p:cNvSpPr>
-          <p:nvPr>
-            <p:extLst>
-              <p:ext uri="{386F3935-93C4-4BCD-93E2-E3B085C9AB24}">
-                <p16:designElem xmlns:p16="http://schemas.microsoft.com/office/powerpoint/2015/main" val="1"/>
-              </p:ext>
-            </p:extLst>
-          </p:nvPr>
-        </p:nvSpPr>
-        <p:spPr>
-          <a:xfrm>
-            <a:off x="841248" y="4331166"/>
-            <a:ext cx="10506456" cy="18288"/>
-          </a:xfrm>
-          <a:prstGeom prst="rect">
-            <a:avLst/>
-          </a:prstGeom>
-          <a:solidFill>
-            <a:srgbClr val="D5D5D5"/>
-          </a:solidFill>
-          <a:ln w="3175">
-            <a:noFill/>
-          </a:ln>
-          <a:effectLst/>
-        </p:spPr>
-        <p:style>
-          <a:lnRef idx="2">
-            <a:schemeClr val="accent1">
-              <a:shade val="50000"/>
-            </a:schemeClr>
-          </a:lnRef>
-          <a:fillRef idx="1">
-            <a:schemeClr val="accent1"/>
-          </a:fillRef>
-          <a:effectRef idx="0">
-            <a:schemeClr val="accent1"/>
-          </a:effectRef>
-          <a:fontRef idx="minor">
-            <a:schemeClr val="lt1"/>
-          </a:fontRef>
-        </p:style>
-        <p:txBody>
-          <a:bodyPr rtlCol="0" anchor="ctr"/>
-          <a:lstStyle/>
-          <a:p>
-            <a:pPr algn="ctr"/>
-            <a:endParaRPr lang="en-US">
-              <a:solidFill>
-                <a:prstClr val="white"/>
-              </a:solidFill>
-              <a:latin typeface="Calibri" panose="020F0502020204030204"/>
-            </a:endParaRPr>
-          </a:p>
-        </p:txBody>
-      </p:sp>
-      <p:sp>
-        <p:nvSpPr>
-          <p:cNvPr id="30" name="Rectangle 29">
-            <a:extLst>
-              <a:ext uri="{FF2B5EF4-FFF2-40B4-BE49-F238E27FC236}">
-                <a16:creationId xmlns:a16="http://schemas.microsoft.com/office/drawing/2014/main" id="{2CD6F061-7C53-44F4-9794-953DB70A451B}"/>
-              </a:ext>
-              <a:ext uri="{C183D7F6-B498-43B3-948B-1728B52AA6E4}">
-                <adec:decorative xmlns:adec="http://schemas.microsoft.com/office/drawing/2017/decorative" val="1"/>
-              </a:ext>
-            </a:extLst>
-          </p:cNvPr>
-          <p:cNvSpPr>
-            <a:spLocks noGrp="1" noRot="1" noChangeAspect="1" noMove="1" noResize="1" noEditPoints="1" noAdjustHandles="1" noChangeArrowheads="1" noChangeShapeType="1" noTextEdit="1"/>
-          </p:cNvSpPr>
-          <p:nvPr>
-            <p:extLst>
-              <p:ext uri="{386F3935-93C4-4BCD-93E2-E3B085C9AB24}">
-                <p16:designElem xmlns:p16="http://schemas.microsoft.com/office/powerpoint/2015/main" val="1"/>
-              </p:ext>
-            </p:extLst>
-          </p:nvPr>
-        </p:nvSpPr>
-        <p:spPr>
-          <a:xfrm rot="5400000">
-            <a:off x="9346882" y="2348839"/>
-            <a:ext cx="54864" cy="3946779"/>
-          </a:xfrm>
-          <a:prstGeom prst="rect">
-            <a:avLst/>
-          </a:prstGeom>
-          <a:solidFill>
-            <a:schemeClr val="accent2"/>
-          </a:solidFill>
-          <a:ln>
-            <a:noFill/>
-          </a:ln>
-        </p:spPr>
-        <p:style>
-          <a:lnRef idx="2">
-            <a:schemeClr val="accent1">
-              <a:shade val="50000"/>
-            </a:schemeClr>
-          </a:lnRef>
-          <a:fillRef idx="1">
-            <a:schemeClr val="accent1"/>
-          </a:fillRef>
-          <a:effectRef idx="0">
-            <a:schemeClr val="accent1"/>
-          </a:effectRef>
-          <a:fontRef idx="minor">
-            <a:schemeClr val="lt1"/>
-          </a:fontRef>
-        </p:style>
-        <p:txBody>
-          <a:bodyPr rtlCol="0" anchor="ctr"/>
-          <a:lstStyle/>
-          <a:p>
-            <a:pPr marL="0" marR="0" lvl="0" indent="0" algn="ctr" defTabSz="914400" rtl="0" eaLnBrk="1" fontAlgn="auto" latinLnBrk="0" hangingPunct="1">
-              <a:lnSpc>
-                <a:spcPct val="100000"/>
-              </a:lnSpc>
-              <a:spcBef>
-                <a:spcPts val="0"/>
-              </a:spcBef>
-              <a:spcAft>
-                <a:spcPts val="0"/>
-              </a:spcAft>
-              <a:buClrTx/>
-              <a:buSzTx/>
-              <a:buFontTx/>
-              <a:buNone/>
-              <a:tabLst/>
-              <a:defRPr/>
-            </a:pPr>
-            <a:endParaRPr kumimoji="0" lang="en-US" sz="1800" b="0" i="0" u="none" strike="noStrike" kern="1200" cap="none" spc="0" normalizeH="0" baseline="0" noProof="0">
-              <a:ln>
-                <a:noFill/>
-              </a:ln>
-              <a:solidFill>
-                <a:prstClr val="white"/>
-              </a:solidFill>
-              <a:effectLst/>
-              <a:uLnTx/>
-              <a:uFillTx/>
-              <a:latin typeface="Calibri" panose="020F0502020204030204"/>
-              <a:ea typeface="+mn-ea"/>
-              <a:cs typeface="+mn-cs"/>
-            </a:endParaRPr>
-          </a:p>
-        </p:txBody>
-      </p:sp>
-    </p:spTree>
-    <p:extLst>
-      <p:ext uri="{BB962C8B-B14F-4D97-AF65-F5344CB8AC3E}">
-        <p14:creationId xmlns:p14="http://schemas.microsoft.com/office/powerpoint/2010/main" val="1650077746"/>
       </p:ext>
     </p:extLst>
   </p:cSld>
@@ -14122,7 +15464,7 @@
           <p:cNvPr id="2" name="Titel 1">
             <a:extLst>
               <a:ext uri="{FF2B5EF4-FFF2-40B4-BE49-F238E27FC236}">
-                <a16:creationId xmlns:a16="http://schemas.microsoft.com/office/drawing/2014/main" id="{D008A3F8-DA07-4A42-BA33-84712F697D08}"/>
+                <a16:creationId xmlns:a16="http://schemas.microsoft.com/office/drawing/2014/main" id="{DEB7DD44-023F-4AE4-9EF8-CF985DFA0FC7}"/>
               </a:ext>
             </a:extLst>
           </p:cNvPr>
@@ -14147,7 +15489,7 @@
           <a:p>
             <a:r>
               <a:rPr lang="de-DE" sz="4000"/>
-              <a:t>Live-Demo</a:t>
+              <a:t>Quellen</a:t>
             </a:r>
           </a:p>
         </p:txBody>
@@ -14225,7 +15567,7 @@
           <p:cNvPr id="3" name="Inhaltsplatzhalter 2">
             <a:extLst>
               <a:ext uri="{FF2B5EF4-FFF2-40B4-BE49-F238E27FC236}">
-                <a16:creationId xmlns:a16="http://schemas.microsoft.com/office/drawing/2014/main" id="{BFF72F3D-929B-4AAF-BE13-3CF5CC60B33B}"/>
+                <a16:creationId xmlns:a16="http://schemas.microsoft.com/office/drawing/2014/main" id="{97923C4E-8E33-43FC-B2AE-DBAF45A06103}"/>
               </a:ext>
             </a:extLst>
           </p:cNvPr>
@@ -14248,14 +15590,53 @@
           </a:bodyPr>
           <a:lstStyle/>
           <a:p>
-            <a:endParaRPr lang="de-DE" sz="2200"/>
+            <a:r>
+              <a:rPr lang="de-DE" sz="2200" dirty="0"/>
+              <a:t>https://hci.iwr.uni-heidelberg.de/system/files/private/downloads/297868474/report_robert-klassert.pdf</a:t>
+            </a:r>
+          </a:p>
+          <a:p>
+            <a:r>
+              <a:rPr lang="de-DE" sz="2200" dirty="0"/>
+              <a:t>https://towardsdatascience.com/reinforcement-learning-temporal-difference-sarsa-q-learning-expected-sarsa-on-python-9fecfda7467e </a:t>
+            </a:r>
+          </a:p>
+          <a:p>
+            <a:r>
+              <a:rPr lang="de-DE" sz="2200" dirty="0"/>
+              <a:t>http://www.informatik.uni-ulm.de/ni/Lehre/SS07/RL/vorlesung/rl06.pdf</a:t>
+            </a:r>
+          </a:p>
+          <a:p>
+            <a:r>
+              <a:rPr lang="de-DE" sz="2200" dirty="0"/>
+              <a:t>http://elo-kompetenzteam.de/2018/04/07/die-elo-zahl/</a:t>
+            </a:r>
+          </a:p>
+          <a:p>
+            <a:r>
+              <a:rPr lang="de-DE" sz="2200" dirty="0"/>
+              <a:t>http://www.sfbux.de/wp-content/uploads/artikel/berechenbarkeit.pdf</a:t>
+            </a:r>
+          </a:p>
+          <a:p>
+            <a:r>
+              <a:rPr lang="de-DE" sz="2200" dirty="0"/>
+              <a:t>https://www.kaggle.com/arjanso/reinforcement-learning-chess-5-tree-search</a:t>
+            </a:r>
+          </a:p>
+          <a:p>
+            <a:endParaRPr lang="de-DE" sz="2200" dirty="0"/>
+          </a:p>
+          <a:p>
+            <a:endParaRPr lang="de-DE" sz="2200" dirty="0"/>
           </a:p>
         </p:txBody>
       </p:sp>
     </p:spTree>
     <p:extLst>
       <p:ext uri="{BB962C8B-B14F-4D97-AF65-F5344CB8AC3E}">
-        <p14:creationId xmlns:p14="http://schemas.microsoft.com/office/powerpoint/2010/main" val="1176754451"/>
+        <p14:creationId xmlns:p14="http://schemas.microsoft.com/office/powerpoint/2010/main" val="2295727926"/>
       </p:ext>
     </p:extLst>
   </p:cSld>
@@ -14266,6 +15647,617 @@
 </file>
 
 <file path=ppt/slides/slide23.xml><?xml version="1.0" encoding="utf-8"?>
+<p:sld xmlns:a="http://schemas.openxmlformats.org/drawingml/2006/main" xmlns:r="http://schemas.openxmlformats.org/officeDocument/2006/relationships" xmlns:p="http://schemas.openxmlformats.org/presentationml/2006/main">
+  <p:cSld>
+    <p:bg>
+      <p:bgPr>
+        <a:solidFill>
+          <a:schemeClr val="bg1"/>
+        </a:solidFill>
+        <a:effectLst/>
+      </p:bgPr>
+    </p:bg>
+    <p:spTree>
+      <p:nvGrpSpPr>
+        <p:cNvPr id="1" name=""/>
+        <p:cNvGrpSpPr/>
+        <p:nvPr/>
+      </p:nvGrpSpPr>
+      <p:grpSpPr>
+        <a:xfrm>
+          <a:off x="0" y="0"/>
+          <a:ext cx="0" cy="0"/>
+          <a:chOff x="0" y="0"/>
+          <a:chExt cx="0" cy="0"/>
+        </a:xfrm>
+      </p:grpSpPr>
+      <p:sp>
+        <p:nvSpPr>
+          <p:cNvPr id="8" name="Rectangle 7">
+            <a:extLst>
+              <a:ext uri="{FF2B5EF4-FFF2-40B4-BE49-F238E27FC236}">
+                <a16:creationId xmlns:a16="http://schemas.microsoft.com/office/drawing/2014/main" id="{1F0019DF-65F1-4290-8276-2C14372D94D6}"/>
+              </a:ext>
+              <a:ext uri="{C183D7F6-B498-43B3-948B-1728B52AA6E4}">
+                <adec:decorative xmlns:adec="http://schemas.microsoft.com/office/drawing/2017/decorative" val="1"/>
+              </a:ext>
+            </a:extLst>
+          </p:cNvPr>
+          <p:cNvSpPr>
+            <a:spLocks noGrp="1" noRot="1" noChangeAspect="1" noMove="1" noResize="1" noEditPoints="1" noAdjustHandles="1" noChangeArrowheads="1" noChangeShapeType="1" noTextEdit="1"/>
+          </p:cNvSpPr>
+          <p:nvPr>
+            <p:extLst>
+              <p:ext uri="{386F3935-93C4-4BCD-93E2-E3B085C9AB24}">
+                <p16:designElem xmlns:p16="http://schemas.microsoft.com/office/powerpoint/2015/main" val="1"/>
+              </p:ext>
+            </p:extLst>
+          </p:nvPr>
+        </p:nvSpPr>
+        <p:spPr>
+          <a:xfrm>
+            <a:off x="0" y="7258"/>
+            <a:ext cx="12192000" cy="6858000"/>
+          </a:xfrm>
+          <a:prstGeom prst="rect">
+            <a:avLst/>
+          </a:prstGeom>
+          <a:solidFill>
+            <a:schemeClr val="tx1"/>
+          </a:solidFill>
+          <a:ln w="12700" cap="flat" cmpd="sng" algn="ctr">
+            <a:noFill/>
+            <a:prstDash val="solid"/>
+            <a:miter lim="800000"/>
+          </a:ln>
+          <a:effectLst/>
+        </p:spPr>
+        <p:style>
+          <a:lnRef idx="2">
+            <a:schemeClr val="accent1">
+              <a:shade val="50000"/>
+            </a:schemeClr>
+          </a:lnRef>
+          <a:fillRef idx="1">
+            <a:schemeClr val="accent1"/>
+          </a:fillRef>
+          <a:effectRef idx="0">
+            <a:schemeClr val="accent1"/>
+          </a:effectRef>
+          <a:fontRef idx="minor">
+            <a:schemeClr val="lt1"/>
+          </a:fontRef>
+        </p:style>
+        <p:txBody>
+          <a:bodyPr rtlCol="0" anchor="ctr"/>
+          <a:lstStyle/>
+          <a:p>
+            <a:pPr algn="ctr"/>
+            <a:endParaRPr lang="en-US"/>
+          </a:p>
+        </p:txBody>
+      </p:sp>
+      <p:sp>
+        <p:nvSpPr>
+          <p:cNvPr id="10" name="Rectangle 9">
+            <a:extLst>
+              <a:ext uri="{FF2B5EF4-FFF2-40B4-BE49-F238E27FC236}">
+                <a16:creationId xmlns:a16="http://schemas.microsoft.com/office/drawing/2014/main" id="{3AC75B1D-4749-49A1-8553-FD296DD7CC9F}"/>
+              </a:ext>
+              <a:ext uri="{C183D7F6-B498-43B3-948B-1728B52AA6E4}">
+                <adec:decorative xmlns:adec="http://schemas.microsoft.com/office/drawing/2017/decorative" val="1"/>
+              </a:ext>
+            </a:extLst>
+          </p:cNvPr>
+          <p:cNvSpPr>
+            <a:spLocks noGrp="1" noRot="1" noChangeAspect="1" noMove="1" noResize="1" noEditPoints="1" noAdjustHandles="1" noChangeArrowheads="1" noChangeShapeType="1" noTextEdit="1"/>
+          </p:cNvSpPr>
+          <p:nvPr>
+            <p:extLst>
+              <p:ext uri="{386F3935-93C4-4BCD-93E2-E3B085C9AB24}">
+                <p16:designElem xmlns:p16="http://schemas.microsoft.com/office/powerpoint/2015/main" val="1"/>
+              </p:ext>
+            </p:extLst>
+          </p:nvPr>
+        </p:nvSpPr>
+        <p:spPr>
+          <a:xfrm>
+            <a:off x="0" y="0"/>
+            <a:ext cx="12192000" cy="6858000"/>
+          </a:xfrm>
+          <a:prstGeom prst="rect">
+            <a:avLst/>
+          </a:prstGeom>
+          <a:solidFill>
+            <a:schemeClr val="tx2">
+              <a:alpha val="40000"/>
+            </a:schemeClr>
+          </a:solidFill>
+          <a:ln w="12700" cap="flat" cmpd="sng" algn="ctr">
+            <a:noFill/>
+            <a:prstDash val="solid"/>
+            <a:miter lim="800000"/>
+          </a:ln>
+          <a:effectLst/>
+        </p:spPr>
+        <p:style>
+          <a:lnRef idx="2">
+            <a:schemeClr val="accent1">
+              <a:shade val="50000"/>
+            </a:schemeClr>
+          </a:lnRef>
+          <a:fillRef idx="1">
+            <a:schemeClr val="accent1"/>
+          </a:fillRef>
+          <a:effectRef idx="0">
+            <a:schemeClr val="accent1"/>
+          </a:effectRef>
+          <a:fontRef idx="minor">
+            <a:schemeClr val="lt1"/>
+          </a:fontRef>
+        </p:style>
+        <p:txBody>
+          <a:bodyPr rtlCol="0" anchor="ctr"/>
+          <a:lstStyle/>
+          <a:p>
+            <a:pPr algn="ctr"/>
+            <a:endParaRPr lang="en-US"/>
+          </a:p>
+        </p:txBody>
+      </p:sp>
+      <p:sp>
+        <p:nvSpPr>
+          <p:cNvPr id="12" name="Rectangle 11">
+            <a:extLst>
+              <a:ext uri="{FF2B5EF4-FFF2-40B4-BE49-F238E27FC236}">
+                <a16:creationId xmlns:a16="http://schemas.microsoft.com/office/drawing/2014/main" id="{9A8ECCF6-3858-46C9-8F9F-C06506CC3F9F}"/>
+              </a:ext>
+              <a:ext uri="{C183D7F6-B498-43B3-948B-1728B52AA6E4}">
+                <adec:decorative xmlns:adec="http://schemas.microsoft.com/office/drawing/2017/decorative" val="1"/>
+              </a:ext>
+            </a:extLst>
+          </p:cNvPr>
+          <p:cNvSpPr>
+            <a:spLocks noGrp="1" noRot="1" noChangeAspect="1" noMove="1" noResize="1" noEditPoints="1" noAdjustHandles="1" noChangeArrowheads="1" noChangeShapeType="1" noTextEdit="1"/>
+          </p:cNvSpPr>
+          <p:nvPr>
+            <p:extLst>
+              <p:ext uri="{386F3935-93C4-4BCD-93E2-E3B085C9AB24}">
+                <p16:designElem xmlns:p16="http://schemas.microsoft.com/office/powerpoint/2015/main" val="1"/>
+              </p:ext>
+            </p:extLst>
+          </p:nvPr>
+        </p:nvSpPr>
+        <p:spPr>
+          <a:xfrm>
+            <a:off x="1352551" y="1371600"/>
+            <a:ext cx="9486899" cy="4114800"/>
+          </a:xfrm>
+          <a:prstGeom prst="rect">
+            <a:avLst/>
+          </a:prstGeom>
+          <a:solidFill>
+            <a:schemeClr val="tx1"/>
+          </a:solidFill>
+          <a:ln>
+            <a:noFill/>
+          </a:ln>
+        </p:spPr>
+        <p:style>
+          <a:lnRef idx="2">
+            <a:schemeClr val="accent1">
+              <a:shade val="50000"/>
+            </a:schemeClr>
+          </a:lnRef>
+          <a:fillRef idx="1">
+            <a:schemeClr val="accent1"/>
+          </a:fillRef>
+          <a:effectRef idx="0">
+            <a:schemeClr val="accent1"/>
+          </a:effectRef>
+          <a:fontRef idx="minor">
+            <a:schemeClr val="lt1"/>
+          </a:fontRef>
+        </p:style>
+        <p:txBody>
+          <a:bodyPr rtlCol="0" anchor="ctr"/>
+          <a:lstStyle/>
+          <a:p>
+            <a:pPr algn="ctr"/>
+            <a:endParaRPr lang="en-US"/>
+          </a:p>
+        </p:txBody>
+      </p:sp>
+      <p:sp>
+        <p:nvSpPr>
+          <p:cNvPr id="2" name="Titel 1">
+            <a:extLst>
+              <a:ext uri="{FF2B5EF4-FFF2-40B4-BE49-F238E27FC236}">
+                <a16:creationId xmlns:a16="http://schemas.microsoft.com/office/drawing/2014/main" id="{C11B8156-19A4-40B2-9F22-4EF21040F111}"/>
+              </a:ext>
+            </a:extLst>
+          </p:cNvPr>
+          <p:cNvSpPr>
+            <a:spLocks noGrp="1"/>
+          </p:cNvSpPr>
+          <p:nvPr>
+            <p:ph type="title"/>
+          </p:nvPr>
+        </p:nvSpPr>
+        <p:spPr>
+          <a:xfrm>
+            <a:off x="2296413" y="2085788"/>
+            <a:ext cx="7599175" cy="1452893"/>
+          </a:xfrm>
+        </p:spPr>
+        <p:txBody>
+          <a:bodyPr vert="horz" lIns="91440" tIns="45720" rIns="91440" bIns="45720" rtlCol="0" anchor="b">
+            <a:normAutofit/>
+          </a:bodyPr>
+          <a:lstStyle/>
+          <a:p>
+            <a:pPr algn="ctr"/>
+            <a:r>
+              <a:rPr lang="en-US" sz="3200" kern="1200">
+                <a:solidFill>
+                  <a:schemeClr val="bg1">
+                    <a:alpha val="60000"/>
+                  </a:schemeClr>
+                </a:solidFill>
+                <a:latin typeface="+mj-lt"/>
+                <a:ea typeface="+mj-ea"/>
+                <a:cs typeface="+mj-cs"/>
+              </a:rPr>
+              <a:t>Danke für die Aufmerksamkeit</a:t>
+            </a:r>
+          </a:p>
+        </p:txBody>
+      </p:sp>
+    </p:spTree>
+    <p:extLst>
+      <p:ext uri="{BB962C8B-B14F-4D97-AF65-F5344CB8AC3E}">
+        <p14:creationId xmlns:p14="http://schemas.microsoft.com/office/powerpoint/2010/main" val="250846684"/>
+      </p:ext>
+    </p:extLst>
+  </p:cSld>
+  <p:clrMapOvr>
+    <a:masterClrMapping/>
+  </p:clrMapOvr>
+</p:sld>
+</file>
+
+<file path=ppt/slides/slide3.xml><?xml version="1.0" encoding="utf-8"?>
+<p:sld xmlns:a="http://schemas.openxmlformats.org/drawingml/2006/main" xmlns:r="http://schemas.openxmlformats.org/officeDocument/2006/relationships" xmlns:p="http://schemas.openxmlformats.org/presentationml/2006/main">
+  <p:cSld>
+    <p:bg>
+      <p:bgPr>
+        <a:solidFill>
+          <a:schemeClr val="bg1"/>
+        </a:solidFill>
+        <a:effectLst/>
+      </p:bgPr>
+    </p:bg>
+    <p:spTree>
+      <p:nvGrpSpPr>
+        <p:cNvPr id="1" name=""/>
+        <p:cNvGrpSpPr/>
+        <p:nvPr/>
+      </p:nvGrpSpPr>
+      <p:grpSpPr>
+        <a:xfrm>
+          <a:off x="0" y="0"/>
+          <a:ext cx="0" cy="0"/>
+          <a:chOff x="0" y="0"/>
+          <a:chExt cx="0" cy="0"/>
+        </a:xfrm>
+      </p:grpSpPr>
+      <p:sp useBgFill="1">
+        <p:nvSpPr>
+          <p:cNvPr id="35" name="Rectangle 26">
+            <a:extLst>
+              <a:ext uri="{FF2B5EF4-FFF2-40B4-BE49-F238E27FC236}">
+                <a16:creationId xmlns:a16="http://schemas.microsoft.com/office/drawing/2014/main" id="{BAD76F3E-3A97-486B-B402-44400A8B9173}"/>
+              </a:ext>
+              <a:ext uri="{C183D7F6-B498-43B3-948B-1728B52AA6E4}">
+                <adec:decorative xmlns:adec="http://schemas.microsoft.com/office/drawing/2017/decorative" val="1"/>
+              </a:ext>
+            </a:extLst>
+          </p:cNvPr>
+          <p:cNvSpPr>
+            <a:spLocks noGrp="1" noRot="1" noChangeAspect="1" noMove="1" noResize="1" noEditPoints="1" noAdjustHandles="1" noChangeArrowheads="1" noChangeShapeType="1" noTextEdit="1"/>
+          </p:cNvSpPr>
+          <p:nvPr>
+            <p:extLst>
+              <p:ext uri="{386F3935-93C4-4BCD-93E2-E3B085C9AB24}">
+                <p16:designElem xmlns:p16="http://schemas.microsoft.com/office/powerpoint/2015/main" val="1"/>
+              </p:ext>
+            </p:extLst>
+          </p:nvPr>
+        </p:nvSpPr>
+        <p:spPr>
+          <a:xfrm>
+            <a:off x="0" y="0"/>
+            <a:ext cx="12192000" cy="6858000"/>
+          </a:xfrm>
+          <a:prstGeom prst="rect">
+            <a:avLst/>
+          </a:prstGeom>
+          <a:ln>
+            <a:noFill/>
+          </a:ln>
+        </p:spPr>
+        <p:style>
+          <a:lnRef idx="2">
+            <a:schemeClr val="accent1">
+              <a:shade val="50000"/>
+            </a:schemeClr>
+          </a:lnRef>
+          <a:fillRef idx="1">
+            <a:schemeClr val="accent1"/>
+          </a:fillRef>
+          <a:effectRef idx="0">
+            <a:schemeClr val="accent1"/>
+          </a:effectRef>
+          <a:fontRef idx="minor">
+            <a:schemeClr val="lt1"/>
+          </a:fontRef>
+        </p:style>
+        <p:txBody>
+          <a:bodyPr rtlCol="0" anchor="ctr"/>
+          <a:lstStyle/>
+          <a:p>
+            <a:pPr algn="ctr"/>
+            <a:endParaRPr lang="en-US"/>
+          </a:p>
+        </p:txBody>
+      </p:sp>
+      <p:sp>
+        <p:nvSpPr>
+          <p:cNvPr id="2" name="Titel 1">
+            <a:extLst>
+              <a:ext uri="{FF2B5EF4-FFF2-40B4-BE49-F238E27FC236}">
+                <a16:creationId xmlns:a16="http://schemas.microsoft.com/office/drawing/2014/main" id="{A3FD2CD9-3161-4CE5-9CAC-BC9577FD9926}"/>
+              </a:ext>
+            </a:extLst>
+          </p:cNvPr>
+          <p:cNvSpPr>
+            <a:spLocks noGrp="1"/>
+          </p:cNvSpPr>
+          <p:nvPr>
+            <p:ph type="title"/>
+          </p:nvPr>
+        </p:nvSpPr>
+        <p:spPr>
+          <a:xfrm>
+            <a:off x="838199" y="1093788"/>
+            <a:ext cx="10506455" cy="2967208"/>
+          </a:xfrm>
+        </p:spPr>
+        <p:txBody>
+          <a:bodyPr vert="horz" lIns="91440" tIns="45720" rIns="91440" bIns="45720" rtlCol="0" anchor="b">
+            <a:normAutofit/>
+          </a:bodyPr>
+          <a:lstStyle/>
+          <a:p>
+            <a:r>
+              <a:rPr lang="en-US" sz="8000" kern="1200" dirty="0" err="1">
+                <a:solidFill>
+                  <a:schemeClr val="tx1"/>
+                </a:solidFill>
+                <a:latin typeface="+mj-lt"/>
+                <a:ea typeface="+mj-ea"/>
+                <a:cs typeface="+mj-cs"/>
+              </a:rPr>
+              <a:t>Einführung</a:t>
+            </a:r>
+            <a:r>
+              <a:rPr lang="en-US" sz="8000" kern="1200" dirty="0">
+                <a:solidFill>
+                  <a:schemeClr val="tx1"/>
+                </a:solidFill>
+                <a:latin typeface="+mj-lt"/>
+                <a:ea typeface="+mj-ea"/>
+                <a:cs typeface="+mj-cs"/>
+              </a:rPr>
+              <a:t>/</a:t>
+            </a:r>
+            <a:r>
+              <a:rPr lang="en-US" sz="8000" kern="1200" dirty="0" err="1">
+                <a:solidFill>
+                  <a:schemeClr val="tx1"/>
+                </a:solidFill>
+                <a:latin typeface="+mj-lt"/>
+                <a:ea typeface="+mj-ea"/>
+                <a:cs typeface="+mj-cs"/>
+              </a:rPr>
+              <a:t>Ziele</a:t>
+            </a:r>
+            <a:endParaRPr lang="en-US" sz="8000" kern="1200" dirty="0">
+              <a:solidFill>
+                <a:schemeClr val="tx1"/>
+              </a:solidFill>
+              <a:latin typeface="+mj-lt"/>
+              <a:ea typeface="+mj-ea"/>
+              <a:cs typeface="+mj-cs"/>
+            </a:endParaRPr>
+          </a:p>
+        </p:txBody>
+      </p:sp>
+      <p:sp>
+        <p:nvSpPr>
+          <p:cNvPr id="36" name="Rectangle 28">
+            <a:extLst>
+              <a:ext uri="{FF2B5EF4-FFF2-40B4-BE49-F238E27FC236}">
+                <a16:creationId xmlns:a16="http://schemas.microsoft.com/office/drawing/2014/main" id="{391F6B52-91F4-4AEB-B6DB-29FEBCF28C8B}"/>
+              </a:ext>
+              <a:ext uri="{C183D7F6-B498-43B3-948B-1728B52AA6E4}">
+                <adec:decorative xmlns:adec="http://schemas.microsoft.com/office/drawing/2017/decorative" val="1"/>
+              </a:ext>
+            </a:extLst>
+          </p:cNvPr>
+          <p:cNvSpPr>
+            <a:spLocks noGrp="1" noRot="1" noChangeAspect="1" noMove="1" noResize="1" noEditPoints="1" noAdjustHandles="1" noChangeArrowheads="1" noChangeShapeType="1" noTextEdit="1"/>
+          </p:cNvSpPr>
+          <p:nvPr>
+            <p:extLst>
+              <p:ext uri="{386F3935-93C4-4BCD-93E2-E3B085C9AB24}">
+                <p16:designElem xmlns:p16="http://schemas.microsoft.com/office/powerpoint/2015/main" val="1"/>
+              </p:ext>
+            </p:extLst>
+          </p:nvPr>
+        </p:nvSpPr>
+        <p:spPr>
+          <a:xfrm>
+            <a:off x="841248" y="4331166"/>
+            <a:ext cx="10506456" cy="18288"/>
+          </a:xfrm>
+          <a:prstGeom prst="rect">
+            <a:avLst/>
+          </a:prstGeom>
+          <a:solidFill>
+            <a:srgbClr val="D5D5D5"/>
+          </a:solidFill>
+          <a:ln w="3175">
+            <a:noFill/>
+          </a:ln>
+          <a:effectLst/>
+        </p:spPr>
+        <p:style>
+          <a:lnRef idx="2">
+            <a:schemeClr val="accent1">
+              <a:shade val="50000"/>
+            </a:schemeClr>
+          </a:lnRef>
+          <a:fillRef idx="1">
+            <a:schemeClr val="accent1"/>
+          </a:fillRef>
+          <a:effectRef idx="0">
+            <a:schemeClr val="accent1"/>
+          </a:effectRef>
+          <a:fontRef idx="minor">
+            <a:schemeClr val="lt1"/>
+          </a:fontRef>
+        </p:style>
+        <p:txBody>
+          <a:bodyPr rtlCol="0" anchor="ctr"/>
+          <a:lstStyle/>
+          <a:p>
+            <a:pPr algn="ctr"/>
+            <a:endParaRPr lang="en-US">
+              <a:solidFill>
+                <a:prstClr val="white"/>
+              </a:solidFill>
+              <a:latin typeface="Calibri" panose="020F0502020204030204"/>
+            </a:endParaRPr>
+          </a:p>
+        </p:txBody>
+      </p:sp>
+      <p:sp>
+        <p:nvSpPr>
+          <p:cNvPr id="37" name="Rectangle 30">
+            <a:extLst>
+              <a:ext uri="{FF2B5EF4-FFF2-40B4-BE49-F238E27FC236}">
+                <a16:creationId xmlns:a16="http://schemas.microsoft.com/office/drawing/2014/main" id="{2CD6F061-7C53-44F4-9794-953DB70A451B}"/>
+              </a:ext>
+              <a:ext uri="{C183D7F6-B498-43B3-948B-1728B52AA6E4}">
+                <adec:decorative xmlns:adec="http://schemas.microsoft.com/office/drawing/2017/decorative" val="1"/>
+              </a:ext>
+            </a:extLst>
+          </p:cNvPr>
+          <p:cNvSpPr>
+            <a:spLocks noGrp="1" noRot="1" noChangeAspect="1" noMove="1" noResize="1" noEditPoints="1" noAdjustHandles="1" noChangeArrowheads="1" noChangeShapeType="1" noTextEdit="1"/>
+          </p:cNvSpPr>
+          <p:nvPr>
+            <p:extLst>
+              <p:ext uri="{386F3935-93C4-4BCD-93E2-E3B085C9AB24}">
+                <p16:designElem xmlns:p16="http://schemas.microsoft.com/office/powerpoint/2015/main" val="1"/>
+              </p:ext>
+            </p:extLst>
+          </p:nvPr>
+        </p:nvSpPr>
+        <p:spPr>
+          <a:xfrm rot="5400000">
+            <a:off x="9346882" y="2348839"/>
+            <a:ext cx="54864" cy="3946779"/>
+          </a:xfrm>
+          <a:prstGeom prst="rect">
+            <a:avLst/>
+          </a:prstGeom>
+          <a:solidFill>
+            <a:schemeClr val="accent2"/>
+          </a:solidFill>
+          <a:ln>
+            <a:noFill/>
+          </a:ln>
+        </p:spPr>
+        <p:style>
+          <a:lnRef idx="2">
+            <a:schemeClr val="accent1">
+              <a:shade val="50000"/>
+            </a:schemeClr>
+          </a:lnRef>
+          <a:fillRef idx="1">
+            <a:schemeClr val="accent1"/>
+          </a:fillRef>
+          <a:effectRef idx="0">
+            <a:schemeClr val="accent1"/>
+          </a:effectRef>
+          <a:fontRef idx="minor">
+            <a:schemeClr val="lt1"/>
+          </a:fontRef>
+        </p:style>
+        <p:txBody>
+          <a:bodyPr rtlCol="0" anchor="ctr"/>
+          <a:lstStyle/>
+          <a:p>
+            <a:pPr marL="0" marR="0" lvl="0" indent="0" algn="ctr" defTabSz="914400" rtl="0" eaLnBrk="1" fontAlgn="auto" latinLnBrk="0" hangingPunct="1">
+              <a:lnSpc>
+                <a:spcPct val="100000"/>
+              </a:lnSpc>
+              <a:spcBef>
+                <a:spcPts val="0"/>
+              </a:spcBef>
+              <a:spcAft>
+                <a:spcPts val="0"/>
+              </a:spcAft>
+              <a:buClrTx/>
+              <a:buSzTx/>
+              <a:buFontTx/>
+              <a:buNone/>
+              <a:tabLst/>
+              <a:defRPr/>
+            </a:pPr>
+            <a:endParaRPr kumimoji="0" lang="en-US" sz="1800" b="0" i="0" u="none" strike="noStrike" kern="1200" cap="none" spc="0" normalizeH="0" baseline="0" noProof="0">
+              <a:ln>
+                <a:noFill/>
+              </a:ln>
+              <a:solidFill>
+                <a:prstClr val="white"/>
+              </a:solidFill>
+              <a:effectLst/>
+              <a:uLnTx/>
+              <a:uFillTx/>
+              <a:latin typeface="Calibri" panose="020F0502020204030204"/>
+              <a:ea typeface="+mn-ea"/>
+              <a:cs typeface="+mn-cs"/>
+            </a:endParaRPr>
+          </a:p>
+        </p:txBody>
+      </p:sp>
+    </p:spTree>
+    <p:extLst>
+      <p:ext uri="{BB962C8B-B14F-4D97-AF65-F5344CB8AC3E}">
+        <p14:creationId xmlns:p14="http://schemas.microsoft.com/office/powerpoint/2010/main" val="601489994"/>
+      </p:ext>
+    </p:extLst>
+  </p:cSld>
+  <p:clrMapOvr>
+    <a:masterClrMapping/>
+  </p:clrMapOvr>
+</p:sld>
+</file>
+
+<file path=ppt/slides/slide4.xml><?xml version="1.0" encoding="utf-8"?>
 <p:sld xmlns:a="http://schemas.openxmlformats.org/drawingml/2006/main" xmlns:r="http://schemas.openxmlformats.org/officeDocument/2006/relationships" xmlns:p="http://schemas.openxmlformats.org/presentationml/2006/main">
   <p:cSld>
     <p:bg>
@@ -14544,7 +16536,7 @@
           <p:cNvPr id="2" name="Titel 1">
             <a:extLst>
               <a:ext uri="{FF2B5EF4-FFF2-40B4-BE49-F238E27FC236}">
-                <a16:creationId xmlns:a16="http://schemas.microsoft.com/office/drawing/2014/main" id="{DEB7DD44-023F-4AE4-9EF8-CF985DFA0FC7}"/>
+                <a16:creationId xmlns:a16="http://schemas.microsoft.com/office/drawing/2014/main" id="{54CFEDC4-4820-47D1-B1F2-2DEEEC3F1370}"/>
               </a:ext>
             </a:extLst>
           </p:cNvPr>
@@ -14569,7 +16561,7 @@
           <a:p>
             <a:r>
               <a:rPr lang="de-DE" sz="4000"/>
-              <a:t>Quellen</a:t>
+              <a:t>Einführung</a:t>
             </a:r>
           </a:p>
         </p:txBody>
@@ -14642,42 +16634,131 @@
           </a:p>
         </p:txBody>
       </p:sp>
-      <p:sp>
-        <p:nvSpPr>
-          <p:cNvPr id="3" name="Inhaltsplatzhalter 2">
-            <a:extLst>
-              <a:ext uri="{FF2B5EF4-FFF2-40B4-BE49-F238E27FC236}">
-                <a16:creationId xmlns:a16="http://schemas.microsoft.com/office/drawing/2014/main" id="{97923C4E-8E33-43FC-B2AE-DBAF45A06103}"/>
-              </a:ext>
-            </a:extLst>
-          </p:cNvPr>
-          <p:cNvSpPr>
-            <a:spLocks noGrp="1"/>
-          </p:cNvSpPr>
-          <p:nvPr>
-            <p:ph idx="1"/>
-          </p:nvPr>
-        </p:nvSpPr>
-        <p:spPr>
-          <a:xfrm>
-            <a:off x="1115568" y="2481943"/>
-            <a:ext cx="10168128" cy="3695020"/>
-          </a:xfrm>
-        </p:spPr>
-        <p:txBody>
-          <a:bodyPr>
-            <a:normAutofit/>
-          </a:bodyPr>
-          <a:lstStyle/>
-          <a:p>
-            <a:endParaRPr lang="de-DE" sz="2200"/>
-          </a:p>
-        </p:txBody>
-      </p:sp>
+      <mc:AlternateContent xmlns:mc="http://schemas.openxmlformats.org/markup-compatibility/2006">
+        <mc:Choice xmlns:a14="http://schemas.microsoft.com/office/drawing/2010/main" Requires="a14">
+          <p:sp>
+            <p:nvSpPr>
+              <p:cNvPr id="3" name="Inhaltsplatzhalter 2">
+                <a:extLst>
+                  <a:ext uri="{FF2B5EF4-FFF2-40B4-BE49-F238E27FC236}">
+                    <a16:creationId xmlns:a16="http://schemas.microsoft.com/office/drawing/2014/main" id="{8907AA78-4E45-4532-9A4A-FB40DE4AC5FE}"/>
+                  </a:ext>
+                </a:extLst>
+              </p:cNvPr>
+              <p:cNvSpPr>
+                <a:spLocks noGrp="1"/>
+              </p:cNvSpPr>
+              <p:nvPr>
+                <p:ph idx="1"/>
+              </p:nvPr>
+            </p:nvSpPr>
+            <p:spPr>
+              <a:xfrm>
+                <a:off x="1115567" y="2481943"/>
+                <a:ext cx="6577319" cy="3695020"/>
+              </a:xfrm>
+            </p:spPr>
+            <p:txBody>
+              <a:bodyPr>
+                <a:normAutofit/>
+              </a:bodyPr>
+              <a:lstStyle/>
+              <a:p>
+                <a:r>
+                  <a:rPr lang="de-DE" dirty="0"/>
+                  <a:t>Warum eine Schach AI?</a:t>
+                </a:r>
+                <a:endParaRPr lang="de-DE" sz="2400" dirty="0"/>
+              </a:p>
+              <a:p>
+                <a:pPr lvl="1" fontAlgn="base"/>
+                <a:r>
+                  <a:rPr lang="de-DE" dirty="0"/>
+                  <a:t>Schnell erlernte Grundregeln</a:t>
+                </a:r>
+              </a:p>
+              <a:p>
+                <a:pPr lvl="1" fontAlgn="base"/>
+                <a:r>
+                  <a:rPr lang="de-DE" dirty="0"/>
+                  <a:t>Komplexe Prognose von Spielzügen</a:t>
+                </a:r>
+              </a:p>
+              <a:p>
+                <a:pPr lvl="1" fontAlgn="base"/>
+                <a:r>
+                  <a:rPr lang="de-DE" dirty="0"/>
+                  <a:t>Nach </a:t>
+                </a:r>
+                <a14:m>
+                  <m:oMath xmlns:m="http://schemas.openxmlformats.org/officeDocument/2006/math">
+                    <a:fld id="{825F15A7-03F4-43D7-82C5-3E23DA2F108C}" type="mathplaceholder">
+                      <a:rPr lang="de-DE" i="1" smtClean="0">
+                        <a:latin typeface="Cambria Math" panose="02040503050406030204" pitchFamily="18" charset="0"/>
+                      </a:rPr>
+                      <a:t>Geben Sie hier eine Formel ein.</a:t>
+                    </a:fld>
+                  </m:oMath>
+                </a14:m>
+                <a:r>
+                  <a:rPr lang="de-DE" dirty="0"/>
+                  <a:t>2 Zügen bereits 72.084 mögliche Schachfelder</a:t>
+                </a:r>
+              </a:p>
+              <a:p>
+                <a:endParaRPr lang="de-DE" sz="2200" dirty="0"/>
+              </a:p>
+            </p:txBody>
+          </p:sp>
+        </mc:Choice>
+        <mc:Fallback>
+          <p:sp>
+            <p:nvSpPr>
+              <p:cNvPr id="3" name="Inhaltsplatzhalter 2">
+                <a:extLst>
+                  <a:ext uri="{FF2B5EF4-FFF2-40B4-BE49-F238E27FC236}">
+                    <a16:creationId xmlns:a16="http://schemas.microsoft.com/office/drawing/2014/main" id="{8907AA78-4E45-4532-9A4A-FB40DE4AC5FE}"/>
+                  </a:ext>
+                </a:extLst>
+              </p:cNvPr>
+              <p:cNvSpPr>
+                <a:spLocks noGrp="1" noRot="1" noChangeAspect="1" noMove="1" noResize="1" noEditPoints="1" noAdjustHandles="1" noChangeArrowheads="1" noChangeShapeType="1" noTextEdit="1"/>
+              </p:cNvSpPr>
+              <p:nvPr>
+                <p:ph idx="1"/>
+              </p:nvPr>
+            </p:nvSpPr>
+            <p:spPr>
+              <a:xfrm>
+                <a:off x="1115567" y="2481943"/>
+                <a:ext cx="6577319" cy="3695020"/>
+              </a:xfrm>
+              <a:blipFill>
+                <a:blip r:embed="rId2"/>
+                <a:stretch>
+                  <a:fillRect l="-1668" t="-2640" r="-2317"/>
+                </a:stretch>
+              </a:blipFill>
+            </p:spPr>
+            <p:txBody>
+              <a:bodyPr/>
+              <a:lstStyle/>
+              <a:p>
+                <a:r>
+                  <a:rPr lang="de-DE">
+                    <a:noFill/>
+                  </a:rPr>
+                  <a:t> </a:t>
+                </a:r>
+              </a:p>
+            </p:txBody>
+          </p:sp>
+        </mc:Fallback>
+      </mc:AlternateContent>
     </p:spTree>
     <p:extLst>
       <p:ext uri="{BB962C8B-B14F-4D97-AF65-F5344CB8AC3E}">
-        <p14:creationId xmlns:p14="http://schemas.microsoft.com/office/powerpoint/2010/main" val="2295727926"/>
+        <p14:creationId xmlns:p14="http://schemas.microsoft.com/office/powerpoint/2010/main" val="4194783955"/>
       </p:ext>
     </p:extLst>
   </p:cSld>
@@ -14687,287 +16768,7 @@
 </p:sld>
 </file>
 
-<file path=ppt/slides/slide24.xml><?xml version="1.0" encoding="utf-8"?>
-<p:sld xmlns:a="http://schemas.openxmlformats.org/drawingml/2006/main" xmlns:r="http://schemas.openxmlformats.org/officeDocument/2006/relationships" xmlns:p="http://schemas.openxmlformats.org/presentationml/2006/main">
-  <p:cSld>
-    <p:bg>
-      <p:bgPr>
-        <a:solidFill>
-          <a:schemeClr val="bg1"/>
-        </a:solidFill>
-        <a:effectLst/>
-      </p:bgPr>
-    </p:bg>
-    <p:spTree>
-      <p:nvGrpSpPr>
-        <p:cNvPr id="1" name=""/>
-        <p:cNvGrpSpPr/>
-        <p:nvPr/>
-      </p:nvGrpSpPr>
-      <p:grpSpPr>
-        <a:xfrm>
-          <a:off x="0" y="0"/>
-          <a:ext cx="0" cy="0"/>
-          <a:chOff x="0" y="0"/>
-          <a:chExt cx="0" cy="0"/>
-        </a:xfrm>
-      </p:grpSpPr>
-      <p:sp>
-        <p:nvSpPr>
-          <p:cNvPr id="8" name="Rectangle 7">
-            <a:extLst>
-              <a:ext uri="{FF2B5EF4-FFF2-40B4-BE49-F238E27FC236}">
-                <a16:creationId xmlns:a16="http://schemas.microsoft.com/office/drawing/2014/main" id="{1F0019DF-65F1-4290-8276-2C14372D94D6}"/>
-              </a:ext>
-              <a:ext uri="{C183D7F6-B498-43B3-948B-1728B52AA6E4}">
-                <adec:decorative xmlns:adec="http://schemas.microsoft.com/office/drawing/2017/decorative" val="1"/>
-              </a:ext>
-            </a:extLst>
-          </p:cNvPr>
-          <p:cNvSpPr>
-            <a:spLocks noGrp="1" noRot="1" noChangeAspect="1" noMove="1" noResize="1" noEditPoints="1" noAdjustHandles="1" noChangeArrowheads="1" noChangeShapeType="1" noTextEdit="1"/>
-          </p:cNvSpPr>
-          <p:nvPr>
-            <p:extLst>
-              <p:ext uri="{386F3935-93C4-4BCD-93E2-E3B085C9AB24}">
-                <p16:designElem xmlns:p16="http://schemas.microsoft.com/office/powerpoint/2015/main" val="1"/>
-              </p:ext>
-            </p:extLst>
-          </p:nvPr>
-        </p:nvSpPr>
-        <p:spPr>
-          <a:xfrm>
-            <a:off x="0" y="7258"/>
-            <a:ext cx="12192000" cy="6858000"/>
-          </a:xfrm>
-          <a:prstGeom prst="rect">
-            <a:avLst/>
-          </a:prstGeom>
-          <a:solidFill>
-            <a:schemeClr val="tx1"/>
-          </a:solidFill>
-          <a:ln w="12700" cap="flat" cmpd="sng" algn="ctr">
-            <a:noFill/>
-            <a:prstDash val="solid"/>
-            <a:miter lim="800000"/>
-          </a:ln>
-          <a:effectLst/>
-        </p:spPr>
-        <p:style>
-          <a:lnRef idx="2">
-            <a:schemeClr val="accent1">
-              <a:shade val="50000"/>
-            </a:schemeClr>
-          </a:lnRef>
-          <a:fillRef idx="1">
-            <a:schemeClr val="accent1"/>
-          </a:fillRef>
-          <a:effectRef idx="0">
-            <a:schemeClr val="accent1"/>
-          </a:effectRef>
-          <a:fontRef idx="minor">
-            <a:schemeClr val="lt1"/>
-          </a:fontRef>
-        </p:style>
-        <p:txBody>
-          <a:bodyPr rtlCol="0" anchor="ctr"/>
-          <a:lstStyle/>
-          <a:p>
-            <a:pPr algn="ctr"/>
-            <a:endParaRPr lang="en-US"/>
-          </a:p>
-        </p:txBody>
-      </p:sp>
-      <p:sp>
-        <p:nvSpPr>
-          <p:cNvPr id="10" name="Rectangle 9">
-            <a:extLst>
-              <a:ext uri="{FF2B5EF4-FFF2-40B4-BE49-F238E27FC236}">
-                <a16:creationId xmlns:a16="http://schemas.microsoft.com/office/drawing/2014/main" id="{3AC75B1D-4749-49A1-8553-FD296DD7CC9F}"/>
-              </a:ext>
-              <a:ext uri="{C183D7F6-B498-43B3-948B-1728B52AA6E4}">
-                <adec:decorative xmlns:adec="http://schemas.microsoft.com/office/drawing/2017/decorative" val="1"/>
-              </a:ext>
-            </a:extLst>
-          </p:cNvPr>
-          <p:cNvSpPr>
-            <a:spLocks noGrp="1" noRot="1" noChangeAspect="1" noMove="1" noResize="1" noEditPoints="1" noAdjustHandles="1" noChangeArrowheads="1" noChangeShapeType="1" noTextEdit="1"/>
-          </p:cNvSpPr>
-          <p:nvPr>
-            <p:extLst>
-              <p:ext uri="{386F3935-93C4-4BCD-93E2-E3B085C9AB24}">
-                <p16:designElem xmlns:p16="http://schemas.microsoft.com/office/powerpoint/2015/main" val="1"/>
-              </p:ext>
-            </p:extLst>
-          </p:nvPr>
-        </p:nvSpPr>
-        <p:spPr>
-          <a:xfrm>
-            <a:off x="0" y="0"/>
-            <a:ext cx="12192000" cy="6858000"/>
-          </a:xfrm>
-          <a:prstGeom prst="rect">
-            <a:avLst/>
-          </a:prstGeom>
-          <a:solidFill>
-            <a:schemeClr val="tx2">
-              <a:alpha val="40000"/>
-            </a:schemeClr>
-          </a:solidFill>
-          <a:ln w="12700" cap="flat" cmpd="sng" algn="ctr">
-            <a:noFill/>
-            <a:prstDash val="solid"/>
-            <a:miter lim="800000"/>
-          </a:ln>
-          <a:effectLst/>
-        </p:spPr>
-        <p:style>
-          <a:lnRef idx="2">
-            <a:schemeClr val="accent1">
-              <a:shade val="50000"/>
-            </a:schemeClr>
-          </a:lnRef>
-          <a:fillRef idx="1">
-            <a:schemeClr val="accent1"/>
-          </a:fillRef>
-          <a:effectRef idx="0">
-            <a:schemeClr val="accent1"/>
-          </a:effectRef>
-          <a:fontRef idx="minor">
-            <a:schemeClr val="lt1"/>
-          </a:fontRef>
-        </p:style>
-        <p:txBody>
-          <a:bodyPr rtlCol="0" anchor="ctr"/>
-          <a:lstStyle/>
-          <a:p>
-            <a:pPr algn="ctr"/>
-            <a:endParaRPr lang="en-US"/>
-          </a:p>
-        </p:txBody>
-      </p:sp>
-      <p:sp>
-        <p:nvSpPr>
-          <p:cNvPr id="12" name="Rectangle 11">
-            <a:extLst>
-              <a:ext uri="{FF2B5EF4-FFF2-40B4-BE49-F238E27FC236}">
-                <a16:creationId xmlns:a16="http://schemas.microsoft.com/office/drawing/2014/main" id="{9A8ECCF6-3858-46C9-8F9F-C06506CC3F9F}"/>
-              </a:ext>
-              <a:ext uri="{C183D7F6-B498-43B3-948B-1728B52AA6E4}">
-                <adec:decorative xmlns:adec="http://schemas.microsoft.com/office/drawing/2017/decorative" val="1"/>
-              </a:ext>
-            </a:extLst>
-          </p:cNvPr>
-          <p:cNvSpPr>
-            <a:spLocks noGrp="1" noRot="1" noChangeAspect="1" noMove="1" noResize="1" noEditPoints="1" noAdjustHandles="1" noChangeArrowheads="1" noChangeShapeType="1" noTextEdit="1"/>
-          </p:cNvSpPr>
-          <p:nvPr>
-            <p:extLst>
-              <p:ext uri="{386F3935-93C4-4BCD-93E2-E3B085C9AB24}">
-                <p16:designElem xmlns:p16="http://schemas.microsoft.com/office/powerpoint/2015/main" val="1"/>
-              </p:ext>
-            </p:extLst>
-          </p:nvPr>
-        </p:nvSpPr>
-        <p:spPr>
-          <a:xfrm>
-            <a:off x="1352551" y="1371600"/>
-            <a:ext cx="9486899" cy="4114800"/>
-          </a:xfrm>
-          <a:prstGeom prst="rect">
-            <a:avLst/>
-          </a:prstGeom>
-          <a:solidFill>
-            <a:schemeClr val="tx1"/>
-          </a:solidFill>
-          <a:ln>
-            <a:noFill/>
-          </a:ln>
-        </p:spPr>
-        <p:style>
-          <a:lnRef idx="2">
-            <a:schemeClr val="accent1">
-              <a:shade val="50000"/>
-            </a:schemeClr>
-          </a:lnRef>
-          <a:fillRef idx="1">
-            <a:schemeClr val="accent1"/>
-          </a:fillRef>
-          <a:effectRef idx="0">
-            <a:schemeClr val="accent1"/>
-          </a:effectRef>
-          <a:fontRef idx="minor">
-            <a:schemeClr val="lt1"/>
-          </a:fontRef>
-        </p:style>
-        <p:txBody>
-          <a:bodyPr rtlCol="0" anchor="ctr"/>
-          <a:lstStyle/>
-          <a:p>
-            <a:pPr algn="ctr"/>
-            <a:endParaRPr lang="en-US"/>
-          </a:p>
-        </p:txBody>
-      </p:sp>
-      <p:sp>
-        <p:nvSpPr>
-          <p:cNvPr id="2" name="Titel 1">
-            <a:extLst>
-              <a:ext uri="{FF2B5EF4-FFF2-40B4-BE49-F238E27FC236}">
-                <a16:creationId xmlns:a16="http://schemas.microsoft.com/office/drawing/2014/main" id="{C11B8156-19A4-40B2-9F22-4EF21040F111}"/>
-              </a:ext>
-            </a:extLst>
-          </p:cNvPr>
-          <p:cNvSpPr>
-            <a:spLocks noGrp="1"/>
-          </p:cNvSpPr>
-          <p:nvPr>
-            <p:ph type="title"/>
-          </p:nvPr>
-        </p:nvSpPr>
-        <p:spPr>
-          <a:xfrm>
-            <a:off x="2296413" y="2085788"/>
-            <a:ext cx="7599175" cy="1452893"/>
-          </a:xfrm>
-        </p:spPr>
-        <p:txBody>
-          <a:bodyPr vert="horz" lIns="91440" tIns="45720" rIns="91440" bIns="45720" rtlCol="0" anchor="b">
-            <a:normAutofit/>
-          </a:bodyPr>
-          <a:lstStyle/>
-          <a:p>
-            <a:pPr algn="ctr"/>
-            <a:r>
-              <a:rPr lang="en-US" sz="3200" kern="1200">
-                <a:solidFill>
-                  <a:schemeClr val="bg1">
-                    <a:alpha val="60000"/>
-                  </a:schemeClr>
-                </a:solidFill>
-                <a:latin typeface="+mj-lt"/>
-                <a:ea typeface="+mj-ea"/>
-                <a:cs typeface="+mj-cs"/>
-              </a:rPr>
-              <a:t>Danke für die Aufmerksamkeit</a:t>
-            </a:r>
-          </a:p>
-        </p:txBody>
-      </p:sp>
-    </p:spTree>
-    <p:extLst>
-      <p:ext uri="{BB962C8B-B14F-4D97-AF65-F5344CB8AC3E}">
-        <p14:creationId xmlns:p14="http://schemas.microsoft.com/office/powerpoint/2010/main" val="250846684"/>
-      </p:ext>
-    </p:extLst>
-  </p:cSld>
-  <p:clrMapOvr>
-    <a:masterClrMapping/>
-  </p:clrMapOvr>
-</p:sld>
-</file>
-
-<file path=ppt/slides/slide3.xml><?xml version="1.0" encoding="utf-8"?>
+<file path=ppt/slides/slide5.xml><?xml version="1.0" encoding="utf-8"?>
 <p:sld xmlns:a="http://schemas.openxmlformats.org/drawingml/2006/main" xmlns:r="http://schemas.openxmlformats.org/officeDocument/2006/relationships" xmlns:p="http://schemas.openxmlformats.org/presentationml/2006/main">
   <p:cSld>
     <p:bg>
@@ -14994,10 +16795,10 @@
       </p:grpSpPr>
       <p:sp useBgFill="1">
         <p:nvSpPr>
-          <p:cNvPr id="35" name="Rectangle 26">
-            <a:extLst>
-              <a:ext uri="{FF2B5EF4-FFF2-40B4-BE49-F238E27FC236}">
-                <a16:creationId xmlns:a16="http://schemas.microsoft.com/office/drawing/2014/main" id="{BAD76F3E-3A97-486B-B402-44400A8B9173}"/>
+          <p:cNvPr id="32" name="Rectangle 18">
+            <a:extLst>
+              <a:ext uri="{FF2B5EF4-FFF2-40B4-BE49-F238E27FC236}">
+                <a16:creationId xmlns:a16="http://schemas.microsoft.com/office/drawing/2014/main" id="{DAF1966E-FD40-4A4A-B61B-C4DF7FA05F06}"/>
               </a:ext>
               <a:ext uri="{C183D7F6-B498-43B3-948B-1728B52AA6E4}">
                 <adec:decorative xmlns:adec="http://schemas.microsoft.com/office/drawing/2017/decorative" val="1"/>
@@ -15052,340 +16853,9 @@
           </a:p>
         </p:txBody>
       </p:sp>
-      <p:sp>
-        <p:nvSpPr>
-          <p:cNvPr id="2" name="Titel 1">
-            <a:extLst>
-              <a:ext uri="{FF2B5EF4-FFF2-40B4-BE49-F238E27FC236}">
-                <a16:creationId xmlns:a16="http://schemas.microsoft.com/office/drawing/2014/main" id="{A3FD2CD9-3161-4CE5-9CAC-BC9577FD9926}"/>
-              </a:ext>
-            </a:extLst>
-          </p:cNvPr>
-          <p:cNvSpPr>
-            <a:spLocks noGrp="1"/>
-          </p:cNvSpPr>
-          <p:nvPr>
-            <p:ph type="title"/>
-          </p:nvPr>
-        </p:nvSpPr>
-        <p:spPr>
-          <a:xfrm>
-            <a:off x="838199" y="1093788"/>
-            <a:ext cx="10506455" cy="2967208"/>
-          </a:xfrm>
-        </p:spPr>
-        <p:txBody>
-          <a:bodyPr vert="horz" lIns="91440" tIns="45720" rIns="91440" bIns="45720" rtlCol="0" anchor="b">
-            <a:normAutofit/>
-          </a:bodyPr>
-          <a:lstStyle/>
-          <a:p>
-            <a:r>
-              <a:rPr lang="en-US" sz="8000" kern="1200" dirty="0" err="1">
-                <a:solidFill>
-                  <a:schemeClr val="tx1"/>
-                </a:solidFill>
-                <a:latin typeface="+mj-lt"/>
-                <a:ea typeface="+mj-ea"/>
-                <a:cs typeface="+mj-cs"/>
-              </a:rPr>
-              <a:t>Einführung</a:t>
-            </a:r>
-            <a:r>
-              <a:rPr lang="en-US" sz="8000" kern="1200" dirty="0">
-                <a:solidFill>
-                  <a:schemeClr val="tx1"/>
-                </a:solidFill>
-                <a:latin typeface="+mj-lt"/>
-                <a:ea typeface="+mj-ea"/>
-                <a:cs typeface="+mj-cs"/>
-              </a:rPr>
-              <a:t>/</a:t>
-            </a:r>
-            <a:r>
-              <a:rPr lang="en-US" sz="8000" kern="1200" dirty="0" err="1">
-                <a:solidFill>
-                  <a:schemeClr val="tx1"/>
-                </a:solidFill>
-                <a:latin typeface="+mj-lt"/>
-                <a:ea typeface="+mj-ea"/>
-                <a:cs typeface="+mj-cs"/>
-              </a:rPr>
-              <a:t>Ziele</a:t>
-            </a:r>
-            <a:endParaRPr lang="en-US" sz="8000" kern="1200" dirty="0">
-              <a:solidFill>
-                <a:schemeClr val="tx1"/>
-              </a:solidFill>
-              <a:latin typeface="+mj-lt"/>
-              <a:ea typeface="+mj-ea"/>
-              <a:cs typeface="+mj-cs"/>
-            </a:endParaRPr>
-          </a:p>
-        </p:txBody>
-      </p:sp>
-      <p:sp>
-        <p:nvSpPr>
-          <p:cNvPr id="36" name="Rectangle 28">
-            <a:extLst>
-              <a:ext uri="{FF2B5EF4-FFF2-40B4-BE49-F238E27FC236}">
-                <a16:creationId xmlns:a16="http://schemas.microsoft.com/office/drawing/2014/main" id="{391F6B52-91F4-4AEB-B6DB-29FEBCF28C8B}"/>
-              </a:ext>
-              <a:ext uri="{C183D7F6-B498-43B3-948B-1728B52AA6E4}">
-                <adec:decorative xmlns:adec="http://schemas.microsoft.com/office/drawing/2017/decorative" val="1"/>
-              </a:ext>
-            </a:extLst>
-          </p:cNvPr>
-          <p:cNvSpPr>
-            <a:spLocks noGrp="1" noRot="1" noChangeAspect="1" noMove="1" noResize="1" noEditPoints="1" noAdjustHandles="1" noChangeArrowheads="1" noChangeShapeType="1" noTextEdit="1"/>
-          </p:cNvSpPr>
-          <p:nvPr>
-            <p:extLst>
-              <p:ext uri="{386F3935-93C4-4BCD-93E2-E3B085C9AB24}">
-                <p16:designElem xmlns:p16="http://schemas.microsoft.com/office/powerpoint/2015/main" val="1"/>
-              </p:ext>
-            </p:extLst>
-          </p:nvPr>
-        </p:nvSpPr>
-        <p:spPr>
-          <a:xfrm>
-            <a:off x="841248" y="4331166"/>
-            <a:ext cx="10506456" cy="18288"/>
-          </a:xfrm>
-          <a:prstGeom prst="rect">
-            <a:avLst/>
-          </a:prstGeom>
-          <a:solidFill>
-            <a:srgbClr val="D5D5D5"/>
-          </a:solidFill>
-          <a:ln w="3175">
-            <a:noFill/>
-          </a:ln>
-          <a:effectLst/>
-        </p:spPr>
-        <p:style>
-          <a:lnRef idx="2">
-            <a:schemeClr val="accent1">
-              <a:shade val="50000"/>
-            </a:schemeClr>
-          </a:lnRef>
-          <a:fillRef idx="1">
-            <a:schemeClr val="accent1"/>
-          </a:fillRef>
-          <a:effectRef idx="0">
-            <a:schemeClr val="accent1"/>
-          </a:effectRef>
-          <a:fontRef idx="minor">
-            <a:schemeClr val="lt1"/>
-          </a:fontRef>
-        </p:style>
-        <p:txBody>
-          <a:bodyPr rtlCol="0" anchor="ctr"/>
-          <a:lstStyle/>
-          <a:p>
-            <a:pPr algn="ctr"/>
-            <a:endParaRPr lang="en-US">
-              <a:solidFill>
-                <a:prstClr val="white"/>
-              </a:solidFill>
-              <a:latin typeface="Calibri" panose="020F0502020204030204"/>
-            </a:endParaRPr>
-          </a:p>
-        </p:txBody>
-      </p:sp>
-      <p:sp>
-        <p:nvSpPr>
-          <p:cNvPr id="37" name="Rectangle 30">
-            <a:extLst>
-              <a:ext uri="{FF2B5EF4-FFF2-40B4-BE49-F238E27FC236}">
-                <a16:creationId xmlns:a16="http://schemas.microsoft.com/office/drawing/2014/main" id="{2CD6F061-7C53-44F4-9794-953DB70A451B}"/>
-              </a:ext>
-              <a:ext uri="{C183D7F6-B498-43B3-948B-1728B52AA6E4}">
-                <adec:decorative xmlns:adec="http://schemas.microsoft.com/office/drawing/2017/decorative" val="1"/>
-              </a:ext>
-            </a:extLst>
-          </p:cNvPr>
-          <p:cNvSpPr>
-            <a:spLocks noGrp="1" noRot="1" noChangeAspect="1" noMove="1" noResize="1" noEditPoints="1" noAdjustHandles="1" noChangeArrowheads="1" noChangeShapeType="1" noTextEdit="1"/>
-          </p:cNvSpPr>
-          <p:nvPr>
-            <p:extLst>
-              <p:ext uri="{386F3935-93C4-4BCD-93E2-E3B085C9AB24}">
-                <p16:designElem xmlns:p16="http://schemas.microsoft.com/office/powerpoint/2015/main" val="1"/>
-              </p:ext>
-            </p:extLst>
-          </p:nvPr>
-        </p:nvSpPr>
-        <p:spPr>
-          <a:xfrm rot="5400000">
-            <a:off x="9346882" y="2348839"/>
-            <a:ext cx="54864" cy="3946779"/>
-          </a:xfrm>
-          <a:prstGeom prst="rect">
-            <a:avLst/>
-          </a:prstGeom>
-          <a:solidFill>
-            <a:schemeClr val="accent2"/>
-          </a:solidFill>
-          <a:ln>
-            <a:noFill/>
-          </a:ln>
-        </p:spPr>
-        <p:style>
-          <a:lnRef idx="2">
-            <a:schemeClr val="accent1">
-              <a:shade val="50000"/>
-            </a:schemeClr>
-          </a:lnRef>
-          <a:fillRef idx="1">
-            <a:schemeClr val="accent1"/>
-          </a:fillRef>
-          <a:effectRef idx="0">
-            <a:schemeClr val="accent1"/>
-          </a:effectRef>
-          <a:fontRef idx="minor">
-            <a:schemeClr val="lt1"/>
-          </a:fontRef>
-        </p:style>
-        <p:txBody>
-          <a:bodyPr rtlCol="0" anchor="ctr"/>
-          <a:lstStyle/>
-          <a:p>
-            <a:pPr marL="0" marR="0" lvl="0" indent="0" algn="ctr" defTabSz="914400" rtl="0" eaLnBrk="1" fontAlgn="auto" latinLnBrk="0" hangingPunct="1">
-              <a:lnSpc>
-                <a:spcPct val="100000"/>
-              </a:lnSpc>
-              <a:spcBef>
-                <a:spcPts val="0"/>
-              </a:spcBef>
-              <a:spcAft>
-                <a:spcPts val="0"/>
-              </a:spcAft>
-              <a:buClrTx/>
-              <a:buSzTx/>
-              <a:buFontTx/>
-              <a:buNone/>
-              <a:tabLst/>
-              <a:defRPr/>
-            </a:pPr>
-            <a:endParaRPr kumimoji="0" lang="en-US" sz="1800" b="0" i="0" u="none" strike="noStrike" kern="1200" cap="none" spc="0" normalizeH="0" baseline="0" noProof="0">
-              <a:ln>
-                <a:noFill/>
-              </a:ln>
-              <a:solidFill>
-                <a:prstClr val="white"/>
-              </a:solidFill>
-              <a:effectLst/>
-              <a:uLnTx/>
-              <a:uFillTx/>
-              <a:latin typeface="Calibri" panose="020F0502020204030204"/>
-              <a:ea typeface="+mn-ea"/>
-              <a:cs typeface="+mn-cs"/>
-            </a:endParaRPr>
-          </a:p>
-        </p:txBody>
-      </p:sp>
-    </p:spTree>
-    <p:extLst>
-      <p:ext uri="{BB962C8B-B14F-4D97-AF65-F5344CB8AC3E}">
-        <p14:creationId xmlns:p14="http://schemas.microsoft.com/office/powerpoint/2010/main" val="601489994"/>
-      </p:ext>
-    </p:extLst>
-  </p:cSld>
-  <p:clrMapOvr>
-    <a:masterClrMapping/>
-  </p:clrMapOvr>
-</p:sld>
-</file>
-
-<file path=ppt/slides/slide4.xml><?xml version="1.0" encoding="utf-8"?>
-<p:sld xmlns:a="http://schemas.openxmlformats.org/drawingml/2006/main" xmlns:r="http://schemas.openxmlformats.org/officeDocument/2006/relationships" xmlns:p="http://schemas.openxmlformats.org/presentationml/2006/main">
-  <p:cSld>
-    <p:bg>
-      <p:bgPr>
-        <a:solidFill>
-          <a:schemeClr val="bg1"/>
-        </a:solidFill>
-        <a:effectLst/>
-      </p:bgPr>
-    </p:bg>
-    <p:spTree>
-      <p:nvGrpSpPr>
-        <p:cNvPr id="1" name=""/>
-        <p:cNvGrpSpPr/>
-        <p:nvPr/>
-      </p:nvGrpSpPr>
-      <p:grpSpPr>
-        <a:xfrm>
-          <a:off x="0" y="0"/>
-          <a:ext cx="0" cy="0"/>
-          <a:chOff x="0" y="0"/>
-          <a:chExt cx="0" cy="0"/>
-        </a:xfrm>
-      </p:grpSpPr>
       <p:sp useBgFill="1">
         <p:nvSpPr>
-          <p:cNvPr id="8" name="Rectangle 7">
-            <a:extLst>
-              <a:ext uri="{FF2B5EF4-FFF2-40B4-BE49-F238E27FC236}">
-                <a16:creationId xmlns:a16="http://schemas.microsoft.com/office/drawing/2014/main" id="{DAF1966E-FD40-4A4A-B61B-C4DF7FA05F06}"/>
-              </a:ext>
-              <a:ext uri="{C183D7F6-B498-43B3-948B-1728B52AA6E4}">
-                <adec:decorative xmlns:adec="http://schemas.microsoft.com/office/drawing/2017/decorative" val="1"/>
-              </a:ext>
-            </a:extLst>
-          </p:cNvPr>
-          <p:cNvSpPr>
-            <a:spLocks noGrp="1" noRot="1" noChangeAspect="1" noMove="1" noResize="1" noEditPoints="1" noAdjustHandles="1" noChangeArrowheads="1" noChangeShapeType="1" noTextEdit="1"/>
-          </p:cNvSpPr>
-          <p:nvPr>
-            <p:extLst>
-              <p:ext uri="{386F3935-93C4-4BCD-93E2-E3B085C9AB24}">
-                <p16:designElem xmlns:p16="http://schemas.microsoft.com/office/powerpoint/2015/main" val="1"/>
-              </p:ext>
-            </p:extLst>
-          </p:nvPr>
-        </p:nvSpPr>
-        <p:spPr>
-          <a:xfrm>
-            <a:off x="0" y="0"/>
-            <a:ext cx="12192000" cy="6858000"/>
-          </a:xfrm>
-          <a:prstGeom prst="rect">
-            <a:avLst/>
-          </a:prstGeom>
-          <a:ln>
-            <a:noFill/>
-          </a:ln>
-        </p:spPr>
-        <p:style>
-          <a:lnRef idx="2">
-            <a:schemeClr val="accent1">
-              <a:shade val="50000"/>
-            </a:schemeClr>
-          </a:lnRef>
-          <a:fillRef idx="1">
-            <a:schemeClr val="accent1"/>
-          </a:fillRef>
-          <a:effectRef idx="0">
-            <a:schemeClr val="accent1"/>
-          </a:effectRef>
-          <a:fontRef idx="minor">
-            <a:schemeClr val="lt1"/>
-          </a:fontRef>
-        </p:style>
-        <p:txBody>
-          <a:bodyPr rtlCol="0" anchor="ctr"/>
-          <a:lstStyle/>
-          <a:p>
-            <a:pPr algn="ctr"/>
-            <a:endParaRPr lang="en-US"/>
-          </a:p>
-        </p:txBody>
-      </p:sp>
-      <p:sp useBgFill="1">
-        <p:nvSpPr>
-          <p:cNvPr id="10" name="Rectangle 9">
+          <p:cNvPr id="33" name="Rectangle 20">
             <a:extLst>
               <a:ext uri="{FF2B5EF4-FFF2-40B4-BE49-F238E27FC236}">
                 <a16:creationId xmlns:a16="http://schemas.microsoft.com/office/drawing/2014/main" id="{047BFA19-D45E-416B-A404-7AF2F3F27017}"/>
@@ -15484,7 +16954,7 @@
       </p:sp>
       <p:sp useBgFill="1">
         <p:nvSpPr>
-          <p:cNvPr id="12" name="Rectangle 11">
+          <p:cNvPr id="34" name="Rectangle 22">
             <a:extLst>
               <a:ext uri="{FF2B5EF4-FFF2-40B4-BE49-F238E27FC236}">
                 <a16:creationId xmlns:a16="http://schemas.microsoft.com/office/drawing/2014/main" id="{8E0105E7-23DB-4CF2-8258-FF47C7620F6E}"/>
@@ -15577,7 +17047,7 @@
           <p:cNvPr id="2" name="Titel 1">
             <a:extLst>
               <a:ext uri="{FF2B5EF4-FFF2-40B4-BE49-F238E27FC236}">
-                <a16:creationId xmlns:a16="http://schemas.microsoft.com/office/drawing/2014/main" id="{54CFEDC4-4820-47D1-B1F2-2DEEEC3F1370}"/>
+                <a16:creationId xmlns:a16="http://schemas.microsoft.com/office/drawing/2014/main" id="{E742CB6B-102C-411A-939E-44A35B70A150}"/>
               </a:ext>
             </a:extLst>
           </p:cNvPr>
@@ -15601,15 +17071,15 @@
           <a:lstStyle/>
           <a:p>
             <a:r>
-              <a:rPr lang="de-DE" sz="4000"/>
-              <a:t>Einführung</a:t>
+              <a:rPr lang="de-DE" sz="4000" dirty="0"/>
+              <a:t>Ziele</a:t>
             </a:r>
           </a:p>
         </p:txBody>
       </p:sp>
       <p:sp>
         <p:nvSpPr>
-          <p:cNvPr id="14" name="Rectangle 13">
+          <p:cNvPr id="35" name="Rectangle 24">
             <a:extLst>
               <a:ext uri="{FF2B5EF4-FFF2-40B4-BE49-F238E27FC236}">
                 <a16:creationId xmlns:a16="http://schemas.microsoft.com/office/drawing/2014/main" id="{074B4F7D-14B2-478B-8BF5-01E4E0C5D263}"/>
@@ -15680,7 +17150,7 @@
           <p:cNvPr id="3" name="Inhaltsplatzhalter 2">
             <a:extLst>
               <a:ext uri="{FF2B5EF4-FFF2-40B4-BE49-F238E27FC236}">
-                <a16:creationId xmlns:a16="http://schemas.microsoft.com/office/drawing/2014/main" id="{8907AA78-4E45-4532-9A4A-FB40DE4AC5FE}"/>
+                <a16:creationId xmlns:a16="http://schemas.microsoft.com/office/drawing/2014/main" id="{0D2D6F78-D6C8-4A40-A999-501EEE08D59B}"/>
               </a:ext>
             </a:extLst>
           </p:cNvPr>
@@ -15694,7 +17164,7 @@
         <p:spPr>
           <a:xfrm>
             <a:off x="1115568" y="2481943"/>
-            <a:ext cx="10168128" cy="3695020"/>
+            <a:ext cx="4980432" cy="3695020"/>
           </a:xfrm>
         </p:spPr>
         <p:txBody>
@@ -15703,432 +17173,78 @@
           </a:bodyPr>
           <a:lstStyle/>
           <a:p>
-            <a:endParaRPr lang="de-DE" sz="2200"/>
+            <a:pPr fontAlgn="base"/>
+            <a:r>
+              <a:rPr lang="de-DE" sz="2400" dirty="0"/>
+              <a:t>gegen menschliche Spieler spielen können</a:t>
+            </a:r>
+          </a:p>
+          <a:p>
+            <a:pPr fontAlgn="base"/>
+            <a:r>
+              <a:rPr lang="de-DE" sz="2400" dirty="0"/>
+              <a:t>ermöglichen seine Schachtaktiken zu üben</a:t>
+            </a:r>
+          </a:p>
+          <a:p>
+            <a:pPr fontAlgn="base"/>
+            <a:r>
+              <a:rPr lang="de-DE" sz="2400" dirty="0"/>
+              <a:t>eigenständig trainieren und verbessern</a:t>
+            </a:r>
+          </a:p>
+          <a:p>
+            <a:endParaRPr lang="de-DE" sz="2200" dirty="0"/>
           </a:p>
         </p:txBody>
       </p:sp>
-    </p:spTree>
-    <p:extLst>
-      <p:ext uri="{BB962C8B-B14F-4D97-AF65-F5344CB8AC3E}">
-        <p14:creationId xmlns:p14="http://schemas.microsoft.com/office/powerpoint/2010/main" val="4194783955"/>
-      </p:ext>
-    </p:extLst>
-  </p:cSld>
-  <p:clrMapOvr>
-    <a:masterClrMapping/>
-  </p:clrMapOvr>
-</p:sld>
-</file>
-
-<file path=ppt/slides/slide5.xml><?xml version="1.0" encoding="utf-8"?>
-<p:sld xmlns:a="http://schemas.openxmlformats.org/drawingml/2006/main" xmlns:r="http://schemas.openxmlformats.org/officeDocument/2006/relationships" xmlns:p="http://schemas.openxmlformats.org/presentationml/2006/main">
-  <p:cSld>
-    <p:bg>
-      <p:bgPr>
-        <a:solidFill>
-          <a:schemeClr val="bg1"/>
-        </a:solidFill>
-        <a:effectLst/>
-      </p:bgPr>
-    </p:bg>
-    <p:spTree>
-      <p:nvGrpSpPr>
-        <p:cNvPr id="1" name=""/>
-        <p:cNvGrpSpPr/>
-        <p:nvPr/>
-      </p:nvGrpSpPr>
-      <p:grpSpPr>
-        <a:xfrm>
-          <a:off x="0" y="0"/>
-          <a:ext cx="0" cy="0"/>
-          <a:chOff x="0" y="0"/>
-          <a:chExt cx="0" cy="0"/>
-        </a:xfrm>
-      </p:grpSpPr>
-      <p:sp useBgFill="1">
-        <p:nvSpPr>
-          <p:cNvPr id="32" name="Rectangle 18">
-            <a:extLst>
-              <a:ext uri="{FF2B5EF4-FFF2-40B4-BE49-F238E27FC236}">
-                <a16:creationId xmlns:a16="http://schemas.microsoft.com/office/drawing/2014/main" id="{DAF1966E-FD40-4A4A-B61B-C4DF7FA05F06}"/>
-              </a:ext>
-              <a:ext uri="{C183D7F6-B498-43B3-948B-1728B52AA6E4}">
-                <adec:decorative xmlns:adec="http://schemas.microsoft.com/office/drawing/2017/decorative" val="1"/>
-              </a:ext>
-            </a:extLst>
-          </p:cNvPr>
-          <p:cNvSpPr>
-            <a:spLocks noGrp="1" noRot="1" noChangeAspect="1" noMove="1" noResize="1" noEditPoints="1" noAdjustHandles="1" noChangeArrowheads="1" noChangeShapeType="1" noTextEdit="1"/>
-          </p:cNvSpPr>
-          <p:nvPr>
-            <p:extLst>
-              <p:ext uri="{386F3935-93C4-4BCD-93E2-E3B085C9AB24}">
-                <p16:designElem xmlns:p16="http://schemas.microsoft.com/office/powerpoint/2015/main" val="1"/>
-              </p:ext>
-            </p:extLst>
-          </p:nvPr>
-        </p:nvSpPr>
-        <p:spPr>
+      <p:pic>
+        <p:nvPicPr>
+          <p:cNvPr id="3074" name="Picture 2">
+            <a:extLst>
+              <a:ext uri="{FF2B5EF4-FFF2-40B4-BE49-F238E27FC236}">
+                <a16:creationId xmlns:a16="http://schemas.microsoft.com/office/drawing/2014/main" id="{ECF9D15A-0E30-4921-991F-55E610F88B89}"/>
+              </a:ext>
+            </a:extLst>
+          </p:cNvPr>
+          <p:cNvPicPr>
+            <a:picLocks noChangeAspect="1" noChangeArrowheads="1"/>
+          </p:cNvPicPr>
+          <p:nvPr/>
+        </p:nvPicPr>
+        <p:blipFill>
+          <a:blip r:embed="rId2">
+            <a:extLst>
+              <a:ext uri="{28A0092B-C50C-407E-A947-70E740481C1C}">
+                <a14:useLocalDpi xmlns:a14="http://schemas.microsoft.com/office/drawing/2010/main" val="0"/>
+              </a:ext>
+            </a:extLst>
+          </a:blip>
+          <a:srcRect/>
+          <a:stretch>
+            <a:fillRect/>
+          </a:stretch>
+        </p:blipFill>
+        <p:spPr bwMode="auto">
           <a:xfrm>
-            <a:off x="0" y="0"/>
-            <a:ext cx="12192000" cy="6858000"/>
+            <a:off x="7808225" y="3320050"/>
+            <a:ext cx="3268207" cy="2018806"/>
           </a:xfrm>
           <a:prstGeom prst="rect">
             <a:avLst/>
           </a:prstGeom>
-          <a:ln>
-            <a:noFill/>
-          </a:ln>
+          <a:noFill/>
+          <a:extLst>
+            <a:ext uri="{909E8E84-426E-40DD-AFC4-6F175D3DCCD1}">
+              <a14:hiddenFill xmlns:a14="http://schemas.microsoft.com/office/drawing/2010/main">
+                <a:solidFill>
+                  <a:srgbClr val="FFFFFF"/>
+                </a:solidFill>
+              </a14:hiddenFill>
+            </a:ext>
+          </a:extLst>
         </p:spPr>
-        <p:style>
-          <a:lnRef idx="2">
-            <a:schemeClr val="accent1">
-              <a:shade val="50000"/>
-            </a:schemeClr>
-          </a:lnRef>
-          <a:fillRef idx="1">
-            <a:schemeClr val="accent1"/>
-          </a:fillRef>
-          <a:effectRef idx="0">
-            <a:schemeClr val="accent1"/>
-          </a:effectRef>
-          <a:fontRef idx="minor">
-            <a:schemeClr val="lt1"/>
-          </a:fontRef>
-        </p:style>
-        <p:txBody>
-          <a:bodyPr rtlCol="0" anchor="ctr"/>
-          <a:lstStyle/>
-          <a:p>
-            <a:pPr algn="ctr"/>
-            <a:endParaRPr lang="en-US"/>
-          </a:p>
-        </p:txBody>
-      </p:sp>
-      <p:sp useBgFill="1">
-        <p:nvSpPr>
-          <p:cNvPr id="33" name="Rectangle 20">
-            <a:extLst>
-              <a:ext uri="{FF2B5EF4-FFF2-40B4-BE49-F238E27FC236}">
-                <a16:creationId xmlns:a16="http://schemas.microsoft.com/office/drawing/2014/main" id="{047BFA19-D45E-416B-A404-7AF2F3F27017}"/>
-              </a:ext>
-              <a:ext uri="{C183D7F6-B498-43B3-948B-1728B52AA6E4}">
-                <adec:decorative xmlns:adec="http://schemas.microsoft.com/office/drawing/2017/decorative" val="1"/>
-              </a:ext>
-            </a:extLst>
-          </p:cNvPr>
-          <p:cNvSpPr>
-            <a:spLocks noGrp="1" noRot="1" noChangeAspect="1" noMove="1" noResize="1" noEditPoints="1" noAdjustHandles="1" noChangeArrowheads="1" noChangeShapeType="1" noTextEdit="1"/>
-          </p:cNvSpPr>
-          <p:nvPr>
-            <p:extLst>
-              <p:ext uri="{386F3935-93C4-4BCD-93E2-E3B085C9AB24}">
-                <p16:designElem xmlns:p16="http://schemas.microsoft.com/office/powerpoint/2015/main" val="1"/>
-              </p:ext>
-            </p:extLst>
-          </p:nvPr>
-        </p:nvSpPr>
-        <p:spPr>
-          <a:xfrm>
-            <a:off x="558209" y="0"/>
-            <a:ext cx="11167447" cy="2018806"/>
-          </a:xfrm>
-          <a:prstGeom prst="rect">
-            <a:avLst/>
-          </a:prstGeom>
-          <a:ln w="9525">
-            <a:solidFill>
-              <a:srgbClr val="E1E1E1"/>
-            </a:solidFill>
-          </a:ln>
-          <a:effectLst>
-            <a:outerShdw blurRad="50800" dist="38100" dir="2700000" algn="tl" rotWithShape="0">
-              <a:schemeClr val="bg1">
-                <a:lumMod val="85000"/>
-                <a:alpha val="50000"/>
-              </a:schemeClr>
-            </a:outerShdw>
-          </a:effectLst>
-        </p:spPr>
-        <p:style>
-          <a:lnRef idx="2">
-            <a:schemeClr val="accent1">
-              <a:shade val="50000"/>
-            </a:schemeClr>
-          </a:lnRef>
-          <a:fillRef idx="1">
-            <a:schemeClr val="accent1"/>
-          </a:fillRef>
-          <a:effectRef idx="0">
-            <a:schemeClr val="accent1"/>
-          </a:effectRef>
-          <a:fontRef idx="minor">
-            <a:schemeClr val="lt1"/>
-          </a:fontRef>
-        </p:style>
-        <p:txBody>
-          <a:bodyPr rtlCol="0" anchor="ctr"/>
-          <a:lstStyle/>
-          <a:p>
-            <a:pPr marL="0" marR="0" lvl="0" indent="0" algn="ctr" defTabSz="914400" rtl="0" eaLnBrk="1" fontAlgn="auto" latinLnBrk="0" hangingPunct="1">
-              <a:lnSpc>
-                <a:spcPct val="100000"/>
-              </a:lnSpc>
-              <a:spcBef>
-                <a:spcPts val="0"/>
-              </a:spcBef>
-              <a:spcAft>
-                <a:spcPts val="0"/>
-              </a:spcAft>
-              <a:buClrTx/>
-              <a:buSzTx/>
-              <a:buFontTx/>
-              <a:buNone/>
-              <a:tabLst/>
-              <a:defRPr/>
-            </a:pPr>
-            <a:endParaRPr kumimoji="0" lang="en-US" sz="1800" b="0" i="0" u="none" strike="noStrike" kern="1200" cap="none" spc="0" normalizeH="0" baseline="0" noProof="0">
-              <a:ln>
-                <a:noFill/>
-              </a:ln>
-              <a:solidFill>
-                <a:prstClr val="white"/>
-              </a:solidFill>
-              <a:effectLst/>
-              <a:uLnTx/>
-              <a:uFillTx/>
-              <a:latin typeface="Calibri" panose="020F0502020204030204"/>
-              <a:ea typeface="+mn-ea"/>
-              <a:cs typeface="+mn-cs"/>
-            </a:endParaRPr>
-          </a:p>
-        </p:txBody>
-      </p:sp>
-      <p:sp useBgFill="1">
-        <p:nvSpPr>
-          <p:cNvPr id="34" name="Rectangle 22">
-            <a:extLst>
-              <a:ext uri="{FF2B5EF4-FFF2-40B4-BE49-F238E27FC236}">
-                <a16:creationId xmlns:a16="http://schemas.microsoft.com/office/drawing/2014/main" id="{8E0105E7-23DB-4CF2-8258-FF47C7620F6E}"/>
-              </a:ext>
-              <a:ext uri="{C183D7F6-B498-43B3-948B-1728B52AA6E4}">
-                <adec:decorative xmlns:adec="http://schemas.microsoft.com/office/drawing/2017/decorative" val="1"/>
-              </a:ext>
-            </a:extLst>
-          </p:cNvPr>
-          <p:cNvSpPr>
-            <a:spLocks noGrp="1" noRot="1" noChangeAspect="1" noMove="1" noResize="1" noEditPoints="1" noAdjustHandles="1" noChangeArrowheads="1" noChangeShapeType="1" noTextEdit="1"/>
-          </p:cNvSpPr>
-          <p:nvPr>
-            <p:extLst>
-              <p:ext uri="{386F3935-93C4-4BCD-93E2-E3B085C9AB24}">
-                <p16:designElem xmlns:p16="http://schemas.microsoft.com/office/powerpoint/2015/main" val="1"/>
-              </p:ext>
-            </p:extLst>
-          </p:nvPr>
-        </p:nvSpPr>
-        <p:spPr>
-          <a:xfrm>
-            <a:off x="566928" y="0"/>
-            <a:ext cx="11155680" cy="2011680"/>
-          </a:xfrm>
-          <a:prstGeom prst="rect">
-            <a:avLst/>
-          </a:prstGeom>
-          <a:ln w="9525">
-            <a:noFill/>
-          </a:ln>
-          <a:effectLst/>
-        </p:spPr>
-        <p:style>
-          <a:lnRef idx="2">
-            <a:schemeClr val="accent1">
-              <a:shade val="50000"/>
-            </a:schemeClr>
-          </a:lnRef>
-          <a:fillRef idx="1">
-            <a:schemeClr val="accent1"/>
-          </a:fillRef>
-          <a:effectRef idx="0">
-            <a:schemeClr val="accent1"/>
-          </a:effectRef>
-          <a:fontRef idx="minor">
-            <a:schemeClr val="lt1"/>
-          </a:fontRef>
-        </p:style>
-        <p:txBody>
-          <a:bodyPr rtlCol="0" anchor="ctr"/>
-          <a:lstStyle/>
-          <a:p>
-            <a:pPr marL="0" marR="0" lvl="0" indent="0" algn="ctr" defTabSz="914400" rtl="0" eaLnBrk="1" fontAlgn="auto" latinLnBrk="0" hangingPunct="1">
-              <a:lnSpc>
-                <a:spcPct val="100000"/>
-              </a:lnSpc>
-              <a:spcBef>
-                <a:spcPts val="0"/>
-              </a:spcBef>
-              <a:spcAft>
-                <a:spcPts val="0"/>
-              </a:spcAft>
-              <a:buClrTx/>
-              <a:buSzTx/>
-              <a:buFontTx/>
-              <a:buNone/>
-              <a:tabLst/>
-              <a:defRPr/>
-            </a:pPr>
-            <a:endParaRPr kumimoji="0" lang="en-US" sz="1800" b="0" i="0" u="none" strike="noStrike" kern="1200" cap="none" spc="0" normalizeH="0" baseline="0" noProof="0">
-              <a:ln>
-                <a:noFill/>
-              </a:ln>
-              <a:solidFill>
-                <a:prstClr val="white"/>
-              </a:solidFill>
-              <a:effectLst/>
-              <a:uLnTx/>
-              <a:uFillTx/>
-              <a:latin typeface="Calibri" panose="020F0502020204030204"/>
-              <a:ea typeface="+mn-ea"/>
-              <a:cs typeface="+mn-cs"/>
-            </a:endParaRPr>
-          </a:p>
-        </p:txBody>
-      </p:sp>
-      <p:sp>
-        <p:nvSpPr>
-          <p:cNvPr id="2" name="Titel 1">
-            <a:extLst>
-              <a:ext uri="{FF2B5EF4-FFF2-40B4-BE49-F238E27FC236}">
-                <a16:creationId xmlns:a16="http://schemas.microsoft.com/office/drawing/2014/main" id="{E742CB6B-102C-411A-939E-44A35B70A150}"/>
-              </a:ext>
-            </a:extLst>
-          </p:cNvPr>
-          <p:cNvSpPr>
-            <a:spLocks noGrp="1"/>
-          </p:cNvSpPr>
-          <p:nvPr>
-            <p:ph type="title"/>
-          </p:nvPr>
-        </p:nvSpPr>
-        <p:spPr>
-          <a:xfrm>
-            <a:off x="1115568" y="548640"/>
-            <a:ext cx="10168128" cy="1179576"/>
-          </a:xfrm>
-        </p:spPr>
-        <p:txBody>
-          <a:bodyPr>
-            <a:normAutofit/>
-          </a:bodyPr>
-          <a:lstStyle/>
-          <a:p>
-            <a:r>
-              <a:rPr lang="de-DE" sz="4000" dirty="0"/>
-              <a:t>Ziele</a:t>
-            </a:r>
-          </a:p>
-        </p:txBody>
-      </p:sp>
-      <p:sp>
-        <p:nvSpPr>
-          <p:cNvPr id="35" name="Rectangle 24">
-            <a:extLst>
-              <a:ext uri="{FF2B5EF4-FFF2-40B4-BE49-F238E27FC236}">
-                <a16:creationId xmlns:a16="http://schemas.microsoft.com/office/drawing/2014/main" id="{074B4F7D-14B2-478B-8BF5-01E4E0C5D263}"/>
-              </a:ext>
-              <a:ext uri="{C183D7F6-B498-43B3-948B-1728B52AA6E4}">
-                <adec:decorative xmlns:adec="http://schemas.microsoft.com/office/drawing/2017/decorative" val="1"/>
-              </a:ext>
-            </a:extLst>
-          </p:cNvPr>
-          <p:cNvSpPr>
-            <a:spLocks noGrp="1" noRot="1" noChangeAspect="1" noMove="1" noResize="1" noEditPoints="1" noAdjustHandles="1" noChangeArrowheads="1" noChangeShapeType="1" noTextEdit="1"/>
-          </p:cNvSpPr>
-          <p:nvPr>
-            <p:extLst>
-              <p:ext uri="{386F3935-93C4-4BCD-93E2-E3B085C9AB24}">
-                <p16:designElem xmlns:p16="http://schemas.microsoft.com/office/powerpoint/2015/main" val="1"/>
-              </p:ext>
-            </p:extLst>
-          </p:nvPr>
-        </p:nvSpPr>
-        <p:spPr>
-          <a:xfrm>
-            <a:off x="498834" y="758952"/>
-            <a:ext cx="128016" cy="704088"/>
-          </a:xfrm>
-          <a:prstGeom prst="rect">
-            <a:avLst/>
-          </a:prstGeom>
-          <a:solidFill>
-            <a:schemeClr val="accent2"/>
-          </a:solidFill>
-          <a:ln>
-            <a:noFill/>
-          </a:ln>
-        </p:spPr>
-        <p:style>
-          <a:lnRef idx="2">
-            <a:schemeClr val="accent1">
-              <a:shade val="50000"/>
-            </a:schemeClr>
-          </a:lnRef>
-          <a:fillRef idx="1">
-            <a:schemeClr val="accent1"/>
-          </a:fillRef>
-          <a:effectRef idx="0">
-            <a:schemeClr val="accent1"/>
-          </a:effectRef>
-          <a:fontRef idx="minor">
-            <a:schemeClr val="lt1"/>
-          </a:fontRef>
-        </p:style>
-        <p:txBody>
-          <a:bodyPr rtlCol="0" anchor="ctr"/>
-          <a:lstStyle/>
-          <a:p>
-            <a:pPr algn="ctr"/>
-            <a:endParaRPr lang="en-US">
-              <a:solidFill>
-                <a:prstClr val="white"/>
-              </a:solidFill>
-              <a:latin typeface="Calibri" panose="020F0502020204030204"/>
-            </a:endParaRPr>
-          </a:p>
-        </p:txBody>
-      </p:sp>
-      <p:sp>
-        <p:nvSpPr>
-          <p:cNvPr id="3" name="Inhaltsplatzhalter 2">
-            <a:extLst>
-              <a:ext uri="{FF2B5EF4-FFF2-40B4-BE49-F238E27FC236}">
-                <a16:creationId xmlns:a16="http://schemas.microsoft.com/office/drawing/2014/main" id="{0D2D6F78-D6C8-4A40-A999-501EEE08D59B}"/>
-              </a:ext>
-            </a:extLst>
-          </p:cNvPr>
-          <p:cNvSpPr>
-            <a:spLocks noGrp="1"/>
-          </p:cNvSpPr>
-          <p:nvPr>
-            <p:ph idx="1"/>
-          </p:nvPr>
-        </p:nvSpPr>
-        <p:spPr>
-          <a:xfrm>
-            <a:off x="1115568" y="2481943"/>
-            <a:ext cx="10168128" cy="3695020"/>
-          </a:xfrm>
-        </p:spPr>
-        <p:txBody>
-          <a:bodyPr>
-            <a:normAutofit/>
-          </a:bodyPr>
-          <a:lstStyle/>
-          <a:p>
-            <a:endParaRPr lang="de-DE" sz="2200"/>
-          </a:p>
-        </p:txBody>
-      </p:sp>
+      </p:pic>
     </p:spTree>
     <p:extLst>
       <p:ext uri="{BB962C8B-B14F-4D97-AF65-F5344CB8AC3E}">
@@ -18200,8 +19316,55 @@
         </p:blipFill>
         <p:spPr bwMode="auto">
           <a:xfrm>
-            <a:off x="6876221" y="3846443"/>
+            <a:off x="6841386" y="2844957"/>
             <a:ext cx="4584453" cy="415747"/>
+          </a:xfrm>
+          <a:prstGeom prst="rect">
+            <a:avLst/>
+          </a:prstGeom>
+          <a:noFill/>
+          <a:extLst>
+            <a:ext uri="{909E8E84-426E-40DD-AFC4-6F175D3DCCD1}">
+              <a14:hiddenFill xmlns:a14="http://schemas.microsoft.com/office/drawing/2010/main">
+                <a:solidFill>
+                  <a:srgbClr val="FFFFFF"/>
+                </a:solidFill>
+              </a14:hiddenFill>
+            </a:ext>
+          </a:extLst>
+        </p:spPr>
+      </p:pic>
+      <p:pic>
+        <p:nvPicPr>
+          <p:cNvPr id="1026" name="Picture 2">
+            <a:extLst>
+              <a:ext uri="{FF2B5EF4-FFF2-40B4-BE49-F238E27FC236}">
+                <a16:creationId xmlns:a16="http://schemas.microsoft.com/office/drawing/2014/main" id="{1B4106C7-F707-460D-ACD4-320615348EB6}"/>
+              </a:ext>
+            </a:extLst>
+          </p:cNvPr>
+          <p:cNvPicPr>
+            <a:picLocks noChangeAspect="1" noChangeArrowheads="1"/>
+          </p:cNvPicPr>
+          <p:nvPr/>
+        </p:nvPicPr>
+        <p:blipFill>
+          <a:blip r:embed="rId3">
+            <a:extLst>
+              <a:ext uri="{28A0092B-C50C-407E-A947-70E740481C1C}">
+                <a14:useLocalDpi xmlns:a14="http://schemas.microsoft.com/office/drawing/2010/main" val="0"/>
+              </a:ext>
+            </a:extLst>
+          </a:blip>
+          <a:srcRect/>
+          <a:stretch>
+            <a:fillRect/>
+          </a:stretch>
+        </p:blipFill>
+        <p:spPr bwMode="auto">
+          <a:xfrm>
+            <a:off x="6588017" y="3623718"/>
+            <a:ext cx="5134591" cy="349725"/>
           </a:xfrm>
           <a:prstGeom prst="rect">
             <a:avLst/>
@@ -18527,15 +19690,6 @@
 </file>
 
 <file path=customXml/item1.xml><?xml version="1.0" encoding="utf-8"?>
-<?mso-contentType ?>
-<FormTemplates xmlns="http://schemas.microsoft.com/sharepoint/v3/contenttype/forms">
-  <Display>DocumentLibraryForm</Display>
-  <Edit>DocumentLibraryForm</Edit>
-  <New>DocumentLibraryForm</New>
-</FormTemplates>
-</file>
-
-<file path=customXml/item2.xml><?xml version="1.0" encoding="utf-8"?>
 <ct:contentTypeSchema xmlns:ct="http://schemas.microsoft.com/office/2006/metadata/contentType" xmlns:ma="http://schemas.microsoft.com/office/2006/metadata/properties/metaAttributes" ct:_="" ma:_="" ma:contentTypeName="Dokument" ma:contentTypeID="0x0101006053BFF7913E914E8633705294D786E0" ma:contentTypeVersion="12" ma:contentTypeDescription="Ein neues Dokument erstellen." ma:contentTypeScope="" ma:versionID="292c63051bcc76f3c0ba6d3d005fc720">
   <xsd:schema xmlns:xsd="http://www.w3.org/2001/XMLSchema" xmlns:xs="http://www.w3.org/2001/XMLSchema" xmlns:p="http://schemas.microsoft.com/office/2006/metadata/properties" xmlns:ns3="428a2bfe-bcaf-43de-8bea-075e4c45d2d0" xmlns:ns4="19353dae-2197-414d-a888-862b93af9487" targetNamespace="http://schemas.microsoft.com/office/2006/metadata/properties" ma:root="true" ma:fieldsID="1ef18051d54d654b75909a1fce9ac096" ns3:_="" ns4:_="">
     <xsd:import namespace="428a2bfe-bcaf-43de-8bea-075e4c45d2d0"/>
@@ -18752,6 +19906,15 @@
 </ct:contentTypeSchema>
 </file>
 
+<file path=customXml/item2.xml><?xml version="1.0" encoding="utf-8"?>
+<?mso-contentType ?>
+<FormTemplates xmlns="http://schemas.microsoft.com/sharepoint/v3/contenttype/forms">
+  <Display>DocumentLibraryForm</Display>
+  <Edit>DocumentLibraryForm</Edit>
+  <New>DocumentLibraryForm</New>
+</FormTemplates>
+</file>
+
 <file path=customXml/item3.xml><?xml version="1.0" encoding="utf-8"?>
 <p:properties xmlns:p="http://schemas.microsoft.com/office/2006/metadata/properties" xmlns:xsi="http://www.w3.org/2001/XMLSchema-instance" xmlns:pc="http://schemas.microsoft.com/office/infopath/2007/PartnerControls">
   <documentManagement/>
@@ -18759,14 +19922,6 @@
 </file>
 
 <file path=customXml/itemProps1.xml><?xml version="1.0" encoding="utf-8"?>
-<ds:datastoreItem xmlns:ds="http://schemas.openxmlformats.org/officeDocument/2006/customXml" ds:itemID="{CE3F8EDD-2F21-4FBF-BC71-777BF1DA3C2E}">
-  <ds:schemaRefs>
-    <ds:schemaRef ds:uri="http://schemas.microsoft.com/sharepoint/v3/contenttype/forms"/>
-  </ds:schemaRefs>
-</ds:datastoreItem>
-</file>
-
-<file path=customXml/itemProps2.xml><?xml version="1.0" encoding="utf-8"?>
 <ds:datastoreItem xmlns:ds="http://schemas.openxmlformats.org/officeDocument/2006/customXml" ds:itemID="{28ED429C-3825-4FA6-BB49-FDC636B04DA8}">
   <ds:schemaRefs>
     <ds:schemaRef ds:uri="http://schemas.microsoft.com/office/2006/metadata/contentType"/>
@@ -18785,17 +19940,25 @@
 </ds:datastoreItem>
 </file>
 
+<file path=customXml/itemProps2.xml><?xml version="1.0" encoding="utf-8"?>
+<ds:datastoreItem xmlns:ds="http://schemas.openxmlformats.org/officeDocument/2006/customXml" ds:itemID="{CE3F8EDD-2F21-4FBF-BC71-777BF1DA3C2E}">
+  <ds:schemaRefs>
+    <ds:schemaRef ds:uri="http://schemas.microsoft.com/sharepoint/v3/contenttype/forms"/>
+  </ds:schemaRefs>
+</ds:datastoreItem>
+</file>
+
 <file path=customXml/itemProps3.xml><?xml version="1.0" encoding="utf-8"?>
 <ds:datastoreItem xmlns:ds="http://schemas.openxmlformats.org/officeDocument/2006/customXml" ds:itemID="{FB44E75D-7923-4273-AB76-3459B30E8DF4}">
   <ds:schemaRefs>
+    <ds:schemaRef ds:uri="http://schemas.microsoft.com/office/2006/metadata/properties"/>
+    <ds:schemaRef ds:uri="http://schemas.microsoft.com/office/2006/documentManagement/types"/>
     <ds:schemaRef ds:uri="http://purl.org/dc/elements/1.1/"/>
-    <ds:schemaRef ds:uri="http://schemas.microsoft.com/office/2006/metadata/properties"/>
-    <ds:schemaRef ds:uri="428a2bfe-bcaf-43de-8bea-075e4c45d2d0"/>
-    <ds:schemaRef ds:uri="http://purl.org/dc/terms/"/>
     <ds:schemaRef ds:uri="http://schemas.openxmlformats.org/package/2006/metadata/core-properties"/>
-    <ds:schemaRef ds:uri="http://schemas.microsoft.com/office/2006/documentManagement/types"/>
     <ds:schemaRef ds:uri="19353dae-2197-414d-a888-862b93af9487"/>
     <ds:schemaRef ds:uri="http://schemas.microsoft.com/office/infopath/2007/PartnerControls"/>
+    <ds:schemaRef ds:uri="http://purl.org/dc/terms/"/>
+    <ds:schemaRef ds:uri="428a2bfe-bcaf-43de-8bea-075e4c45d2d0"/>
     <ds:schemaRef ds:uri="http://www.w3.org/XML/1998/namespace"/>
     <ds:schemaRef ds:uri="http://purl.org/dc/dcmitype/"/>
   </ds:schemaRefs>

--- a/Präsentationen/Abschlusspräsentation/Chessmaster_Abschluss.pptx
+++ b/Präsentationen/Abschlusspräsentation/Chessmaster_Abschluss.pptx
@@ -31,6 +31,15 @@
   </p:sldIdLst>
   <p:sldSz cx="12192000" cy="6858000"/>
   <p:notesSz cx="6858000" cy="9144000"/>
+  <p:custShowLst>
+    <p:custShow name="Zielgruppenpräsentation 1" id="0">
+      <p:sldLst>
+        <p:sld r:id="rId5"/>
+        <p:sld r:id="rId6"/>
+        <p:sld r:id="rId7"/>
+      </p:sldLst>
+    </p:custShow>
+  </p:custShowLst>
   <p:defaultTextStyle>
     <a:defPPr>
       <a:defRPr lang="de-DE"/>
@@ -127,6 +136,65 @@
     </a:lvl9pPr>
   </p:defaultTextStyle>
   <p:extLst>
+    <p:ext uri="{521415D9-36F7-43E2-AB2F-B90AF26B5E84}">
+      <p14:sectionLst xmlns:p14="http://schemas.microsoft.com/office/powerpoint/2010/main">
+        <p14:section name="Anfang" id="{2E466D73-052E-4ACE-9946-EE1D9D99838B}">
+          <p14:sldIdLst>
+            <p14:sldId id="256"/>
+            <p14:sldId id="257"/>
+          </p14:sldIdLst>
+        </p14:section>
+        <p14:section name="Einführung" id="{D36B71BC-793B-473C-BCBA-3BA4C27C57ED}">
+          <p14:sldIdLst>
+            <p14:sldId id="258"/>
+            <p14:sldId id="272"/>
+            <p14:sldId id="259"/>
+          </p14:sldIdLst>
+        </p14:section>
+        <p14:section name="Algorithmen" id="{F6DE5A26-17F7-45B0-92C9-9F4616A784EB}">
+          <p14:sldIdLst>
+            <p14:sldId id="260"/>
+            <p14:sldId id="273"/>
+            <p14:sldId id="261"/>
+            <p14:sldId id="262"/>
+            <p14:sldId id="274"/>
+            <p14:sldId id="281"/>
+            <p14:sldId id="275"/>
+          </p14:sldIdLst>
+        </p14:section>
+        <p14:section name="Wirtschaftliche Aspekte" id="{B9375F64-1CA1-47A8-8C45-609D735B009D}">
+          <p14:sldIdLst>
+            <p14:sldId id="264"/>
+            <p14:sldId id="276"/>
+            <p14:sldId id="265"/>
+          </p14:sldIdLst>
+        </p14:section>
+        <p14:section name="Auswertung" id="{B6AF99C4-6C43-4BF1-93F7-13171E02B11E}">
+          <p14:sldIdLst>
+            <p14:sldId id="266"/>
+            <p14:sldId id="277"/>
+            <p14:sldId id="278"/>
+          </p14:sldIdLst>
+        </p14:section>
+        <p14:section name="Demonstration" id="{E5FFBD88-02BE-4CE7-B151-E494CDD3B650}">
+          <p14:sldIdLst>
+            <p14:sldId id="280"/>
+          </p14:sldIdLst>
+        </p14:section>
+        <p14:section name="Ausblick" id="{57BA61D6-27AC-4562-A83C-941E2EBC9993}">
+          <p14:sldIdLst>
+            <p14:sldId id="268"/>
+            <p14:sldId id="279"/>
+          </p14:sldIdLst>
+        </p14:section>
+        <p14:section name="Ende" id="{45A00D27-AEA3-4191-AE01-B5BA2D936423}">
+          <p14:sldIdLst>
+            <p14:sldId id="270"/>
+            <p14:sldId id="271"/>
+          </p14:sldIdLst>
+        </p14:section>
+      </p14:sectionLst>
+    </p:ext>
     <p:ext uri="{EFAFB233-063F-42B5-8137-9DF3F51BA10A}">
       <p15:sldGuideLst xmlns:p15="http://schemas.microsoft.com/office/powerpoint/2012/main"/>
     </p:ext>
@@ -137,7 +205,7 @@
 <file path=ppt/revisionInfo.xml><?xml version="1.0" encoding="utf-8"?>
 <p1510:revInfo xmlns:a="http://schemas.openxmlformats.org/drawingml/2006/main" xmlns:r="http://schemas.openxmlformats.org/officeDocument/2006/relationships" xmlns:p1510="http://schemas.microsoft.com/office/powerpoint/2015/10/main">
   <p1510:revLst>
-    <p1510:client id="{538E10A6-D5DA-4406-AE79-473C20C6EDAA}" v="198" dt="2020-07-17T18:38:18.362"/>
+    <p1510:client id="{538E10A6-D5DA-4406-AE79-473C20C6EDAA}" v="219" dt="2020-07-17T19:30:39.242"/>
   </p1510:revLst>
 </p1510:revInfo>
 </file>
@@ -147,12 +215,12 @@
   <pc:docChgLst>
     <pc:chgData name="Thorsten Hilbradt" userId="b76ca37a-0758-4f71-aeb6-b277b8bbbfdd" providerId="ADAL" clId="{538E10A6-D5DA-4406-AE79-473C20C6EDAA}"/>
     <pc:docChg chg="undo custSel mod addSld delSld modSld sldOrd">
-      <pc:chgData name="Thorsten Hilbradt" userId="b76ca37a-0758-4f71-aeb6-b277b8bbbfdd" providerId="ADAL" clId="{538E10A6-D5DA-4406-AE79-473C20C6EDAA}" dt="2020-07-17T18:41:07.061" v="859" actId="14100"/>
+      <pc:chgData name="Thorsten Hilbradt" userId="b76ca37a-0758-4f71-aeb6-b277b8bbbfdd" providerId="ADAL" clId="{538E10A6-D5DA-4406-AE79-473C20C6EDAA}" dt="2020-07-17T19:28:48.704" v="864" actId="16803"/>
       <pc:docMkLst>
         <pc:docMk/>
       </pc:docMkLst>
-      <pc:sldChg chg="addSp delSp modSp">
-        <pc:chgData name="Thorsten Hilbradt" userId="b76ca37a-0758-4f71-aeb6-b277b8bbbfdd" providerId="ADAL" clId="{538E10A6-D5DA-4406-AE79-473C20C6EDAA}" dt="2020-07-17T18:39:11.657" v="858" actId="20577"/>
+      <pc:sldChg chg="addSp delSp modSp ord">
+        <pc:chgData name="Thorsten Hilbradt" userId="b76ca37a-0758-4f71-aeb6-b277b8bbbfdd" providerId="ADAL" clId="{538E10A6-D5DA-4406-AE79-473C20C6EDAA}" dt="2020-07-17T19:26:00.312" v="862"/>
         <pc:sldMkLst>
           <pc:docMk/>
           <pc:sldMk cId="1313352953" sldId="256"/>
@@ -231,7 +299,7 @@
         </pc:grpChg>
       </pc:sldChg>
       <pc:sldChg chg="addSp delSp modSp">
-        <pc:chgData name="Thorsten Hilbradt" userId="b76ca37a-0758-4f71-aeb6-b277b8bbbfdd" providerId="ADAL" clId="{538E10A6-D5DA-4406-AE79-473C20C6EDAA}" dt="2020-07-16T17:30:14.685" v="5" actId="26606"/>
+        <pc:chgData name="Thorsten Hilbradt" userId="b76ca37a-0758-4f71-aeb6-b277b8bbbfdd" providerId="ADAL" clId="{538E10A6-D5DA-4406-AE79-473C20C6EDAA}" dt="2020-07-17T19:28:48.704" v="864" actId="16803"/>
         <pc:sldMkLst>
           <pc:docMk/>
           <pc:sldMk cId="3754926940" sldId="257"/>
@@ -253,7 +321,7 @@
           </ac:spMkLst>
         </pc:spChg>
         <pc:graphicFrameChg chg="mod modGraphic">
-          <ac:chgData name="Thorsten Hilbradt" userId="b76ca37a-0758-4f71-aeb6-b277b8bbbfdd" providerId="ADAL" clId="{538E10A6-D5DA-4406-AE79-473C20C6EDAA}" dt="2020-07-16T17:30:14.685" v="5" actId="26606"/>
+          <ac:chgData name="Thorsten Hilbradt" userId="b76ca37a-0758-4f71-aeb6-b277b8bbbfdd" providerId="ADAL" clId="{538E10A6-D5DA-4406-AE79-473C20C6EDAA}" dt="2020-07-17T19:28:48.704" v="864" actId="16803"/>
           <ac:graphicFrameMkLst>
             <pc:docMk/>
             <pc:sldMk cId="3754926940" sldId="257"/>
@@ -1021,8 +1089,8 @@
           </ac:spMkLst>
         </pc:spChg>
       </pc:sldChg>
-      <pc:sldChg chg="addSp delSp modSp mod setBg">
-        <pc:chgData name="Thorsten Hilbradt" userId="b76ca37a-0758-4f71-aeb6-b277b8bbbfdd" providerId="ADAL" clId="{538E10A6-D5DA-4406-AE79-473C20C6EDAA}" dt="2020-07-16T19:06:23.942" v="204" actId="20577"/>
+      <pc:sldChg chg="addSp delSp modSp mod ord setBg">
+        <pc:chgData name="Thorsten Hilbradt" userId="b76ca37a-0758-4f71-aeb6-b277b8bbbfdd" providerId="ADAL" clId="{538E10A6-D5DA-4406-AE79-473C20C6EDAA}" dt="2020-07-17T19:25:13.984" v="860"/>
         <pc:sldMkLst>
           <pc:docMk/>
           <pc:sldMk cId="3827612505" sldId="266"/>
@@ -1099,8 +1167,8 @@
           <pc:sldMk cId="679330469" sldId="267"/>
         </pc:sldMkLst>
       </pc:sldChg>
-      <pc:sldChg chg="addSp delSp modSp mod setBg">
-        <pc:chgData name="Thorsten Hilbradt" userId="b76ca37a-0758-4f71-aeb6-b277b8bbbfdd" providerId="ADAL" clId="{538E10A6-D5DA-4406-AE79-473C20C6EDAA}" dt="2020-07-16T19:10:14.538" v="279" actId="26606"/>
+      <pc:sldChg chg="addSp delSp modSp mod ord setBg">
+        <pc:chgData name="Thorsten Hilbradt" userId="b76ca37a-0758-4f71-aeb6-b277b8bbbfdd" providerId="ADAL" clId="{538E10A6-D5DA-4406-AE79-473C20C6EDAA}" dt="2020-07-17T19:25:13.984" v="860"/>
         <pc:sldMkLst>
           <pc:docMk/>
           <pc:sldMk cId="2297710178" sldId="268"/>
@@ -1257,8 +1325,8 @@
           </ac:spMkLst>
         </pc:spChg>
       </pc:sldChg>
-      <pc:sldChg chg="addSp modSp mod setBg">
-        <pc:chgData name="Thorsten Hilbradt" userId="b76ca37a-0758-4f71-aeb6-b277b8bbbfdd" providerId="ADAL" clId="{538E10A6-D5DA-4406-AE79-473C20C6EDAA}" dt="2020-07-17T18:38:10.172" v="779"/>
+      <pc:sldChg chg="addSp modSp mod ord setBg">
+        <pc:chgData name="Thorsten Hilbradt" userId="b76ca37a-0758-4f71-aeb6-b277b8bbbfdd" providerId="ADAL" clId="{538E10A6-D5DA-4406-AE79-473C20C6EDAA}" dt="2020-07-17T19:25:13.984" v="860"/>
         <pc:sldMkLst>
           <pc:docMk/>
           <pc:sldMk cId="2295727926" sldId="270"/>
@@ -1312,8 +1380,8 @@
           </ac:spMkLst>
         </pc:spChg>
       </pc:sldChg>
-      <pc:sldChg chg="addSp delSp modSp mod setBg">
-        <pc:chgData name="Thorsten Hilbradt" userId="b76ca37a-0758-4f71-aeb6-b277b8bbbfdd" providerId="ADAL" clId="{538E10A6-D5DA-4406-AE79-473C20C6EDAA}" dt="2020-07-16T19:13:03.103" v="410" actId="26606"/>
+      <pc:sldChg chg="addSp delSp modSp mod ord setBg">
+        <pc:chgData name="Thorsten Hilbradt" userId="b76ca37a-0758-4f71-aeb6-b277b8bbbfdd" providerId="ADAL" clId="{538E10A6-D5DA-4406-AE79-473C20C6EDAA}" dt="2020-07-17T19:25:13.984" v="860"/>
         <pc:sldMkLst>
           <pc:docMk/>
           <pc:sldMk cId="250846684" sldId="271"/>
@@ -1831,8 +1899,8 @@
           </ac:spMkLst>
         </pc:spChg>
       </pc:sldChg>
-      <pc:sldChg chg="addSp delSp modSp add mod setBg">
-        <pc:chgData name="Thorsten Hilbradt" userId="b76ca37a-0758-4f71-aeb6-b277b8bbbfdd" providerId="ADAL" clId="{538E10A6-D5DA-4406-AE79-473C20C6EDAA}" dt="2020-07-16T19:09:24.834" v="277" actId="26606"/>
+      <pc:sldChg chg="addSp delSp modSp add mod ord setBg">
+        <pc:chgData name="Thorsten Hilbradt" userId="b76ca37a-0758-4f71-aeb6-b277b8bbbfdd" providerId="ADAL" clId="{538E10A6-D5DA-4406-AE79-473C20C6EDAA}" dt="2020-07-17T19:25:13.984" v="860"/>
         <pc:sldMkLst>
           <pc:docMk/>
           <pc:sldMk cId="1514146512" sldId="277"/>
@@ -1918,8 +1986,8 @@
           </ac:picMkLst>
         </pc:picChg>
       </pc:sldChg>
-      <pc:sldChg chg="addSp delSp modSp add mod setBg">
-        <pc:chgData name="Thorsten Hilbradt" userId="b76ca37a-0758-4f71-aeb6-b277b8bbbfdd" providerId="ADAL" clId="{538E10A6-D5DA-4406-AE79-473C20C6EDAA}" dt="2020-07-16T19:09:10.819" v="276" actId="27614"/>
+      <pc:sldChg chg="addSp delSp modSp add mod ord setBg">
+        <pc:chgData name="Thorsten Hilbradt" userId="b76ca37a-0758-4f71-aeb6-b277b8bbbfdd" providerId="ADAL" clId="{538E10A6-D5DA-4406-AE79-473C20C6EDAA}" dt="2020-07-17T19:25:13.984" v="860"/>
         <pc:sldMkLst>
           <pc:docMk/>
           <pc:sldMk cId="2170115456" sldId="278"/>
@@ -2005,8 +2073,8 @@
           </ac:picMkLst>
         </pc:picChg>
       </pc:sldChg>
-      <pc:sldChg chg="addSp modSp add mod setBg">
-        <pc:chgData name="Thorsten Hilbradt" userId="b76ca37a-0758-4f71-aeb6-b277b8bbbfdd" providerId="ADAL" clId="{538E10A6-D5DA-4406-AE79-473C20C6EDAA}" dt="2020-07-17T12:57:54.070" v="608" actId="1076"/>
+      <pc:sldChg chg="addSp modSp add mod ord setBg">
+        <pc:chgData name="Thorsten Hilbradt" userId="b76ca37a-0758-4f71-aeb6-b277b8bbbfdd" providerId="ADAL" clId="{538E10A6-D5DA-4406-AE79-473C20C6EDAA}" dt="2020-07-17T19:25:13.984" v="860"/>
         <pc:sldMkLst>
           <pc:docMk/>
           <pc:sldMk cId="2063855677" sldId="279"/>
@@ -2085,7 +2153,7 @@
         </pc:picChg>
       </pc:sldChg>
       <pc:sldChg chg="addSp delSp modSp add mod ord setBg">
-        <pc:chgData name="Thorsten Hilbradt" userId="b76ca37a-0758-4f71-aeb6-b277b8bbbfdd" providerId="ADAL" clId="{538E10A6-D5DA-4406-AE79-473C20C6EDAA}" dt="2020-07-17T12:40:32.602" v="539"/>
+        <pc:chgData name="Thorsten Hilbradt" userId="b76ca37a-0758-4f71-aeb6-b277b8bbbfdd" providerId="ADAL" clId="{538E10A6-D5DA-4406-AE79-473C20C6EDAA}" dt="2020-07-17T19:25:13.984" v="860"/>
         <pc:sldMkLst>
           <pc:docMk/>
           <pc:sldMk cId="1650077746" sldId="280"/>
@@ -3404,10 +3472,10 @@
             </a:lnSpc>
           </a:pPr>
           <a:r>
-            <a:rPr lang="de-DE"/>
+            <a:rPr lang="de-DE" dirty="0"/>
             <a:t>Ausblick</a:t>
           </a:r>
-          <a:endParaRPr lang="en-US"/>
+          <a:endParaRPr lang="en-US" dirty="0"/>
         </a:p>
       </dgm:t>
     </dgm:pt>
@@ -3446,10 +3514,10 @@
             </a:lnSpc>
           </a:pPr>
           <a:r>
-            <a:rPr lang="de-DE"/>
+            <a:rPr lang="de-DE" dirty="0"/>
             <a:t>Live-Demo</a:t>
           </a:r>
-          <a:endParaRPr lang="en-US"/>
+          <a:endParaRPr lang="en-US" dirty="0"/>
         </a:p>
       </dgm:t>
     </dgm:pt>
@@ -3680,21 +3748,70 @@
       <dgm:prSet presAssocID="{365ED5B9-D482-479F-A93B-F22E224D355E}" presName="sibTrans" presStyleCnt="0"/>
       <dgm:spPr/>
     </dgm:pt>
+    <dgm:pt modelId="{EC67E9C0-74E3-447C-86BE-B738112528C0}" type="pres">
+      <dgm:prSet presAssocID="{2B74AE92-2B3A-4906-AF0E-66C1FD4FE8CC}" presName="compNode" presStyleCnt="0"/>
+      <dgm:spPr/>
+    </dgm:pt>
+    <dgm:pt modelId="{74D306E5-70B3-4D02-867E-3F2AD8814D6A}" type="pres">
+      <dgm:prSet presAssocID="{2B74AE92-2B3A-4906-AF0E-66C1FD4FE8CC}" presName="iconRect" presStyleLbl="node1" presStyleIdx="4" presStyleCnt="6" custLinFactNeighborX="-1444" custLinFactNeighborY="3090"/>
+      <dgm:spPr>
+        <a:blipFill>
+          <a:blip xmlns:r="http://schemas.openxmlformats.org/officeDocument/2006/relationships" r:embed="rId9">
+            <a:extLst>
+              <a:ext uri="{28A0092B-C50C-407E-A947-70E740481C1C}">
+                <a14:useLocalDpi xmlns:a14="http://schemas.microsoft.com/office/drawing/2010/main" val="0"/>
+              </a:ext>
+              <a:ext uri="{96DAC541-7B7A-43D3-8B79-37D633B846F1}">
+                <asvg:svgBlip xmlns:asvg="http://schemas.microsoft.com/office/drawing/2016/SVG/main" r:embed="rId10"/>
+              </a:ext>
+            </a:extLst>
+          </a:blip>
+          <a:stretch>
+            <a:fillRect/>
+          </a:stretch>
+        </a:blipFill>
+        <a:ln>
+          <a:noFill/>
+        </a:ln>
+      </dgm:spPr>
+      <dgm:extLst>
+        <a:ext uri="{E40237B7-FDA0-4F09-8148-C483321AD2D9}">
+          <dgm14:cNvPr xmlns:dgm14="http://schemas.microsoft.com/office/drawing/2010/diagram" id="0" name="" descr="Wiedergabe"/>
+        </a:ext>
+      </dgm:extLst>
+    </dgm:pt>
+    <dgm:pt modelId="{C12C17D3-71DC-4D0F-9475-FF0E03759235}" type="pres">
+      <dgm:prSet presAssocID="{2B74AE92-2B3A-4906-AF0E-66C1FD4FE8CC}" presName="spaceRect" presStyleCnt="0"/>
+      <dgm:spPr/>
+    </dgm:pt>
+    <dgm:pt modelId="{9B3C8D30-BCF4-47B5-A927-27278AB552EA}" type="pres">
+      <dgm:prSet presAssocID="{2B74AE92-2B3A-4906-AF0E-66C1FD4FE8CC}" presName="textRect" presStyleLbl="revTx" presStyleIdx="4" presStyleCnt="6">
+        <dgm:presLayoutVars>
+          <dgm:chMax val="1"/>
+          <dgm:chPref val="1"/>
+        </dgm:presLayoutVars>
+      </dgm:prSet>
+      <dgm:spPr/>
+    </dgm:pt>
+    <dgm:pt modelId="{0C3B94F6-5247-4870-95E8-DCC4803677DA}" type="pres">
+      <dgm:prSet presAssocID="{E4CD8FA9-1151-4B62-952F-9CF1DB3B95C4}" presName="sibTrans" presStyleCnt="0"/>
+      <dgm:spPr/>
+    </dgm:pt>
     <dgm:pt modelId="{5EEB0FC8-B82A-45B3-B8ED-20608499A622}" type="pres">
       <dgm:prSet presAssocID="{3B7DEE73-DD1B-4F57-B0A6-1A352DA84C53}" presName="compNode" presStyleCnt="0"/>
       <dgm:spPr/>
     </dgm:pt>
     <dgm:pt modelId="{8307BF28-30AB-41A6-9C2A-FF57F64D8303}" type="pres">
-      <dgm:prSet presAssocID="{3B7DEE73-DD1B-4F57-B0A6-1A352DA84C53}" presName="iconRect" presStyleLbl="node1" presStyleIdx="4" presStyleCnt="6"/>
+      <dgm:prSet presAssocID="{3B7DEE73-DD1B-4F57-B0A6-1A352DA84C53}" presName="iconRect" presStyleLbl="node1" presStyleIdx="5" presStyleCnt="6"/>
       <dgm:spPr>
         <a:blipFill>
-          <a:blip xmlns:r="http://schemas.openxmlformats.org/officeDocument/2006/relationships" r:embed="rId9">
+          <a:blip xmlns:r="http://schemas.openxmlformats.org/officeDocument/2006/relationships" r:embed="rId11">
             <a:extLst>
               <a:ext uri="{28A0092B-C50C-407E-A947-70E740481C1C}">
                 <a14:useLocalDpi xmlns:a14="http://schemas.microsoft.com/office/drawing/2010/main" val="0"/>
               </a:ext>
               <a:ext uri="{96DAC541-7B7A-43D3-8B79-37D633B846F1}">
-                <asvg:svgBlip xmlns:asvg="http://schemas.microsoft.com/office/drawing/2016/SVG/main" r:embed="rId10"/>
+                <asvg:svgBlip xmlns:asvg="http://schemas.microsoft.com/office/drawing/2016/SVG/main" r:embed="rId12"/>
               </a:ext>
             </a:extLst>
           </a:blip>
@@ -3717,56 +3834,7 @@
       <dgm:spPr/>
     </dgm:pt>
     <dgm:pt modelId="{F7183109-0408-4385-B54F-903E1A25EDC1}" type="pres">
-      <dgm:prSet presAssocID="{3B7DEE73-DD1B-4F57-B0A6-1A352DA84C53}" presName="textRect" presStyleLbl="revTx" presStyleIdx="4" presStyleCnt="6">
-        <dgm:presLayoutVars>
-          <dgm:chMax val="1"/>
-          <dgm:chPref val="1"/>
-        </dgm:presLayoutVars>
-      </dgm:prSet>
-      <dgm:spPr/>
-    </dgm:pt>
-    <dgm:pt modelId="{F6CA3D8D-882E-4ABF-B052-D5B6367DDE3D}" type="pres">
-      <dgm:prSet presAssocID="{8F82B55E-5869-4293-A1A7-91AABD07697C}" presName="sibTrans" presStyleCnt="0"/>
-      <dgm:spPr/>
-    </dgm:pt>
-    <dgm:pt modelId="{EC67E9C0-74E3-447C-86BE-B738112528C0}" type="pres">
-      <dgm:prSet presAssocID="{2B74AE92-2B3A-4906-AF0E-66C1FD4FE8CC}" presName="compNode" presStyleCnt="0"/>
-      <dgm:spPr/>
-    </dgm:pt>
-    <dgm:pt modelId="{74D306E5-70B3-4D02-867E-3F2AD8814D6A}" type="pres">
-      <dgm:prSet presAssocID="{2B74AE92-2B3A-4906-AF0E-66C1FD4FE8CC}" presName="iconRect" presStyleLbl="node1" presStyleIdx="5" presStyleCnt="6"/>
-      <dgm:spPr>
-        <a:blipFill>
-          <a:blip xmlns:r="http://schemas.openxmlformats.org/officeDocument/2006/relationships" r:embed="rId11">
-            <a:extLst>
-              <a:ext uri="{28A0092B-C50C-407E-A947-70E740481C1C}">
-                <a14:useLocalDpi xmlns:a14="http://schemas.microsoft.com/office/drawing/2010/main" val="0"/>
-              </a:ext>
-              <a:ext uri="{96DAC541-7B7A-43D3-8B79-37D633B846F1}">
-                <asvg:svgBlip xmlns:asvg="http://schemas.microsoft.com/office/drawing/2016/SVG/main" r:embed="rId12"/>
-              </a:ext>
-            </a:extLst>
-          </a:blip>
-          <a:stretch>
-            <a:fillRect/>
-          </a:stretch>
-        </a:blipFill>
-        <a:ln>
-          <a:noFill/>
-        </a:ln>
-      </dgm:spPr>
-      <dgm:extLst>
-        <a:ext uri="{E40237B7-FDA0-4F09-8148-C483321AD2D9}">
-          <dgm14:cNvPr xmlns:dgm14="http://schemas.microsoft.com/office/drawing/2010/diagram" id="0" name="" descr="Wiedergabe"/>
-        </a:ext>
-      </dgm:extLst>
-    </dgm:pt>
-    <dgm:pt modelId="{C12C17D3-71DC-4D0F-9475-FF0E03759235}" type="pres">
-      <dgm:prSet presAssocID="{2B74AE92-2B3A-4906-AF0E-66C1FD4FE8CC}" presName="spaceRect" presStyleCnt="0"/>
-      <dgm:spPr/>
-    </dgm:pt>
-    <dgm:pt modelId="{9B3C8D30-BCF4-47B5-A927-27278AB552EA}" type="pres">
-      <dgm:prSet presAssocID="{2B74AE92-2B3A-4906-AF0E-66C1FD4FE8CC}" presName="textRect" presStyleLbl="revTx" presStyleIdx="5" presStyleCnt="6">
+      <dgm:prSet presAssocID="{3B7DEE73-DD1B-4F57-B0A6-1A352DA84C53}" presName="textRect" presStyleLbl="revTx" presStyleIdx="5" presStyleCnt="6">
         <dgm:presLayoutVars>
           <dgm:chMax val="1"/>
           <dgm:chPref val="1"/>
@@ -3776,48 +3844,48 @@
     </dgm:pt>
   </dgm:ptLst>
   <dgm:cxnLst>
+    <dgm:cxn modelId="{D5E3BF04-D4EB-43BB-94E7-1128BAB60A5D}" type="presOf" srcId="{C92D799F-E920-4900-8A11-02B66AC68C35}" destId="{D50FB8E1-9F6C-4254-A6F3-395AFE0B3236}" srcOrd="0" destOrd="0" presId="urn:microsoft.com/office/officeart/2018/2/layout/IconLabelList"/>
     <dgm:cxn modelId="{C0241E22-C663-4BB9-9CCA-83944520DD7C}" srcId="{B7AF93FA-8918-4623-A2B0-422C5CF4ADAD}" destId="{C92D799F-E920-4900-8A11-02B66AC68C35}" srcOrd="1" destOrd="0" parTransId="{BBCA2E8E-620A-4092-AAE9-E26217985F69}" sibTransId="{0D8FF914-F45B-4748-8662-BA865728E743}"/>
+    <dgm:cxn modelId="{233F4B22-A166-4F10-BC1E-0B79032A43A8}" type="presOf" srcId="{9127EB37-AE06-47B0-93D8-17B91739CED6}" destId="{BCE627A6-8B3F-46CB-AB54-4B2C712A8C43}" srcOrd="0" destOrd="0" presId="urn:microsoft.com/office/officeart/2018/2/layout/IconLabelList"/>
     <dgm:cxn modelId="{C54DEF25-0647-4BEC-9A90-59E3DC918C09}" srcId="{B7AF93FA-8918-4623-A2B0-422C5CF4ADAD}" destId="{9127EB37-AE06-47B0-93D8-17B91739CED6}" srcOrd="2" destOrd="0" parTransId="{60A4CA5B-05BC-4EB8-BB92-F7F64BD13EB6}" sibTransId="{0F2B5CD1-4D9C-48D7-9198-1A34E381F462}"/>
-    <dgm:cxn modelId="{C9F25836-B075-49B8-AC75-C524389399FE}" type="presOf" srcId="{B716CDDC-3238-485E-909C-B9825F6982CB}" destId="{230B9971-FE87-4489-8C6F-59F035C4AA92}" srcOrd="0" destOrd="0" presId="urn:microsoft.com/office/officeart/2018/2/layout/IconLabelList"/>
-    <dgm:cxn modelId="{A083D43D-C3AA-41CF-993E-5704741C2615}" srcId="{B7AF93FA-8918-4623-A2B0-422C5CF4ADAD}" destId="{2B74AE92-2B3A-4906-AF0E-66C1FD4FE8CC}" srcOrd="5" destOrd="0" parTransId="{8A39E5A9-EF54-4831-A21E-C59D33918785}" sibTransId="{E4CD8FA9-1151-4B62-952F-9CF1DB3B95C4}"/>
+    <dgm:cxn modelId="{FC173931-BCC4-4E51-9456-4B9E28CD8143}" type="presOf" srcId="{2B74AE92-2B3A-4906-AF0E-66C1FD4FE8CC}" destId="{9B3C8D30-BCF4-47B5-A927-27278AB552EA}" srcOrd="0" destOrd="0" presId="urn:microsoft.com/office/officeart/2018/2/layout/IconLabelList"/>
+    <dgm:cxn modelId="{A083D43D-C3AA-41CF-993E-5704741C2615}" srcId="{B7AF93FA-8918-4623-A2B0-422C5CF4ADAD}" destId="{2B74AE92-2B3A-4906-AF0E-66C1FD4FE8CC}" srcOrd="4" destOrd="0" parTransId="{8A39E5A9-EF54-4831-A21E-C59D33918785}" sibTransId="{E4CD8FA9-1151-4B62-952F-9CF1DB3B95C4}"/>
     <dgm:cxn modelId="{0E1A5862-F845-413B-B728-880C0FB76F8D}" type="presOf" srcId="{B7AF93FA-8918-4623-A2B0-422C5CF4ADAD}" destId="{08C52D4F-3226-47D7-ABC8-7F78FD11BE30}" srcOrd="0" destOrd="0" presId="urn:microsoft.com/office/officeart/2018/2/layout/IconLabelList"/>
-    <dgm:cxn modelId="{EA6A6F78-7D4A-4097-9AC3-5F0222DE2051}" type="presOf" srcId="{C92D799F-E920-4900-8A11-02B66AC68C35}" destId="{D50FB8E1-9F6C-4254-A6F3-395AFE0B3236}" srcOrd="0" destOrd="0" presId="urn:microsoft.com/office/officeart/2018/2/layout/IconLabelList"/>
-    <dgm:cxn modelId="{892DC396-15F7-47AB-90E8-4643C5E33348}" type="presOf" srcId="{9127EB37-AE06-47B0-93D8-17B91739CED6}" destId="{BCE627A6-8B3F-46CB-AB54-4B2C712A8C43}" srcOrd="0" destOrd="0" presId="urn:microsoft.com/office/officeart/2018/2/layout/IconLabelList"/>
+    <dgm:cxn modelId="{D69A6544-5852-4741-9C78-19315716A414}" type="presOf" srcId="{B716CDDC-3238-485E-909C-B9825F6982CB}" destId="{230B9971-FE87-4489-8C6F-59F035C4AA92}" srcOrd="0" destOrd="0" presId="urn:microsoft.com/office/officeart/2018/2/layout/IconLabelList"/>
+    <dgm:cxn modelId="{7FA01E7C-B883-4A2F-9B30-5A5B2EFB6575}" type="presOf" srcId="{96037EF6-6917-4EA5-A6CD-B8302216B91C}" destId="{6348DE13-E709-4A7C-B458-D776B464A4F0}" srcOrd="0" destOrd="0" presId="urn:microsoft.com/office/officeart/2018/2/layout/IconLabelList"/>
     <dgm:cxn modelId="{920D74BA-B932-451B-85FB-8C7A75E74F15}" srcId="{B7AF93FA-8918-4623-A2B0-422C5CF4ADAD}" destId="{B716CDDC-3238-485E-909C-B9825F6982CB}" srcOrd="3" destOrd="0" parTransId="{1C11BEEC-CD8F-41A9-8E7E-858D70AB9506}" sibTransId="{365ED5B9-D482-479F-A93B-F22E224D355E}"/>
-    <dgm:cxn modelId="{C732FADF-BE05-47DE-B57F-2152FF1FD1F0}" type="presOf" srcId="{3B7DEE73-DD1B-4F57-B0A6-1A352DA84C53}" destId="{F7183109-0408-4385-B54F-903E1A25EDC1}" srcOrd="0" destOrd="0" presId="urn:microsoft.com/office/officeart/2018/2/layout/IconLabelList"/>
-    <dgm:cxn modelId="{282A8BE2-132F-4425-9BA8-0480BD7E4F35}" srcId="{B7AF93FA-8918-4623-A2B0-422C5CF4ADAD}" destId="{3B7DEE73-DD1B-4F57-B0A6-1A352DA84C53}" srcOrd="4" destOrd="0" parTransId="{039626AF-FCD4-487E-9E8E-FF7FB97ED732}" sibTransId="{8F82B55E-5869-4293-A1A7-91AABD07697C}"/>
+    <dgm:cxn modelId="{282A8BE2-132F-4425-9BA8-0480BD7E4F35}" srcId="{B7AF93FA-8918-4623-A2B0-422C5CF4ADAD}" destId="{3B7DEE73-DD1B-4F57-B0A6-1A352DA84C53}" srcOrd="5" destOrd="0" parTransId="{039626AF-FCD4-487E-9E8E-FF7FB97ED732}" sibTransId="{8F82B55E-5869-4293-A1A7-91AABD07697C}"/>
     <dgm:cxn modelId="{A310E8E4-74C3-461E-925E-2C16B6F617BA}" srcId="{B7AF93FA-8918-4623-A2B0-422C5CF4ADAD}" destId="{96037EF6-6917-4EA5-A6CD-B8302216B91C}" srcOrd="0" destOrd="0" parTransId="{7A5DDC1E-1951-4560-86C6-40E4891668A8}" sibTransId="{A149F8F5-3D26-4412-8AD2-AEA0B0D06EEC}"/>
-    <dgm:cxn modelId="{EF46BAF5-4D43-4949-A633-69BCD4B992C4}" type="presOf" srcId="{2B74AE92-2B3A-4906-AF0E-66C1FD4FE8CC}" destId="{9B3C8D30-BCF4-47B5-A927-27278AB552EA}" srcOrd="0" destOrd="0" presId="urn:microsoft.com/office/officeart/2018/2/layout/IconLabelList"/>
-    <dgm:cxn modelId="{D8B0B1F8-2A8A-46A3-A0D7-11334302BBF0}" type="presOf" srcId="{96037EF6-6917-4EA5-A6CD-B8302216B91C}" destId="{6348DE13-E709-4A7C-B458-D776B464A4F0}" srcOrd="0" destOrd="0" presId="urn:microsoft.com/office/officeart/2018/2/layout/IconLabelList"/>
-    <dgm:cxn modelId="{07CFD3CA-937F-4C4A-A2B3-34CE52A97C1C}" type="presParOf" srcId="{08C52D4F-3226-47D7-ABC8-7F78FD11BE30}" destId="{35B83043-7B85-4273-BAB5-0404F4F5A835}" srcOrd="0" destOrd="0" presId="urn:microsoft.com/office/officeart/2018/2/layout/IconLabelList"/>
-    <dgm:cxn modelId="{91A53E44-420C-4466-964E-6A541759BF16}" type="presParOf" srcId="{35B83043-7B85-4273-BAB5-0404F4F5A835}" destId="{CD3531E6-238E-4B95-AB72-2174D2A4699E}" srcOrd="0" destOrd="0" presId="urn:microsoft.com/office/officeart/2018/2/layout/IconLabelList"/>
-    <dgm:cxn modelId="{3718A671-C128-436F-B09F-12C783673CA0}" type="presParOf" srcId="{35B83043-7B85-4273-BAB5-0404F4F5A835}" destId="{2FBDD79D-985F-4606-A4A6-C55FE5C089D4}" srcOrd="1" destOrd="0" presId="urn:microsoft.com/office/officeart/2018/2/layout/IconLabelList"/>
-    <dgm:cxn modelId="{4354C94A-EB89-4F5E-928B-AB23E669CA3C}" type="presParOf" srcId="{35B83043-7B85-4273-BAB5-0404F4F5A835}" destId="{6348DE13-E709-4A7C-B458-D776B464A4F0}" srcOrd="2" destOrd="0" presId="urn:microsoft.com/office/officeart/2018/2/layout/IconLabelList"/>
-    <dgm:cxn modelId="{93A00903-6C29-45EB-A6F2-8B3C706E100B}" type="presParOf" srcId="{08C52D4F-3226-47D7-ABC8-7F78FD11BE30}" destId="{0943E220-A381-4778-81EC-24DC1B2E2E17}" srcOrd="1" destOrd="0" presId="urn:microsoft.com/office/officeart/2018/2/layout/IconLabelList"/>
-    <dgm:cxn modelId="{3025FEE3-6E95-4C3B-B63F-58688A7C830C}" type="presParOf" srcId="{08C52D4F-3226-47D7-ABC8-7F78FD11BE30}" destId="{D249D393-635D-4F60-9314-B400437F5775}" srcOrd="2" destOrd="0" presId="urn:microsoft.com/office/officeart/2018/2/layout/IconLabelList"/>
-    <dgm:cxn modelId="{77D2E577-BC50-4798-BA03-B0DC7CA8436F}" type="presParOf" srcId="{D249D393-635D-4F60-9314-B400437F5775}" destId="{D672A190-D722-4B3F-AA95-4EBDAF6027F6}" srcOrd="0" destOrd="0" presId="urn:microsoft.com/office/officeart/2018/2/layout/IconLabelList"/>
-    <dgm:cxn modelId="{1D049C12-7684-4098-B193-FA0B8D70E150}" type="presParOf" srcId="{D249D393-635D-4F60-9314-B400437F5775}" destId="{BB3C7687-DA5C-44CB-A970-476B69C5FA51}" srcOrd="1" destOrd="0" presId="urn:microsoft.com/office/officeart/2018/2/layout/IconLabelList"/>
-    <dgm:cxn modelId="{185C5DDE-5819-4BC8-B48A-3F5DBADA341D}" type="presParOf" srcId="{D249D393-635D-4F60-9314-B400437F5775}" destId="{D50FB8E1-9F6C-4254-A6F3-395AFE0B3236}" srcOrd="2" destOrd="0" presId="urn:microsoft.com/office/officeart/2018/2/layout/IconLabelList"/>
-    <dgm:cxn modelId="{46A3E987-FC5F-42EC-8E38-D3A3780EE944}" type="presParOf" srcId="{08C52D4F-3226-47D7-ABC8-7F78FD11BE30}" destId="{3203C3AF-19E9-487F-B934-53F0E88FA536}" srcOrd="3" destOrd="0" presId="urn:microsoft.com/office/officeart/2018/2/layout/IconLabelList"/>
-    <dgm:cxn modelId="{01E9F33F-4E76-40F7-8A9E-C8DCA95EB955}" type="presParOf" srcId="{08C52D4F-3226-47D7-ABC8-7F78FD11BE30}" destId="{F9846AD2-2200-4A0B-B68C-F3A85AFADEA5}" srcOrd="4" destOrd="0" presId="urn:microsoft.com/office/officeart/2018/2/layout/IconLabelList"/>
-    <dgm:cxn modelId="{128E7E99-9420-43F4-8185-F86E3B061A16}" type="presParOf" srcId="{F9846AD2-2200-4A0B-B68C-F3A85AFADEA5}" destId="{F133EA5F-2F8F-4969-BADB-BD93F9A0F186}" srcOrd="0" destOrd="0" presId="urn:microsoft.com/office/officeart/2018/2/layout/IconLabelList"/>
-    <dgm:cxn modelId="{4CE21925-FC31-44FE-B024-43076A502F71}" type="presParOf" srcId="{F9846AD2-2200-4A0B-B68C-F3A85AFADEA5}" destId="{BE830D5F-37F5-4896-A9E7-3903C5BF896E}" srcOrd="1" destOrd="0" presId="urn:microsoft.com/office/officeart/2018/2/layout/IconLabelList"/>
-    <dgm:cxn modelId="{24AD8248-C113-404C-8E0D-3504C6572E09}" type="presParOf" srcId="{F9846AD2-2200-4A0B-B68C-F3A85AFADEA5}" destId="{BCE627A6-8B3F-46CB-AB54-4B2C712A8C43}" srcOrd="2" destOrd="0" presId="urn:microsoft.com/office/officeart/2018/2/layout/IconLabelList"/>
-    <dgm:cxn modelId="{E60B2AA2-BD31-455B-B34B-11381B60E798}" type="presParOf" srcId="{08C52D4F-3226-47D7-ABC8-7F78FD11BE30}" destId="{28209BAA-568C-4628-BFF5-CFEEE9771052}" srcOrd="5" destOrd="0" presId="urn:microsoft.com/office/officeart/2018/2/layout/IconLabelList"/>
-    <dgm:cxn modelId="{F158B70B-5774-4B7A-9882-09C54DF06C40}" type="presParOf" srcId="{08C52D4F-3226-47D7-ABC8-7F78FD11BE30}" destId="{CEF54929-C404-485C-A69E-FAD1B6216D4E}" srcOrd="6" destOrd="0" presId="urn:microsoft.com/office/officeart/2018/2/layout/IconLabelList"/>
-    <dgm:cxn modelId="{155AAB85-17CF-4E6F-94AC-FA1917ACDD62}" type="presParOf" srcId="{CEF54929-C404-485C-A69E-FAD1B6216D4E}" destId="{DDBFF264-451B-4089-ACA6-2DE6BD0AE9CF}" srcOrd="0" destOrd="0" presId="urn:microsoft.com/office/officeart/2018/2/layout/IconLabelList"/>
-    <dgm:cxn modelId="{EF232C1A-F8F7-43EE-A085-17F83EEA5652}" type="presParOf" srcId="{CEF54929-C404-485C-A69E-FAD1B6216D4E}" destId="{C43300EB-DB86-4DC7-AB97-94DB498BA69B}" srcOrd="1" destOrd="0" presId="urn:microsoft.com/office/officeart/2018/2/layout/IconLabelList"/>
-    <dgm:cxn modelId="{8141EA85-7C3D-44F3-9B49-7177F27C7F6E}" type="presParOf" srcId="{CEF54929-C404-485C-A69E-FAD1B6216D4E}" destId="{230B9971-FE87-4489-8C6F-59F035C4AA92}" srcOrd="2" destOrd="0" presId="urn:microsoft.com/office/officeart/2018/2/layout/IconLabelList"/>
-    <dgm:cxn modelId="{9F25809E-D6C0-465E-BDD4-1470DC96B1D7}" type="presParOf" srcId="{08C52D4F-3226-47D7-ABC8-7F78FD11BE30}" destId="{59178E32-2678-468E-A87F-846827B06433}" srcOrd="7" destOrd="0" presId="urn:microsoft.com/office/officeart/2018/2/layout/IconLabelList"/>
-    <dgm:cxn modelId="{12A9328F-D10E-49C9-9494-300B0C7B324B}" type="presParOf" srcId="{08C52D4F-3226-47D7-ABC8-7F78FD11BE30}" destId="{5EEB0FC8-B82A-45B3-B8ED-20608499A622}" srcOrd="8" destOrd="0" presId="urn:microsoft.com/office/officeart/2018/2/layout/IconLabelList"/>
-    <dgm:cxn modelId="{65E7AFEB-76B8-432D-ADF6-30A1CDEA8D5A}" type="presParOf" srcId="{5EEB0FC8-B82A-45B3-B8ED-20608499A622}" destId="{8307BF28-30AB-41A6-9C2A-FF57F64D8303}" srcOrd="0" destOrd="0" presId="urn:microsoft.com/office/officeart/2018/2/layout/IconLabelList"/>
-    <dgm:cxn modelId="{A1F3A2F3-7D93-4050-8F74-12B4CFF44517}" type="presParOf" srcId="{5EEB0FC8-B82A-45B3-B8ED-20608499A622}" destId="{D50C99A8-33AC-4648-B41A-14F960C6CBEA}" srcOrd="1" destOrd="0" presId="urn:microsoft.com/office/officeart/2018/2/layout/IconLabelList"/>
-    <dgm:cxn modelId="{68C4A274-AF2D-4A41-B0FD-D874F56784B1}" type="presParOf" srcId="{5EEB0FC8-B82A-45B3-B8ED-20608499A622}" destId="{F7183109-0408-4385-B54F-903E1A25EDC1}" srcOrd="2" destOrd="0" presId="urn:microsoft.com/office/officeart/2018/2/layout/IconLabelList"/>
-    <dgm:cxn modelId="{CE94114E-CF3D-4B18-9DD5-6A5669A361BB}" type="presParOf" srcId="{08C52D4F-3226-47D7-ABC8-7F78FD11BE30}" destId="{F6CA3D8D-882E-4ABF-B052-D5B6367DDE3D}" srcOrd="9" destOrd="0" presId="urn:microsoft.com/office/officeart/2018/2/layout/IconLabelList"/>
-    <dgm:cxn modelId="{87E702A0-0149-4697-93A6-4C18F9722CF9}" type="presParOf" srcId="{08C52D4F-3226-47D7-ABC8-7F78FD11BE30}" destId="{EC67E9C0-74E3-447C-86BE-B738112528C0}" srcOrd="10" destOrd="0" presId="urn:microsoft.com/office/officeart/2018/2/layout/IconLabelList"/>
-    <dgm:cxn modelId="{58B348F8-1B62-40DC-A07E-8B4684DB7CE9}" type="presParOf" srcId="{EC67E9C0-74E3-447C-86BE-B738112528C0}" destId="{74D306E5-70B3-4D02-867E-3F2AD8814D6A}" srcOrd="0" destOrd="0" presId="urn:microsoft.com/office/officeart/2018/2/layout/IconLabelList"/>
-    <dgm:cxn modelId="{873D8974-D9B6-4472-BEEF-83FA974A6C98}" type="presParOf" srcId="{EC67E9C0-74E3-447C-86BE-B738112528C0}" destId="{C12C17D3-71DC-4D0F-9475-FF0E03759235}" srcOrd="1" destOrd="0" presId="urn:microsoft.com/office/officeart/2018/2/layout/IconLabelList"/>
-    <dgm:cxn modelId="{190BC54E-5219-4A34-959E-D12B88B0E56A}" type="presParOf" srcId="{EC67E9C0-74E3-447C-86BE-B738112528C0}" destId="{9B3C8D30-BCF4-47B5-A927-27278AB552EA}" srcOrd="2" destOrd="0" presId="urn:microsoft.com/office/officeart/2018/2/layout/IconLabelList"/>
+    <dgm:cxn modelId="{267B2BED-6D6A-4F3C-BDCD-EDF9451CCA79}" type="presOf" srcId="{3B7DEE73-DD1B-4F57-B0A6-1A352DA84C53}" destId="{F7183109-0408-4385-B54F-903E1A25EDC1}" srcOrd="0" destOrd="0" presId="urn:microsoft.com/office/officeart/2018/2/layout/IconLabelList"/>
+    <dgm:cxn modelId="{14CC044A-323F-4C9B-8B4C-BDCD56DD19A1}" type="presParOf" srcId="{08C52D4F-3226-47D7-ABC8-7F78FD11BE30}" destId="{35B83043-7B85-4273-BAB5-0404F4F5A835}" srcOrd="0" destOrd="0" presId="urn:microsoft.com/office/officeart/2018/2/layout/IconLabelList"/>
+    <dgm:cxn modelId="{E4780A11-1369-48D6-8F0B-1DB83FFFC50B}" type="presParOf" srcId="{35B83043-7B85-4273-BAB5-0404F4F5A835}" destId="{CD3531E6-238E-4B95-AB72-2174D2A4699E}" srcOrd="0" destOrd="0" presId="urn:microsoft.com/office/officeart/2018/2/layout/IconLabelList"/>
+    <dgm:cxn modelId="{31CA9E8C-4FD4-46D4-83F8-F835058132FB}" type="presParOf" srcId="{35B83043-7B85-4273-BAB5-0404F4F5A835}" destId="{2FBDD79D-985F-4606-A4A6-C55FE5C089D4}" srcOrd="1" destOrd="0" presId="urn:microsoft.com/office/officeart/2018/2/layout/IconLabelList"/>
+    <dgm:cxn modelId="{9D011D34-01AC-48DB-94F8-4B738E4733E4}" type="presParOf" srcId="{35B83043-7B85-4273-BAB5-0404F4F5A835}" destId="{6348DE13-E709-4A7C-B458-D776B464A4F0}" srcOrd="2" destOrd="0" presId="urn:microsoft.com/office/officeart/2018/2/layout/IconLabelList"/>
+    <dgm:cxn modelId="{4276D00C-4941-41A2-8838-5C6C671D08F7}" type="presParOf" srcId="{08C52D4F-3226-47D7-ABC8-7F78FD11BE30}" destId="{0943E220-A381-4778-81EC-24DC1B2E2E17}" srcOrd="1" destOrd="0" presId="urn:microsoft.com/office/officeart/2018/2/layout/IconLabelList"/>
+    <dgm:cxn modelId="{7D94266A-3128-4305-81BC-530D28BC3928}" type="presParOf" srcId="{08C52D4F-3226-47D7-ABC8-7F78FD11BE30}" destId="{D249D393-635D-4F60-9314-B400437F5775}" srcOrd="2" destOrd="0" presId="urn:microsoft.com/office/officeart/2018/2/layout/IconLabelList"/>
+    <dgm:cxn modelId="{71662D5E-F33D-43B7-B3D6-7D54FE7976AF}" type="presParOf" srcId="{D249D393-635D-4F60-9314-B400437F5775}" destId="{D672A190-D722-4B3F-AA95-4EBDAF6027F6}" srcOrd="0" destOrd="0" presId="urn:microsoft.com/office/officeart/2018/2/layout/IconLabelList"/>
+    <dgm:cxn modelId="{F5C4CBC4-9569-4796-A513-C8185C2083C0}" type="presParOf" srcId="{D249D393-635D-4F60-9314-B400437F5775}" destId="{BB3C7687-DA5C-44CB-A970-476B69C5FA51}" srcOrd="1" destOrd="0" presId="urn:microsoft.com/office/officeart/2018/2/layout/IconLabelList"/>
+    <dgm:cxn modelId="{A26B6F14-FAF4-480A-A555-B06A5656B699}" type="presParOf" srcId="{D249D393-635D-4F60-9314-B400437F5775}" destId="{D50FB8E1-9F6C-4254-A6F3-395AFE0B3236}" srcOrd="2" destOrd="0" presId="urn:microsoft.com/office/officeart/2018/2/layout/IconLabelList"/>
+    <dgm:cxn modelId="{A12D3F7C-EF8C-4185-98DD-A1AD94BF4D87}" type="presParOf" srcId="{08C52D4F-3226-47D7-ABC8-7F78FD11BE30}" destId="{3203C3AF-19E9-487F-B934-53F0E88FA536}" srcOrd="3" destOrd="0" presId="urn:microsoft.com/office/officeart/2018/2/layout/IconLabelList"/>
+    <dgm:cxn modelId="{244194F1-92DF-42FE-A73E-18A28D8945C1}" type="presParOf" srcId="{08C52D4F-3226-47D7-ABC8-7F78FD11BE30}" destId="{F9846AD2-2200-4A0B-B68C-F3A85AFADEA5}" srcOrd="4" destOrd="0" presId="urn:microsoft.com/office/officeart/2018/2/layout/IconLabelList"/>
+    <dgm:cxn modelId="{CF2FC9D1-59D2-4F17-82FF-2858D89B2D6B}" type="presParOf" srcId="{F9846AD2-2200-4A0B-B68C-F3A85AFADEA5}" destId="{F133EA5F-2F8F-4969-BADB-BD93F9A0F186}" srcOrd="0" destOrd="0" presId="urn:microsoft.com/office/officeart/2018/2/layout/IconLabelList"/>
+    <dgm:cxn modelId="{14878646-D589-4743-BB11-93C1DD75BC14}" type="presParOf" srcId="{F9846AD2-2200-4A0B-B68C-F3A85AFADEA5}" destId="{BE830D5F-37F5-4896-A9E7-3903C5BF896E}" srcOrd="1" destOrd="0" presId="urn:microsoft.com/office/officeart/2018/2/layout/IconLabelList"/>
+    <dgm:cxn modelId="{12A0313E-8FED-4071-A5B0-6DA037E21FC6}" type="presParOf" srcId="{F9846AD2-2200-4A0B-B68C-F3A85AFADEA5}" destId="{BCE627A6-8B3F-46CB-AB54-4B2C712A8C43}" srcOrd="2" destOrd="0" presId="urn:microsoft.com/office/officeart/2018/2/layout/IconLabelList"/>
+    <dgm:cxn modelId="{72E8F4B5-2ED0-4AEA-9E32-0A2D94178151}" type="presParOf" srcId="{08C52D4F-3226-47D7-ABC8-7F78FD11BE30}" destId="{28209BAA-568C-4628-BFF5-CFEEE9771052}" srcOrd="5" destOrd="0" presId="urn:microsoft.com/office/officeart/2018/2/layout/IconLabelList"/>
+    <dgm:cxn modelId="{2B184A9D-C898-44D8-9CC7-AB3D57D66AC9}" type="presParOf" srcId="{08C52D4F-3226-47D7-ABC8-7F78FD11BE30}" destId="{CEF54929-C404-485C-A69E-FAD1B6216D4E}" srcOrd="6" destOrd="0" presId="urn:microsoft.com/office/officeart/2018/2/layout/IconLabelList"/>
+    <dgm:cxn modelId="{E5B4A831-5590-4747-81FA-22C9FF89E6AE}" type="presParOf" srcId="{CEF54929-C404-485C-A69E-FAD1B6216D4E}" destId="{DDBFF264-451B-4089-ACA6-2DE6BD0AE9CF}" srcOrd="0" destOrd="0" presId="urn:microsoft.com/office/officeart/2018/2/layout/IconLabelList"/>
+    <dgm:cxn modelId="{E4088C83-22CA-451B-A1D6-AA90665FAFD1}" type="presParOf" srcId="{CEF54929-C404-485C-A69E-FAD1B6216D4E}" destId="{C43300EB-DB86-4DC7-AB97-94DB498BA69B}" srcOrd="1" destOrd="0" presId="urn:microsoft.com/office/officeart/2018/2/layout/IconLabelList"/>
+    <dgm:cxn modelId="{8E6607FC-8ECB-425F-837B-E31B5AC4063E}" type="presParOf" srcId="{CEF54929-C404-485C-A69E-FAD1B6216D4E}" destId="{230B9971-FE87-4489-8C6F-59F035C4AA92}" srcOrd="2" destOrd="0" presId="urn:microsoft.com/office/officeart/2018/2/layout/IconLabelList"/>
+    <dgm:cxn modelId="{364B7C97-50E3-4AD9-A588-D5A35774B934}" type="presParOf" srcId="{08C52D4F-3226-47D7-ABC8-7F78FD11BE30}" destId="{59178E32-2678-468E-A87F-846827B06433}" srcOrd="7" destOrd="0" presId="urn:microsoft.com/office/officeart/2018/2/layout/IconLabelList"/>
+    <dgm:cxn modelId="{A0017033-8962-477E-BB8B-510E8671943F}" type="presParOf" srcId="{08C52D4F-3226-47D7-ABC8-7F78FD11BE30}" destId="{EC67E9C0-74E3-447C-86BE-B738112528C0}" srcOrd="8" destOrd="0" presId="urn:microsoft.com/office/officeart/2018/2/layout/IconLabelList"/>
+    <dgm:cxn modelId="{E34DB81D-C763-415D-9BF9-997AA71E6265}" type="presParOf" srcId="{EC67E9C0-74E3-447C-86BE-B738112528C0}" destId="{74D306E5-70B3-4D02-867E-3F2AD8814D6A}" srcOrd="0" destOrd="0" presId="urn:microsoft.com/office/officeart/2018/2/layout/IconLabelList"/>
+    <dgm:cxn modelId="{F6C50FD3-17B4-4F98-B9C9-2BD97F8C8DD0}" type="presParOf" srcId="{EC67E9C0-74E3-447C-86BE-B738112528C0}" destId="{C12C17D3-71DC-4D0F-9475-FF0E03759235}" srcOrd="1" destOrd="0" presId="urn:microsoft.com/office/officeart/2018/2/layout/IconLabelList"/>
+    <dgm:cxn modelId="{6778F04B-2006-4086-8E7B-5EE817D8F3BD}" type="presParOf" srcId="{EC67E9C0-74E3-447C-86BE-B738112528C0}" destId="{9B3C8D30-BCF4-47B5-A927-27278AB552EA}" srcOrd="2" destOrd="0" presId="urn:microsoft.com/office/officeart/2018/2/layout/IconLabelList"/>
+    <dgm:cxn modelId="{F18E0274-E792-48D6-A14A-732DCA0F53DC}" type="presParOf" srcId="{08C52D4F-3226-47D7-ABC8-7F78FD11BE30}" destId="{0C3B94F6-5247-4870-95E8-DCC4803677DA}" srcOrd="9" destOrd="0" presId="urn:microsoft.com/office/officeart/2018/2/layout/IconLabelList"/>
+    <dgm:cxn modelId="{C1CEFCC3-4E0F-4997-BC24-B3A81C9EB0CB}" type="presParOf" srcId="{08C52D4F-3226-47D7-ABC8-7F78FD11BE30}" destId="{5EEB0FC8-B82A-45B3-B8ED-20608499A622}" srcOrd="10" destOrd="0" presId="urn:microsoft.com/office/officeart/2018/2/layout/IconLabelList"/>
+    <dgm:cxn modelId="{091C5424-0312-419E-AF21-5A9F14353F06}" type="presParOf" srcId="{5EEB0FC8-B82A-45B3-B8ED-20608499A622}" destId="{8307BF28-30AB-41A6-9C2A-FF57F64D8303}" srcOrd="0" destOrd="0" presId="urn:microsoft.com/office/officeart/2018/2/layout/IconLabelList"/>
+    <dgm:cxn modelId="{385BB6D3-70D3-4B26-8AAC-F1B241546330}" type="presParOf" srcId="{5EEB0FC8-B82A-45B3-B8ED-20608499A622}" destId="{D50C99A8-33AC-4648-B41A-14F960C6CBEA}" srcOrd="1" destOrd="0" presId="urn:microsoft.com/office/officeart/2018/2/layout/IconLabelList"/>
+    <dgm:cxn modelId="{2870842D-635E-4CDA-A502-B3D261DAAB6F}" type="presParOf" srcId="{5EEB0FC8-B82A-45B3-B8ED-20608499A622}" destId="{F7183109-0408-4385-B54F-903E1A25EDC1}" srcOrd="2" destOrd="0" presId="urn:microsoft.com/office/officeart/2018/2/layout/IconLabelList"/>
   </dgm:cxnLst>
   <dgm:bg/>
   <dgm:whole/>
@@ -4281,14 +4349,14 @@
         <a:ext cx="1529296" cy="611718"/>
       </dsp:txXfrm>
     </dsp:sp>
-    <dsp:sp modelId="{8307BF28-30AB-41A6-9C2A-FF57F64D8303}">
+    <dsp:sp modelId="{74D306E5-70B3-4D02-867E-3F2AD8814D6A}">
       <dsp:nvSpPr>
         <dsp:cNvPr id="0" name=""/>
         <dsp:cNvSpPr/>
       </dsp:nvSpPr>
       <dsp:spPr>
         <a:xfrm>
-          <a:off x="7609093" y="1395177"/>
+          <a:off x="7599156" y="1416442"/>
           <a:ext cx="688183" cy="688183"/>
         </a:xfrm>
         <a:prstGeom prst="rect">
@@ -4331,7 +4399,7 @@
         </a:fontRef>
       </dsp:style>
     </dsp:sp>
-    <dsp:sp modelId="{F7183109-0408-4385-B54F-903E1A25EDC1}">
+    <dsp:sp modelId="{9B3C8D30-BCF4-47B5-A927-27278AB552EA}">
       <dsp:nvSpPr>
         <dsp:cNvPr id="0" name=""/>
         <dsp:cNvSpPr/>
@@ -4381,10 +4449,10 @@
             <a:buNone/>
           </a:pPr>
           <a:r>
-            <a:rPr lang="de-DE" sz="1700" kern="1200"/>
-            <a:t>Ausblick</a:t>
+            <a:rPr lang="de-DE" sz="1700" kern="1200" dirty="0"/>
+            <a:t>Live-Demo</a:t>
           </a:r>
-          <a:endParaRPr lang="en-US" sz="1700" kern="1200"/>
+          <a:endParaRPr lang="en-US" sz="1700" kern="1200" dirty="0"/>
         </a:p>
       </dsp:txBody>
       <dsp:txXfrm>
@@ -4392,7 +4460,7 @@
         <a:ext cx="1529296" cy="611718"/>
       </dsp:txXfrm>
     </dsp:sp>
-    <dsp:sp modelId="{74D306E5-70B3-4D02-867E-3F2AD8814D6A}">
+    <dsp:sp modelId="{8307BF28-30AB-41A6-9C2A-FF57F64D8303}">
       <dsp:nvSpPr>
         <dsp:cNvPr id="0" name=""/>
         <dsp:cNvSpPr/>
@@ -4442,7 +4510,7 @@
         </a:fontRef>
       </dsp:style>
     </dsp:sp>
-    <dsp:sp modelId="{9B3C8D30-BCF4-47B5-A927-27278AB552EA}">
+    <dsp:sp modelId="{F7183109-0408-4385-B54F-903E1A25EDC1}">
       <dsp:nvSpPr>
         <dsp:cNvPr id="0" name=""/>
         <dsp:cNvSpPr/>
@@ -4492,10 +4560,10 @@
             <a:buNone/>
           </a:pPr>
           <a:r>
-            <a:rPr lang="de-DE" sz="1700" kern="1200"/>
-            <a:t>Live-Demo</a:t>
+            <a:rPr lang="de-DE" sz="1700" kern="1200" dirty="0"/>
+            <a:t>Ausblick</a:t>
           </a:r>
-          <a:endParaRPr lang="en-US" sz="1700" kern="1200"/>
+          <a:endParaRPr lang="en-US" sz="1700" kern="1200" dirty="0"/>
         </a:p>
       </dsp:txBody>
       <dsp:txXfrm>
@@ -12149,8 +12217,8 @@
           </a:p>
         </p:txBody>
       </p:sp>
-      <mc:AlternateContent xmlns:mc="http://schemas.openxmlformats.org/markup-compatibility/2006">
-        <mc:Choice xmlns:a14="http://schemas.microsoft.com/office/drawing/2010/main" Requires="a14">
+      <mc:AlternateContent xmlns:mc="http://schemas.openxmlformats.org/markup-compatibility/2006" xmlns:a14="http://schemas.microsoft.com/office/drawing/2010/main">
+        <mc:Choice Requires="a14">
           <p:sp>
             <p:nvSpPr>
               <p:cNvPr id="3" name="Inhaltsplatzhalter 2">
@@ -12204,104 +12272,140 @@
                     <m:sSub>
                       <m:sSubPr>
                         <m:ctrlPr>
-                          <a:rPr lang="de-DE" i="1"/>
+                          <a:rPr lang="de-DE" i="1">
+                            <a:latin typeface="Cambria Math" panose="02040503050406030204" pitchFamily="18" charset="0"/>
+                          </a:rPr>
                         </m:ctrlPr>
                       </m:sSubPr>
                       <m:e>
                         <m:r>
-                          <a:rPr lang="de-DE" i="1"/>
+                          <a:rPr lang="de-DE" i="1">
+                            <a:latin typeface="Cambria Math" panose="02040503050406030204" pitchFamily="18" charset="0"/>
+                          </a:rPr>
                           <m:t>𝐸</m:t>
                         </m:r>
                       </m:e>
                       <m:sub>
                         <m:r>
-                          <a:rPr lang="de-DE" i="1"/>
+                          <a:rPr lang="de-DE" i="1">
+                            <a:latin typeface="Cambria Math" panose="02040503050406030204" pitchFamily="18" charset="0"/>
+                          </a:rPr>
                           <m:t>𝐴</m:t>
                         </m:r>
                       </m:sub>
                     </m:sSub>
                     <m:r>
-                      <a:rPr lang="de-DE" i="1"/>
+                      <a:rPr lang="de-DE" i="1">
+                        <a:latin typeface="Cambria Math" panose="02040503050406030204" pitchFamily="18" charset="0"/>
+                      </a:rPr>
                       <m:t>= </m:t>
                     </m:r>
                     <m:f>
                       <m:fPr>
                         <m:ctrlPr>
-                          <a:rPr lang="de-DE" i="1"/>
+                          <a:rPr lang="de-DE" i="1">
+                            <a:latin typeface="Cambria Math" panose="02040503050406030204" pitchFamily="18" charset="0"/>
+                          </a:rPr>
                         </m:ctrlPr>
                       </m:fPr>
                       <m:num>
                         <m:r>
-                          <a:rPr lang="de-DE" i="1"/>
+                          <a:rPr lang="de-DE" i="1">
+                            <a:latin typeface="Cambria Math" panose="02040503050406030204" pitchFamily="18" charset="0"/>
+                          </a:rPr>
                           <m:t>1</m:t>
                         </m:r>
                       </m:num>
                       <m:den>
                         <m:r>
-                          <a:rPr lang="de-DE" i="1"/>
+                          <a:rPr lang="de-DE" i="1">
+                            <a:latin typeface="Cambria Math" panose="02040503050406030204" pitchFamily="18" charset="0"/>
+                          </a:rPr>
                           <m:t>1+</m:t>
                         </m:r>
                         <m:sSup>
                           <m:sSupPr>
                             <m:ctrlPr>
-                              <a:rPr lang="de-DE" i="1"/>
+                              <a:rPr lang="de-DE" i="1">
+                                <a:latin typeface="Cambria Math" panose="02040503050406030204" pitchFamily="18" charset="0"/>
+                              </a:rPr>
                             </m:ctrlPr>
                           </m:sSupPr>
                           <m:e>
                             <m:r>
-                              <a:rPr lang="de-DE" i="1"/>
+                              <a:rPr lang="de-DE" i="1">
+                                <a:latin typeface="Cambria Math" panose="02040503050406030204" pitchFamily="18" charset="0"/>
+                              </a:rPr>
                               <m:t>𝑘</m:t>
                             </m:r>
                           </m:e>
                           <m:sup>
                             <m:r>
-                              <a:rPr lang="de-DE" i="1"/>
+                              <a:rPr lang="de-DE" i="1">
+                                <a:latin typeface="Cambria Math" panose="02040503050406030204" pitchFamily="18" charset="0"/>
+                              </a:rPr>
                               <m:t>(</m:t>
                             </m:r>
                             <m:sSub>
                               <m:sSubPr>
                                 <m:ctrlPr>
-                                  <a:rPr lang="de-DE" i="1"/>
+                                  <a:rPr lang="de-DE" i="1">
+                                    <a:latin typeface="Cambria Math" panose="02040503050406030204" pitchFamily="18" charset="0"/>
+                                  </a:rPr>
                                 </m:ctrlPr>
                               </m:sSubPr>
                               <m:e>
                                 <m:r>
-                                  <a:rPr lang="de-DE" i="1"/>
+                                  <a:rPr lang="de-DE" i="1">
+                                    <a:latin typeface="Cambria Math" panose="02040503050406030204" pitchFamily="18" charset="0"/>
+                                  </a:rPr>
                                   <m:t>𝑅</m:t>
                                 </m:r>
                               </m:e>
                               <m:sub>
                                 <m:r>
-                                  <a:rPr lang="de-DE" i="1"/>
+                                  <a:rPr lang="de-DE" i="1">
+                                    <a:latin typeface="Cambria Math" panose="02040503050406030204" pitchFamily="18" charset="0"/>
+                                  </a:rPr>
                                   <m:t>𝐴</m:t>
                                 </m:r>
                               </m:sub>
                             </m:sSub>
                             <m:r>
-                              <a:rPr lang="de-DE" i="1"/>
+                              <a:rPr lang="de-DE" i="1">
+                                <a:latin typeface="Cambria Math" panose="02040503050406030204" pitchFamily="18" charset="0"/>
+                              </a:rPr>
                               <m:t>−</m:t>
                             </m:r>
                             <m:sSub>
                               <m:sSubPr>
                                 <m:ctrlPr>
-                                  <a:rPr lang="de-DE" i="1"/>
+                                  <a:rPr lang="de-DE" i="1">
+                                    <a:latin typeface="Cambria Math" panose="02040503050406030204" pitchFamily="18" charset="0"/>
+                                  </a:rPr>
                                 </m:ctrlPr>
                               </m:sSubPr>
                               <m:e>
                                 <m:r>
-                                  <a:rPr lang="de-DE" i="1"/>
+                                  <a:rPr lang="de-DE" i="1">
+                                    <a:latin typeface="Cambria Math" panose="02040503050406030204" pitchFamily="18" charset="0"/>
+                                  </a:rPr>
                                   <m:t>𝑅</m:t>
                                 </m:r>
                               </m:e>
                               <m:sub>
                                 <m:r>
-                                  <a:rPr lang="de-DE" i="1"/>
+                                  <a:rPr lang="de-DE" i="1">
+                                    <a:latin typeface="Cambria Math" panose="02040503050406030204" pitchFamily="18" charset="0"/>
+                                  </a:rPr>
                                   <m:t>𝐵</m:t>
                                 </m:r>
                               </m:sub>
                             </m:sSub>
                             <m:r>
-                              <a:rPr lang="de-DE" i="1"/>
+                              <a:rPr lang="de-DE" i="1">
+                                <a:latin typeface="Cambria Math" panose="02040503050406030204" pitchFamily="18" charset="0"/>
+                              </a:rPr>
                               <m:t>)</m:t>
                             </m:r>
                           </m:sup>
@@ -12325,25 +12429,33 @@
                     <m:sSub>
                       <m:sSubPr>
                         <m:ctrlPr>
-                          <a:rPr lang="de-DE" sz="2000" i="1"/>
+                          <a:rPr lang="de-DE" sz="2000" i="1">
+                            <a:latin typeface="Cambria Math" panose="02040503050406030204" pitchFamily="18" charset="0"/>
+                          </a:rPr>
                         </m:ctrlPr>
                       </m:sSubPr>
                       <m:e>
                         <m:sSup>
                           <m:sSupPr>
                             <m:ctrlPr>
-                              <a:rPr lang="de-DE" sz="2000" i="1"/>
+                              <a:rPr lang="de-DE" sz="2000" i="1">
+                                <a:latin typeface="Cambria Math" panose="02040503050406030204" pitchFamily="18" charset="0"/>
+                              </a:rPr>
                             </m:ctrlPr>
                           </m:sSupPr>
                           <m:e>
                             <m:r>
-                              <a:rPr lang="de-DE" sz="2000" i="1"/>
+                              <a:rPr lang="de-DE" sz="2000" i="1">
+                                <a:latin typeface="Cambria Math" panose="02040503050406030204" pitchFamily="18" charset="0"/>
+                              </a:rPr>
                               <m:t>𝑅</m:t>
                             </m:r>
                           </m:e>
                           <m:sup>
                             <m:r>
-                              <a:rPr lang="de-DE" sz="2000" i="1"/>
+                              <a:rPr lang="de-DE" sz="2000" i="1">
+                                <a:latin typeface="Cambria Math" panose="02040503050406030204" pitchFamily="18" charset="0"/>
+                              </a:rPr>
                               <m:t>′</m:t>
                             </m:r>
                           </m:sup>
@@ -12351,90 +12463,122 @@
                       </m:e>
                       <m:sub>
                         <m:r>
-                          <a:rPr lang="de-DE" sz="2000" i="1"/>
+                          <a:rPr lang="de-DE" sz="2000" i="1">
+                            <a:latin typeface="Cambria Math" panose="02040503050406030204" pitchFamily="18" charset="0"/>
+                          </a:rPr>
                           <m:t>𝐴</m:t>
                         </m:r>
                       </m:sub>
                     </m:sSub>
                     <m:r>
-                      <a:rPr lang="de-DE" sz="2000" i="1"/>
+                      <a:rPr lang="de-DE" sz="2000" i="1">
+                        <a:latin typeface="Cambria Math" panose="02040503050406030204" pitchFamily="18" charset="0"/>
+                      </a:rPr>
                       <m:t>= </m:t>
                     </m:r>
                     <m:sSub>
                       <m:sSubPr>
                         <m:ctrlPr>
-                          <a:rPr lang="de-DE" sz="2000" i="1"/>
+                          <a:rPr lang="de-DE" sz="2000" i="1">
+                            <a:latin typeface="Cambria Math" panose="02040503050406030204" pitchFamily="18" charset="0"/>
+                          </a:rPr>
                         </m:ctrlPr>
                       </m:sSubPr>
                       <m:e>
                         <m:r>
-                          <a:rPr lang="de-DE" sz="2000" i="1"/>
+                          <a:rPr lang="de-DE" sz="2000" i="1">
+                            <a:latin typeface="Cambria Math" panose="02040503050406030204" pitchFamily="18" charset="0"/>
+                          </a:rPr>
                           <m:t>𝑅</m:t>
                         </m:r>
                       </m:e>
                       <m:sub>
                         <m:r>
-                          <a:rPr lang="de-DE" sz="2000" i="1"/>
+                          <a:rPr lang="de-DE" sz="2000" i="1">
+                            <a:latin typeface="Cambria Math" panose="02040503050406030204" pitchFamily="18" charset="0"/>
+                          </a:rPr>
                           <m:t>𝐴</m:t>
                         </m:r>
                       </m:sub>
                     </m:sSub>
                     <m:r>
-                      <a:rPr lang="de-DE" sz="2000" i="1"/>
+                      <a:rPr lang="de-DE" sz="2000" i="1">
+                        <a:latin typeface="Cambria Math" panose="02040503050406030204" pitchFamily="18" charset="0"/>
+                      </a:rPr>
                       <m:t>+</m:t>
                     </m:r>
                     <m:r>
-                      <a:rPr lang="de-DE" sz="2000" i="1"/>
+                      <a:rPr lang="de-DE" sz="2000" i="1">
+                        <a:latin typeface="Cambria Math" panose="02040503050406030204" pitchFamily="18" charset="0"/>
+                      </a:rPr>
                       <m:t>𝑘</m:t>
                     </m:r>
                     <m:r>
-                      <a:rPr lang="de-DE" sz="2000" i="1"/>
+                      <a:rPr lang="de-DE" sz="2000" i="1">
+                        <a:latin typeface="Cambria Math" panose="02040503050406030204" pitchFamily="18" charset="0"/>
+                      </a:rPr>
                       <m:t>∗(</m:t>
                     </m:r>
                     <m:sSub>
                       <m:sSubPr>
                         <m:ctrlPr>
-                          <a:rPr lang="de-DE" sz="2000" i="1"/>
+                          <a:rPr lang="de-DE" sz="2000" i="1">
+                            <a:latin typeface="Cambria Math" panose="02040503050406030204" pitchFamily="18" charset="0"/>
+                          </a:rPr>
                         </m:ctrlPr>
                       </m:sSubPr>
                       <m:e>
                         <m:r>
-                          <a:rPr lang="de-DE" sz="2000" i="1"/>
+                          <a:rPr lang="de-DE" sz="2000" i="1">
+                            <a:latin typeface="Cambria Math" panose="02040503050406030204" pitchFamily="18" charset="0"/>
+                          </a:rPr>
                           <m:t>𝑆</m:t>
                         </m:r>
                       </m:e>
                       <m:sub>
                         <m:r>
-                          <a:rPr lang="de-DE" sz="2000" i="1"/>
+                          <a:rPr lang="de-DE" sz="2000" i="1">
+                            <a:latin typeface="Cambria Math" panose="02040503050406030204" pitchFamily="18" charset="0"/>
+                          </a:rPr>
                           <m:t>𝐴</m:t>
                         </m:r>
                       </m:sub>
                     </m:sSub>
                     <m:r>
-                      <a:rPr lang="de-DE" sz="2000" i="1"/>
+                      <a:rPr lang="de-DE" sz="2000" i="1">
+                        <a:latin typeface="Cambria Math" panose="02040503050406030204" pitchFamily="18" charset="0"/>
+                      </a:rPr>
                       <m:t>−</m:t>
                     </m:r>
                     <m:sSub>
                       <m:sSubPr>
                         <m:ctrlPr>
-                          <a:rPr lang="de-DE" sz="2000" i="1"/>
+                          <a:rPr lang="de-DE" sz="2000" i="1">
+                            <a:latin typeface="Cambria Math" panose="02040503050406030204" pitchFamily="18" charset="0"/>
+                          </a:rPr>
                         </m:ctrlPr>
                       </m:sSubPr>
                       <m:e>
                         <m:r>
-                          <a:rPr lang="de-DE" sz="2000" i="1"/>
+                          <a:rPr lang="de-DE" sz="2000" i="1">
+                            <a:latin typeface="Cambria Math" panose="02040503050406030204" pitchFamily="18" charset="0"/>
+                          </a:rPr>
                           <m:t>𝐸</m:t>
                         </m:r>
                       </m:e>
                       <m:sub>
                         <m:r>
-                          <a:rPr lang="de-DE" sz="2000" i="1"/>
+                          <a:rPr lang="de-DE" sz="2000" i="1">
+                            <a:latin typeface="Cambria Math" panose="02040503050406030204" pitchFamily="18" charset="0"/>
+                          </a:rPr>
                           <m:t>𝐴</m:t>
                         </m:r>
                       </m:sub>
                     </m:sSub>
                     <m:r>
-                      <a:rPr lang="de-DE" sz="2000" i="1"/>
+                      <a:rPr lang="de-DE" sz="2000" i="1">
+                        <a:latin typeface="Cambria Math" panose="02040503050406030204" pitchFamily="18" charset="0"/>
+                      </a:rPr>
                       <m:t>) </m:t>
                     </m:r>
                   </m:oMath>
@@ -12447,7 +12591,7 @@
             </p:txBody>
           </p:sp>
         </mc:Choice>
-        <mc:Fallback>
+        <mc:Fallback xmlns="">
           <p:sp>
             <p:nvSpPr>
               <p:cNvPr id="3" name="Inhaltsplatzhalter 2">
@@ -14300,7 +14444,7 @@
             <p:ph idx="1"/>
             <p:extLst>
               <p:ext uri="{D42A27DB-BD31-4B8C-83A1-F6EECF244321}">
-                <p14:modId xmlns:p14="http://schemas.microsoft.com/office/powerpoint/2010/main" val="2650420436"/>
+                <p14:modId xmlns:p14="http://schemas.microsoft.com/office/powerpoint/2010/main" val="1447745211"/>
               </p:ext>
             </p:extLst>
           </p:nvPr>
@@ -16634,8 +16778,8 @@
           </a:p>
         </p:txBody>
       </p:sp>
-      <mc:AlternateContent xmlns:mc="http://schemas.openxmlformats.org/markup-compatibility/2006">
-        <mc:Choice xmlns:a14="http://schemas.microsoft.com/office/drawing/2010/main" Requires="a14">
+      <mc:AlternateContent xmlns:mc="http://schemas.openxmlformats.org/markup-compatibility/2006" xmlns:a14="http://schemas.microsoft.com/office/drawing/2010/main">
+        <mc:Choice Requires="a14">
           <p:sp>
             <p:nvSpPr>
               <p:cNvPr id="3" name="Inhaltsplatzhalter 2">
@@ -16711,7 +16855,7 @@
             </p:txBody>
           </p:sp>
         </mc:Choice>
-        <mc:Fallback>
+        <mc:Fallback xmlns="">
           <p:sp>
             <p:nvSpPr>
               <p:cNvPr id="3" name="Inhaltsplatzhalter 2">
@@ -19690,6 +19834,21 @@
 </file>
 
 <file path=customXml/item1.xml><?xml version="1.0" encoding="utf-8"?>
+<p:properties xmlns:p="http://schemas.microsoft.com/office/2006/metadata/properties" xmlns:xsi="http://www.w3.org/2001/XMLSchema-instance" xmlns:pc="http://schemas.microsoft.com/office/infopath/2007/PartnerControls">
+  <documentManagement/>
+</p:properties>
+</file>
+
+<file path=customXml/item2.xml><?xml version="1.0" encoding="utf-8"?>
+<?mso-contentType ?>
+<FormTemplates xmlns="http://schemas.microsoft.com/sharepoint/v3/contenttype/forms">
+  <Display>DocumentLibraryForm</Display>
+  <Edit>DocumentLibraryForm</Edit>
+  <New>DocumentLibraryForm</New>
+</FormTemplates>
+</file>
+
+<file path=customXml/item3.xml><?xml version="1.0" encoding="utf-8"?>
 <ct:contentTypeSchema xmlns:ct="http://schemas.microsoft.com/office/2006/metadata/contentType" xmlns:ma="http://schemas.microsoft.com/office/2006/metadata/properties/metaAttributes" ct:_="" ma:_="" ma:contentTypeName="Dokument" ma:contentTypeID="0x0101006053BFF7913E914E8633705294D786E0" ma:contentTypeVersion="12" ma:contentTypeDescription="Ein neues Dokument erstellen." ma:contentTypeScope="" ma:versionID="292c63051bcc76f3c0ba6d3d005fc720">
   <xsd:schema xmlns:xsd="http://www.w3.org/2001/XMLSchema" xmlns:xs="http://www.w3.org/2001/XMLSchema" xmlns:p="http://schemas.microsoft.com/office/2006/metadata/properties" xmlns:ns3="428a2bfe-bcaf-43de-8bea-075e4c45d2d0" xmlns:ns4="19353dae-2197-414d-a888-862b93af9487" targetNamespace="http://schemas.microsoft.com/office/2006/metadata/properties" ma:root="true" ma:fieldsID="1ef18051d54d654b75909a1fce9ac096" ns3:_="" ns4:_="">
     <xsd:import namespace="428a2bfe-bcaf-43de-8bea-075e4c45d2d0"/>
@@ -19906,22 +20065,32 @@
 </ct:contentTypeSchema>
 </file>
 
-<file path=customXml/item2.xml><?xml version="1.0" encoding="utf-8"?>
-<?mso-contentType ?>
-<FormTemplates xmlns="http://schemas.microsoft.com/sharepoint/v3/contenttype/forms">
-  <Display>DocumentLibraryForm</Display>
-  <Edit>DocumentLibraryForm</Edit>
-  <New>DocumentLibraryForm</New>
-</FormTemplates>
+<file path=customXml/itemProps1.xml><?xml version="1.0" encoding="utf-8"?>
+<ds:datastoreItem xmlns:ds="http://schemas.openxmlformats.org/officeDocument/2006/customXml" ds:itemID="{FB44E75D-7923-4273-AB76-3459B30E8DF4}">
+  <ds:schemaRefs>
+    <ds:schemaRef ds:uri="http://schemas.microsoft.com/office/2006/metadata/properties"/>
+    <ds:schemaRef ds:uri="428a2bfe-bcaf-43de-8bea-075e4c45d2d0"/>
+    <ds:schemaRef ds:uri="http://purl.org/dc/terms/"/>
+    <ds:schemaRef ds:uri="http://schemas.openxmlformats.org/package/2006/metadata/core-properties"/>
+    <ds:schemaRef ds:uri="http://schemas.microsoft.com/office/2006/documentManagement/types"/>
+    <ds:schemaRef ds:uri="19353dae-2197-414d-a888-862b93af9487"/>
+    <ds:schemaRef ds:uri="http://purl.org/dc/elements/1.1/"/>
+    <ds:schemaRef ds:uri="http://schemas.microsoft.com/office/infopath/2007/PartnerControls"/>
+    <ds:schemaRef ds:uri="http://www.w3.org/XML/1998/namespace"/>
+    <ds:schemaRef ds:uri="http://purl.org/dc/dcmitype/"/>
+  </ds:schemaRefs>
+</ds:datastoreItem>
 </file>
 
-<file path=customXml/item3.xml><?xml version="1.0" encoding="utf-8"?>
-<p:properties xmlns:p="http://schemas.microsoft.com/office/2006/metadata/properties" xmlns:xsi="http://www.w3.org/2001/XMLSchema-instance" xmlns:pc="http://schemas.microsoft.com/office/infopath/2007/PartnerControls">
-  <documentManagement/>
-</p:properties>
+<file path=customXml/itemProps2.xml><?xml version="1.0" encoding="utf-8"?>
+<ds:datastoreItem xmlns:ds="http://schemas.openxmlformats.org/officeDocument/2006/customXml" ds:itemID="{CE3F8EDD-2F21-4FBF-BC71-777BF1DA3C2E}">
+  <ds:schemaRefs>
+    <ds:schemaRef ds:uri="http://schemas.microsoft.com/sharepoint/v3/contenttype/forms"/>
+  </ds:schemaRefs>
+</ds:datastoreItem>
 </file>
 
-<file path=customXml/itemProps1.xml><?xml version="1.0" encoding="utf-8"?>
+<file path=customXml/itemProps3.xml><?xml version="1.0" encoding="utf-8"?>
 <ds:datastoreItem xmlns:ds="http://schemas.openxmlformats.org/officeDocument/2006/customXml" ds:itemID="{28ED429C-3825-4FA6-BB49-FDC636B04DA8}">
   <ds:schemaRefs>
     <ds:schemaRef ds:uri="http://schemas.microsoft.com/office/2006/metadata/contentType"/>
@@ -19938,29 +20107,4 @@
     <ds:schemaRef ds:uri="http://schemas.microsoft.com/internal/obd"/>
   </ds:schemaRefs>
 </ds:datastoreItem>
-</file>
-
-<file path=customXml/itemProps2.xml><?xml version="1.0" encoding="utf-8"?>
-<ds:datastoreItem xmlns:ds="http://schemas.openxmlformats.org/officeDocument/2006/customXml" ds:itemID="{CE3F8EDD-2F21-4FBF-BC71-777BF1DA3C2E}">
-  <ds:schemaRefs>
-    <ds:schemaRef ds:uri="http://schemas.microsoft.com/sharepoint/v3/contenttype/forms"/>
-  </ds:schemaRefs>
-</ds:datastoreItem>
-</file>
-
-<file path=customXml/itemProps3.xml><?xml version="1.0" encoding="utf-8"?>
-<ds:datastoreItem xmlns:ds="http://schemas.openxmlformats.org/officeDocument/2006/customXml" ds:itemID="{FB44E75D-7923-4273-AB76-3459B30E8DF4}">
-  <ds:schemaRefs>
-    <ds:schemaRef ds:uri="http://schemas.microsoft.com/office/2006/metadata/properties"/>
-    <ds:schemaRef ds:uri="http://schemas.microsoft.com/office/2006/documentManagement/types"/>
-    <ds:schemaRef ds:uri="http://purl.org/dc/elements/1.1/"/>
-    <ds:schemaRef ds:uri="http://schemas.openxmlformats.org/package/2006/metadata/core-properties"/>
-    <ds:schemaRef ds:uri="19353dae-2197-414d-a888-862b93af9487"/>
-    <ds:schemaRef ds:uri="http://schemas.microsoft.com/office/infopath/2007/PartnerControls"/>
-    <ds:schemaRef ds:uri="http://purl.org/dc/terms/"/>
-    <ds:schemaRef ds:uri="428a2bfe-bcaf-43de-8bea-075e4c45d2d0"/>
-    <ds:schemaRef ds:uri="http://www.w3.org/XML/1998/namespace"/>
-    <ds:schemaRef ds:uri="http://purl.org/dc/dcmitype/"/>
-  </ds:schemaRefs>
-</ds:datastoreItem>
 </file>
--- a/Präsentationen/Abschlusspräsentation/Chessmaster_Abschluss.pptx
+++ b/Präsentationen/Abschlusspräsentation/Chessmaster_Abschluss.pptx
@@ -5946,7 +5946,7 @@
           <a:p>
             <a:fld id="{5769E01E-DC72-4D6C-91B9-3199DD89BCD0}" type="datetimeFigureOut">
               <a:rPr lang="de-DE" smtClean="0"/>
-              <a:t>17.07.2020</a:t>
+              <a:t>19.07.2020</a:t>
             </a:fld>
             <a:endParaRPr lang="de-DE"/>
           </a:p>
@@ -6144,7 +6144,7 @@
           <a:p>
             <a:fld id="{5769E01E-DC72-4D6C-91B9-3199DD89BCD0}" type="datetimeFigureOut">
               <a:rPr lang="de-DE" smtClean="0"/>
-              <a:t>17.07.2020</a:t>
+              <a:t>19.07.2020</a:t>
             </a:fld>
             <a:endParaRPr lang="de-DE"/>
           </a:p>
@@ -6352,7 +6352,7 @@
           <a:p>
             <a:fld id="{5769E01E-DC72-4D6C-91B9-3199DD89BCD0}" type="datetimeFigureOut">
               <a:rPr lang="de-DE" smtClean="0"/>
-              <a:t>17.07.2020</a:t>
+              <a:t>19.07.2020</a:t>
             </a:fld>
             <a:endParaRPr lang="de-DE"/>
           </a:p>
@@ -6550,7 +6550,7 @@
           <a:p>
             <a:fld id="{5769E01E-DC72-4D6C-91B9-3199DD89BCD0}" type="datetimeFigureOut">
               <a:rPr lang="de-DE" smtClean="0"/>
-              <a:t>17.07.2020</a:t>
+              <a:t>19.07.2020</a:t>
             </a:fld>
             <a:endParaRPr lang="de-DE"/>
           </a:p>
@@ -6825,7 +6825,7 @@
           <a:p>
             <a:fld id="{5769E01E-DC72-4D6C-91B9-3199DD89BCD0}" type="datetimeFigureOut">
               <a:rPr lang="de-DE" smtClean="0"/>
-              <a:t>17.07.2020</a:t>
+              <a:t>19.07.2020</a:t>
             </a:fld>
             <a:endParaRPr lang="de-DE"/>
           </a:p>
@@ -7090,7 +7090,7 @@
           <a:p>
             <a:fld id="{5769E01E-DC72-4D6C-91B9-3199DD89BCD0}" type="datetimeFigureOut">
               <a:rPr lang="de-DE" smtClean="0"/>
-              <a:t>17.07.2020</a:t>
+              <a:t>19.07.2020</a:t>
             </a:fld>
             <a:endParaRPr lang="de-DE"/>
           </a:p>
@@ -7502,7 +7502,7 @@
           <a:p>
             <a:fld id="{5769E01E-DC72-4D6C-91B9-3199DD89BCD0}" type="datetimeFigureOut">
               <a:rPr lang="de-DE" smtClean="0"/>
-              <a:t>17.07.2020</a:t>
+              <a:t>19.07.2020</a:t>
             </a:fld>
             <a:endParaRPr lang="de-DE"/>
           </a:p>
@@ -7643,7 +7643,7 @@
           <a:p>
             <a:fld id="{5769E01E-DC72-4D6C-91B9-3199DD89BCD0}" type="datetimeFigureOut">
               <a:rPr lang="de-DE" smtClean="0"/>
-              <a:t>17.07.2020</a:t>
+              <a:t>19.07.2020</a:t>
             </a:fld>
             <a:endParaRPr lang="de-DE"/>
           </a:p>
@@ -7756,7 +7756,7 @@
           <a:p>
             <a:fld id="{5769E01E-DC72-4D6C-91B9-3199DD89BCD0}" type="datetimeFigureOut">
               <a:rPr lang="de-DE" smtClean="0"/>
-              <a:t>17.07.2020</a:t>
+              <a:t>19.07.2020</a:t>
             </a:fld>
             <a:endParaRPr lang="de-DE"/>
           </a:p>
@@ -8067,7 +8067,7 @@
           <a:p>
             <a:fld id="{5769E01E-DC72-4D6C-91B9-3199DD89BCD0}" type="datetimeFigureOut">
               <a:rPr lang="de-DE" smtClean="0"/>
-              <a:t>17.07.2020</a:t>
+              <a:t>19.07.2020</a:t>
             </a:fld>
             <a:endParaRPr lang="de-DE"/>
           </a:p>
@@ -8355,7 +8355,7 @@
           <a:p>
             <a:fld id="{5769E01E-DC72-4D6C-91B9-3199DD89BCD0}" type="datetimeFigureOut">
               <a:rPr lang="de-DE" smtClean="0"/>
-              <a:t>17.07.2020</a:t>
+              <a:t>19.07.2020</a:t>
             </a:fld>
             <a:endParaRPr lang="de-DE"/>
           </a:p>
@@ -8596,7 +8596,7 @@
           <a:p>
             <a:fld id="{5769E01E-DC72-4D6C-91B9-3199DD89BCD0}" type="datetimeFigureOut">
               <a:rPr lang="de-DE" smtClean="0"/>
-              <a:t>17.07.2020</a:t>
+              <a:t>19.07.2020</a:t>
             </a:fld>
             <a:endParaRPr lang="de-DE"/>
           </a:p>
@@ -10936,7 +10936,15 @@
             <a:pPr lvl="1" fontAlgn="base"/>
             <a:r>
               <a:rPr lang="de-DE" dirty="0"/>
-              <a:t>6 Conv2D Layer</a:t>
+              <a:t>7</a:t>
+            </a:r>
+            <a:r>
+              <a:rPr lang="de-DE"/>
+              <a:t> </a:t>
+            </a:r>
+            <a:r>
+              <a:rPr lang="de-DE" dirty="0"/>
+              <a:t>Conv2D Layer</a:t>
             </a:r>
           </a:p>
           <a:p>
@@ -19315,7 +19323,7 @@
         </p:spPr>
         <p:txBody>
           <a:bodyPr>
-            <a:normAutofit fontScale="92500" lnSpcReduction="20000"/>
+            <a:normAutofit lnSpcReduction="10000"/>
           </a:bodyPr>
           <a:lstStyle/>
           <a:p>
@@ -19354,25 +19362,6 @@
               <a:rPr lang="de-DE" dirty="0"/>
               <a:t>)</a:t>
             </a:r>
-          </a:p>
-          <a:p>
-            <a:pPr fontAlgn="base"/>
-            <a:r>
-              <a:rPr lang="de-DE" dirty="0"/>
-              <a:t>Output</a:t>
-            </a:r>
-          </a:p>
-          <a:p>
-            <a:pPr lvl="1" fontAlgn="base"/>
-            <a:r>
-              <a:rPr lang="de-DE" dirty="0"/>
-              <a:t>Wert der </a:t>
-            </a:r>
-            <a:r>
-              <a:rPr lang="de-DE" dirty="0" err="1"/>
-              <a:t>Node</a:t>
-            </a:r>
-            <a:endParaRPr lang="de-DE" dirty="0"/>
           </a:p>
           <a:p>
             <a:pPr fontAlgn="base"/>
@@ -19834,18 +19823,18 @@
 </file>
 
 <file path=customXml/item1.xml><?xml version="1.0" encoding="utf-8"?>
-<p:properties xmlns:p="http://schemas.microsoft.com/office/2006/metadata/properties" xmlns:xsi="http://www.w3.org/2001/XMLSchema-instance" xmlns:pc="http://schemas.microsoft.com/office/infopath/2007/PartnerControls">
-  <documentManagement/>
-</p:properties>
-</file>
-
-<file path=customXml/item2.xml><?xml version="1.0" encoding="utf-8"?>
 <?mso-contentType ?>
 <FormTemplates xmlns="http://schemas.microsoft.com/sharepoint/v3/contenttype/forms">
   <Display>DocumentLibraryForm</Display>
   <Edit>DocumentLibraryForm</Edit>
   <New>DocumentLibraryForm</New>
 </FormTemplates>
+</file>
+
+<file path=customXml/item2.xml><?xml version="1.0" encoding="utf-8"?>
+<p:properties xmlns:p="http://schemas.microsoft.com/office/2006/metadata/properties" xmlns:xsi="http://www.w3.org/2001/XMLSchema-instance" xmlns:pc="http://schemas.microsoft.com/office/infopath/2007/PartnerControls">
+  <documentManagement/>
+</p:properties>
 </file>
 
 <file path=customXml/item3.xml><?xml version="1.0" encoding="utf-8"?>
@@ -20066,6 +20055,14 @@
 </file>
 
 <file path=customXml/itemProps1.xml><?xml version="1.0" encoding="utf-8"?>
+<ds:datastoreItem xmlns:ds="http://schemas.openxmlformats.org/officeDocument/2006/customXml" ds:itemID="{CE3F8EDD-2F21-4FBF-BC71-777BF1DA3C2E}">
+  <ds:schemaRefs>
+    <ds:schemaRef ds:uri="http://schemas.microsoft.com/sharepoint/v3/contenttype/forms"/>
+  </ds:schemaRefs>
+</ds:datastoreItem>
+</file>
+
+<file path=customXml/itemProps2.xml><?xml version="1.0" encoding="utf-8"?>
 <ds:datastoreItem xmlns:ds="http://schemas.openxmlformats.org/officeDocument/2006/customXml" ds:itemID="{FB44E75D-7923-4273-AB76-3459B30E8DF4}">
   <ds:schemaRefs>
     <ds:schemaRef ds:uri="http://schemas.microsoft.com/office/2006/metadata/properties"/>
@@ -20078,14 +20075,6 @@
     <ds:schemaRef ds:uri="http://schemas.microsoft.com/office/infopath/2007/PartnerControls"/>
     <ds:schemaRef ds:uri="http://www.w3.org/XML/1998/namespace"/>
     <ds:schemaRef ds:uri="http://purl.org/dc/dcmitype/"/>
-  </ds:schemaRefs>
-</ds:datastoreItem>
-</file>
-
-<file path=customXml/itemProps2.xml><?xml version="1.0" encoding="utf-8"?>
-<ds:datastoreItem xmlns:ds="http://schemas.openxmlformats.org/officeDocument/2006/customXml" ds:itemID="{CE3F8EDD-2F21-4FBF-BC71-777BF1DA3C2E}">
-  <ds:schemaRefs>
-    <ds:schemaRef ds:uri="http://schemas.microsoft.com/sharepoint/v3/contenttype/forms"/>
   </ds:schemaRefs>
 </ds:datastoreItem>
 </file>

--- a/Präsentationen/Abschlusspräsentation/Chessmaster_Abschluss.pptx
+++ b/Präsentationen/Abschlusspräsentation/Chessmaster_Abschluss.pptx
@@ -9748,6 +9748,14 @@
           <a:p>
             <a:pPr fontAlgn="base"/>
             <a:r>
+              <a:rPr lang="en-US" sz="2200"/>
+              <a:t>Flattening</a:t>
+            </a:r>
+            <a:endParaRPr lang="en-US" sz="2200" dirty="0"/>
+          </a:p>
+          <a:p>
+            <a:pPr fontAlgn="base"/>
+            <a:r>
               <a:rPr lang="en-US" sz="2200" dirty="0"/>
               <a:t>Fully connected layers</a:t>
             </a:r>
@@ -19823,18 +19831,18 @@
 </file>
 
 <file path=customXml/item1.xml><?xml version="1.0" encoding="utf-8"?>
+<p:properties xmlns:p="http://schemas.microsoft.com/office/2006/metadata/properties" xmlns:xsi="http://www.w3.org/2001/XMLSchema-instance" xmlns:pc="http://schemas.microsoft.com/office/infopath/2007/PartnerControls">
+  <documentManagement/>
+</p:properties>
+</file>
+
+<file path=customXml/item2.xml><?xml version="1.0" encoding="utf-8"?>
 <?mso-contentType ?>
 <FormTemplates xmlns="http://schemas.microsoft.com/sharepoint/v3/contenttype/forms">
   <Display>DocumentLibraryForm</Display>
   <Edit>DocumentLibraryForm</Edit>
   <New>DocumentLibraryForm</New>
 </FormTemplates>
-</file>
-
-<file path=customXml/item2.xml><?xml version="1.0" encoding="utf-8"?>
-<p:properties xmlns:p="http://schemas.microsoft.com/office/2006/metadata/properties" xmlns:xsi="http://www.w3.org/2001/XMLSchema-instance" xmlns:pc="http://schemas.microsoft.com/office/infopath/2007/PartnerControls">
-  <documentManagement/>
-</p:properties>
 </file>
 
 <file path=customXml/item3.xml><?xml version="1.0" encoding="utf-8"?>
@@ -20055,14 +20063,6 @@
 </file>
 
 <file path=customXml/itemProps1.xml><?xml version="1.0" encoding="utf-8"?>
-<ds:datastoreItem xmlns:ds="http://schemas.openxmlformats.org/officeDocument/2006/customXml" ds:itemID="{CE3F8EDD-2F21-4FBF-BC71-777BF1DA3C2E}">
-  <ds:schemaRefs>
-    <ds:schemaRef ds:uri="http://schemas.microsoft.com/sharepoint/v3/contenttype/forms"/>
-  </ds:schemaRefs>
-</ds:datastoreItem>
-</file>
-
-<file path=customXml/itemProps2.xml><?xml version="1.0" encoding="utf-8"?>
 <ds:datastoreItem xmlns:ds="http://schemas.openxmlformats.org/officeDocument/2006/customXml" ds:itemID="{FB44E75D-7923-4273-AB76-3459B30E8DF4}">
   <ds:schemaRefs>
     <ds:schemaRef ds:uri="http://schemas.microsoft.com/office/2006/metadata/properties"/>
@@ -20075,6 +20075,14 @@
     <ds:schemaRef ds:uri="http://schemas.microsoft.com/office/infopath/2007/PartnerControls"/>
     <ds:schemaRef ds:uri="http://www.w3.org/XML/1998/namespace"/>
     <ds:schemaRef ds:uri="http://purl.org/dc/dcmitype/"/>
+  </ds:schemaRefs>
+</ds:datastoreItem>
+</file>
+
+<file path=customXml/itemProps2.xml><?xml version="1.0" encoding="utf-8"?>
+<ds:datastoreItem xmlns:ds="http://schemas.openxmlformats.org/officeDocument/2006/customXml" ds:itemID="{CE3F8EDD-2F21-4FBF-BC71-777BF1DA3C2E}">
+  <ds:schemaRefs>
+    <ds:schemaRef ds:uri="http://schemas.microsoft.com/sharepoint/v3/contenttype/forms"/>
   </ds:schemaRefs>
 </ds:datastoreItem>
 </file>

--- a/Präsentationen/Abschlusspräsentation/Chessmaster_Abschluss.pptx
+++ b/Präsentationen/Abschlusspräsentation/Chessmaster_Abschluss.pptx
@@ -19,15 +19,14 @@
     <p:sldId id="275" r:id="rId16"/>
     <p:sldId id="264" r:id="rId17"/>
     <p:sldId id="276" r:id="rId18"/>
-    <p:sldId id="265" r:id="rId19"/>
-    <p:sldId id="266" r:id="rId20"/>
-    <p:sldId id="277" r:id="rId21"/>
-    <p:sldId id="278" r:id="rId22"/>
-    <p:sldId id="280" r:id="rId23"/>
-    <p:sldId id="268" r:id="rId24"/>
-    <p:sldId id="279" r:id="rId25"/>
-    <p:sldId id="270" r:id="rId26"/>
-    <p:sldId id="271" r:id="rId27"/>
+    <p:sldId id="266" r:id="rId19"/>
+    <p:sldId id="277" r:id="rId20"/>
+    <p:sldId id="278" r:id="rId21"/>
+    <p:sldId id="280" r:id="rId22"/>
+    <p:sldId id="268" r:id="rId23"/>
+    <p:sldId id="279" r:id="rId24"/>
+    <p:sldId id="270" r:id="rId25"/>
+    <p:sldId id="271" r:id="rId26"/>
   </p:sldIdLst>
   <p:sldSz cx="12192000" cy="6858000"/>
   <p:notesSz cx="6858000" cy="9144000"/>
@@ -166,7 +165,6 @@
           <p14:sldIdLst>
             <p14:sldId id="264"/>
             <p14:sldId id="276"/>
-            <p14:sldId id="265"/>
           </p14:sldIdLst>
         </p14:section>
         <p14:section name="Auswertung" id="{B6AF99C4-6C43-4BF1-93F7-13171E02B11E}">
@@ -10485,6 +10483,40 @@
           </a:p>
         </p:txBody>
       </p:sp>
+      <p:sp>
+        <p:nvSpPr>
+          <p:cNvPr id="3" name="Rechteck 2">
+            <a:extLst>
+              <a:ext uri="{FF2B5EF4-FFF2-40B4-BE49-F238E27FC236}">
+                <a16:creationId xmlns:a16="http://schemas.microsoft.com/office/drawing/2014/main" id="{C3BC48C5-C899-44E5-A2ED-9994082D8168}"/>
+              </a:ext>
+            </a:extLst>
+          </p:cNvPr>
+          <p:cNvSpPr/>
+          <p:nvPr/>
+        </p:nvSpPr>
+        <p:spPr>
+          <a:xfrm>
+            <a:off x="763268" y="5836223"/>
+            <a:ext cx="3052088" cy="246221"/>
+          </a:xfrm>
+          <a:prstGeom prst="rect">
+            <a:avLst/>
+          </a:prstGeom>
+        </p:spPr>
+        <p:txBody>
+          <a:bodyPr wrap="square">
+            <a:spAutoFit/>
+          </a:bodyPr>
+          <a:lstStyle/>
+          <a:p>
+            <a:r>
+              <a:rPr lang="de-DE" sz="1000" dirty="0"/>
+              <a:t>https://docs.gimp.org/2.8/en/plug-in-convmatrix.html</a:t>
+            </a:r>
+          </a:p>
+        </p:txBody>
+      </p:sp>
     </p:spTree>
     <p:extLst>
       <p:ext uri="{BB962C8B-B14F-4D97-AF65-F5344CB8AC3E}">
@@ -11821,6 +11853,9 @@
             </a:r>
           </a:p>
           <a:p>
+            <a:endParaRPr lang="de-DE" dirty="0"/>
+          </a:p>
+          <a:p>
             <a:r>
               <a:rPr lang="de-DE" dirty="0"/>
               <a:t>Evaluierungstool für </a:t>
@@ -11832,10 +11867,25 @@
             <a:endParaRPr lang="de-DE" dirty="0"/>
           </a:p>
           <a:p>
+            <a:pPr lvl="1"/>
             <a:r>
               <a:rPr lang="de-DE" dirty="0"/>
-              <a:t>Grundlage für andere AIs</a:t>
+              <a:t>Elo-Zahl als Maß für Spielerstärke</a:t>
             </a:r>
+          </a:p>
+          <a:p>
+            <a:endParaRPr lang="de-DE" dirty="0"/>
+          </a:p>
+          <a:p>
+            <a:r>
+              <a:rPr lang="de-DE" dirty="0"/>
+              <a:t>Grundlage für andere Ais</a:t>
+            </a:r>
+          </a:p>
+          <a:p>
+            <a:pPr marL="0" indent="0">
+              <a:buNone/>
+            </a:pPr>
             <a:br>
               <a:rPr lang="de-DE" sz="2400" dirty="0"/>
             </a:br>
@@ -11857,846 +11907,6 @@
 </file>
 
 <file path=ppt/slides/slide15.xml><?xml version="1.0" encoding="utf-8"?>
-<p:sld xmlns:a="http://schemas.openxmlformats.org/drawingml/2006/main" xmlns:r="http://schemas.openxmlformats.org/officeDocument/2006/relationships" xmlns:p="http://schemas.openxmlformats.org/presentationml/2006/main">
-  <p:cSld>
-    <p:bg>
-      <p:bgPr>
-        <a:solidFill>
-          <a:schemeClr val="bg1"/>
-        </a:solidFill>
-        <a:effectLst/>
-      </p:bgPr>
-    </p:bg>
-    <p:spTree>
-      <p:nvGrpSpPr>
-        <p:cNvPr id="1" name=""/>
-        <p:cNvGrpSpPr/>
-        <p:nvPr/>
-      </p:nvGrpSpPr>
-      <p:grpSpPr>
-        <a:xfrm>
-          <a:off x="0" y="0"/>
-          <a:ext cx="0" cy="0"/>
-          <a:chOff x="0" y="0"/>
-          <a:chExt cx="0" cy="0"/>
-        </a:xfrm>
-      </p:grpSpPr>
-      <p:sp useBgFill="1">
-        <p:nvSpPr>
-          <p:cNvPr id="8" name="Rectangle 7">
-            <a:extLst>
-              <a:ext uri="{FF2B5EF4-FFF2-40B4-BE49-F238E27FC236}">
-                <a16:creationId xmlns:a16="http://schemas.microsoft.com/office/drawing/2014/main" id="{DAF1966E-FD40-4A4A-B61B-C4DF7FA05F06}"/>
-              </a:ext>
-              <a:ext uri="{C183D7F6-B498-43B3-948B-1728B52AA6E4}">
-                <adec:decorative xmlns:adec="http://schemas.microsoft.com/office/drawing/2017/decorative" val="1"/>
-              </a:ext>
-            </a:extLst>
-          </p:cNvPr>
-          <p:cNvSpPr>
-            <a:spLocks noGrp="1" noRot="1" noChangeAspect="1" noMove="1" noResize="1" noEditPoints="1" noAdjustHandles="1" noChangeArrowheads="1" noChangeShapeType="1" noTextEdit="1"/>
-          </p:cNvSpPr>
-          <p:nvPr>
-            <p:extLst>
-              <p:ext uri="{386F3935-93C4-4BCD-93E2-E3B085C9AB24}">
-                <p16:designElem xmlns:p16="http://schemas.microsoft.com/office/powerpoint/2015/main" val="1"/>
-              </p:ext>
-            </p:extLst>
-          </p:nvPr>
-        </p:nvSpPr>
-        <p:spPr>
-          <a:xfrm>
-            <a:off x="0" y="0"/>
-            <a:ext cx="12192000" cy="6858000"/>
-          </a:xfrm>
-          <a:prstGeom prst="rect">
-            <a:avLst/>
-          </a:prstGeom>
-          <a:ln>
-            <a:noFill/>
-          </a:ln>
-        </p:spPr>
-        <p:style>
-          <a:lnRef idx="2">
-            <a:schemeClr val="accent1">
-              <a:shade val="50000"/>
-            </a:schemeClr>
-          </a:lnRef>
-          <a:fillRef idx="1">
-            <a:schemeClr val="accent1"/>
-          </a:fillRef>
-          <a:effectRef idx="0">
-            <a:schemeClr val="accent1"/>
-          </a:effectRef>
-          <a:fontRef idx="minor">
-            <a:schemeClr val="lt1"/>
-          </a:fontRef>
-        </p:style>
-        <p:txBody>
-          <a:bodyPr rtlCol="0" anchor="ctr"/>
-          <a:lstStyle/>
-          <a:p>
-            <a:pPr algn="ctr"/>
-            <a:endParaRPr lang="en-US"/>
-          </a:p>
-        </p:txBody>
-      </p:sp>
-      <p:sp useBgFill="1">
-        <p:nvSpPr>
-          <p:cNvPr id="10" name="Rectangle 9">
-            <a:extLst>
-              <a:ext uri="{FF2B5EF4-FFF2-40B4-BE49-F238E27FC236}">
-                <a16:creationId xmlns:a16="http://schemas.microsoft.com/office/drawing/2014/main" id="{047BFA19-D45E-416B-A404-7AF2F3F27017}"/>
-              </a:ext>
-              <a:ext uri="{C183D7F6-B498-43B3-948B-1728B52AA6E4}">
-                <adec:decorative xmlns:adec="http://schemas.microsoft.com/office/drawing/2017/decorative" val="1"/>
-              </a:ext>
-            </a:extLst>
-          </p:cNvPr>
-          <p:cNvSpPr>
-            <a:spLocks noGrp="1" noRot="1" noChangeAspect="1" noMove="1" noResize="1" noEditPoints="1" noAdjustHandles="1" noChangeArrowheads="1" noChangeShapeType="1" noTextEdit="1"/>
-          </p:cNvSpPr>
-          <p:nvPr>
-            <p:extLst>
-              <p:ext uri="{386F3935-93C4-4BCD-93E2-E3B085C9AB24}">
-                <p16:designElem xmlns:p16="http://schemas.microsoft.com/office/powerpoint/2015/main" val="1"/>
-              </p:ext>
-            </p:extLst>
-          </p:nvPr>
-        </p:nvSpPr>
-        <p:spPr>
-          <a:xfrm>
-            <a:off x="558209" y="0"/>
-            <a:ext cx="11167447" cy="2018806"/>
-          </a:xfrm>
-          <a:prstGeom prst="rect">
-            <a:avLst/>
-          </a:prstGeom>
-          <a:ln w="9525">
-            <a:solidFill>
-              <a:srgbClr val="E1E1E1"/>
-            </a:solidFill>
-          </a:ln>
-          <a:effectLst>
-            <a:outerShdw blurRad="50800" dist="38100" dir="2700000" algn="tl" rotWithShape="0">
-              <a:schemeClr val="bg1">
-                <a:lumMod val="85000"/>
-                <a:alpha val="50000"/>
-              </a:schemeClr>
-            </a:outerShdw>
-          </a:effectLst>
-        </p:spPr>
-        <p:style>
-          <a:lnRef idx="2">
-            <a:schemeClr val="accent1">
-              <a:shade val="50000"/>
-            </a:schemeClr>
-          </a:lnRef>
-          <a:fillRef idx="1">
-            <a:schemeClr val="accent1"/>
-          </a:fillRef>
-          <a:effectRef idx="0">
-            <a:schemeClr val="accent1"/>
-          </a:effectRef>
-          <a:fontRef idx="minor">
-            <a:schemeClr val="lt1"/>
-          </a:fontRef>
-        </p:style>
-        <p:txBody>
-          <a:bodyPr rtlCol="0" anchor="ctr"/>
-          <a:lstStyle/>
-          <a:p>
-            <a:pPr marL="0" marR="0" lvl="0" indent="0" algn="ctr" defTabSz="914400" rtl="0" eaLnBrk="1" fontAlgn="auto" latinLnBrk="0" hangingPunct="1">
-              <a:lnSpc>
-                <a:spcPct val="100000"/>
-              </a:lnSpc>
-              <a:spcBef>
-                <a:spcPts val="0"/>
-              </a:spcBef>
-              <a:spcAft>
-                <a:spcPts val="0"/>
-              </a:spcAft>
-              <a:buClrTx/>
-              <a:buSzTx/>
-              <a:buFontTx/>
-              <a:buNone/>
-              <a:tabLst/>
-              <a:defRPr/>
-            </a:pPr>
-            <a:endParaRPr kumimoji="0" lang="en-US" sz="1800" b="0" i="0" u="none" strike="noStrike" kern="1200" cap="none" spc="0" normalizeH="0" baseline="0" noProof="0">
-              <a:ln>
-                <a:noFill/>
-              </a:ln>
-              <a:solidFill>
-                <a:prstClr val="white"/>
-              </a:solidFill>
-              <a:effectLst/>
-              <a:uLnTx/>
-              <a:uFillTx/>
-              <a:latin typeface="Calibri" panose="020F0502020204030204"/>
-              <a:ea typeface="+mn-ea"/>
-              <a:cs typeface="+mn-cs"/>
-            </a:endParaRPr>
-          </a:p>
-        </p:txBody>
-      </p:sp>
-      <p:sp useBgFill="1">
-        <p:nvSpPr>
-          <p:cNvPr id="12" name="Rectangle 11">
-            <a:extLst>
-              <a:ext uri="{FF2B5EF4-FFF2-40B4-BE49-F238E27FC236}">
-                <a16:creationId xmlns:a16="http://schemas.microsoft.com/office/drawing/2014/main" id="{8E0105E7-23DB-4CF2-8258-FF47C7620F6E}"/>
-              </a:ext>
-              <a:ext uri="{C183D7F6-B498-43B3-948B-1728B52AA6E4}">
-                <adec:decorative xmlns:adec="http://schemas.microsoft.com/office/drawing/2017/decorative" val="1"/>
-              </a:ext>
-            </a:extLst>
-          </p:cNvPr>
-          <p:cNvSpPr>
-            <a:spLocks noGrp="1" noRot="1" noChangeAspect="1" noMove="1" noResize="1" noEditPoints="1" noAdjustHandles="1" noChangeArrowheads="1" noChangeShapeType="1" noTextEdit="1"/>
-          </p:cNvSpPr>
-          <p:nvPr>
-            <p:extLst>
-              <p:ext uri="{386F3935-93C4-4BCD-93E2-E3B085C9AB24}">
-                <p16:designElem xmlns:p16="http://schemas.microsoft.com/office/powerpoint/2015/main" val="1"/>
-              </p:ext>
-            </p:extLst>
-          </p:nvPr>
-        </p:nvSpPr>
-        <p:spPr>
-          <a:xfrm>
-            <a:off x="566928" y="0"/>
-            <a:ext cx="11155680" cy="2011680"/>
-          </a:xfrm>
-          <a:prstGeom prst="rect">
-            <a:avLst/>
-          </a:prstGeom>
-          <a:ln w="9525">
-            <a:noFill/>
-          </a:ln>
-          <a:effectLst/>
-        </p:spPr>
-        <p:style>
-          <a:lnRef idx="2">
-            <a:schemeClr val="accent1">
-              <a:shade val="50000"/>
-            </a:schemeClr>
-          </a:lnRef>
-          <a:fillRef idx="1">
-            <a:schemeClr val="accent1"/>
-          </a:fillRef>
-          <a:effectRef idx="0">
-            <a:schemeClr val="accent1"/>
-          </a:effectRef>
-          <a:fontRef idx="minor">
-            <a:schemeClr val="lt1"/>
-          </a:fontRef>
-        </p:style>
-        <p:txBody>
-          <a:bodyPr rtlCol="0" anchor="ctr"/>
-          <a:lstStyle/>
-          <a:p>
-            <a:pPr marL="0" marR="0" lvl="0" indent="0" algn="ctr" defTabSz="914400" rtl="0" eaLnBrk="1" fontAlgn="auto" latinLnBrk="0" hangingPunct="1">
-              <a:lnSpc>
-                <a:spcPct val="100000"/>
-              </a:lnSpc>
-              <a:spcBef>
-                <a:spcPts val="0"/>
-              </a:spcBef>
-              <a:spcAft>
-                <a:spcPts val="0"/>
-              </a:spcAft>
-              <a:buClrTx/>
-              <a:buSzTx/>
-              <a:buFontTx/>
-              <a:buNone/>
-              <a:tabLst/>
-              <a:defRPr/>
-            </a:pPr>
-            <a:endParaRPr kumimoji="0" lang="en-US" sz="1800" b="0" i="0" u="none" strike="noStrike" kern="1200" cap="none" spc="0" normalizeH="0" baseline="0" noProof="0">
-              <a:ln>
-                <a:noFill/>
-              </a:ln>
-              <a:solidFill>
-                <a:prstClr val="white"/>
-              </a:solidFill>
-              <a:effectLst/>
-              <a:uLnTx/>
-              <a:uFillTx/>
-              <a:latin typeface="Calibri" panose="020F0502020204030204"/>
-              <a:ea typeface="+mn-ea"/>
-              <a:cs typeface="+mn-cs"/>
-            </a:endParaRPr>
-          </a:p>
-        </p:txBody>
-      </p:sp>
-      <p:sp>
-        <p:nvSpPr>
-          <p:cNvPr id="2" name="Titel 1">
-            <a:extLst>
-              <a:ext uri="{FF2B5EF4-FFF2-40B4-BE49-F238E27FC236}">
-                <a16:creationId xmlns:a16="http://schemas.microsoft.com/office/drawing/2014/main" id="{ADF06964-D729-4E0A-A237-AECFB21957D2}"/>
-              </a:ext>
-            </a:extLst>
-          </p:cNvPr>
-          <p:cNvSpPr>
-            <a:spLocks noGrp="1"/>
-          </p:cNvSpPr>
-          <p:nvPr>
-            <p:ph type="title"/>
-          </p:nvPr>
-        </p:nvSpPr>
-        <p:spPr>
-          <a:xfrm>
-            <a:off x="1115568" y="548640"/>
-            <a:ext cx="10168128" cy="1179576"/>
-          </a:xfrm>
-        </p:spPr>
-        <p:txBody>
-          <a:bodyPr>
-            <a:normAutofit/>
-          </a:bodyPr>
-          <a:lstStyle/>
-          <a:p>
-            <a:r>
-              <a:rPr lang="de-DE" sz="4000" dirty="0"/>
-              <a:t>Elo-Zahl</a:t>
-            </a:r>
-          </a:p>
-        </p:txBody>
-      </p:sp>
-      <p:sp>
-        <p:nvSpPr>
-          <p:cNvPr id="14" name="Rectangle 13">
-            <a:extLst>
-              <a:ext uri="{FF2B5EF4-FFF2-40B4-BE49-F238E27FC236}">
-                <a16:creationId xmlns:a16="http://schemas.microsoft.com/office/drawing/2014/main" id="{074B4F7D-14B2-478B-8BF5-01E4E0C5D263}"/>
-              </a:ext>
-              <a:ext uri="{C183D7F6-B498-43B3-948B-1728B52AA6E4}">
-                <adec:decorative xmlns:adec="http://schemas.microsoft.com/office/drawing/2017/decorative" val="1"/>
-              </a:ext>
-            </a:extLst>
-          </p:cNvPr>
-          <p:cNvSpPr>
-            <a:spLocks noGrp="1" noRot="1" noChangeAspect="1" noMove="1" noResize="1" noEditPoints="1" noAdjustHandles="1" noChangeArrowheads="1" noChangeShapeType="1" noTextEdit="1"/>
-          </p:cNvSpPr>
-          <p:nvPr>
-            <p:extLst>
-              <p:ext uri="{386F3935-93C4-4BCD-93E2-E3B085C9AB24}">
-                <p16:designElem xmlns:p16="http://schemas.microsoft.com/office/powerpoint/2015/main" val="1"/>
-              </p:ext>
-            </p:extLst>
-          </p:nvPr>
-        </p:nvSpPr>
-        <p:spPr>
-          <a:xfrm>
-            <a:off x="498834" y="758952"/>
-            <a:ext cx="128016" cy="704088"/>
-          </a:xfrm>
-          <a:prstGeom prst="rect">
-            <a:avLst/>
-          </a:prstGeom>
-          <a:solidFill>
-            <a:schemeClr val="accent2"/>
-          </a:solidFill>
-          <a:ln>
-            <a:noFill/>
-          </a:ln>
-        </p:spPr>
-        <p:style>
-          <a:lnRef idx="2">
-            <a:schemeClr val="accent1">
-              <a:shade val="50000"/>
-            </a:schemeClr>
-          </a:lnRef>
-          <a:fillRef idx="1">
-            <a:schemeClr val="accent1"/>
-          </a:fillRef>
-          <a:effectRef idx="0">
-            <a:schemeClr val="accent1"/>
-          </a:effectRef>
-          <a:fontRef idx="minor">
-            <a:schemeClr val="lt1"/>
-          </a:fontRef>
-        </p:style>
-        <p:txBody>
-          <a:bodyPr rtlCol="0" anchor="ctr"/>
-          <a:lstStyle/>
-          <a:p>
-            <a:pPr algn="ctr"/>
-            <a:endParaRPr lang="en-US">
-              <a:solidFill>
-                <a:prstClr val="white"/>
-              </a:solidFill>
-              <a:latin typeface="Calibri" panose="020F0502020204030204"/>
-            </a:endParaRPr>
-          </a:p>
-        </p:txBody>
-      </p:sp>
-      <mc:AlternateContent xmlns:mc="http://schemas.openxmlformats.org/markup-compatibility/2006" xmlns:a14="http://schemas.microsoft.com/office/drawing/2010/main">
-        <mc:Choice Requires="a14">
-          <p:sp>
-            <p:nvSpPr>
-              <p:cNvPr id="3" name="Inhaltsplatzhalter 2">
-                <a:extLst>
-                  <a:ext uri="{FF2B5EF4-FFF2-40B4-BE49-F238E27FC236}">
-                    <a16:creationId xmlns:a16="http://schemas.microsoft.com/office/drawing/2014/main" id="{3EBF5470-4A87-477F-94AF-D28C198190DB}"/>
-                  </a:ext>
-                </a:extLst>
-              </p:cNvPr>
-              <p:cNvSpPr>
-                <a:spLocks noGrp="1"/>
-              </p:cNvSpPr>
-              <p:nvPr>
-                <p:ph idx="1"/>
-              </p:nvPr>
-            </p:nvSpPr>
-            <p:spPr>
-              <a:xfrm>
-                <a:off x="1115568" y="2481943"/>
-                <a:ext cx="10607040" cy="3695020"/>
-              </a:xfrm>
-            </p:spPr>
-            <p:txBody>
-              <a:bodyPr>
-                <a:normAutofit/>
-              </a:bodyPr>
-              <a:lstStyle/>
-              <a:p>
-                <a:r>
-                  <a:rPr lang="de-DE" sz="2200" dirty="0"/>
-                  <a:t>Maß für die Stärke eines Schachspielers</a:t>
-                </a:r>
-              </a:p>
-              <a:p>
-                <a:pPr marL="0" indent="0">
-                  <a:buNone/>
-                </a:pPr>
-                <a:endParaRPr lang="de-DE" sz="2200" dirty="0"/>
-              </a:p>
-              <a:p>
-                <a:r>
-                  <a:rPr lang="de-DE" sz="2200" dirty="0"/>
-                  <a:t>Erwartungswert</a:t>
-                </a:r>
-                <a:endParaRPr lang="de-DE" sz="2000" dirty="0"/>
-              </a:p>
-              <a:p>
-                <a:pPr lvl="1"/>
-                <a14:m>
-                  <m:oMath xmlns:m="http://schemas.openxmlformats.org/officeDocument/2006/math">
-                    <m:sSub>
-                      <m:sSubPr>
-                        <m:ctrlPr>
-                          <a:rPr lang="de-DE" i="1">
-                            <a:latin typeface="Cambria Math" panose="02040503050406030204" pitchFamily="18" charset="0"/>
-                          </a:rPr>
-                        </m:ctrlPr>
-                      </m:sSubPr>
-                      <m:e>
-                        <m:r>
-                          <a:rPr lang="de-DE" i="1">
-                            <a:latin typeface="Cambria Math" panose="02040503050406030204" pitchFamily="18" charset="0"/>
-                          </a:rPr>
-                          <m:t>𝐸</m:t>
-                        </m:r>
-                      </m:e>
-                      <m:sub>
-                        <m:r>
-                          <a:rPr lang="de-DE" i="1">
-                            <a:latin typeface="Cambria Math" panose="02040503050406030204" pitchFamily="18" charset="0"/>
-                          </a:rPr>
-                          <m:t>𝐴</m:t>
-                        </m:r>
-                      </m:sub>
-                    </m:sSub>
-                    <m:r>
-                      <a:rPr lang="de-DE" i="1">
-                        <a:latin typeface="Cambria Math" panose="02040503050406030204" pitchFamily="18" charset="0"/>
-                      </a:rPr>
-                      <m:t>= </m:t>
-                    </m:r>
-                    <m:f>
-                      <m:fPr>
-                        <m:ctrlPr>
-                          <a:rPr lang="de-DE" i="1">
-                            <a:latin typeface="Cambria Math" panose="02040503050406030204" pitchFamily="18" charset="0"/>
-                          </a:rPr>
-                        </m:ctrlPr>
-                      </m:fPr>
-                      <m:num>
-                        <m:r>
-                          <a:rPr lang="de-DE" i="1">
-                            <a:latin typeface="Cambria Math" panose="02040503050406030204" pitchFamily="18" charset="0"/>
-                          </a:rPr>
-                          <m:t>1</m:t>
-                        </m:r>
-                      </m:num>
-                      <m:den>
-                        <m:r>
-                          <a:rPr lang="de-DE" i="1">
-                            <a:latin typeface="Cambria Math" panose="02040503050406030204" pitchFamily="18" charset="0"/>
-                          </a:rPr>
-                          <m:t>1+</m:t>
-                        </m:r>
-                        <m:sSup>
-                          <m:sSupPr>
-                            <m:ctrlPr>
-                              <a:rPr lang="de-DE" i="1">
-                                <a:latin typeface="Cambria Math" panose="02040503050406030204" pitchFamily="18" charset="0"/>
-                              </a:rPr>
-                            </m:ctrlPr>
-                          </m:sSupPr>
-                          <m:e>
-                            <m:r>
-                              <a:rPr lang="de-DE" i="1">
-                                <a:latin typeface="Cambria Math" panose="02040503050406030204" pitchFamily="18" charset="0"/>
-                              </a:rPr>
-                              <m:t>𝑘</m:t>
-                            </m:r>
-                          </m:e>
-                          <m:sup>
-                            <m:r>
-                              <a:rPr lang="de-DE" i="1">
-                                <a:latin typeface="Cambria Math" panose="02040503050406030204" pitchFamily="18" charset="0"/>
-                              </a:rPr>
-                              <m:t>(</m:t>
-                            </m:r>
-                            <m:sSub>
-                              <m:sSubPr>
-                                <m:ctrlPr>
-                                  <a:rPr lang="de-DE" i="1">
-                                    <a:latin typeface="Cambria Math" panose="02040503050406030204" pitchFamily="18" charset="0"/>
-                                  </a:rPr>
-                                </m:ctrlPr>
-                              </m:sSubPr>
-                              <m:e>
-                                <m:r>
-                                  <a:rPr lang="de-DE" i="1">
-                                    <a:latin typeface="Cambria Math" panose="02040503050406030204" pitchFamily="18" charset="0"/>
-                                  </a:rPr>
-                                  <m:t>𝑅</m:t>
-                                </m:r>
-                              </m:e>
-                              <m:sub>
-                                <m:r>
-                                  <a:rPr lang="de-DE" i="1">
-                                    <a:latin typeface="Cambria Math" panose="02040503050406030204" pitchFamily="18" charset="0"/>
-                                  </a:rPr>
-                                  <m:t>𝐴</m:t>
-                                </m:r>
-                              </m:sub>
-                            </m:sSub>
-                            <m:r>
-                              <a:rPr lang="de-DE" i="1">
-                                <a:latin typeface="Cambria Math" panose="02040503050406030204" pitchFamily="18" charset="0"/>
-                              </a:rPr>
-                              <m:t>−</m:t>
-                            </m:r>
-                            <m:sSub>
-                              <m:sSubPr>
-                                <m:ctrlPr>
-                                  <a:rPr lang="de-DE" i="1">
-                                    <a:latin typeface="Cambria Math" panose="02040503050406030204" pitchFamily="18" charset="0"/>
-                                  </a:rPr>
-                                </m:ctrlPr>
-                              </m:sSubPr>
-                              <m:e>
-                                <m:r>
-                                  <a:rPr lang="de-DE" i="1">
-                                    <a:latin typeface="Cambria Math" panose="02040503050406030204" pitchFamily="18" charset="0"/>
-                                  </a:rPr>
-                                  <m:t>𝑅</m:t>
-                                </m:r>
-                              </m:e>
-                              <m:sub>
-                                <m:r>
-                                  <a:rPr lang="de-DE" i="1">
-                                    <a:latin typeface="Cambria Math" panose="02040503050406030204" pitchFamily="18" charset="0"/>
-                                  </a:rPr>
-                                  <m:t>𝐵</m:t>
-                                </m:r>
-                              </m:sub>
-                            </m:sSub>
-                            <m:r>
-                              <a:rPr lang="de-DE" i="1">
-                                <a:latin typeface="Cambria Math" panose="02040503050406030204" pitchFamily="18" charset="0"/>
-                              </a:rPr>
-                              <m:t>)</m:t>
-                            </m:r>
-                          </m:sup>
-                        </m:sSup>
-                      </m:den>
-                    </m:f>
-                  </m:oMath>
-                </a14:m>
-                <a:endParaRPr lang="de-DE" sz="1600" dirty="0"/>
-              </a:p>
-              <a:p>
-                <a:r>
-                  <a:rPr lang="de-DE" sz="2200" dirty="0"/>
-                  <a:t>Anpassung der Elo-Zahl</a:t>
-                </a:r>
-              </a:p>
-              <a:p>
-                <a:pPr lvl="1"/>
-                <a14:m>
-                  <m:oMath xmlns:m="http://schemas.openxmlformats.org/officeDocument/2006/math">
-                    <m:sSub>
-                      <m:sSubPr>
-                        <m:ctrlPr>
-                          <a:rPr lang="de-DE" sz="2000" i="1">
-                            <a:latin typeface="Cambria Math" panose="02040503050406030204" pitchFamily="18" charset="0"/>
-                          </a:rPr>
-                        </m:ctrlPr>
-                      </m:sSubPr>
-                      <m:e>
-                        <m:sSup>
-                          <m:sSupPr>
-                            <m:ctrlPr>
-                              <a:rPr lang="de-DE" sz="2000" i="1">
-                                <a:latin typeface="Cambria Math" panose="02040503050406030204" pitchFamily="18" charset="0"/>
-                              </a:rPr>
-                            </m:ctrlPr>
-                          </m:sSupPr>
-                          <m:e>
-                            <m:r>
-                              <a:rPr lang="de-DE" sz="2000" i="1">
-                                <a:latin typeface="Cambria Math" panose="02040503050406030204" pitchFamily="18" charset="0"/>
-                              </a:rPr>
-                              <m:t>𝑅</m:t>
-                            </m:r>
-                          </m:e>
-                          <m:sup>
-                            <m:r>
-                              <a:rPr lang="de-DE" sz="2000" i="1">
-                                <a:latin typeface="Cambria Math" panose="02040503050406030204" pitchFamily="18" charset="0"/>
-                              </a:rPr>
-                              <m:t>′</m:t>
-                            </m:r>
-                          </m:sup>
-                        </m:sSup>
-                      </m:e>
-                      <m:sub>
-                        <m:r>
-                          <a:rPr lang="de-DE" sz="2000" i="1">
-                            <a:latin typeface="Cambria Math" panose="02040503050406030204" pitchFamily="18" charset="0"/>
-                          </a:rPr>
-                          <m:t>𝐴</m:t>
-                        </m:r>
-                      </m:sub>
-                    </m:sSub>
-                    <m:r>
-                      <a:rPr lang="de-DE" sz="2000" i="1">
-                        <a:latin typeface="Cambria Math" panose="02040503050406030204" pitchFamily="18" charset="0"/>
-                      </a:rPr>
-                      <m:t>= </m:t>
-                    </m:r>
-                    <m:sSub>
-                      <m:sSubPr>
-                        <m:ctrlPr>
-                          <a:rPr lang="de-DE" sz="2000" i="1">
-                            <a:latin typeface="Cambria Math" panose="02040503050406030204" pitchFamily="18" charset="0"/>
-                          </a:rPr>
-                        </m:ctrlPr>
-                      </m:sSubPr>
-                      <m:e>
-                        <m:r>
-                          <a:rPr lang="de-DE" sz="2000" i="1">
-                            <a:latin typeface="Cambria Math" panose="02040503050406030204" pitchFamily="18" charset="0"/>
-                          </a:rPr>
-                          <m:t>𝑅</m:t>
-                        </m:r>
-                      </m:e>
-                      <m:sub>
-                        <m:r>
-                          <a:rPr lang="de-DE" sz="2000" i="1">
-                            <a:latin typeface="Cambria Math" panose="02040503050406030204" pitchFamily="18" charset="0"/>
-                          </a:rPr>
-                          <m:t>𝐴</m:t>
-                        </m:r>
-                      </m:sub>
-                    </m:sSub>
-                    <m:r>
-                      <a:rPr lang="de-DE" sz="2000" i="1">
-                        <a:latin typeface="Cambria Math" panose="02040503050406030204" pitchFamily="18" charset="0"/>
-                      </a:rPr>
-                      <m:t>+</m:t>
-                    </m:r>
-                    <m:r>
-                      <a:rPr lang="de-DE" sz="2000" i="1">
-                        <a:latin typeface="Cambria Math" panose="02040503050406030204" pitchFamily="18" charset="0"/>
-                      </a:rPr>
-                      <m:t>𝑘</m:t>
-                    </m:r>
-                    <m:r>
-                      <a:rPr lang="de-DE" sz="2000" i="1">
-                        <a:latin typeface="Cambria Math" panose="02040503050406030204" pitchFamily="18" charset="0"/>
-                      </a:rPr>
-                      <m:t>∗(</m:t>
-                    </m:r>
-                    <m:sSub>
-                      <m:sSubPr>
-                        <m:ctrlPr>
-                          <a:rPr lang="de-DE" sz="2000" i="1">
-                            <a:latin typeface="Cambria Math" panose="02040503050406030204" pitchFamily="18" charset="0"/>
-                          </a:rPr>
-                        </m:ctrlPr>
-                      </m:sSubPr>
-                      <m:e>
-                        <m:r>
-                          <a:rPr lang="de-DE" sz="2000" i="1">
-                            <a:latin typeface="Cambria Math" panose="02040503050406030204" pitchFamily="18" charset="0"/>
-                          </a:rPr>
-                          <m:t>𝑆</m:t>
-                        </m:r>
-                      </m:e>
-                      <m:sub>
-                        <m:r>
-                          <a:rPr lang="de-DE" sz="2000" i="1">
-                            <a:latin typeface="Cambria Math" panose="02040503050406030204" pitchFamily="18" charset="0"/>
-                          </a:rPr>
-                          <m:t>𝐴</m:t>
-                        </m:r>
-                      </m:sub>
-                    </m:sSub>
-                    <m:r>
-                      <a:rPr lang="de-DE" sz="2000" i="1">
-                        <a:latin typeface="Cambria Math" panose="02040503050406030204" pitchFamily="18" charset="0"/>
-                      </a:rPr>
-                      <m:t>−</m:t>
-                    </m:r>
-                    <m:sSub>
-                      <m:sSubPr>
-                        <m:ctrlPr>
-                          <a:rPr lang="de-DE" sz="2000" i="1">
-                            <a:latin typeface="Cambria Math" panose="02040503050406030204" pitchFamily="18" charset="0"/>
-                          </a:rPr>
-                        </m:ctrlPr>
-                      </m:sSubPr>
-                      <m:e>
-                        <m:r>
-                          <a:rPr lang="de-DE" sz="2000" i="1">
-                            <a:latin typeface="Cambria Math" panose="02040503050406030204" pitchFamily="18" charset="0"/>
-                          </a:rPr>
-                          <m:t>𝐸</m:t>
-                        </m:r>
-                      </m:e>
-                      <m:sub>
-                        <m:r>
-                          <a:rPr lang="de-DE" sz="2000" i="1">
-                            <a:latin typeface="Cambria Math" panose="02040503050406030204" pitchFamily="18" charset="0"/>
-                          </a:rPr>
-                          <m:t>𝐴</m:t>
-                        </m:r>
-                      </m:sub>
-                    </m:sSub>
-                    <m:r>
-                      <a:rPr lang="de-DE" sz="2000" i="1">
-                        <a:latin typeface="Cambria Math" panose="02040503050406030204" pitchFamily="18" charset="0"/>
-                      </a:rPr>
-                      <m:t>) </m:t>
-                    </m:r>
-                  </m:oMath>
-                </a14:m>
-                <a:endParaRPr lang="de-DE" sz="2000" dirty="0"/>
-              </a:p>
-              <a:p>
-                <a:endParaRPr lang="de-DE" sz="2200" dirty="0"/>
-              </a:p>
-            </p:txBody>
-          </p:sp>
-        </mc:Choice>
-        <mc:Fallback xmlns="">
-          <p:sp>
-            <p:nvSpPr>
-              <p:cNvPr id="3" name="Inhaltsplatzhalter 2">
-                <a:extLst>
-                  <a:ext uri="{FF2B5EF4-FFF2-40B4-BE49-F238E27FC236}">
-                    <a16:creationId xmlns:a16="http://schemas.microsoft.com/office/drawing/2014/main" id="{3EBF5470-4A87-477F-94AF-D28C198190DB}"/>
-                  </a:ext>
-                </a:extLst>
-              </p:cNvPr>
-              <p:cNvSpPr>
-                <a:spLocks noGrp="1" noRot="1" noChangeAspect="1" noMove="1" noResize="1" noEditPoints="1" noAdjustHandles="1" noChangeArrowheads="1" noChangeShapeType="1" noTextEdit="1"/>
-              </p:cNvSpPr>
-              <p:nvPr>
-                <p:ph idx="1"/>
-              </p:nvPr>
-            </p:nvSpPr>
-            <p:spPr>
-              <a:xfrm>
-                <a:off x="1115568" y="2481943"/>
-                <a:ext cx="10607040" cy="3695020"/>
-              </a:xfrm>
-              <a:blipFill>
-                <a:blip r:embed="rId2"/>
-                <a:stretch>
-                  <a:fillRect l="-632" t="-2145"/>
-                </a:stretch>
-              </a:blipFill>
-            </p:spPr>
-            <p:txBody>
-              <a:bodyPr/>
-              <a:lstStyle/>
-              <a:p>
-                <a:r>
-                  <a:rPr lang="de-DE">
-                    <a:noFill/>
-                  </a:rPr>
-                  <a:t> </a:t>
-                </a:r>
-              </a:p>
-            </p:txBody>
-          </p:sp>
-        </mc:Fallback>
-      </mc:AlternateContent>
-      <p:sp>
-        <p:nvSpPr>
-          <p:cNvPr id="4" name="Textfeld 3">
-            <a:extLst>
-              <a:ext uri="{FF2B5EF4-FFF2-40B4-BE49-F238E27FC236}">
-                <a16:creationId xmlns:a16="http://schemas.microsoft.com/office/drawing/2014/main" id="{F4FE53B3-309B-4635-A641-857690E26F01}"/>
-              </a:ext>
-            </a:extLst>
-          </p:cNvPr>
-          <p:cNvSpPr txBox="1"/>
-          <p:nvPr/>
-        </p:nvSpPr>
-        <p:spPr>
-          <a:xfrm>
-            <a:off x="5640456" y="2956891"/>
-            <a:ext cx="65" cy="276999"/>
-          </a:xfrm>
-          <a:prstGeom prst="rect">
-            <a:avLst/>
-          </a:prstGeom>
-          <a:noFill/>
-        </p:spPr>
-        <p:txBody>
-          <a:bodyPr wrap="none" lIns="0" tIns="0" rIns="0" bIns="0" rtlCol="0">
-            <a:spAutoFit/>
-          </a:bodyPr>
-          <a:lstStyle/>
-          <a:p>
-            <a:endParaRPr lang="de-DE" dirty="0"/>
-          </a:p>
-        </p:txBody>
-      </p:sp>
-    </p:spTree>
-    <p:extLst>
-      <p:ext uri="{BB962C8B-B14F-4D97-AF65-F5344CB8AC3E}">
-        <p14:creationId xmlns:p14="http://schemas.microsoft.com/office/powerpoint/2010/main" val="3367519848"/>
-      </p:ext>
-    </p:extLst>
-  </p:cSld>
-  <p:clrMapOvr>
-    <a:masterClrMapping/>
-  </p:clrMapOvr>
-</p:sld>
-</file>
-
-<file path=ppt/slides/slide16.xml><?xml version="1.0" encoding="utf-8"?>
 <p:sld xmlns:a="http://schemas.openxmlformats.org/drawingml/2006/main" xmlns:r="http://schemas.openxmlformats.org/officeDocument/2006/relationships" xmlns:p="http://schemas.openxmlformats.org/presentationml/2006/main">
   <p:cSld>
     <p:bg>
@@ -13005,7 +12215,7 @@
 </p:sld>
 </file>
 
-<file path=ppt/slides/slide17.xml><?xml version="1.0" encoding="utf-8"?>
+<file path=ppt/slides/slide16.xml><?xml version="1.0" encoding="utf-8"?>
 <p:sld xmlns:a="http://schemas.openxmlformats.org/drawingml/2006/main" xmlns:r="http://schemas.openxmlformats.org/officeDocument/2006/relationships" xmlns:p="http://schemas.openxmlformats.org/presentationml/2006/main">
   <p:cSld>
     <p:bg>
@@ -13514,7 +12724,7 @@
 </p:sld>
 </file>
 
-<file path=ppt/slides/slide18.xml><?xml version="1.0" encoding="utf-8"?>
+<file path=ppt/slides/slide17.xml><?xml version="1.0" encoding="utf-8"?>
 <p:sld xmlns:a="http://schemas.openxmlformats.org/drawingml/2006/main" xmlns:r="http://schemas.openxmlformats.org/officeDocument/2006/relationships" xmlns:p="http://schemas.openxmlformats.org/presentationml/2006/main">
   <p:cSld>
     <p:bg>
@@ -14023,7 +13233,7 @@
 </p:sld>
 </file>
 
-<file path=ppt/slides/slide19.xml><?xml version="1.0" encoding="utf-8"?>
+<file path=ppt/slides/slide18.xml><?xml version="1.0" encoding="utf-8"?>
 <p:sld xmlns:a="http://schemas.openxmlformats.org/drawingml/2006/main" xmlns:r="http://schemas.openxmlformats.org/officeDocument/2006/relationships" xmlns:p="http://schemas.openxmlformats.org/presentationml/2006/main">
   <p:cSld>
     <p:bg>
@@ -14315,6 +13525,315 @@
     <p:extLst>
       <p:ext uri="{BB962C8B-B14F-4D97-AF65-F5344CB8AC3E}">
         <p14:creationId xmlns:p14="http://schemas.microsoft.com/office/powerpoint/2010/main" val="1650077746"/>
+      </p:ext>
+    </p:extLst>
+  </p:cSld>
+  <p:clrMapOvr>
+    <a:masterClrMapping/>
+  </p:clrMapOvr>
+</p:sld>
+</file>
+
+<file path=ppt/slides/slide19.xml><?xml version="1.0" encoding="utf-8"?>
+<p:sld xmlns:a="http://schemas.openxmlformats.org/drawingml/2006/main" xmlns:r="http://schemas.openxmlformats.org/officeDocument/2006/relationships" xmlns:p="http://schemas.openxmlformats.org/presentationml/2006/main">
+  <p:cSld>
+    <p:bg>
+      <p:bgPr>
+        <a:solidFill>
+          <a:schemeClr val="bg1"/>
+        </a:solidFill>
+        <a:effectLst/>
+      </p:bgPr>
+    </p:bg>
+    <p:spTree>
+      <p:nvGrpSpPr>
+        <p:cNvPr id="1" name=""/>
+        <p:cNvGrpSpPr/>
+        <p:nvPr/>
+      </p:nvGrpSpPr>
+      <p:grpSpPr>
+        <a:xfrm>
+          <a:off x="0" y="0"/>
+          <a:ext cx="0" cy="0"/>
+          <a:chOff x="0" y="0"/>
+          <a:chExt cx="0" cy="0"/>
+        </a:xfrm>
+      </p:grpSpPr>
+      <p:sp useBgFill="1">
+        <p:nvSpPr>
+          <p:cNvPr id="19" name="Rectangle 18">
+            <a:extLst>
+              <a:ext uri="{FF2B5EF4-FFF2-40B4-BE49-F238E27FC236}">
+                <a16:creationId xmlns:a16="http://schemas.microsoft.com/office/drawing/2014/main" id="{BAD76F3E-3A97-486B-B402-44400A8B9173}"/>
+              </a:ext>
+              <a:ext uri="{C183D7F6-B498-43B3-948B-1728B52AA6E4}">
+                <adec:decorative xmlns:adec="http://schemas.microsoft.com/office/drawing/2017/decorative" val="1"/>
+              </a:ext>
+            </a:extLst>
+          </p:cNvPr>
+          <p:cNvSpPr>
+            <a:spLocks noGrp="1" noRot="1" noChangeAspect="1" noMove="1" noResize="1" noEditPoints="1" noAdjustHandles="1" noChangeArrowheads="1" noChangeShapeType="1" noTextEdit="1"/>
+          </p:cNvSpPr>
+          <p:nvPr>
+            <p:extLst>
+              <p:ext uri="{386F3935-93C4-4BCD-93E2-E3B085C9AB24}">
+                <p16:designElem xmlns:p16="http://schemas.microsoft.com/office/powerpoint/2015/main" val="1"/>
+              </p:ext>
+            </p:extLst>
+          </p:nvPr>
+        </p:nvSpPr>
+        <p:spPr>
+          <a:xfrm>
+            <a:off x="0" y="0"/>
+            <a:ext cx="12192000" cy="6858000"/>
+          </a:xfrm>
+          <a:prstGeom prst="rect">
+            <a:avLst/>
+          </a:prstGeom>
+          <a:ln>
+            <a:noFill/>
+          </a:ln>
+        </p:spPr>
+        <p:style>
+          <a:lnRef idx="2">
+            <a:schemeClr val="accent1">
+              <a:shade val="50000"/>
+            </a:schemeClr>
+          </a:lnRef>
+          <a:fillRef idx="1">
+            <a:schemeClr val="accent1"/>
+          </a:fillRef>
+          <a:effectRef idx="0">
+            <a:schemeClr val="accent1"/>
+          </a:effectRef>
+          <a:fontRef idx="minor">
+            <a:schemeClr val="lt1"/>
+          </a:fontRef>
+        </p:style>
+        <p:txBody>
+          <a:bodyPr rtlCol="0" anchor="ctr"/>
+          <a:lstStyle/>
+          <a:p>
+            <a:pPr algn="ctr"/>
+            <a:endParaRPr lang="en-US"/>
+          </a:p>
+        </p:txBody>
+      </p:sp>
+      <p:sp>
+        <p:nvSpPr>
+          <p:cNvPr id="2" name="Titel 1">
+            <a:extLst>
+              <a:ext uri="{FF2B5EF4-FFF2-40B4-BE49-F238E27FC236}">
+                <a16:creationId xmlns:a16="http://schemas.microsoft.com/office/drawing/2014/main" id="{32DDCDCC-A673-424B-9E11-B29241A9F51C}"/>
+              </a:ext>
+            </a:extLst>
+          </p:cNvPr>
+          <p:cNvSpPr>
+            <a:spLocks noGrp="1"/>
+          </p:cNvSpPr>
+          <p:nvPr>
+            <p:ph type="title"/>
+          </p:nvPr>
+        </p:nvSpPr>
+        <p:spPr>
+          <a:xfrm>
+            <a:off x="838199" y="1093788"/>
+            <a:ext cx="10506455" cy="2967208"/>
+          </a:xfrm>
+        </p:spPr>
+        <p:txBody>
+          <a:bodyPr vert="horz" lIns="91440" tIns="45720" rIns="91440" bIns="45720" rtlCol="0" anchor="b">
+            <a:normAutofit/>
+          </a:bodyPr>
+          <a:lstStyle/>
+          <a:p>
+            <a:r>
+              <a:rPr lang="en-US" sz="8000" kern="1200" dirty="0" err="1">
+                <a:solidFill>
+                  <a:schemeClr val="tx1"/>
+                </a:solidFill>
+                <a:latin typeface="+mj-lt"/>
+                <a:ea typeface="+mj-ea"/>
+                <a:cs typeface="+mj-cs"/>
+              </a:rPr>
+              <a:t>Ausblick</a:t>
+            </a:r>
+            <a:endParaRPr lang="en-US" sz="8000" kern="1200" dirty="0">
+              <a:solidFill>
+                <a:schemeClr val="tx1"/>
+              </a:solidFill>
+              <a:latin typeface="+mj-lt"/>
+              <a:ea typeface="+mj-ea"/>
+              <a:cs typeface="+mj-cs"/>
+            </a:endParaRPr>
+          </a:p>
+        </p:txBody>
+      </p:sp>
+      <p:sp>
+        <p:nvSpPr>
+          <p:cNvPr id="21" name="Rectangle 20">
+            <a:extLst>
+              <a:ext uri="{FF2B5EF4-FFF2-40B4-BE49-F238E27FC236}">
+                <a16:creationId xmlns:a16="http://schemas.microsoft.com/office/drawing/2014/main" id="{391F6B52-91F4-4AEB-B6DB-29FEBCF28C8B}"/>
+              </a:ext>
+              <a:ext uri="{C183D7F6-B498-43B3-948B-1728B52AA6E4}">
+                <adec:decorative xmlns:adec="http://schemas.microsoft.com/office/drawing/2017/decorative" val="1"/>
+              </a:ext>
+            </a:extLst>
+          </p:cNvPr>
+          <p:cNvSpPr>
+            <a:spLocks noGrp="1" noRot="1" noChangeAspect="1" noMove="1" noResize="1" noEditPoints="1" noAdjustHandles="1" noChangeArrowheads="1" noChangeShapeType="1" noTextEdit="1"/>
+          </p:cNvSpPr>
+          <p:nvPr>
+            <p:extLst>
+              <p:ext uri="{386F3935-93C4-4BCD-93E2-E3B085C9AB24}">
+                <p16:designElem xmlns:p16="http://schemas.microsoft.com/office/powerpoint/2015/main" val="1"/>
+              </p:ext>
+            </p:extLst>
+          </p:nvPr>
+        </p:nvSpPr>
+        <p:spPr>
+          <a:xfrm>
+            <a:off x="841248" y="4331166"/>
+            <a:ext cx="10506456" cy="18288"/>
+          </a:xfrm>
+          <a:prstGeom prst="rect">
+            <a:avLst/>
+          </a:prstGeom>
+          <a:solidFill>
+            <a:srgbClr val="D5D5D5"/>
+          </a:solidFill>
+          <a:ln w="3175">
+            <a:noFill/>
+          </a:ln>
+          <a:effectLst/>
+        </p:spPr>
+        <p:style>
+          <a:lnRef idx="2">
+            <a:schemeClr val="accent1">
+              <a:shade val="50000"/>
+            </a:schemeClr>
+          </a:lnRef>
+          <a:fillRef idx="1">
+            <a:schemeClr val="accent1"/>
+          </a:fillRef>
+          <a:effectRef idx="0">
+            <a:schemeClr val="accent1"/>
+          </a:effectRef>
+          <a:fontRef idx="minor">
+            <a:schemeClr val="lt1"/>
+          </a:fontRef>
+        </p:style>
+        <p:txBody>
+          <a:bodyPr rtlCol="0" anchor="ctr"/>
+          <a:lstStyle/>
+          <a:p>
+            <a:pPr algn="ctr"/>
+            <a:endParaRPr lang="en-US">
+              <a:solidFill>
+                <a:prstClr val="white"/>
+              </a:solidFill>
+              <a:latin typeface="Calibri" panose="020F0502020204030204"/>
+            </a:endParaRPr>
+          </a:p>
+        </p:txBody>
+      </p:sp>
+      <p:sp>
+        <p:nvSpPr>
+          <p:cNvPr id="23" name="Rectangle 22">
+            <a:extLst>
+              <a:ext uri="{FF2B5EF4-FFF2-40B4-BE49-F238E27FC236}">
+                <a16:creationId xmlns:a16="http://schemas.microsoft.com/office/drawing/2014/main" id="{2CD6F061-7C53-44F4-9794-953DB70A451B}"/>
+              </a:ext>
+              <a:ext uri="{C183D7F6-B498-43B3-948B-1728B52AA6E4}">
+                <adec:decorative xmlns:adec="http://schemas.microsoft.com/office/drawing/2017/decorative" val="1"/>
+              </a:ext>
+            </a:extLst>
+          </p:cNvPr>
+          <p:cNvSpPr>
+            <a:spLocks noGrp="1" noRot="1" noChangeAspect="1" noMove="1" noResize="1" noEditPoints="1" noAdjustHandles="1" noChangeArrowheads="1" noChangeShapeType="1" noTextEdit="1"/>
+          </p:cNvSpPr>
+          <p:nvPr>
+            <p:extLst>
+              <p:ext uri="{386F3935-93C4-4BCD-93E2-E3B085C9AB24}">
+                <p16:designElem xmlns:p16="http://schemas.microsoft.com/office/powerpoint/2015/main" val="1"/>
+              </p:ext>
+            </p:extLst>
+          </p:nvPr>
+        </p:nvSpPr>
+        <p:spPr>
+          <a:xfrm rot="5400000">
+            <a:off x="9346882" y="2348839"/>
+            <a:ext cx="54864" cy="3946779"/>
+          </a:xfrm>
+          <a:prstGeom prst="rect">
+            <a:avLst/>
+          </a:prstGeom>
+          <a:solidFill>
+            <a:schemeClr val="accent2"/>
+          </a:solidFill>
+          <a:ln>
+            <a:noFill/>
+          </a:ln>
+        </p:spPr>
+        <p:style>
+          <a:lnRef idx="2">
+            <a:schemeClr val="accent1">
+              <a:shade val="50000"/>
+            </a:schemeClr>
+          </a:lnRef>
+          <a:fillRef idx="1">
+            <a:schemeClr val="accent1"/>
+          </a:fillRef>
+          <a:effectRef idx="0">
+            <a:schemeClr val="accent1"/>
+          </a:effectRef>
+          <a:fontRef idx="minor">
+            <a:schemeClr val="lt1"/>
+          </a:fontRef>
+        </p:style>
+        <p:txBody>
+          <a:bodyPr rtlCol="0" anchor="ctr"/>
+          <a:lstStyle/>
+          <a:p>
+            <a:pPr marL="0" marR="0" lvl="0" indent="0" algn="ctr" defTabSz="914400" rtl="0" eaLnBrk="1" fontAlgn="auto" latinLnBrk="0" hangingPunct="1">
+              <a:lnSpc>
+                <a:spcPct val="100000"/>
+              </a:lnSpc>
+              <a:spcBef>
+                <a:spcPts val="0"/>
+              </a:spcBef>
+              <a:spcAft>
+                <a:spcPts val="0"/>
+              </a:spcAft>
+              <a:buClrTx/>
+              <a:buSzTx/>
+              <a:buFontTx/>
+              <a:buNone/>
+              <a:tabLst/>
+              <a:defRPr/>
+            </a:pPr>
+            <a:endParaRPr kumimoji="0" lang="en-US" sz="1800" b="0" i="0" u="none" strike="noStrike" kern="1200" cap="none" spc="0" normalizeH="0" baseline="0" noProof="0">
+              <a:ln>
+                <a:noFill/>
+              </a:ln>
+              <a:solidFill>
+                <a:prstClr val="white"/>
+              </a:solidFill>
+              <a:effectLst/>
+              <a:uLnTx/>
+              <a:uFillTx/>
+              <a:latin typeface="Calibri" panose="020F0502020204030204"/>
+              <a:ea typeface="+mn-ea"/>
+              <a:cs typeface="+mn-cs"/>
+            </a:endParaRPr>
+          </a:p>
+        </p:txBody>
+      </p:sp>
+    </p:spTree>
+    <p:extLst>
+      <p:ext uri="{BB962C8B-B14F-4D97-AF65-F5344CB8AC3E}">
+        <p14:creationId xmlns:p14="http://schemas.microsoft.com/office/powerpoint/2010/main" val="2297710178"/>
       </p:ext>
     </p:extLst>
   </p:cSld>
@@ -14515,315 +14034,6 @@
       </p:grpSpPr>
       <p:sp useBgFill="1">
         <p:nvSpPr>
-          <p:cNvPr id="19" name="Rectangle 18">
-            <a:extLst>
-              <a:ext uri="{FF2B5EF4-FFF2-40B4-BE49-F238E27FC236}">
-                <a16:creationId xmlns:a16="http://schemas.microsoft.com/office/drawing/2014/main" id="{BAD76F3E-3A97-486B-B402-44400A8B9173}"/>
-              </a:ext>
-              <a:ext uri="{C183D7F6-B498-43B3-948B-1728B52AA6E4}">
-                <adec:decorative xmlns:adec="http://schemas.microsoft.com/office/drawing/2017/decorative" val="1"/>
-              </a:ext>
-            </a:extLst>
-          </p:cNvPr>
-          <p:cNvSpPr>
-            <a:spLocks noGrp="1" noRot="1" noChangeAspect="1" noMove="1" noResize="1" noEditPoints="1" noAdjustHandles="1" noChangeArrowheads="1" noChangeShapeType="1" noTextEdit="1"/>
-          </p:cNvSpPr>
-          <p:nvPr>
-            <p:extLst>
-              <p:ext uri="{386F3935-93C4-4BCD-93E2-E3B085C9AB24}">
-                <p16:designElem xmlns:p16="http://schemas.microsoft.com/office/powerpoint/2015/main" val="1"/>
-              </p:ext>
-            </p:extLst>
-          </p:nvPr>
-        </p:nvSpPr>
-        <p:spPr>
-          <a:xfrm>
-            <a:off x="0" y="0"/>
-            <a:ext cx="12192000" cy="6858000"/>
-          </a:xfrm>
-          <a:prstGeom prst="rect">
-            <a:avLst/>
-          </a:prstGeom>
-          <a:ln>
-            <a:noFill/>
-          </a:ln>
-        </p:spPr>
-        <p:style>
-          <a:lnRef idx="2">
-            <a:schemeClr val="accent1">
-              <a:shade val="50000"/>
-            </a:schemeClr>
-          </a:lnRef>
-          <a:fillRef idx="1">
-            <a:schemeClr val="accent1"/>
-          </a:fillRef>
-          <a:effectRef idx="0">
-            <a:schemeClr val="accent1"/>
-          </a:effectRef>
-          <a:fontRef idx="minor">
-            <a:schemeClr val="lt1"/>
-          </a:fontRef>
-        </p:style>
-        <p:txBody>
-          <a:bodyPr rtlCol="0" anchor="ctr"/>
-          <a:lstStyle/>
-          <a:p>
-            <a:pPr algn="ctr"/>
-            <a:endParaRPr lang="en-US"/>
-          </a:p>
-        </p:txBody>
-      </p:sp>
-      <p:sp>
-        <p:nvSpPr>
-          <p:cNvPr id="2" name="Titel 1">
-            <a:extLst>
-              <a:ext uri="{FF2B5EF4-FFF2-40B4-BE49-F238E27FC236}">
-                <a16:creationId xmlns:a16="http://schemas.microsoft.com/office/drawing/2014/main" id="{32DDCDCC-A673-424B-9E11-B29241A9F51C}"/>
-              </a:ext>
-            </a:extLst>
-          </p:cNvPr>
-          <p:cNvSpPr>
-            <a:spLocks noGrp="1"/>
-          </p:cNvSpPr>
-          <p:nvPr>
-            <p:ph type="title"/>
-          </p:nvPr>
-        </p:nvSpPr>
-        <p:spPr>
-          <a:xfrm>
-            <a:off x="838199" y="1093788"/>
-            <a:ext cx="10506455" cy="2967208"/>
-          </a:xfrm>
-        </p:spPr>
-        <p:txBody>
-          <a:bodyPr vert="horz" lIns="91440" tIns="45720" rIns="91440" bIns="45720" rtlCol="0" anchor="b">
-            <a:normAutofit/>
-          </a:bodyPr>
-          <a:lstStyle/>
-          <a:p>
-            <a:r>
-              <a:rPr lang="en-US" sz="8000" kern="1200" dirty="0" err="1">
-                <a:solidFill>
-                  <a:schemeClr val="tx1"/>
-                </a:solidFill>
-                <a:latin typeface="+mj-lt"/>
-                <a:ea typeface="+mj-ea"/>
-                <a:cs typeface="+mj-cs"/>
-              </a:rPr>
-              <a:t>Ausblick</a:t>
-            </a:r>
-            <a:endParaRPr lang="en-US" sz="8000" kern="1200" dirty="0">
-              <a:solidFill>
-                <a:schemeClr val="tx1"/>
-              </a:solidFill>
-              <a:latin typeface="+mj-lt"/>
-              <a:ea typeface="+mj-ea"/>
-              <a:cs typeface="+mj-cs"/>
-            </a:endParaRPr>
-          </a:p>
-        </p:txBody>
-      </p:sp>
-      <p:sp>
-        <p:nvSpPr>
-          <p:cNvPr id="21" name="Rectangle 20">
-            <a:extLst>
-              <a:ext uri="{FF2B5EF4-FFF2-40B4-BE49-F238E27FC236}">
-                <a16:creationId xmlns:a16="http://schemas.microsoft.com/office/drawing/2014/main" id="{391F6B52-91F4-4AEB-B6DB-29FEBCF28C8B}"/>
-              </a:ext>
-              <a:ext uri="{C183D7F6-B498-43B3-948B-1728B52AA6E4}">
-                <adec:decorative xmlns:adec="http://schemas.microsoft.com/office/drawing/2017/decorative" val="1"/>
-              </a:ext>
-            </a:extLst>
-          </p:cNvPr>
-          <p:cNvSpPr>
-            <a:spLocks noGrp="1" noRot="1" noChangeAspect="1" noMove="1" noResize="1" noEditPoints="1" noAdjustHandles="1" noChangeArrowheads="1" noChangeShapeType="1" noTextEdit="1"/>
-          </p:cNvSpPr>
-          <p:nvPr>
-            <p:extLst>
-              <p:ext uri="{386F3935-93C4-4BCD-93E2-E3B085C9AB24}">
-                <p16:designElem xmlns:p16="http://schemas.microsoft.com/office/powerpoint/2015/main" val="1"/>
-              </p:ext>
-            </p:extLst>
-          </p:nvPr>
-        </p:nvSpPr>
-        <p:spPr>
-          <a:xfrm>
-            <a:off x="841248" y="4331166"/>
-            <a:ext cx="10506456" cy="18288"/>
-          </a:xfrm>
-          <a:prstGeom prst="rect">
-            <a:avLst/>
-          </a:prstGeom>
-          <a:solidFill>
-            <a:srgbClr val="D5D5D5"/>
-          </a:solidFill>
-          <a:ln w="3175">
-            <a:noFill/>
-          </a:ln>
-          <a:effectLst/>
-        </p:spPr>
-        <p:style>
-          <a:lnRef idx="2">
-            <a:schemeClr val="accent1">
-              <a:shade val="50000"/>
-            </a:schemeClr>
-          </a:lnRef>
-          <a:fillRef idx="1">
-            <a:schemeClr val="accent1"/>
-          </a:fillRef>
-          <a:effectRef idx="0">
-            <a:schemeClr val="accent1"/>
-          </a:effectRef>
-          <a:fontRef idx="minor">
-            <a:schemeClr val="lt1"/>
-          </a:fontRef>
-        </p:style>
-        <p:txBody>
-          <a:bodyPr rtlCol="0" anchor="ctr"/>
-          <a:lstStyle/>
-          <a:p>
-            <a:pPr algn="ctr"/>
-            <a:endParaRPr lang="en-US">
-              <a:solidFill>
-                <a:prstClr val="white"/>
-              </a:solidFill>
-              <a:latin typeface="Calibri" panose="020F0502020204030204"/>
-            </a:endParaRPr>
-          </a:p>
-        </p:txBody>
-      </p:sp>
-      <p:sp>
-        <p:nvSpPr>
-          <p:cNvPr id="23" name="Rectangle 22">
-            <a:extLst>
-              <a:ext uri="{FF2B5EF4-FFF2-40B4-BE49-F238E27FC236}">
-                <a16:creationId xmlns:a16="http://schemas.microsoft.com/office/drawing/2014/main" id="{2CD6F061-7C53-44F4-9794-953DB70A451B}"/>
-              </a:ext>
-              <a:ext uri="{C183D7F6-B498-43B3-948B-1728B52AA6E4}">
-                <adec:decorative xmlns:adec="http://schemas.microsoft.com/office/drawing/2017/decorative" val="1"/>
-              </a:ext>
-            </a:extLst>
-          </p:cNvPr>
-          <p:cNvSpPr>
-            <a:spLocks noGrp="1" noRot="1" noChangeAspect="1" noMove="1" noResize="1" noEditPoints="1" noAdjustHandles="1" noChangeArrowheads="1" noChangeShapeType="1" noTextEdit="1"/>
-          </p:cNvSpPr>
-          <p:nvPr>
-            <p:extLst>
-              <p:ext uri="{386F3935-93C4-4BCD-93E2-E3B085C9AB24}">
-                <p16:designElem xmlns:p16="http://schemas.microsoft.com/office/powerpoint/2015/main" val="1"/>
-              </p:ext>
-            </p:extLst>
-          </p:nvPr>
-        </p:nvSpPr>
-        <p:spPr>
-          <a:xfrm rot="5400000">
-            <a:off x="9346882" y="2348839"/>
-            <a:ext cx="54864" cy="3946779"/>
-          </a:xfrm>
-          <a:prstGeom prst="rect">
-            <a:avLst/>
-          </a:prstGeom>
-          <a:solidFill>
-            <a:schemeClr val="accent2"/>
-          </a:solidFill>
-          <a:ln>
-            <a:noFill/>
-          </a:ln>
-        </p:spPr>
-        <p:style>
-          <a:lnRef idx="2">
-            <a:schemeClr val="accent1">
-              <a:shade val="50000"/>
-            </a:schemeClr>
-          </a:lnRef>
-          <a:fillRef idx="1">
-            <a:schemeClr val="accent1"/>
-          </a:fillRef>
-          <a:effectRef idx="0">
-            <a:schemeClr val="accent1"/>
-          </a:effectRef>
-          <a:fontRef idx="minor">
-            <a:schemeClr val="lt1"/>
-          </a:fontRef>
-        </p:style>
-        <p:txBody>
-          <a:bodyPr rtlCol="0" anchor="ctr"/>
-          <a:lstStyle/>
-          <a:p>
-            <a:pPr marL="0" marR="0" lvl="0" indent="0" algn="ctr" defTabSz="914400" rtl="0" eaLnBrk="1" fontAlgn="auto" latinLnBrk="0" hangingPunct="1">
-              <a:lnSpc>
-                <a:spcPct val="100000"/>
-              </a:lnSpc>
-              <a:spcBef>
-                <a:spcPts val="0"/>
-              </a:spcBef>
-              <a:spcAft>
-                <a:spcPts val="0"/>
-              </a:spcAft>
-              <a:buClrTx/>
-              <a:buSzTx/>
-              <a:buFontTx/>
-              <a:buNone/>
-              <a:tabLst/>
-              <a:defRPr/>
-            </a:pPr>
-            <a:endParaRPr kumimoji="0" lang="en-US" sz="1800" b="0" i="0" u="none" strike="noStrike" kern="1200" cap="none" spc="0" normalizeH="0" baseline="0" noProof="0">
-              <a:ln>
-                <a:noFill/>
-              </a:ln>
-              <a:solidFill>
-                <a:prstClr val="white"/>
-              </a:solidFill>
-              <a:effectLst/>
-              <a:uLnTx/>
-              <a:uFillTx/>
-              <a:latin typeface="Calibri" panose="020F0502020204030204"/>
-              <a:ea typeface="+mn-ea"/>
-              <a:cs typeface="+mn-cs"/>
-            </a:endParaRPr>
-          </a:p>
-        </p:txBody>
-      </p:sp>
-    </p:spTree>
-    <p:extLst>
-      <p:ext uri="{BB962C8B-B14F-4D97-AF65-F5344CB8AC3E}">
-        <p14:creationId xmlns:p14="http://schemas.microsoft.com/office/powerpoint/2010/main" val="2297710178"/>
-      </p:ext>
-    </p:extLst>
-  </p:cSld>
-  <p:clrMapOvr>
-    <a:masterClrMapping/>
-  </p:clrMapOvr>
-</p:sld>
-</file>
-
-<file path=ppt/slides/slide21.xml><?xml version="1.0" encoding="utf-8"?>
-<p:sld xmlns:a="http://schemas.openxmlformats.org/drawingml/2006/main" xmlns:r="http://schemas.openxmlformats.org/officeDocument/2006/relationships" xmlns:p="http://schemas.openxmlformats.org/presentationml/2006/main">
-  <p:cSld>
-    <p:bg>
-      <p:bgPr>
-        <a:solidFill>
-          <a:schemeClr val="bg1"/>
-        </a:solidFill>
-        <a:effectLst/>
-      </p:bgPr>
-    </p:bg>
-    <p:spTree>
-      <p:nvGrpSpPr>
-        <p:cNvPr id="1" name=""/>
-        <p:cNvGrpSpPr/>
-        <p:nvPr/>
-      </p:nvGrpSpPr>
-      <p:grpSpPr>
-        <a:xfrm>
-          <a:off x="0" y="0"/>
-          <a:ext cx="0" cy="0"/>
-          <a:chOff x="0" y="0"/>
-          <a:chExt cx="0" cy="0"/>
-        </a:xfrm>
-      </p:grpSpPr>
-      <p:sp useBgFill="1">
-        <p:nvSpPr>
           <p:cNvPr id="8" name="Rectangle 7">
             <a:extLst>
               <a:ext uri="{FF2B5EF4-FFF2-40B4-BE49-F238E27FC236}">
@@ -15345,7 +14555,7 @@
 </p:sld>
 </file>
 
-<file path=ppt/slides/slide22.xml><?xml version="1.0" encoding="utf-8"?>
+<file path=ppt/slides/slide21.xml><?xml version="1.0" encoding="utf-8"?>
 <p:sld xmlns:a="http://schemas.openxmlformats.org/drawingml/2006/main" xmlns:r="http://schemas.openxmlformats.org/officeDocument/2006/relationships" xmlns:p="http://schemas.openxmlformats.org/presentationml/2006/main">
   <p:cSld>
     <p:bg>
@@ -15806,7 +15016,7 @@
 </p:sld>
 </file>
 
-<file path=ppt/slides/slide23.xml><?xml version="1.0" encoding="utf-8"?>
+<file path=ppt/slides/slide22.xml><?xml version="1.0" encoding="utf-8"?>
 <p:sld xmlns:a="http://schemas.openxmlformats.org/drawingml/2006/main" xmlns:r="http://schemas.openxmlformats.org/officeDocument/2006/relationships" xmlns:p="http://schemas.openxmlformats.org/presentationml/2006/main">
   <p:cSld>
     <p:bg>
@@ -16794,127 +16004,66 @@
           </a:p>
         </p:txBody>
       </p:sp>
-      <mc:AlternateContent xmlns:mc="http://schemas.openxmlformats.org/markup-compatibility/2006" xmlns:a14="http://schemas.microsoft.com/office/drawing/2010/main">
-        <mc:Choice Requires="a14">
-          <p:sp>
-            <p:nvSpPr>
-              <p:cNvPr id="3" name="Inhaltsplatzhalter 2">
-                <a:extLst>
-                  <a:ext uri="{FF2B5EF4-FFF2-40B4-BE49-F238E27FC236}">
-                    <a16:creationId xmlns:a16="http://schemas.microsoft.com/office/drawing/2014/main" id="{8907AA78-4E45-4532-9A4A-FB40DE4AC5FE}"/>
-                  </a:ext>
-                </a:extLst>
-              </p:cNvPr>
-              <p:cNvSpPr>
-                <a:spLocks noGrp="1"/>
-              </p:cNvSpPr>
-              <p:nvPr>
-                <p:ph idx="1"/>
-              </p:nvPr>
-            </p:nvSpPr>
-            <p:spPr>
-              <a:xfrm>
-                <a:off x="1115567" y="2481943"/>
-                <a:ext cx="6577319" cy="3695020"/>
-              </a:xfrm>
-            </p:spPr>
-            <p:txBody>
-              <a:bodyPr>
-                <a:normAutofit/>
-              </a:bodyPr>
-              <a:lstStyle/>
-              <a:p>
-                <a:r>
-                  <a:rPr lang="de-DE" dirty="0"/>
-                  <a:t>Warum eine Schach AI?</a:t>
-                </a:r>
-                <a:endParaRPr lang="de-DE" sz="2400" dirty="0"/>
-              </a:p>
-              <a:p>
-                <a:pPr lvl="1" fontAlgn="base"/>
-                <a:r>
-                  <a:rPr lang="de-DE" dirty="0"/>
-                  <a:t>Schnell erlernte Grundregeln</a:t>
-                </a:r>
-              </a:p>
-              <a:p>
-                <a:pPr lvl="1" fontAlgn="base"/>
-                <a:r>
-                  <a:rPr lang="de-DE" dirty="0"/>
-                  <a:t>Komplexe Prognose von Spielzügen</a:t>
-                </a:r>
-              </a:p>
-              <a:p>
-                <a:pPr lvl="1" fontAlgn="base"/>
-                <a:r>
-                  <a:rPr lang="de-DE" dirty="0"/>
-                  <a:t>Nach </a:t>
-                </a:r>
-                <a14:m>
-                  <m:oMath xmlns:m="http://schemas.openxmlformats.org/officeDocument/2006/math">
-                    <a:fld id="{825F15A7-03F4-43D7-82C5-3E23DA2F108C}" type="mathplaceholder">
-                      <a:rPr lang="de-DE" i="1" smtClean="0">
-                        <a:latin typeface="Cambria Math" panose="02040503050406030204" pitchFamily="18" charset="0"/>
-                      </a:rPr>
-                      <a:t>Geben Sie hier eine Formel ein.</a:t>
-                    </a:fld>
-                  </m:oMath>
-                </a14:m>
-                <a:r>
-                  <a:rPr lang="de-DE" dirty="0"/>
-                  <a:t>2 Zügen bereits 72.084 mögliche Schachfelder</a:t>
-                </a:r>
-              </a:p>
-              <a:p>
-                <a:endParaRPr lang="de-DE" sz="2200" dirty="0"/>
-              </a:p>
-            </p:txBody>
-          </p:sp>
-        </mc:Choice>
-        <mc:Fallback xmlns="">
-          <p:sp>
-            <p:nvSpPr>
-              <p:cNvPr id="3" name="Inhaltsplatzhalter 2">
-                <a:extLst>
-                  <a:ext uri="{FF2B5EF4-FFF2-40B4-BE49-F238E27FC236}">
-                    <a16:creationId xmlns:a16="http://schemas.microsoft.com/office/drawing/2014/main" id="{8907AA78-4E45-4532-9A4A-FB40DE4AC5FE}"/>
-                  </a:ext>
-                </a:extLst>
-              </p:cNvPr>
-              <p:cNvSpPr>
-                <a:spLocks noGrp="1" noRot="1" noChangeAspect="1" noMove="1" noResize="1" noEditPoints="1" noAdjustHandles="1" noChangeArrowheads="1" noChangeShapeType="1" noTextEdit="1"/>
-              </p:cNvSpPr>
-              <p:nvPr>
-                <p:ph idx="1"/>
-              </p:nvPr>
-            </p:nvSpPr>
-            <p:spPr>
-              <a:xfrm>
-                <a:off x="1115567" y="2481943"/>
-                <a:ext cx="6577319" cy="3695020"/>
-              </a:xfrm>
-              <a:blipFill>
-                <a:blip r:embed="rId2"/>
-                <a:stretch>
-                  <a:fillRect l="-1668" t="-2640" r="-2317"/>
-                </a:stretch>
-              </a:blipFill>
-            </p:spPr>
-            <p:txBody>
-              <a:bodyPr/>
-              <a:lstStyle/>
-              <a:p>
-                <a:r>
-                  <a:rPr lang="de-DE">
-                    <a:noFill/>
-                  </a:rPr>
-                  <a:t> </a:t>
-                </a:r>
-              </a:p>
-            </p:txBody>
-          </p:sp>
-        </mc:Fallback>
-      </mc:AlternateContent>
+      <p:sp>
+        <p:nvSpPr>
+          <p:cNvPr id="3" name="Inhaltsplatzhalter 2">
+            <a:extLst>
+              <a:ext uri="{FF2B5EF4-FFF2-40B4-BE49-F238E27FC236}">
+                <a16:creationId xmlns:a16="http://schemas.microsoft.com/office/drawing/2014/main" id="{8907AA78-4E45-4532-9A4A-FB40DE4AC5FE}"/>
+              </a:ext>
+            </a:extLst>
+          </p:cNvPr>
+          <p:cNvSpPr>
+            <a:spLocks noGrp="1"/>
+          </p:cNvSpPr>
+          <p:nvPr>
+            <p:ph idx="1"/>
+          </p:nvPr>
+        </p:nvSpPr>
+        <p:spPr>
+          <a:xfrm>
+            <a:off x="1115567" y="2481943"/>
+            <a:ext cx="6577319" cy="3695020"/>
+          </a:xfrm>
+        </p:spPr>
+        <p:txBody>
+          <a:bodyPr>
+            <a:normAutofit/>
+          </a:bodyPr>
+          <a:lstStyle/>
+          <a:p>
+            <a:r>
+              <a:rPr lang="de-DE" dirty="0"/>
+              <a:t>Warum eine Schach AI?</a:t>
+            </a:r>
+            <a:endParaRPr lang="de-DE" sz="2400" dirty="0"/>
+          </a:p>
+          <a:p>
+            <a:pPr lvl="1" fontAlgn="base"/>
+            <a:r>
+              <a:rPr lang="de-DE" dirty="0"/>
+              <a:t>Schnell erlernte Grundregeln</a:t>
+            </a:r>
+          </a:p>
+          <a:p>
+            <a:pPr lvl="1" fontAlgn="base"/>
+            <a:r>
+              <a:rPr lang="de-DE" dirty="0"/>
+              <a:t>Komplexe Prognose von Spielzügen</a:t>
+            </a:r>
+          </a:p>
+          <a:p>
+            <a:pPr lvl="1" fontAlgn="base"/>
+            <a:r>
+              <a:rPr lang="de-DE" dirty="0"/>
+              <a:t>Nach 2 Zügen bereits 72.084 verschiedene Feldzustände</a:t>
+            </a:r>
+          </a:p>
+          <a:p>
+            <a:endParaRPr lang="de-DE" sz="2200" dirty="0"/>
+          </a:p>
+        </p:txBody>
+      </p:sp>
     </p:spTree>
     <p:extLst>
       <p:ext uri="{BB962C8B-B14F-4D97-AF65-F5344CB8AC3E}">
@@ -18120,14 +17269,22 @@
         </p:spPr>
         <p:txBody>
           <a:bodyPr>
-            <a:normAutofit/>
+            <a:normAutofit lnSpcReduction="10000"/>
           </a:bodyPr>
           <a:lstStyle/>
           <a:p>
             <a:pPr fontAlgn="base"/>
             <a:r>
               <a:rPr lang="de-DE" dirty="0"/>
-              <a:t>2 ineinandergreifende Algorithmen</a:t>
+              <a:t>3 </a:t>
+            </a:r>
+            <a:r>
+              <a:rPr lang="de-DE" dirty="0" err="1"/>
+              <a:t>aufeinanderaufbauende</a:t>
+            </a:r>
+            <a:r>
+              <a:rPr lang="de-DE" dirty="0"/>
+              <a:t> Algorithmen</a:t>
             </a:r>
           </a:p>
           <a:p>
@@ -18149,7 +17306,38 @@
             <a:pPr lvl="1" fontAlgn="base"/>
             <a:r>
               <a:rPr lang="de-DE" dirty="0"/>
-              <a:t>Neuronales Netzwerk (SARSA-Learning) </a:t>
+              <a:t>Temporal </a:t>
+            </a:r>
+            <a:r>
+              <a:rPr lang="de-DE" dirty="0" err="1"/>
+              <a:t>Difference</a:t>
+            </a:r>
+            <a:r>
+              <a:rPr lang="de-DE" dirty="0"/>
+              <a:t> Learning (SARSA)</a:t>
+            </a:r>
+          </a:p>
+          <a:p>
+            <a:pPr lvl="1" fontAlgn="base"/>
+            <a:r>
+              <a:rPr lang="de-DE" dirty="0"/>
+              <a:t>Neuronales Netzwerk (</a:t>
+            </a:r>
+            <a:r>
+              <a:rPr lang="de-DE" dirty="0" err="1"/>
+              <a:t>Convolutional</a:t>
+            </a:r>
+            <a:r>
+              <a:rPr lang="de-DE" dirty="0"/>
+              <a:t> </a:t>
+            </a:r>
+            <a:r>
+              <a:rPr lang="de-DE" dirty="0" err="1"/>
+              <a:t>Neural</a:t>
+            </a:r>
+            <a:r>
+              <a:rPr lang="de-DE" dirty="0"/>
+              <a:t> Network) </a:t>
             </a:r>
           </a:p>
           <a:p>
@@ -18894,6 +18082,51 @@
                                       </p:cBhvr>
                                       <p:to>
                                         <p:strVal val="visible"/>
+                                      </p:to>
+                                    </p:set>
+                                  </p:childTnLst>
+                                </p:cTn>
+                              </p:par>
+                            </p:childTnLst>
+                          </p:cTn>
+                        </p:par>
+                      </p:childTnLst>
+                    </p:cTn>
+                  </p:par>
+                  <p:par>
+                    <p:cTn id="11" fill="hold">
+                      <p:stCondLst>
+                        <p:cond delay="indefinite"/>
+                      </p:stCondLst>
+                      <p:childTnLst>
+                        <p:par>
+                          <p:cTn id="12" fill="hold">
+                            <p:stCondLst>
+                              <p:cond delay="0"/>
+                            </p:stCondLst>
+                            <p:childTnLst>
+                              <p:par>
+                                <p:cTn id="13" presetID="1" presetClass="exit" presetSubtype="0" fill="hold" nodeType="clickEffect">
+                                  <p:stCondLst>
+                                    <p:cond delay="0"/>
+                                  </p:stCondLst>
+                                  <p:childTnLst>
+                                    <p:set>
+                                      <p:cBhvr>
+                                        <p:cTn id="14" dur="1" fill="hold">
+                                          <p:stCondLst>
+                                            <p:cond delay="0"/>
+                                          </p:stCondLst>
+                                        </p:cTn>
+                                        <p:tgtEl>
+                                          <p:spTgt spid="1030"/>
+                                        </p:tgtEl>
+                                        <p:attrNameLst>
+                                          <p:attrName>style.visibility</p:attrName>
+                                        </p:attrNameLst>
+                                      </p:cBhvr>
+                                      <p:to>
+                                        <p:strVal val="hidden"/>
                                       </p:to>
                                     </p:set>
                                   </p:childTnLst>
@@ -19831,18 +19064,18 @@
 </file>
 
 <file path=customXml/item1.xml><?xml version="1.0" encoding="utf-8"?>
-<p:properties xmlns:p="http://schemas.microsoft.com/office/2006/metadata/properties" xmlns:xsi="http://www.w3.org/2001/XMLSchema-instance" xmlns:pc="http://schemas.microsoft.com/office/infopath/2007/PartnerControls">
-  <documentManagement/>
-</p:properties>
-</file>
-
-<file path=customXml/item2.xml><?xml version="1.0" encoding="utf-8"?>
 <?mso-contentType ?>
 <FormTemplates xmlns="http://schemas.microsoft.com/sharepoint/v3/contenttype/forms">
   <Display>DocumentLibraryForm</Display>
   <Edit>DocumentLibraryForm</Edit>
   <New>DocumentLibraryForm</New>
 </FormTemplates>
+</file>
+
+<file path=customXml/item2.xml><?xml version="1.0" encoding="utf-8"?>
+<p:properties xmlns:p="http://schemas.microsoft.com/office/2006/metadata/properties" xmlns:xsi="http://www.w3.org/2001/XMLSchema-instance" xmlns:pc="http://schemas.microsoft.com/office/infopath/2007/PartnerControls">
+  <documentManagement/>
+</p:properties>
 </file>
 
 <file path=customXml/item3.xml><?xml version="1.0" encoding="utf-8"?>
@@ -20063,6 +19296,14 @@
 </file>
 
 <file path=customXml/itemProps1.xml><?xml version="1.0" encoding="utf-8"?>
+<ds:datastoreItem xmlns:ds="http://schemas.openxmlformats.org/officeDocument/2006/customXml" ds:itemID="{CE3F8EDD-2F21-4FBF-BC71-777BF1DA3C2E}">
+  <ds:schemaRefs>
+    <ds:schemaRef ds:uri="http://schemas.microsoft.com/sharepoint/v3/contenttype/forms"/>
+  </ds:schemaRefs>
+</ds:datastoreItem>
+</file>
+
+<file path=customXml/itemProps2.xml><?xml version="1.0" encoding="utf-8"?>
 <ds:datastoreItem xmlns:ds="http://schemas.openxmlformats.org/officeDocument/2006/customXml" ds:itemID="{FB44E75D-7923-4273-AB76-3459B30E8DF4}">
   <ds:schemaRefs>
     <ds:schemaRef ds:uri="http://schemas.microsoft.com/office/2006/metadata/properties"/>
@@ -20075,14 +19316,6 @@
     <ds:schemaRef ds:uri="http://schemas.microsoft.com/office/infopath/2007/PartnerControls"/>
     <ds:schemaRef ds:uri="http://www.w3.org/XML/1998/namespace"/>
     <ds:schemaRef ds:uri="http://purl.org/dc/dcmitype/"/>
-  </ds:schemaRefs>
-</ds:datastoreItem>
-</file>
-
-<file path=customXml/itemProps2.xml><?xml version="1.0" encoding="utf-8"?>
-<ds:datastoreItem xmlns:ds="http://schemas.openxmlformats.org/officeDocument/2006/customXml" ds:itemID="{CE3F8EDD-2F21-4FBF-BC71-777BF1DA3C2E}">
-  <ds:schemaRefs>
-    <ds:schemaRef ds:uri="http://schemas.microsoft.com/sharepoint/v3/contenttype/forms"/>
   </ds:schemaRefs>
 </ds:datastoreItem>
 </file>
